--- a/lecture-slides/aima/ai-chapter3-and-4-problem-solving-by-search-aima.pptx
+++ b/lecture-slides/aima/ai-chapter3-and-4-problem-solving-by-search-aima.pptx
@@ -25509,707 +25509,6 @@
   <p:clrMapOvr>
     <a:masterClrMapping/>
   </p:clrMapOvr>
-  <p:timing>
-    <p:tnLst>
-      <p:par>
-        <p:cTn dur="indefinite" nodeType="tmRoot" restart="never">
-          <p:childTnLst>
-            <p:seq concurrent="1" nextAc="seek">
-              <p:cTn dur="indefinite" id="2" nodeType="mainSeq">
-                <p:childTnLst>
-                  <p:par>
-                    <p:cTn fill="hold">
-                      <p:stCondLst>
-                        <p:cond delay="indefinite"/>
-                      </p:stCondLst>
-                      <p:childTnLst>
-                        <p:par>
-                          <p:cTn fill="hold">
-                            <p:stCondLst>
-                              <p:cond delay="0"/>
-                            </p:stCondLst>
-                            <p:childTnLst>
-                              <p:par>
-                                <p:cTn fill="hold" nodeType="clickEffect" presetClass="entr" presetID="10" presetSubtype="0">
-                                  <p:stCondLst>
-                                    <p:cond delay="0"/>
-                                  </p:stCondLst>
-                                  <p:childTnLst>
-                                    <p:set>
-                                      <p:cBhvr>
-                                        <p:cTn dur="1" fill="hold">
-                                          <p:stCondLst>
-                                            <p:cond delay="0"/>
-                                          </p:stCondLst>
-                                        </p:cTn>
-                                        <p:tgtEl>
-                                          <p:spTgt spid="312">
-                                            <p:txEl>
-                                              <p:pRg end="0" st="0"/>
-                                            </p:txEl>
-                                          </p:spTgt>
-                                        </p:tgtEl>
-                                        <p:attrNameLst>
-                                          <p:attrName>style.visibility</p:attrName>
-                                        </p:attrNameLst>
-                                      </p:cBhvr>
-                                      <p:to>
-                                        <p:strVal val="visible"/>
-                                      </p:to>
-                                    </p:set>
-                                    <p:animEffect filter="fade" transition="in">
-                                      <p:cBhvr>
-                                        <p:cTn dur="500"/>
-                                        <p:tgtEl>
-                                          <p:spTgt spid="312">
-                                            <p:txEl>
-                                              <p:pRg end="0" st="0"/>
-                                            </p:txEl>
-                                          </p:spTgt>
-                                        </p:tgtEl>
-                                      </p:cBhvr>
-                                    </p:animEffect>
-                                  </p:childTnLst>
-                                </p:cTn>
-                              </p:par>
-                            </p:childTnLst>
-                          </p:cTn>
-                        </p:par>
-                      </p:childTnLst>
-                    </p:cTn>
-                  </p:par>
-                  <p:par>
-                    <p:cTn fill="hold">
-                      <p:stCondLst>
-                        <p:cond delay="indefinite"/>
-                      </p:stCondLst>
-                      <p:childTnLst>
-                        <p:par>
-                          <p:cTn fill="hold">
-                            <p:stCondLst>
-                              <p:cond delay="0"/>
-                            </p:stCondLst>
-                            <p:childTnLst>
-                              <p:par>
-                                <p:cTn fill="hold" nodeType="clickEffect" presetClass="entr" presetID="10" presetSubtype="0">
-                                  <p:stCondLst>
-                                    <p:cond delay="0"/>
-                                  </p:stCondLst>
-                                  <p:childTnLst>
-                                    <p:set>
-                                      <p:cBhvr>
-                                        <p:cTn dur="1" fill="hold">
-                                          <p:stCondLst>
-                                            <p:cond delay="0"/>
-                                          </p:stCondLst>
-                                        </p:cTn>
-                                        <p:tgtEl>
-                                          <p:spTgt spid="312">
-                                            <p:txEl>
-                                              <p:pRg end="1" st="1"/>
-                                            </p:txEl>
-                                          </p:spTgt>
-                                        </p:tgtEl>
-                                        <p:attrNameLst>
-                                          <p:attrName>style.visibility</p:attrName>
-                                        </p:attrNameLst>
-                                      </p:cBhvr>
-                                      <p:to>
-                                        <p:strVal val="visible"/>
-                                      </p:to>
-                                    </p:set>
-                                    <p:animEffect filter="fade" transition="in">
-                                      <p:cBhvr>
-                                        <p:cTn dur="500"/>
-                                        <p:tgtEl>
-                                          <p:spTgt spid="312">
-                                            <p:txEl>
-                                              <p:pRg end="1" st="1"/>
-                                            </p:txEl>
-                                          </p:spTgt>
-                                        </p:tgtEl>
-                                      </p:cBhvr>
-                                    </p:animEffect>
-                                  </p:childTnLst>
-                                </p:cTn>
-                              </p:par>
-                            </p:childTnLst>
-                          </p:cTn>
-                        </p:par>
-                      </p:childTnLst>
-                    </p:cTn>
-                  </p:par>
-                  <p:par>
-                    <p:cTn fill="hold">
-                      <p:stCondLst>
-                        <p:cond delay="indefinite"/>
-                      </p:stCondLst>
-                      <p:childTnLst>
-                        <p:par>
-                          <p:cTn fill="hold">
-                            <p:stCondLst>
-                              <p:cond delay="0"/>
-                            </p:stCondLst>
-                            <p:childTnLst>
-                              <p:par>
-                                <p:cTn fill="hold" nodeType="clickEffect" presetClass="entr" presetID="10" presetSubtype="0">
-                                  <p:stCondLst>
-                                    <p:cond delay="0"/>
-                                  </p:stCondLst>
-                                  <p:childTnLst>
-                                    <p:set>
-                                      <p:cBhvr>
-                                        <p:cTn dur="1" fill="hold">
-                                          <p:stCondLst>
-                                            <p:cond delay="0"/>
-                                          </p:stCondLst>
-                                        </p:cTn>
-                                        <p:tgtEl>
-                                          <p:spTgt spid="312">
-                                            <p:txEl>
-                                              <p:pRg end="2" st="2"/>
-                                            </p:txEl>
-                                          </p:spTgt>
-                                        </p:tgtEl>
-                                        <p:attrNameLst>
-                                          <p:attrName>style.visibility</p:attrName>
-                                        </p:attrNameLst>
-                                      </p:cBhvr>
-                                      <p:to>
-                                        <p:strVal val="visible"/>
-                                      </p:to>
-                                    </p:set>
-                                    <p:animEffect filter="fade" transition="in">
-                                      <p:cBhvr>
-                                        <p:cTn dur="500"/>
-                                        <p:tgtEl>
-                                          <p:spTgt spid="312">
-                                            <p:txEl>
-                                              <p:pRg end="2" st="2"/>
-                                            </p:txEl>
-                                          </p:spTgt>
-                                        </p:tgtEl>
-                                      </p:cBhvr>
-                                    </p:animEffect>
-                                  </p:childTnLst>
-                                </p:cTn>
-                              </p:par>
-                            </p:childTnLst>
-                          </p:cTn>
-                        </p:par>
-                      </p:childTnLst>
-                    </p:cTn>
-                  </p:par>
-                  <p:par>
-                    <p:cTn fill="hold">
-                      <p:stCondLst>
-                        <p:cond delay="indefinite"/>
-                      </p:stCondLst>
-                      <p:childTnLst>
-                        <p:par>
-                          <p:cTn fill="hold">
-                            <p:stCondLst>
-                              <p:cond delay="0"/>
-                            </p:stCondLst>
-                            <p:childTnLst>
-                              <p:par>
-                                <p:cTn fill="hold" nodeType="clickEffect" presetClass="entr" presetID="10" presetSubtype="0">
-                                  <p:stCondLst>
-                                    <p:cond delay="0"/>
-                                  </p:stCondLst>
-                                  <p:childTnLst>
-                                    <p:set>
-                                      <p:cBhvr>
-                                        <p:cTn dur="1" fill="hold">
-                                          <p:stCondLst>
-                                            <p:cond delay="0"/>
-                                          </p:stCondLst>
-                                        </p:cTn>
-                                        <p:tgtEl>
-                                          <p:spTgt spid="312">
-                                            <p:txEl>
-                                              <p:pRg end="3" st="3"/>
-                                            </p:txEl>
-                                          </p:spTgt>
-                                        </p:tgtEl>
-                                        <p:attrNameLst>
-                                          <p:attrName>style.visibility</p:attrName>
-                                        </p:attrNameLst>
-                                      </p:cBhvr>
-                                      <p:to>
-                                        <p:strVal val="visible"/>
-                                      </p:to>
-                                    </p:set>
-                                    <p:animEffect filter="fade" transition="in">
-                                      <p:cBhvr>
-                                        <p:cTn dur="500"/>
-                                        <p:tgtEl>
-                                          <p:spTgt spid="312">
-                                            <p:txEl>
-                                              <p:pRg end="3" st="3"/>
-                                            </p:txEl>
-                                          </p:spTgt>
-                                        </p:tgtEl>
-                                      </p:cBhvr>
-                                    </p:animEffect>
-                                  </p:childTnLst>
-                                </p:cTn>
-                              </p:par>
-                            </p:childTnLst>
-                          </p:cTn>
-                        </p:par>
-                      </p:childTnLst>
-                    </p:cTn>
-                  </p:par>
-                  <p:par>
-                    <p:cTn fill="hold">
-                      <p:stCondLst>
-                        <p:cond delay="indefinite"/>
-                      </p:stCondLst>
-                      <p:childTnLst>
-                        <p:par>
-                          <p:cTn fill="hold">
-                            <p:stCondLst>
-                              <p:cond delay="0"/>
-                            </p:stCondLst>
-                            <p:childTnLst>
-                              <p:par>
-                                <p:cTn fill="hold" nodeType="clickEffect" presetClass="entr" presetID="10" presetSubtype="0">
-                                  <p:stCondLst>
-                                    <p:cond delay="0"/>
-                                  </p:stCondLst>
-                                  <p:childTnLst>
-                                    <p:set>
-                                      <p:cBhvr>
-                                        <p:cTn dur="1" fill="hold">
-                                          <p:stCondLst>
-                                            <p:cond delay="0"/>
-                                          </p:stCondLst>
-                                        </p:cTn>
-                                        <p:tgtEl>
-                                          <p:spTgt spid="312">
-                                            <p:txEl>
-                                              <p:pRg end="4" st="4"/>
-                                            </p:txEl>
-                                          </p:spTgt>
-                                        </p:tgtEl>
-                                        <p:attrNameLst>
-                                          <p:attrName>style.visibility</p:attrName>
-                                        </p:attrNameLst>
-                                      </p:cBhvr>
-                                      <p:to>
-                                        <p:strVal val="visible"/>
-                                      </p:to>
-                                    </p:set>
-                                    <p:animEffect filter="fade" transition="in">
-                                      <p:cBhvr>
-                                        <p:cTn dur="500"/>
-                                        <p:tgtEl>
-                                          <p:spTgt spid="312">
-                                            <p:txEl>
-                                              <p:pRg end="4" st="4"/>
-                                            </p:txEl>
-                                          </p:spTgt>
-                                        </p:tgtEl>
-                                      </p:cBhvr>
-                                    </p:animEffect>
-                                  </p:childTnLst>
-                                </p:cTn>
-                              </p:par>
-                            </p:childTnLst>
-                          </p:cTn>
-                        </p:par>
-                      </p:childTnLst>
-                    </p:cTn>
-                  </p:par>
-                  <p:par>
-                    <p:cTn fill="hold">
-                      <p:stCondLst>
-                        <p:cond delay="indefinite"/>
-                      </p:stCondLst>
-                      <p:childTnLst>
-                        <p:par>
-                          <p:cTn fill="hold">
-                            <p:stCondLst>
-                              <p:cond delay="0"/>
-                            </p:stCondLst>
-                            <p:childTnLst>
-                              <p:par>
-                                <p:cTn fill="hold" nodeType="clickEffect" presetClass="entr" presetID="10" presetSubtype="0">
-                                  <p:stCondLst>
-                                    <p:cond delay="0"/>
-                                  </p:stCondLst>
-                                  <p:childTnLst>
-                                    <p:set>
-                                      <p:cBhvr>
-                                        <p:cTn dur="1" fill="hold">
-                                          <p:stCondLst>
-                                            <p:cond delay="0"/>
-                                          </p:stCondLst>
-                                        </p:cTn>
-                                        <p:tgtEl>
-                                          <p:spTgt spid="312">
-                                            <p:txEl>
-                                              <p:pRg end="5" st="5"/>
-                                            </p:txEl>
-                                          </p:spTgt>
-                                        </p:tgtEl>
-                                        <p:attrNameLst>
-                                          <p:attrName>style.visibility</p:attrName>
-                                        </p:attrNameLst>
-                                      </p:cBhvr>
-                                      <p:to>
-                                        <p:strVal val="visible"/>
-                                      </p:to>
-                                    </p:set>
-                                    <p:animEffect filter="fade" transition="in">
-                                      <p:cBhvr>
-                                        <p:cTn dur="500"/>
-                                        <p:tgtEl>
-                                          <p:spTgt spid="312">
-                                            <p:txEl>
-                                              <p:pRg end="5" st="5"/>
-                                            </p:txEl>
-                                          </p:spTgt>
-                                        </p:tgtEl>
-                                      </p:cBhvr>
-                                    </p:animEffect>
-                                  </p:childTnLst>
-                                </p:cTn>
-                              </p:par>
-                            </p:childTnLst>
-                          </p:cTn>
-                        </p:par>
-                      </p:childTnLst>
-                    </p:cTn>
-                  </p:par>
-                  <p:par>
-                    <p:cTn fill="hold">
-                      <p:stCondLst>
-                        <p:cond delay="indefinite"/>
-                      </p:stCondLst>
-                      <p:childTnLst>
-                        <p:par>
-                          <p:cTn fill="hold">
-                            <p:stCondLst>
-                              <p:cond delay="0"/>
-                            </p:stCondLst>
-                            <p:childTnLst>
-                              <p:par>
-                                <p:cTn fill="hold" nodeType="clickEffect" presetClass="entr" presetID="10" presetSubtype="0">
-                                  <p:stCondLst>
-                                    <p:cond delay="0"/>
-                                  </p:stCondLst>
-                                  <p:childTnLst>
-                                    <p:set>
-                                      <p:cBhvr>
-                                        <p:cTn dur="1" fill="hold">
-                                          <p:stCondLst>
-                                            <p:cond delay="0"/>
-                                          </p:stCondLst>
-                                        </p:cTn>
-                                        <p:tgtEl>
-                                          <p:spTgt spid="312">
-                                            <p:txEl>
-                                              <p:pRg end="6" st="6"/>
-                                            </p:txEl>
-                                          </p:spTgt>
-                                        </p:tgtEl>
-                                        <p:attrNameLst>
-                                          <p:attrName>style.visibility</p:attrName>
-                                        </p:attrNameLst>
-                                      </p:cBhvr>
-                                      <p:to>
-                                        <p:strVal val="visible"/>
-                                      </p:to>
-                                    </p:set>
-                                    <p:animEffect filter="fade" transition="in">
-                                      <p:cBhvr>
-                                        <p:cTn dur="500"/>
-                                        <p:tgtEl>
-                                          <p:spTgt spid="312">
-                                            <p:txEl>
-                                              <p:pRg end="6" st="6"/>
-                                            </p:txEl>
-                                          </p:spTgt>
-                                        </p:tgtEl>
-                                      </p:cBhvr>
-                                    </p:animEffect>
-                                  </p:childTnLst>
-                                </p:cTn>
-                              </p:par>
-                            </p:childTnLst>
-                          </p:cTn>
-                        </p:par>
-                      </p:childTnLst>
-                    </p:cTn>
-                  </p:par>
-                  <p:par>
-                    <p:cTn fill="hold">
-                      <p:stCondLst>
-                        <p:cond delay="indefinite"/>
-                      </p:stCondLst>
-                      <p:childTnLst>
-                        <p:par>
-                          <p:cTn fill="hold">
-                            <p:stCondLst>
-                              <p:cond delay="0"/>
-                            </p:stCondLst>
-                            <p:childTnLst>
-                              <p:par>
-                                <p:cTn fill="hold" nodeType="clickEffect" presetClass="entr" presetID="10" presetSubtype="0">
-                                  <p:stCondLst>
-                                    <p:cond delay="0"/>
-                                  </p:stCondLst>
-                                  <p:childTnLst>
-                                    <p:set>
-                                      <p:cBhvr>
-                                        <p:cTn dur="1" fill="hold">
-                                          <p:stCondLst>
-                                            <p:cond delay="0"/>
-                                          </p:stCondLst>
-                                        </p:cTn>
-                                        <p:tgtEl>
-                                          <p:spTgt spid="312">
-                                            <p:txEl>
-                                              <p:pRg end="7" st="7"/>
-                                            </p:txEl>
-                                          </p:spTgt>
-                                        </p:tgtEl>
-                                        <p:attrNameLst>
-                                          <p:attrName>style.visibility</p:attrName>
-                                        </p:attrNameLst>
-                                      </p:cBhvr>
-                                      <p:to>
-                                        <p:strVal val="visible"/>
-                                      </p:to>
-                                    </p:set>
-                                    <p:animEffect filter="fade" transition="in">
-                                      <p:cBhvr>
-                                        <p:cTn dur="500"/>
-                                        <p:tgtEl>
-                                          <p:spTgt spid="312">
-                                            <p:txEl>
-                                              <p:pRg end="7" st="7"/>
-                                            </p:txEl>
-                                          </p:spTgt>
-                                        </p:tgtEl>
-                                      </p:cBhvr>
-                                    </p:animEffect>
-                                  </p:childTnLst>
-                                </p:cTn>
-                              </p:par>
-                            </p:childTnLst>
-                          </p:cTn>
-                        </p:par>
-                      </p:childTnLst>
-                    </p:cTn>
-                  </p:par>
-                  <p:par>
-                    <p:cTn fill="hold">
-                      <p:stCondLst>
-                        <p:cond delay="indefinite"/>
-                      </p:stCondLst>
-                      <p:childTnLst>
-                        <p:par>
-                          <p:cTn fill="hold">
-                            <p:stCondLst>
-                              <p:cond delay="0"/>
-                            </p:stCondLst>
-                            <p:childTnLst>
-                              <p:par>
-                                <p:cTn fill="hold" nodeType="clickEffect" presetClass="entr" presetID="10" presetSubtype="0">
-                                  <p:stCondLst>
-                                    <p:cond delay="0"/>
-                                  </p:stCondLst>
-                                  <p:childTnLst>
-                                    <p:set>
-                                      <p:cBhvr>
-                                        <p:cTn dur="1" fill="hold">
-                                          <p:stCondLst>
-                                            <p:cond delay="0"/>
-                                          </p:stCondLst>
-                                        </p:cTn>
-                                        <p:tgtEl>
-                                          <p:spTgt spid="312">
-                                            <p:txEl>
-                                              <p:pRg end="8" st="8"/>
-                                            </p:txEl>
-                                          </p:spTgt>
-                                        </p:tgtEl>
-                                        <p:attrNameLst>
-                                          <p:attrName>style.visibility</p:attrName>
-                                        </p:attrNameLst>
-                                      </p:cBhvr>
-                                      <p:to>
-                                        <p:strVal val="visible"/>
-                                      </p:to>
-                                    </p:set>
-                                    <p:animEffect filter="fade" transition="in">
-                                      <p:cBhvr>
-                                        <p:cTn dur="500"/>
-                                        <p:tgtEl>
-                                          <p:spTgt spid="312">
-                                            <p:txEl>
-                                              <p:pRg end="8" st="8"/>
-                                            </p:txEl>
-                                          </p:spTgt>
-                                        </p:tgtEl>
-                                      </p:cBhvr>
-                                    </p:animEffect>
-                                  </p:childTnLst>
-                                </p:cTn>
-                              </p:par>
-                            </p:childTnLst>
-                          </p:cTn>
-                        </p:par>
-                      </p:childTnLst>
-                    </p:cTn>
-                  </p:par>
-                  <p:par>
-                    <p:cTn fill="hold">
-                      <p:stCondLst>
-                        <p:cond delay="indefinite"/>
-                      </p:stCondLst>
-                      <p:childTnLst>
-                        <p:par>
-                          <p:cTn fill="hold">
-                            <p:stCondLst>
-                              <p:cond delay="0"/>
-                            </p:stCondLst>
-                            <p:childTnLst>
-                              <p:par>
-                                <p:cTn fill="hold" nodeType="clickEffect" presetClass="entr" presetID="10" presetSubtype="0">
-                                  <p:stCondLst>
-                                    <p:cond delay="0"/>
-                                  </p:stCondLst>
-                                  <p:childTnLst>
-                                    <p:set>
-                                      <p:cBhvr>
-                                        <p:cTn dur="1" fill="hold">
-                                          <p:stCondLst>
-                                            <p:cond delay="0"/>
-                                          </p:stCondLst>
-                                        </p:cTn>
-                                        <p:tgtEl>
-                                          <p:spTgt spid="312">
-                                            <p:txEl>
-                                              <p:pRg end="9" st="9"/>
-                                            </p:txEl>
-                                          </p:spTgt>
-                                        </p:tgtEl>
-                                        <p:attrNameLst>
-                                          <p:attrName>style.visibility</p:attrName>
-                                        </p:attrNameLst>
-                                      </p:cBhvr>
-                                      <p:to>
-                                        <p:strVal val="visible"/>
-                                      </p:to>
-                                    </p:set>
-                                    <p:animEffect filter="fade" transition="in">
-                                      <p:cBhvr>
-                                        <p:cTn dur="500"/>
-                                        <p:tgtEl>
-                                          <p:spTgt spid="312">
-                                            <p:txEl>
-                                              <p:pRg end="9" st="9"/>
-                                            </p:txEl>
-                                          </p:spTgt>
-                                        </p:tgtEl>
-                                      </p:cBhvr>
-                                    </p:animEffect>
-                                  </p:childTnLst>
-                                </p:cTn>
-                              </p:par>
-                            </p:childTnLst>
-                          </p:cTn>
-                        </p:par>
-                      </p:childTnLst>
-                    </p:cTn>
-                  </p:par>
-                  <p:par>
-                    <p:cTn fill="hold">
-                      <p:stCondLst>
-                        <p:cond delay="indefinite"/>
-                      </p:stCondLst>
-                      <p:childTnLst>
-                        <p:par>
-                          <p:cTn fill="hold">
-                            <p:stCondLst>
-                              <p:cond delay="0"/>
-                            </p:stCondLst>
-                            <p:childTnLst>
-                              <p:par>
-                                <p:cTn fill="hold" nodeType="clickEffect" presetClass="entr" presetID="10" presetSubtype="0">
-                                  <p:stCondLst>
-                                    <p:cond delay="0"/>
-                                  </p:stCondLst>
-                                  <p:childTnLst>
-                                    <p:set>
-                                      <p:cBhvr>
-                                        <p:cTn dur="1" fill="hold">
-                                          <p:stCondLst>
-                                            <p:cond delay="0"/>
-                                          </p:stCondLst>
-                                        </p:cTn>
-                                        <p:tgtEl>
-                                          <p:spTgt spid="312">
-                                            <p:txEl>
-                                              <p:pRg end="10" st="10"/>
-                                            </p:txEl>
-                                          </p:spTgt>
-                                        </p:tgtEl>
-                                        <p:attrNameLst>
-                                          <p:attrName>style.visibility</p:attrName>
-                                        </p:attrNameLst>
-                                      </p:cBhvr>
-                                      <p:to>
-                                        <p:strVal val="visible"/>
-                                      </p:to>
-                                    </p:set>
-                                    <p:animEffect filter="fade" transition="in">
-                                      <p:cBhvr>
-                                        <p:cTn dur="500"/>
-                                        <p:tgtEl>
-                                          <p:spTgt spid="312">
-                                            <p:txEl>
-                                              <p:pRg end="10" st="10"/>
-                                            </p:txEl>
-                                          </p:spTgt>
-                                        </p:tgtEl>
-                                      </p:cBhvr>
-                                    </p:animEffect>
-                                  </p:childTnLst>
-                                </p:cTn>
-                              </p:par>
-                            </p:childTnLst>
-                          </p:cTn>
-                        </p:par>
-                      </p:childTnLst>
-                    </p:cTn>
-                  </p:par>
-                </p:childTnLst>
-              </p:cTn>
-              <p:prevCondLst>
-                <p:cond evt="onPrev">
-                  <p:tgtEl>
-                    <p:sldTgt/>
-                  </p:tgtEl>
-                </p:cond>
-              </p:prevCondLst>
-              <p:nextCondLst>
-                <p:cond evt="onNext">
-                  <p:tgtEl>
-                    <p:sldTgt/>
-                  </p:tgtEl>
-                </p:cond>
-              </p:nextCondLst>
-            </p:seq>
-          </p:childTnLst>
-        </p:cTn>
-      </p:par>
-    </p:tnLst>
-  </p:timing>
 </p:sld>
 </file>
 
@@ -26905,402 +26204,6 @@
   <p:clrMapOvr>
     <a:masterClrMapping/>
   </p:clrMapOvr>
-  <p:timing>
-    <p:tnLst>
-      <p:par>
-        <p:cTn dur="indefinite" nodeType="tmRoot" restart="never">
-          <p:childTnLst>
-            <p:seq concurrent="1" nextAc="seek">
-              <p:cTn dur="indefinite" id="2" nodeType="mainSeq">
-                <p:childTnLst>
-                  <p:par>
-                    <p:cTn fill="hold">
-                      <p:stCondLst>
-                        <p:cond delay="indefinite"/>
-                      </p:stCondLst>
-                      <p:childTnLst>
-                        <p:par>
-                          <p:cTn fill="hold">
-                            <p:stCondLst>
-                              <p:cond delay="0"/>
-                            </p:stCondLst>
-                            <p:childTnLst>
-                              <p:par>
-                                <p:cTn fill="hold" nodeType="clickEffect" presetClass="entr" presetID="10" presetSubtype="0">
-                                  <p:stCondLst>
-                                    <p:cond delay="0"/>
-                                  </p:stCondLst>
-                                  <p:childTnLst>
-                                    <p:set>
-                                      <p:cBhvr>
-                                        <p:cTn dur="1" fill="hold">
-                                          <p:stCondLst>
-                                            <p:cond delay="0"/>
-                                          </p:stCondLst>
-                                        </p:cTn>
-                                        <p:tgtEl>
-                                          <p:spTgt spid="329">
-                                            <p:txEl>
-                                              <p:pRg end="0" st="0"/>
-                                            </p:txEl>
-                                          </p:spTgt>
-                                        </p:tgtEl>
-                                        <p:attrNameLst>
-                                          <p:attrName>style.visibility</p:attrName>
-                                        </p:attrNameLst>
-                                      </p:cBhvr>
-                                      <p:to>
-                                        <p:strVal val="visible"/>
-                                      </p:to>
-                                    </p:set>
-                                    <p:animEffect filter="fade" transition="in">
-                                      <p:cBhvr>
-                                        <p:cTn dur="500"/>
-                                        <p:tgtEl>
-                                          <p:spTgt spid="329">
-                                            <p:txEl>
-                                              <p:pRg end="0" st="0"/>
-                                            </p:txEl>
-                                          </p:spTgt>
-                                        </p:tgtEl>
-                                      </p:cBhvr>
-                                    </p:animEffect>
-                                  </p:childTnLst>
-                                </p:cTn>
-                              </p:par>
-                            </p:childTnLst>
-                          </p:cTn>
-                        </p:par>
-                      </p:childTnLst>
-                    </p:cTn>
-                  </p:par>
-                  <p:par>
-                    <p:cTn fill="hold">
-                      <p:stCondLst>
-                        <p:cond delay="indefinite"/>
-                      </p:stCondLst>
-                      <p:childTnLst>
-                        <p:par>
-                          <p:cTn fill="hold">
-                            <p:stCondLst>
-                              <p:cond delay="0"/>
-                            </p:stCondLst>
-                            <p:childTnLst>
-                              <p:par>
-                                <p:cTn fill="hold" nodeType="clickEffect" presetClass="entr" presetID="10" presetSubtype="0">
-                                  <p:stCondLst>
-                                    <p:cond delay="0"/>
-                                  </p:stCondLst>
-                                  <p:childTnLst>
-                                    <p:set>
-                                      <p:cBhvr>
-                                        <p:cTn dur="1" fill="hold">
-                                          <p:stCondLst>
-                                            <p:cond delay="0"/>
-                                          </p:stCondLst>
-                                        </p:cTn>
-                                        <p:tgtEl>
-                                          <p:spTgt spid="329">
-                                            <p:txEl>
-                                              <p:pRg end="1" st="1"/>
-                                            </p:txEl>
-                                          </p:spTgt>
-                                        </p:tgtEl>
-                                        <p:attrNameLst>
-                                          <p:attrName>style.visibility</p:attrName>
-                                        </p:attrNameLst>
-                                      </p:cBhvr>
-                                      <p:to>
-                                        <p:strVal val="visible"/>
-                                      </p:to>
-                                    </p:set>
-                                    <p:animEffect filter="fade" transition="in">
-                                      <p:cBhvr>
-                                        <p:cTn dur="500"/>
-                                        <p:tgtEl>
-                                          <p:spTgt spid="329">
-                                            <p:txEl>
-                                              <p:pRg end="1" st="1"/>
-                                            </p:txEl>
-                                          </p:spTgt>
-                                        </p:tgtEl>
-                                      </p:cBhvr>
-                                    </p:animEffect>
-                                  </p:childTnLst>
-                                </p:cTn>
-                              </p:par>
-                            </p:childTnLst>
-                          </p:cTn>
-                        </p:par>
-                      </p:childTnLst>
-                    </p:cTn>
-                  </p:par>
-                  <p:par>
-                    <p:cTn fill="hold">
-                      <p:stCondLst>
-                        <p:cond delay="indefinite"/>
-                      </p:stCondLst>
-                      <p:childTnLst>
-                        <p:par>
-                          <p:cTn fill="hold">
-                            <p:stCondLst>
-                              <p:cond delay="0"/>
-                            </p:stCondLst>
-                            <p:childTnLst>
-                              <p:par>
-                                <p:cTn fill="hold" nodeType="clickEffect" presetClass="entr" presetID="10" presetSubtype="0">
-                                  <p:stCondLst>
-                                    <p:cond delay="0"/>
-                                  </p:stCondLst>
-                                  <p:childTnLst>
-                                    <p:set>
-                                      <p:cBhvr>
-                                        <p:cTn dur="1" fill="hold">
-                                          <p:stCondLst>
-                                            <p:cond delay="0"/>
-                                          </p:stCondLst>
-                                        </p:cTn>
-                                        <p:tgtEl>
-                                          <p:spTgt spid="329">
-                                            <p:txEl>
-                                              <p:pRg end="2" st="2"/>
-                                            </p:txEl>
-                                          </p:spTgt>
-                                        </p:tgtEl>
-                                        <p:attrNameLst>
-                                          <p:attrName>style.visibility</p:attrName>
-                                        </p:attrNameLst>
-                                      </p:cBhvr>
-                                      <p:to>
-                                        <p:strVal val="visible"/>
-                                      </p:to>
-                                    </p:set>
-                                    <p:animEffect filter="fade" transition="in">
-                                      <p:cBhvr>
-                                        <p:cTn dur="500"/>
-                                        <p:tgtEl>
-                                          <p:spTgt spid="329">
-                                            <p:txEl>
-                                              <p:pRg end="2" st="2"/>
-                                            </p:txEl>
-                                          </p:spTgt>
-                                        </p:tgtEl>
-                                      </p:cBhvr>
-                                    </p:animEffect>
-                                  </p:childTnLst>
-                                </p:cTn>
-                              </p:par>
-                            </p:childTnLst>
-                          </p:cTn>
-                        </p:par>
-                      </p:childTnLst>
-                    </p:cTn>
-                  </p:par>
-                  <p:par>
-                    <p:cTn fill="hold">
-                      <p:stCondLst>
-                        <p:cond delay="indefinite"/>
-                      </p:stCondLst>
-                      <p:childTnLst>
-                        <p:par>
-                          <p:cTn fill="hold">
-                            <p:stCondLst>
-                              <p:cond delay="0"/>
-                            </p:stCondLst>
-                            <p:childTnLst>
-                              <p:par>
-                                <p:cTn fill="hold" nodeType="clickEffect" presetClass="entr" presetID="10" presetSubtype="0">
-                                  <p:stCondLst>
-                                    <p:cond delay="0"/>
-                                  </p:stCondLst>
-                                  <p:childTnLst>
-                                    <p:set>
-                                      <p:cBhvr>
-                                        <p:cTn dur="1" fill="hold">
-                                          <p:stCondLst>
-                                            <p:cond delay="0"/>
-                                          </p:stCondLst>
-                                        </p:cTn>
-                                        <p:tgtEl>
-                                          <p:spTgt spid="329">
-                                            <p:txEl>
-                                              <p:pRg end="3" st="3"/>
-                                            </p:txEl>
-                                          </p:spTgt>
-                                        </p:tgtEl>
-                                        <p:attrNameLst>
-                                          <p:attrName>style.visibility</p:attrName>
-                                        </p:attrNameLst>
-                                      </p:cBhvr>
-                                      <p:to>
-                                        <p:strVal val="visible"/>
-                                      </p:to>
-                                    </p:set>
-                                    <p:animEffect filter="fade" transition="in">
-                                      <p:cBhvr>
-                                        <p:cTn dur="500"/>
-                                        <p:tgtEl>
-                                          <p:spTgt spid="329">
-                                            <p:txEl>
-                                              <p:pRg end="3" st="3"/>
-                                            </p:txEl>
-                                          </p:spTgt>
-                                        </p:tgtEl>
-                                      </p:cBhvr>
-                                    </p:animEffect>
-                                  </p:childTnLst>
-                                </p:cTn>
-                              </p:par>
-                            </p:childTnLst>
-                          </p:cTn>
-                        </p:par>
-                      </p:childTnLst>
-                    </p:cTn>
-                  </p:par>
-                  <p:par>
-                    <p:cTn fill="hold">
-                      <p:stCondLst>
-                        <p:cond delay="indefinite"/>
-                      </p:stCondLst>
-                      <p:childTnLst>
-                        <p:par>
-                          <p:cTn fill="hold">
-                            <p:stCondLst>
-                              <p:cond delay="0"/>
-                            </p:stCondLst>
-                            <p:childTnLst>
-                              <p:par>
-                                <p:cTn fill="hold" nodeType="clickEffect" presetClass="entr" presetID="10" presetSubtype="0">
-                                  <p:stCondLst>
-                                    <p:cond delay="0"/>
-                                  </p:stCondLst>
-                                  <p:childTnLst>
-                                    <p:set>
-                                      <p:cBhvr>
-                                        <p:cTn dur="1" fill="hold">
-                                          <p:stCondLst>
-                                            <p:cond delay="0"/>
-                                          </p:stCondLst>
-                                        </p:cTn>
-                                        <p:tgtEl>
-                                          <p:spTgt spid="329">
-                                            <p:txEl>
-                                              <p:pRg end="4" st="4"/>
-                                            </p:txEl>
-                                          </p:spTgt>
-                                        </p:tgtEl>
-                                        <p:attrNameLst>
-                                          <p:attrName>style.visibility</p:attrName>
-                                        </p:attrNameLst>
-                                      </p:cBhvr>
-                                      <p:to>
-                                        <p:strVal val="visible"/>
-                                      </p:to>
-                                    </p:set>
-                                    <p:animEffect filter="fade" transition="in">
-                                      <p:cBhvr>
-                                        <p:cTn dur="500"/>
-                                        <p:tgtEl>
-                                          <p:spTgt spid="329">
-                                            <p:txEl>
-                                              <p:pRg end="4" st="4"/>
-                                            </p:txEl>
-                                          </p:spTgt>
-                                        </p:tgtEl>
-                                      </p:cBhvr>
-                                    </p:animEffect>
-                                  </p:childTnLst>
-                                </p:cTn>
-                              </p:par>
-                            </p:childTnLst>
-                          </p:cTn>
-                        </p:par>
-                      </p:childTnLst>
-                    </p:cTn>
-                  </p:par>
-                  <p:par>
-                    <p:cTn fill="hold">
-                      <p:stCondLst>
-                        <p:cond delay="indefinite"/>
-                      </p:stCondLst>
-                      <p:childTnLst>
-                        <p:par>
-                          <p:cTn fill="hold">
-                            <p:stCondLst>
-                              <p:cond delay="0"/>
-                            </p:stCondLst>
-                            <p:childTnLst>
-                              <p:par>
-                                <p:cTn fill="hold" nodeType="clickEffect" presetClass="entr" presetID="10" presetSubtype="0">
-                                  <p:stCondLst>
-                                    <p:cond delay="0"/>
-                                  </p:stCondLst>
-                                  <p:childTnLst>
-                                    <p:set>
-                                      <p:cBhvr>
-                                        <p:cTn dur="1" fill="hold">
-                                          <p:stCondLst>
-                                            <p:cond delay="0"/>
-                                          </p:stCondLst>
-                                        </p:cTn>
-                                        <p:tgtEl>
-                                          <p:spTgt spid="329">
-                                            <p:txEl>
-                                              <p:pRg end="5" st="5"/>
-                                            </p:txEl>
-                                          </p:spTgt>
-                                        </p:tgtEl>
-                                        <p:attrNameLst>
-                                          <p:attrName>style.visibility</p:attrName>
-                                        </p:attrNameLst>
-                                      </p:cBhvr>
-                                      <p:to>
-                                        <p:strVal val="visible"/>
-                                      </p:to>
-                                    </p:set>
-                                    <p:animEffect filter="fade" transition="in">
-                                      <p:cBhvr>
-                                        <p:cTn dur="500"/>
-                                        <p:tgtEl>
-                                          <p:spTgt spid="329">
-                                            <p:txEl>
-                                              <p:pRg end="5" st="5"/>
-                                            </p:txEl>
-                                          </p:spTgt>
-                                        </p:tgtEl>
-                                      </p:cBhvr>
-                                    </p:animEffect>
-                                  </p:childTnLst>
-                                </p:cTn>
-                              </p:par>
-                            </p:childTnLst>
-                          </p:cTn>
-                        </p:par>
-                      </p:childTnLst>
-                    </p:cTn>
-                  </p:par>
-                </p:childTnLst>
-              </p:cTn>
-              <p:prevCondLst>
-                <p:cond evt="onPrev">
-                  <p:tgtEl>
-                    <p:sldTgt/>
-                  </p:tgtEl>
-                </p:cond>
-              </p:prevCondLst>
-              <p:nextCondLst>
-                <p:cond evt="onNext">
-                  <p:tgtEl>
-                    <p:sldTgt/>
-                  </p:tgtEl>
-                </p:cond>
-              </p:nextCondLst>
-            </p:seq>
-          </p:childTnLst>
-        </p:cTn>
-      </p:par>
-    </p:tnLst>
-  </p:timing>
 </p:sld>
 </file>
 
@@ -31453,402 +30356,6 @@
   <p:clrMapOvr>
     <a:masterClrMapping/>
   </p:clrMapOvr>
-  <p:timing>
-    <p:tnLst>
-      <p:par>
-        <p:cTn dur="indefinite" nodeType="tmRoot" restart="never">
-          <p:childTnLst>
-            <p:seq concurrent="1" nextAc="seek">
-              <p:cTn dur="indefinite" id="2" nodeType="mainSeq">
-                <p:childTnLst>
-                  <p:par>
-                    <p:cTn fill="hold">
-                      <p:stCondLst>
-                        <p:cond delay="indefinite"/>
-                      </p:stCondLst>
-                      <p:childTnLst>
-                        <p:par>
-                          <p:cTn fill="hold">
-                            <p:stCondLst>
-                              <p:cond delay="0"/>
-                            </p:stCondLst>
-                            <p:childTnLst>
-                              <p:par>
-                                <p:cTn fill="hold" nodeType="clickEffect" presetClass="entr" presetID="10" presetSubtype="0">
-                                  <p:stCondLst>
-                                    <p:cond delay="0"/>
-                                  </p:stCondLst>
-                                  <p:childTnLst>
-                                    <p:set>
-                                      <p:cBhvr>
-                                        <p:cTn dur="1" fill="hold">
-                                          <p:stCondLst>
-                                            <p:cond delay="0"/>
-                                          </p:stCondLst>
-                                        </p:cTn>
-                                        <p:tgtEl>
-                                          <p:spTgt spid="378">
-                                            <p:txEl>
-                                              <p:pRg end="0" st="0"/>
-                                            </p:txEl>
-                                          </p:spTgt>
-                                        </p:tgtEl>
-                                        <p:attrNameLst>
-                                          <p:attrName>style.visibility</p:attrName>
-                                        </p:attrNameLst>
-                                      </p:cBhvr>
-                                      <p:to>
-                                        <p:strVal val="visible"/>
-                                      </p:to>
-                                    </p:set>
-                                    <p:animEffect filter="fade" transition="in">
-                                      <p:cBhvr>
-                                        <p:cTn dur="500"/>
-                                        <p:tgtEl>
-                                          <p:spTgt spid="378">
-                                            <p:txEl>
-                                              <p:pRg end="0" st="0"/>
-                                            </p:txEl>
-                                          </p:spTgt>
-                                        </p:tgtEl>
-                                      </p:cBhvr>
-                                    </p:animEffect>
-                                  </p:childTnLst>
-                                </p:cTn>
-                              </p:par>
-                            </p:childTnLst>
-                          </p:cTn>
-                        </p:par>
-                      </p:childTnLst>
-                    </p:cTn>
-                  </p:par>
-                  <p:par>
-                    <p:cTn fill="hold">
-                      <p:stCondLst>
-                        <p:cond delay="indefinite"/>
-                      </p:stCondLst>
-                      <p:childTnLst>
-                        <p:par>
-                          <p:cTn fill="hold">
-                            <p:stCondLst>
-                              <p:cond delay="0"/>
-                            </p:stCondLst>
-                            <p:childTnLst>
-                              <p:par>
-                                <p:cTn fill="hold" nodeType="clickEffect" presetClass="entr" presetID="10" presetSubtype="0">
-                                  <p:stCondLst>
-                                    <p:cond delay="0"/>
-                                  </p:stCondLst>
-                                  <p:childTnLst>
-                                    <p:set>
-                                      <p:cBhvr>
-                                        <p:cTn dur="1" fill="hold">
-                                          <p:stCondLst>
-                                            <p:cond delay="0"/>
-                                          </p:stCondLst>
-                                        </p:cTn>
-                                        <p:tgtEl>
-                                          <p:spTgt spid="378">
-                                            <p:txEl>
-                                              <p:pRg end="1" st="1"/>
-                                            </p:txEl>
-                                          </p:spTgt>
-                                        </p:tgtEl>
-                                        <p:attrNameLst>
-                                          <p:attrName>style.visibility</p:attrName>
-                                        </p:attrNameLst>
-                                      </p:cBhvr>
-                                      <p:to>
-                                        <p:strVal val="visible"/>
-                                      </p:to>
-                                    </p:set>
-                                    <p:animEffect filter="fade" transition="in">
-                                      <p:cBhvr>
-                                        <p:cTn dur="500"/>
-                                        <p:tgtEl>
-                                          <p:spTgt spid="378">
-                                            <p:txEl>
-                                              <p:pRg end="1" st="1"/>
-                                            </p:txEl>
-                                          </p:spTgt>
-                                        </p:tgtEl>
-                                      </p:cBhvr>
-                                    </p:animEffect>
-                                  </p:childTnLst>
-                                </p:cTn>
-                              </p:par>
-                            </p:childTnLst>
-                          </p:cTn>
-                        </p:par>
-                      </p:childTnLst>
-                    </p:cTn>
-                  </p:par>
-                  <p:par>
-                    <p:cTn fill="hold">
-                      <p:stCondLst>
-                        <p:cond delay="indefinite"/>
-                      </p:stCondLst>
-                      <p:childTnLst>
-                        <p:par>
-                          <p:cTn fill="hold">
-                            <p:stCondLst>
-                              <p:cond delay="0"/>
-                            </p:stCondLst>
-                            <p:childTnLst>
-                              <p:par>
-                                <p:cTn fill="hold" nodeType="clickEffect" presetClass="entr" presetID="10" presetSubtype="0">
-                                  <p:stCondLst>
-                                    <p:cond delay="0"/>
-                                  </p:stCondLst>
-                                  <p:childTnLst>
-                                    <p:set>
-                                      <p:cBhvr>
-                                        <p:cTn dur="1" fill="hold">
-                                          <p:stCondLst>
-                                            <p:cond delay="0"/>
-                                          </p:stCondLst>
-                                        </p:cTn>
-                                        <p:tgtEl>
-                                          <p:spTgt spid="378">
-                                            <p:txEl>
-                                              <p:pRg end="2" st="2"/>
-                                            </p:txEl>
-                                          </p:spTgt>
-                                        </p:tgtEl>
-                                        <p:attrNameLst>
-                                          <p:attrName>style.visibility</p:attrName>
-                                        </p:attrNameLst>
-                                      </p:cBhvr>
-                                      <p:to>
-                                        <p:strVal val="visible"/>
-                                      </p:to>
-                                    </p:set>
-                                    <p:animEffect filter="fade" transition="in">
-                                      <p:cBhvr>
-                                        <p:cTn dur="500"/>
-                                        <p:tgtEl>
-                                          <p:spTgt spid="378">
-                                            <p:txEl>
-                                              <p:pRg end="2" st="2"/>
-                                            </p:txEl>
-                                          </p:spTgt>
-                                        </p:tgtEl>
-                                      </p:cBhvr>
-                                    </p:animEffect>
-                                  </p:childTnLst>
-                                </p:cTn>
-                              </p:par>
-                            </p:childTnLst>
-                          </p:cTn>
-                        </p:par>
-                      </p:childTnLst>
-                    </p:cTn>
-                  </p:par>
-                  <p:par>
-                    <p:cTn fill="hold">
-                      <p:stCondLst>
-                        <p:cond delay="indefinite"/>
-                      </p:stCondLst>
-                      <p:childTnLst>
-                        <p:par>
-                          <p:cTn fill="hold">
-                            <p:stCondLst>
-                              <p:cond delay="0"/>
-                            </p:stCondLst>
-                            <p:childTnLst>
-                              <p:par>
-                                <p:cTn fill="hold" nodeType="clickEffect" presetClass="entr" presetID="10" presetSubtype="0">
-                                  <p:stCondLst>
-                                    <p:cond delay="0"/>
-                                  </p:stCondLst>
-                                  <p:childTnLst>
-                                    <p:set>
-                                      <p:cBhvr>
-                                        <p:cTn dur="1" fill="hold">
-                                          <p:stCondLst>
-                                            <p:cond delay="0"/>
-                                          </p:stCondLst>
-                                        </p:cTn>
-                                        <p:tgtEl>
-                                          <p:spTgt spid="378">
-                                            <p:txEl>
-                                              <p:pRg end="3" st="3"/>
-                                            </p:txEl>
-                                          </p:spTgt>
-                                        </p:tgtEl>
-                                        <p:attrNameLst>
-                                          <p:attrName>style.visibility</p:attrName>
-                                        </p:attrNameLst>
-                                      </p:cBhvr>
-                                      <p:to>
-                                        <p:strVal val="visible"/>
-                                      </p:to>
-                                    </p:set>
-                                    <p:animEffect filter="fade" transition="in">
-                                      <p:cBhvr>
-                                        <p:cTn dur="500"/>
-                                        <p:tgtEl>
-                                          <p:spTgt spid="378">
-                                            <p:txEl>
-                                              <p:pRg end="3" st="3"/>
-                                            </p:txEl>
-                                          </p:spTgt>
-                                        </p:tgtEl>
-                                      </p:cBhvr>
-                                    </p:animEffect>
-                                  </p:childTnLst>
-                                </p:cTn>
-                              </p:par>
-                            </p:childTnLst>
-                          </p:cTn>
-                        </p:par>
-                      </p:childTnLst>
-                    </p:cTn>
-                  </p:par>
-                  <p:par>
-                    <p:cTn fill="hold">
-                      <p:stCondLst>
-                        <p:cond delay="indefinite"/>
-                      </p:stCondLst>
-                      <p:childTnLst>
-                        <p:par>
-                          <p:cTn fill="hold">
-                            <p:stCondLst>
-                              <p:cond delay="0"/>
-                            </p:stCondLst>
-                            <p:childTnLst>
-                              <p:par>
-                                <p:cTn fill="hold" nodeType="clickEffect" presetClass="entr" presetID="10" presetSubtype="0">
-                                  <p:stCondLst>
-                                    <p:cond delay="0"/>
-                                  </p:stCondLst>
-                                  <p:childTnLst>
-                                    <p:set>
-                                      <p:cBhvr>
-                                        <p:cTn dur="1" fill="hold">
-                                          <p:stCondLst>
-                                            <p:cond delay="0"/>
-                                          </p:stCondLst>
-                                        </p:cTn>
-                                        <p:tgtEl>
-                                          <p:spTgt spid="378">
-                                            <p:txEl>
-                                              <p:pRg end="4" st="4"/>
-                                            </p:txEl>
-                                          </p:spTgt>
-                                        </p:tgtEl>
-                                        <p:attrNameLst>
-                                          <p:attrName>style.visibility</p:attrName>
-                                        </p:attrNameLst>
-                                      </p:cBhvr>
-                                      <p:to>
-                                        <p:strVal val="visible"/>
-                                      </p:to>
-                                    </p:set>
-                                    <p:animEffect filter="fade" transition="in">
-                                      <p:cBhvr>
-                                        <p:cTn dur="500"/>
-                                        <p:tgtEl>
-                                          <p:spTgt spid="378">
-                                            <p:txEl>
-                                              <p:pRg end="4" st="4"/>
-                                            </p:txEl>
-                                          </p:spTgt>
-                                        </p:tgtEl>
-                                      </p:cBhvr>
-                                    </p:animEffect>
-                                  </p:childTnLst>
-                                </p:cTn>
-                              </p:par>
-                            </p:childTnLst>
-                          </p:cTn>
-                        </p:par>
-                      </p:childTnLst>
-                    </p:cTn>
-                  </p:par>
-                  <p:par>
-                    <p:cTn fill="hold">
-                      <p:stCondLst>
-                        <p:cond delay="indefinite"/>
-                      </p:stCondLst>
-                      <p:childTnLst>
-                        <p:par>
-                          <p:cTn fill="hold">
-                            <p:stCondLst>
-                              <p:cond delay="0"/>
-                            </p:stCondLst>
-                            <p:childTnLst>
-                              <p:par>
-                                <p:cTn fill="hold" nodeType="clickEffect" presetClass="entr" presetID="10" presetSubtype="0">
-                                  <p:stCondLst>
-                                    <p:cond delay="0"/>
-                                  </p:stCondLst>
-                                  <p:childTnLst>
-                                    <p:set>
-                                      <p:cBhvr>
-                                        <p:cTn dur="1" fill="hold">
-                                          <p:stCondLst>
-                                            <p:cond delay="0"/>
-                                          </p:stCondLst>
-                                        </p:cTn>
-                                        <p:tgtEl>
-                                          <p:spTgt spid="378">
-                                            <p:txEl>
-                                              <p:pRg end="5" st="5"/>
-                                            </p:txEl>
-                                          </p:spTgt>
-                                        </p:tgtEl>
-                                        <p:attrNameLst>
-                                          <p:attrName>style.visibility</p:attrName>
-                                        </p:attrNameLst>
-                                      </p:cBhvr>
-                                      <p:to>
-                                        <p:strVal val="visible"/>
-                                      </p:to>
-                                    </p:set>
-                                    <p:animEffect filter="fade" transition="in">
-                                      <p:cBhvr>
-                                        <p:cTn dur="500"/>
-                                        <p:tgtEl>
-                                          <p:spTgt spid="378">
-                                            <p:txEl>
-                                              <p:pRg end="5" st="5"/>
-                                            </p:txEl>
-                                          </p:spTgt>
-                                        </p:tgtEl>
-                                      </p:cBhvr>
-                                    </p:animEffect>
-                                  </p:childTnLst>
-                                </p:cTn>
-                              </p:par>
-                            </p:childTnLst>
-                          </p:cTn>
-                        </p:par>
-                      </p:childTnLst>
-                    </p:cTn>
-                  </p:par>
-                </p:childTnLst>
-              </p:cTn>
-              <p:prevCondLst>
-                <p:cond evt="onPrev">
-                  <p:tgtEl>
-                    <p:sldTgt/>
-                  </p:tgtEl>
-                </p:cond>
-              </p:prevCondLst>
-              <p:nextCondLst>
-                <p:cond evt="onNext">
-                  <p:tgtEl>
-                    <p:sldTgt/>
-                  </p:tgtEl>
-                </p:cond>
-              </p:nextCondLst>
-            </p:seq>
-          </p:childTnLst>
-        </p:cTn>
-      </p:par>
-    </p:tnLst>
-  </p:timing>
 </p:sld>
 </file>
 
@@ -35275,7 +33782,7 @@
             <a:tbl>
               <a:tblPr>
                 <a:noFill/>
-                <a:tableStyleId>{4F9AF0C2-1A3D-4689-8660-9AB65969F85A}</a:tableStyleId>
+                <a:tableStyleId>{2F285A8C-D629-4F60-B745-289C601BCAA0}</a:tableStyleId>
               </a:tblPr>
               <a:tblGrid>
                 <a:gridCol w="3048000"/>
@@ -38422,8 +36929,8 @@
         </p:nvSpPr>
         <p:spPr>
           <a:xfrm>
-            <a:off x="316725" y="1408475"/>
-            <a:ext cx="8504100" cy="4996800"/>
+            <a:off x="316725" y="1642100"/>
+            <a:ext cx="8504100" cy="4763100"/>
           </a:xfrm>
           <a:prstGeom prst="rect">
             <a:avLst/>
@@ -38441,7 +36948,7 @@
           <a:p>
             <a:pPr indent="-273050" lvl="0" marL="273050" marR="0" rtl="0" algn="l">
               <a:lnSpc>
-                <a:spcPct val="70000"/>
+                <a:spcPct val="115000"/>
               </a:lnSpc>
               <a:spcBef>
                 <a:spcPts val="0"/>
@@ -38471,40 +36978,9 @@
             <a:endParaRPr/>
           </a:p>
           <a:p>
-            <a:pPr indent="-165100" lvl="0" marL="273050" marR="0" rtl="0" algn="l">
-              <a:lnSpc>
-                <a:spcPct val="70000"/>
-              </a:lnSpc>
-              <a:spcBef>
-                <a:spcPts val="400"/>
-              </a:spcBef>
-              <a:spcAft>
-                <a:spcPts val="0"/>
-              </a:spcAft>
-              <a:buClr>
-                <a:schemeClr val="accent1"/>
-              </a:buClr>
-              <a:buSzPts val="1700"/>
-              <a:buFont typeface="Noto Sans Symbols"/>
-              <a:buNone/>
-            </a:pPr>
-            <a:r>
-              <a:t/>
-            </a:r>
-            <a:endParaRPr b="0" i="0" sz="2000" u="sng">
-              <a:solidFill>
-                <a:srgbClr val="CC0099"/>
-              </a:solidFill>
-              <a:latin typeface="Georgia"/>
-              <a:ea typeface="Georgia"/>
-              <a:cs typeface="Georgia"/>
-              <a:sym typeface="Georgia"/>
-            </a:endParaRPr>
-          </a:p>
-          <a:p>
             <a:pPr indent="-273050" lvl="0" marL="273050" marR="0" rtl="0" algn="l">
               <a:lnSpc>
-                <a:spcPct val="70000"/>
+                <a:spcPct val="115000"/>
               </a:lnSpc>
               <a:spcBef>
                 <a:spcPts val="400"/>
@@ -38546,9 +37022,9 @@
             <a:endParaRPr/>
           </a:p>
           <a:p>
-            <a:pPr indent="-273048" lvl="1" marL="547687" marR="0" rtl="0" algn="l">
-              <a:lnSpc>
-                <a:spcPct val="70000"/>
+            <a:pPr indent="-273050" lvl="1" marL="547687" marR="0" rtl="0" algn="l">
+              <a:lnSpc>
+                <a:spcPct val="115000"/>
               </a:lnSpc>
               <a:spcBef>
                 <a:spcPts val="360"/>
@@ -38575,23 +37051,12 @@
               </a:rPr>
               <a:t>Modify to avoid repeated states along path (graph search)</a:t>
             </a:r>
-            <a:br>
-              <a:rPr b="0" i="0" lang="en-US" sz="1800" u="none" cap="none" strike="noStrike">
-                <a:solidFill>
-                  <a:schemeClr val="dk2"/>
-                </a:solidFill>
-                <a:latin typeface="Georgia"/>
-                <a:ea typeface="Georgia"/>
-                <a:cs typeface="Georgia"/>
-                <a:sym typeface="Georgia"/>
-              </a:rPr>
-            </a:br>
             <a:endParaRPr/>
           </a:p>
           <a:p>
             <a:pPr indent="-228600" lvl="2" marL="822325" marR="0" rtl="0" algn="l">
               <a:lnSpc>
-                <a:spcPct val="70000"/>
+                <a:spcPct val="115000"/>
               </a:lnSpc>
               <a:spcBef>
                 <a:spcPts val="300"/>
@@ -38618,23 +37083,12 @@
               </a:rPr>
               <a:t>🡪 complete in finite spaces</a:t>
             </a:r>
-            <a:br>
-              <a:rPr b="0" i="0" lang="en-US" sz="1500" u="none" cap="none" strike="noStrike">
-                <a:solidFill>
-                  <a:schemeClr val="dk1"/>
-                </a:solidFill>
-                <a:latin typeface="Georgia"/>
-                <a:ea typeface="Georgia"/>
-                <a:cs typeface="Georgia"/>
-                <a:sym typeface="Georgia"/>
-              </a:rPr>
-            </a:br>
             <a:endParaRPr/>
           </a:p>
           <a:p>
             <a:pPr indent="-273050" lvl="0" marL="273050" marR="0" rtl="0" algn="l">
               <a:lnSpc>
-                <a:spcPct val="70000"/>
+                <a:spcPct val="115000"/>
               </a:lnSpc>
               <a:spcBef>
                 <a:spcPts val="400"/>
@@ -38760,9 +37214,9 @@
             <a:endParaRPr/>
           </a:p>
           <a:p>
-            <a:pPr indent="-273048" lvl="1" marL="547687" marR="0" rtl="0" algn="l">
-              <a:lnSpc>
-                <a:spcPct val="70000"/>
+            <a:pPr indent="-273050" lvl="1" marL="547687" marR="0" rtl="0" algn="l">
+              <a:lnSpc>
+                <a:spcPct val="115000"/>
               </a:lnSpc>
               <a:spcBef>
                 <a:spcPts val="360"/>
@@ -38789,23 +37243,12 @@
               </a:rPr>
               <a:t> but if solutions are dense, may be much faster than breadth-first</a:t>
             </a:r>
-            <a:br>
-              <a:rPr b="0" i="0" lang="en-US" sz="1800" u="none" cap="none" strike="noStrike">
-                <a:solidFill>
-                  <a:schemeClr val="dk2"/>
-                </a:solidFill>
-                <a:latin typeface="Georgia"/>
-                <a:ea typeface="Georgia"/>
-                <a:cs typeface="Georgia"/>
-                <a:sym typeface="Georgia"/>
-              </a:rPr>
-            </a:br>
             <a:endParaRPr/>
           </a:p>
           <a:p>
             <a:pPr indent="-273050" lvl="0" marL="273050" marR="0" rtl="0" algn="l">
               <a:lnSpc>
-                <a:spcPct val="70000"/>
+                <a:spcPct val="115000"/>
               </a:lnSpc>
               <a:spcBef>
                 <a:spcPts val="400"/>
@@ -38871,9 +37314,9 @@
             <a:endParaRPr/>
           </a:p>
           <a:p>
-            <a:pPr indent="-273049" lvl="1" marL="547687" marR="0" rtl="0" algn="l">
-              <a:lnSpc>
-                <a:spcPct val="70000"/>
+            <a:pPr indent="-273050" lvl="1" marL="547687" marR="0" rtl="0" algn="l">
+              <a:lnSpc>
+                <a:spcPct val="115000"/>
               </a:lnSpc>
               <a:spcBef>
                 <a:spcPts val="320"/>
@@ -38900,23 +37343,12 @@
               </a:rPr>
               <a:t>Seems to be common in animals and humans.</a:t>
             </a:r>
-            <a:br>
-              <a:rPr b="0" i="0" lang="en-US" sz="1600" u="none" cap="none" strike="noStrike">
-                <a:solidFill>
-                  <a:schemeClr val="dk2"/>
-                </a:solidFill>
-                <a:latin typeface="Georgia"/>
-                <a:ea typeface="Georgia"/>
-                <a:cs typeface="Georgia"/>
-                <a:sym typeface="Georgia"/>
-              </a:rPr>
-            </a:br>
             <a:endParaRPr/>
           </a:p>
           <a:p>
             <a:pPr indent="-273050" lvl="0" marL="273050" marR="0" rtl="0" algn="l">
               <a:lnSpc>
-                <a:spcPct val="70000"/>
+                <a:spcPct val="115000"/>
               </a:lnSpc>
               <a:spcBef>
                 <a:spcPts val="400"/>
@@ -38966,26 +37398,6 @@
                 <a:sym typeface="Georgia"/>
               </a:rPr>
             </a:br>
-            <a:endParaRPr/>
-          </a:p>
-          <a:p>
-            <a:pPr indent="-273050" lvl="0" marL="273050" marR="0" rtl="0" algn="l">
-              <a:lnSpc>
-                <a:spcPct val="70000"/>
-              </a:lnSpc>
-              <a:spcBef>
-                <a:spcPts val="400"/>
-              </a:spcBef>
-              <a:spcAft>
-                <a:spcPts val="0"/>
-              </a:spcAft>
-              <a:buClr>
-                <a:schemeClr val="accent1"/>
-              </a:buClr>
-              <a:buSzPts val="1700"/>
-              <a:buFont typeface="Noto Sans Symbols"/>
-              <a:buChar char="⚫"/>
-            </a:pPr>
             <a:r>
               <a:rPr b="0" i="0" lang="en-US" sz="2000" u="none">
                 <a:solidFill>
@@ -38996,30 +37408,7 @@
                 <a:cs typeface="Georgia"/>
                 <a:sym typeface="Georgia"/>
               </a:rPr>
-              <a:t>Important for exploration (on-line search).</a:t>
-            </a:r>
-            <a:br>
-              <a:rPr b="0" i="0" lang="en-US" sz="2000" u="none">
-                <a:solidFill>
-                  <a:schemeClr val="dk1"/>
-                </a:solidFill>
-                <a:latin typeface="Georgia"/>
-                <a:ea typeface="Georgia"/>
-                <a:cs typeface="Georgia"/>
-                <a:sym typeface="Georgia"/>
-              </a:rPr>
-            </a:br>
-            <a:r>
-              <a:rPr b="0" i="0" lang="en-US" sz="2000" u="none">
-                <a:solidFill>
-                  <a:schemeClr val="dk1"/>
-                </a:solidFill>
-                <a:latin typeface="Georgia"/>
-                <a:ea typeface="Georgia"/>
-                <a:cs typeface="Georgia"/>
-                <a:sym typeface="Georgia"/>
-              </a:rPr>
-              <a:t> </a:t>
+              <a:t>Important for exploration (on-line search)</a:t>
             </a:r>
             <a:endParaRPr/>
           </a:p>
@@ -39075,707 +37464,6 @@
   <p:clrMapOvr>
     <a:masterClrMapping/>
   </p:clrMapOvr>
-  <p:timing>
-    <p:tnLst>
-      <p:par>
-        <p:cTn dur="indefinite" nodeType="tmRoot" restart="never">
-          <p:childTnLst>
-            <p:seq concurrent="1" nextAc="seek">
-              <p:cTn dur="indefinite" id="2" nodeType="mainSeq">
-                <p:childTnLst>
-                  <p:par>
-                    <p:cTn fill="hold">
-                      <p:stCondLst>
-                        <p:cond delay="indefinite"/>
-                      </p:stCondLst>
-                      <p:childTnLst>
-                        <p:par>
-                          <p:cTn fill="hold">
-                            <p:stCondLst>
-                              <p:cond delay="0"/>
-                            </p:stCondLst>
-                            <p:childTnLst>
-                              <p:par>
-                                <p:cTn fill="hold" nodeType="clickEffect" presetClass="entr" presetID="10" presetSubtype="0">
-                                  <p:stCondLst>
-                                    <p:cond delay="0"/>
-                                  </p:stCondLst>
-                                  <p:childTnLst>
-                                    <p:set>
-                                      <p:cBhvr>
-                                        <p:cTn dur="1" fill="hold">
-                                          <p:stCondLst>
-                                            <p:cond delay="0"/>
-                                          </p:stCondLst>
-                                        </p:cTn>
-                                        <p:tgtEl>
-                                          <p:spTgt spid="508">
-                                            <p:txEl>
-                                              <p:pRg end="0" st="0"/>
-                                            </p:txEl>
-                                          </p:spTgt>
-                                        </p:tgtEl>
-                                        <p:attrNameLst>
-                                          <p:attrName>style.visibility</p:attrName>
-                                        </p:attrNameLst>
-                                      </p:cBhvr>
-                                      <p:to>
-                                        <p:strVal val="visible"/>
-                                      </p:to>
-                                    </p:set>
-                                    <p:animEffect filter="fade" transition="in">
-                                      <p:cBhvr>
-                                        <p:cTn dur="500"/>
-                                        <p:tgtEl>
-                                          <p:spTgt spid="508">
-                                            <p:txEl>
-                                              <p:pRg end="0" st="0"/>
-                                            </p:txEl>
-                                          </p:spTgt>
-                                        </p:tgtEl>
-                                      </p:cBhvr>
-                                    </p:animEffect>
-                                  </p:childTnLst>
-                                </p:cTn>
-                              </p:par>
-                            </p:childTnLst>
-                          </p:cTn>
-                        </p:par>
-                      </p:childTnLst>
-                    </p:cTn>
-                  </p:par>
-                  <p:par>
-                    <p:cTn fill="hold">
-                      <p:stCondLst>
-                        <p:cond delay="indefinite"/>
-                      </p:stCondLst>
-                      <p:childTnLst>
-                        <p:par>
-                          <p:cTn fill="hold">
-                            <p:stCondLst>
-                              <p:cond delay="0"/>
-                            </p:stCondLst>
-                            <p:childTnLst>
-                              <p:par>
-                                <p:cTn fill="hold" nodeType="clickEffect" presetClass="entr" presetID="10" presetSubtype="0">
-                                  <p:stCondLst>
-                                    <p:cond delay="0"/>
-                                  </p:stCondLst>
-                                  <p:childTnLst>
-                                    <p:set>
-                                      <p:cBhvr>
-                                        <p:cTn dur="1" fill="hold">
-                                          <p:stCondLst>
-                                            <p:cond delay="0"/>
-                                          </p:stCondLst>
-                                        </p:cTn>
-                                        <p:tgtEl>
-                                          <p:spTgt spid="508">
-                                            <p:txEl>
-                                              <p:pRg end="1" st="1"/>
-                                            </p:txEl>
-                                          </p:spTgt>
-                                        </p:tgtEl>
-                                        <p:attrNameLst>
-                                          <p:attrName>style.visibility</p:attrName>
-                                        </p:attrNameLst>
-                                      </p:cBhvr>
-                                      <p:to>
-                                        <p:strVal val="visible"/>
-                                      </p:to>
-                                    </p:set>
-                                    <p:animEffect filter="fade" transition="in">
-                                      <p:cBhvr>
-                                        <p:cTn dur="500"/>
-                                        <p:tgtEl>
-                                          <p:spTgt spid="508">
-                                            <p:txEl>
-                                              <p:pRg end="1" st="1"/>
-                                            </p:txEl>
-                                          </p:spTgt>
-                                        </p:tgtEl>
-                                      </p:cBhvr>
-                                    </p:animEffect>
-                                  </p:childTnLst>
-                                </p:cTn>
-                              </p:par>
-                            </p:childTnLst>
-                          </p:cTn>
-                        </p:par>
-                      </p:childTnLst>
-                    </p:cTn>
-                  </p:par>
-                  <p:par>
-                    <p:cTn fill="hold">
-                      <p:stCondLst>
-                        <p:cond delay="indefinite"/>
-                      </p:stCondLst>
-                      <p:childTnLst>
-                        <p:par>
-                          <p:cTn fill="hold">
-                            <p:stCondLst>
-                              <p:cond delay="0"/>
-                            </p:stCondLst>
-                            <p:childTnLst>
-                              <p:par>
-                                <p:cTn fill="hold" nodeType="clickEffect" presetClass="entr" presetID="10" presetSubtype="0">
-                                  <p:stCondLst>
-                                    <p:cond delay="0"/>
-                                  </p:stCondLst>
-                                  <p:childTnLst>
-                                    <p:set>
-                                      <p:cBhvr>
-                                        <p:cTn dur="1" fill="hold">
-                                          <p:stCondLst>
-                                            <p:cond delay="0"/>
-                                          </p:stCondLst>
-                                        </p:cTn>
-                                        <p:tgtEl>
-                                          <p:spTgt spid="508">
-                                            <p:txEl>
-                                              <p:pRg end="2" st="2"/>
-                                            </p:txEl>
-                                          </p:spTgt>
-                                        </p:tgtEl>
-                                        <p:attrNameLst>
-                                          <p:attrName>style.visibility</p:attrName>
-                                        </p:attrNameLst>
-                                      </p:cBhvr>
-                                      <p:to>
-                                        <p:strVal val="visible"/>
-                                      </p:to>
-                                    </p:set>
-                                    <p:animEffect filter="fade" transition="in">
-                                      <p:cBhvr>
-                                        <p:cTn dur="500"/>
-                                        <p:tgtEl>
-                                          <p:spTgt spid="508">
-                                            <p:txEl>
-                                              <p:pRg end="2" st="2"/>
-                                            </p:txEl>
-                                          </p:spTgt>
-                                        </p:tgtEl>
-                                      </p:cBhvr>
-                                    </p:animEffect>
-                                  </p:childTnLst>
-                                </p:cTn>
-                              </p:par>
-                            </p:childTnLst>
-                          </p:cTn>
-                        </p:par>
-                      </p:childTnLst>
-                    </p:cTn>
-                  </p:par>
-                  <p:par>
-                    <p:cTn fill="hold">
-                      <p:stCondLst>
-                        <p:cond delay="indefinite"/>
-                      </p:stCondLst>
-                      <p:childTnLst>
-                        <p:par>
-                          <p:cTn fill="hold">
-                            <p:stCondLst>
-                              <p:cond delay="0"/>
-                            </p:stCondLst>
-                            <p:childTnLst>
-                              <p:par>
-                                <p:cTn fill="hold" nodeType="clickEffect" presetClass="entr" presetID="10" presetSubtype="0">
-                                  <p:stCondLst>
-                                    <p:cond delay="0"/>
-                                  </p:stCondLst>
-                                  <p:childTnLst>
-                                    <p:set>
-                                      <p:cBhvr>
-                                        <p:cTn dur="1" fill="hold">
-                                          <p:stCondLst>
-                                            <p:cond delay="0"/>
-                                          </p:stCondLst>
-                                        </p:cTn>
-                                        <p:tgtEl>
-                                          <p:spTgt spid="508">
-                                            <p:txEl>
-                                              <p:pRg end="3" st="3"/>
-                                            </p:txEl>
-                                          </p:spTgt>
-                                        </p:tgtEl>
-                                        <p:attrNameLst>
-                                          <p:attrName>style.visibility</p:attrName>
-                                        </p:attrNameLst>
-                                      </p:cBhvr>
-                                      <p:to>
-                                        <p:strVal val="visible"/>
-                                      </p:to>
-                                    </p:set>
-                                    <p:animEffect filter="fade" transition="in">
-                                      <p:cBhvr>
-                                        <p:cTn dur="500"/>
-                                        <p:tgtEl>
-                                          <p:spTgt spid="508">
-                                            <p:txEl>
-                                              <p:pRg end="3" st="3"/>
-                                            </p:txEl>
-                                          </p:spTgt>
-                                        </p:tgtEl>
-                                      </p:cBhvr>
-                                    </p:animEffect>
-                                  </p:childTnLst>
-                                </p:cTn>
-                              </p:par>
-                            </p:childTnLst>
-                          </p:cTn>
-                        </p:par>
-                      </p:childTnLst>
-                    </p:cTn>
-                  </p:par>
-                  <p:par>
-                    <p:cTn fill="hold">
-                      <p:stCondLst>
-                        <p:cond delay="indefinite"/>
-                      </p:stCondLst>
-                      <p:childTnLst>
-                        <p:par>
-                          <p:cTn fill="hold">
-                            <p:stCondLst>
-                              <p:cond delay="0"/>
-                            </p:stCondLst>
-                            <p:childTnLst>
-                              <p:par>
-                                <p:cTn fill="hold" nodeType="clickEffect" presetClass="entr" presetID="10" presetSubtype="0">
-                                  <p:stCondLst>
-                                    <p:cond delay="0"/>
-                                  </p:stCondLst>
-                                  <p:childTnLst>
-                                    <p:set>
-                                      <p:cBhvr>
-                                        <p:cTn dur="1" fill="hold">
-                                          <p:stCondLst>
-                                            <p:cond delay="0"/>
-                                          </p:stCondLst>
-                                        </p:cTn>
-                                        <p:tgtEl>
-                                          <p:spTgt spid="508">
-                                            <p:txEl>
-                                              <p:pRg end="4" st="4"/>
-                                            </p:txEl>
-                                          </p:spTgt>
-                                        </p:tgtEl>
-                                        <p:attrNameLst>
-                                          <p:attrName>style.visibility</p:attrName>
-                                        </p:attrNameLst>
-                                      </p:cBhvr>
-                                      <p:to>
-                                        <p:strVal val="visible"/>
-                                      </p:to>
-                                    </p:set>
-                                    <p:animEffect filter="fade" transition="in">
-                                      <p:cBhvr>
-                                        <p:cTn dur="500"/>
-                                        <p:tgtEl>
-                                          <p:spTgt spid="508">
-                                            <p:txEl>
-                                              <p:pRg end="4" st="4"/>
-                                            </p:txEl>
-                                          </p:spTgt>
-                                        </p:tgtEl>
-                                      </p:cBhvr>
-                                    </p:animEffect>
-                                  </p:childTnLst>
-                                </p:cTn>
-                              </p:par>
-                            </p:childTnLst>
-                          </p:cTn>
-                        </p:par>
-                      </p:childTnLst>
-                    </p:cTn>
-                  </p:par>
-                  <p:par>
-                    <p:cTn fill="hold">
-                      <p:stCondLst>
-                        <p:cond delay="indefinite"/>
-                      </p:stCondLst>
-                      <p:childTnLst>
-                        <p:par>
-                          <p:cTn fill="hold">
-                            <p:stCondLst>
-                              <p:cond delay="0"/>
-                            </p:stCondLst>
-                            <p:childTnLst>
-                              <p:par>
-                                <p:cTn fill="hold" nodeType="clickEffect" presetClass="entr" presetID="10" presetSubtype="0">
-                                  <p:stCondLst>
-                                    <p:cond delay="0"/>
-                                  </p:stCondLst>
-                                  <p:childTnLst>
-                                    <p:set>
-                                      <p:cBhvr>
-                                        <p:cTn dur="1" fill="hold">
-                                          <p:stCondLst>
-                                            <p:cond delay="0"/>
-                                          </p:stCondLst>
-                                        </p:cTn>
-                                        <p:tgtEl>
-                                          <p:spTgt spid="508">
-                                            <p:txEl>
-                                              <p:pRg end="5" st="5"/>
-                                            </p:txEl>
-                                          </p:spTgt>
-                                        </p:tgtEl>
-                                        <p:attrNameLst>
-                                          <p:attrName>style.visibility</p:attrName>
-                                        </p:attrNameLst>
-                                      </p:cBhvr>
-                                      <p:to>
-                                        <p:strVal val="visible"/>
-                                      </p:to>
-                                    </p:set>
-                                    <p:animEffect filter="fade" transition="in">
-                                      <p:cBhvr>
-                                        <p:cTn dur="500"/>
-                                        <p:tgtEl>
-                                          <p:spTgt spid="508">
-                                            <p:txEl>
-                                              <p:pRg end="5" st="5"/>
-                                            </p:txEl>
-                                          </p:spTgt>
-                                        </p:tgtEl>
-                                      </p:cBhvr>
-                                    </p:animEffect>
-                                  </p:childTnLst>
-                                </p:cTn>
-                              </p:par>
-                            </p:childTnLst>
-                          </p:cTn>
-                        </p:par>
-                      </p:childTnLst>
-                    </p:cTn>
-                  </p:par>
-                  <p:par>
-                    <p:cTn fill="hold">
-                      <p:stCondLst>
-                        <p:cond delay="indefinite"/>
-                      </p:stCondLst>
-                      <p:childTnLst>
-                        <p:par>
-                          <p:cTn fill="hold">
-                            <p:stCondLst>
-                              <p:cond delay="0"/>
-                            </p:stCondLst>
-                            <p:childTnLst>
-                              <p:par>
-                                <p:cTn fill="hold" nodeType="clickEffect" presetClass="entr" presetID="10" presetSubtype="0">
-                                  <p:stCondLst>
-                                    <p:cond delay="0"/>
-                                  </p:stCondLst>
-                                  <p:childTnLst>
-                                    <p:set>
-                                      <p:cBhvr>
-                                        <p:cTn dur="1" fill="hold">
-                                          <p:stCondLst>
-                                            <p:cond delay="0"/>
-                                          </p:stCondLst>
-                                        </p:cTn>
-                                        <p:tgtEl>
-                                          <p:spTgt spid="508">
-                                            <p:txEl>
-                                              <p:pRg end="6" st="6"/>
-                                            </p:txEl>
-                                          </p:spTgt>
-                                        </p:tgtEl>
-                                        <p:attrNameLst>
-                                          <p:attrName>style.visibility</p:attrName>
-                                        </p:attrNameLst>
-                                      </p:cBhvr>
-                                      <p:to>
-                                        <p:strVal val="visible"/>
-                                      </p:to>
-                                    </p:set>
-                                    <p:animEffect filter="fade" transition="in">
-                                      <p:cBhvr>
-                                        <p:cTn dur="500"/>
-                                        <p:tgtEl>
-                                          <p:spTgt spid="508">
-                                            <p:txEl>
-                                              <p:pRg end="6" st="6"/>
-                                            </p:txEl>
-                                          </p:spTgt>
-                                        </p:tgtEl>
-                                      </p:cBhvr>
-                                    </p:animEffect>
-                                  </p:childTnLst>
-                                </p:cTn>
-                              </p:par>
-                            </p:childTnLst>
-                          </p:cTn>
-                        </p:par>
-                      </p:childTnLst>
-                    </p:cTn>
-                  </p:par>
-                  <p:par>
-                    <p:cTn fill="hold">
-                      <p:stCondLst>
-                        <p:cond delay="indefinite"/>
-                      </p:stCondLst>
-                      <p:childTnLst>
-                        <p:par>
-                          <p:cTn fill="hold">
-                            <p:stCondLst>
-                              <p:cond delay="0"/>
-                            </p:stCondLst>
-                            <p:childTnLst>
-                              <p:par>
-                                <p:cTn fill="hold" nodeType="clickEffect" presetClass="entr" presetID="10" presetSubtype="0">
-                                  <p:stCondLst>
-                                    <p:cond delay="0"/>
-                                  </p:stCondLst>
-                                  <p:childTnLst>
-                                    <p:set>
-                                      <p:cBhvr>
-                                        <p:cTn dur="1" fill="hold">
-                                          <p:stCondLst>
-                                            <p:cond delay="0"/>
-                                          </p:stCondLst>
-                                        </p:cTn>
-                                        <p:tgtEl>
-                                          <p:spTgt spid="508">
-                                            <p:txEl>
-                                              <p:pRg end="7" st="7"/>
-                                            </p:txEl>
-                                          </p:spTgt>
-                                        </p:tgtEl>
-                                        <p:attrNameLst>
-                                          <p:attrName>style.visibility</p:attrName>
-                                        </p:attrNameLst>
-                                      </p:cBhvr>
-                                      <p:to>
-                                        <p:strVal val="visible"/>
-                                      </p:to>
-                                    </p:set>
-                                    <p:animEffect filter="fade" transition="in">
-                                      <p:cBhvr>
-                                        <p:cTn dur="500"/>
-                                        <p:tgtEl>
-                                          <p:spTgt spid="508">
-                                            <p:txEl>
-                                              <p:pRg end="7" st="7"/>
-                                            </p:txEl>
-                                          </p:spTgt>
-                                        </p:tgtEl>
-                                      </p:cBhvr>
-                                    </p:animEffect>
-                                  </p:childTnLst>
-                                </p:cTn>
-                              </p:par>
-                            </p:childTnLst>
-                          </p:cTn>
-                        </p:par>
-                      </p:childTnLst>
-                    </p:cTn>
-                  </p:par>
-                  <p:par>
-                    <p:cTn fill="hold">
-                      <p:stCondLst>
-                        <p:cond delay="indefinite"/>
-                      </p:stCondLst>
-                      <p:childTnLst>
-                        <p:par>
-                          <p:cTn fill="hold">
-                            <p:stCondLst>
-                              <p:cond delay="0"/>
-                            </p:stCondLst>
-                            <p:childTnLst>
-                              <p:par>
-                                <p:cTn fill="hold" nodeType="clickEffect" presetClass="entr" presetID="10" presetSubtype="0">
-                                  <p:stCondLst>
-                                    <p:cond delay="0"/>
-                                  </p:stCondLst>
-                                  <p:childTnLst>
-                                    <p:set>
-                                      <p:cBhvr>
-                                        <p:cTn dur="1" fill="hold">
-                                          <p:stCondLst>
-                                            <p:cond delay="0"/>
-                                          </p:stCondLst>
-                                        </p:cTn>
-                                        <p:tgtEl>
-                                          <p:spTgt spid="508">
-                                            <p:txEl>
-                                              <p:pRg end="8" st="8"/>
-                                            </p:txEl>
-                                          </p:spTgt>
-                                        </p:tgtEl>
-                                        <p:attrNameLst>
-                                          <p:attrName>style.visibility</p:attrName>
-                                        </p:attrNameLst>
-                                      </p:cBhvr>
-                                      <p:to>
-                                        <p:strVal val="visible"/>
-                                      </p:to>
-                                    </p:set>
-                                    <p:animEffect filter="fade" transition="in">
-                                      <p:cBhvr>
-                                        <p:cTn dur="500"/>
-                                        <p:tgtEl>
-                                          <p:spTgt spid="508">
-                                            <p:txEl>
-                                              <p:pRg end="8" st="8"/>
-                                            </p:txEl>
-                                          </p:spTgt>
-                                        </p:tgtEl>
-                                      </p:cBhvr>
-                                    </p:animEffect>
-                                  </p:childTnLst>
-                                </p:cTn>
-                              </p:par>
-                            </p:childTnLst>
-                          </p:cTn>
-                        </p:par>
-                      </p:childTnLst>
-                    </p:cTn>
-                  </p:par>
-                  <p:par>
-                    <p:cTn fill="hold">
-                      <p:stCondLst>
-                        <p:cond delay="indefinite"/>
-                      </p:stCondLst>
-                      <p:childTnLst>
-                        <p:par>
-                          <p:cTn fill="hold">
-                            <p:stCondLst>
-                              <p:cond delay="0"/>
-                            </p:stCondLst>
-                            <p:childTnLst>
-                              <p:par>
-                                <p:cTn fill="hold" nodeType="clickEffect" presetClass="entr" presetID="10" presetSubtype="0">
-                                  <p:stCondLst>
-                                    <p:cond delay="0"/>
-                                  </p:stCondLst>
-                                  <p:childTnLst>
-                                    <p:set>
-                                      <p:cBhvr>
-                                        <p:cTn dur="1" fill="hold">
-                                          <p:stCondLst>
-                                            <p:cond delay="0"/>
-                                          </p:stCondLst>
-                                        </p:cTn>
-                                        <p:tgtEl>
-                                          <p:spTgt spid="508">
-                                            <p:txEl>
-                                              <p:pRg end="9" st="9"/>
-                                            </p:txEl>
-                                          </p:spTgt>
-                                        </p:tgtEl>
-                                        <p:attrNameLst>
-                                          <p:attrName>style.visibility</p:attrName>
-                                        </p:attrNameLst>
-                                      </p:cBhvr>
-                                      <p:to>
-                                        <p:strVal val="visible"/>
-                                      </p:to>
-                                    </p:set>
-                                    <p:animEffect filter="fade" transition="in">
-                                      <p:cBhvr>
-                                        <p:cTn dur="500"/>
-                                        <p:tgtEl>
-                                          <p:spTgt spid="508">
-                                            <p:txEl>
-                                              <p:pRg end="9" st="9"/>
-                                            </p:txEl>
-                                          </p:spTgt>
-                                        </p:tgtEl>
-                                      </p:cBhvr>
-                                    </p:animEffect>
-                                  </p:childTnLst>
-                                </p:cTn>
-                              </p:par>
-                            </p:childTnLst>
-                          </p:cTn>
-                        </p:par>
-                      </p:childTnLst>
-                    </p:cTn>
-                  </p:par>
-                  <p:par>
-                    <p:cTn fill="hold">
-                      <p:stCondLst>
-                        <p:cond delay="indefinite"/>
-                      </p:stCondLst>
-                      <p:childTnLst>
-                        <p:par>
-                          <p:cTn fill="hold">
-                            <p:stCondLst>
-                              <p:cond delay="0"/>
-                            </p:stCondLst>
-                            <p:childTnLst>
-                              <p:par>
-                                <p:cTn fill="hold" nodeType="clickEffect" presetClass="entr" presetID="10" presetSubtype="0">
-                                  <p:stCondLst>
-                                    <p:cond delay="0"/>
-                                  </p:stCondLst>
-                                  <p:childTnLst>
-                                    <p:set>
-                                      <p:cBhvr>
-                                        <p:cTn dur="1" fill="hold">
-                                          <p:stCondLst>
-                                            <p:cond delay="0"/>
-                                          </p:stCondLst>
-                                        </p:cTn>
-                                        <p:tgtEl>
-                                          <p:spTgt spid="508">
-                                            <p:txEl>
-                                              <p:pRg end="10" st="10"/>
-                                            </p:txEl>
-                                          </p:spTgt>
-                                        </p:tgtEl>
-                                        <p:attrNameLst>
-                                          <p:attrName>style.visibility</p:attrName>
-                                        </p:attrNameLst>
-                                      </p:cBhvr>
-                                      <p:to>
-                                        <p:strVal val="visible"/>
-                                      </p:to>
-                                    </p:set>
-                                    <p:animEffect filter="fade" transition="in">
-                                      <p:cBhvr>
-                                        <p:cTn dur="500"/>
-                                        <p:tgtEl>
-                                          <p:spTgt spid="508">
-                                            <p:txEl>
-                                              <p:pRg end="10" st="10"/>
-                                            </p:txEl>
-                                          </p:spTgt>
-                                        </p:tgtEl>
-                                      </p:cBhvr>
-                                    </p:animEffect>
-                                  </p:childTnLst>
-                                </p:cTn>
-                              </p:par>
-                            </p:childTnLst>
-                          </p:cTn>
-                        </p:par>
-                      </p:childTnLst>
-                    </p:cTn>
-                  </p:par>
-                </p:childTnLst>
-              </p:cTn>
-              <p:prevCondLst>
-                <p:cond evt="onPrev">
-                  <p:tgtEl>
-                    <p:sldTgt/>
-                  </p:tgtEl>
-                </p:cond>
-              </p:prevCondLst>
-              <p:nextCondLst>
-                <p:cond evt="onNext">
-                  <p:tgtEl>
-                    <p:sldTgt/>
-                  </p:tgtEl>
-                </p:cond>
-              </p:nextCondLst>
-            </p:seq>
-          </p:childTnLst>
-        </p:cTn>
-      </p:par>
-    </p:tnLst>
-  </p:timing>
 </p:sld>
 </file>
 
@@ -40551,707 +38239,6 @@
   <p:clrMapOvr>
     <a:masterClrMapping/>
   </p:clrMapOvr>
-  <p:timing>
-    <p:tnLst>
-      <p:par>
-        <p:cTn dur="indefinite" nodeType="tmRoot" restart="never">
-          <p:childTnLst>
-            <p:seq concurrent="1" nextAc="seek">
-              <p:cTn dur="indefinite" id="2" nodeType="mainSeq">
-                <p:childTnLst>
-                  <p:par>
-                    <p:cTn fill="hold">
-                      <p:stCondLst>
-                        <p:cond delay="indefinite"/>
-                      </p:stCondLst>
-                      <p:childTnLst>
-                        <p:par>
-                          <p:cTn fill="hold">
-                            <p:stCondLst>
-                              <p:cond delay="0"/>
-                            </p:stCondLst>
-                            <p:childTnLst>
-                              <p:par>
-                                <p:cTn fill="hold" nodeType="clickEffect" presetClass="entr" presetID="10" presetSubtype="0">
-                                  <p:stCondLst>
-                                    <p:cond delay="0"/>
-                                  </p:stCondLst>
-                                  <p:childTnLst>
-                                    <p:set>
-                                      <p:cBhvr>
-                                        <p:cTn dur="1" fill="hold">
-                                          <p:stCondLst>
-                                            <p:cond delay="0"/>
-                                          </p:stCondLst>
-                                        </p:cTn>
-                                        <p:tgtEl>
-                                          <p:spTgt spid="516">
-                                            <p:txEl>
-                                              <p:pRg end="0" st="0"/>
-                                            </p:txEl>
-                                          </p:spTgt>
-                                        </p:tgtEl>
-                                        <p:attrNameLst>
-                                          <p:attrName>style.visibility</p:attrName>
-                                        </p:attrNameLst>
-                                      </p:cBhvr>
-                                      <p:to>
-                                        <p:strVal val="visible"/>
-                                      </p:to>
-                                    </p:set>
-                                    <p:animEffect filter="fade" transition="in">
-                                      <p:cBhvr>
-                                        <p:cTn dur="500"/>
-                                        <p:tgtEl>
-                                          <p:spTgt spid="516">
-                                            <p:txEl>
-                                              <p:pRg end="0" st="0"/>
-                                            </p:txEl>
-                                          </p:spTgt>
-                                        </p:tgtEl>
-                                      </p:cBhvr>
-                                    </p:animEffect>
-                                  </p:childTnLst>
-                                </p:cTn>
-                              </p:par>
-                            </p:childTnLst>
-                          </p:cTn>
-                        </p:par>
-                      </p:childTnLst>
-                    </p:cTn>
-                  </p:par>
-                  <p:par>
-                    <p:cTn fill="hold">
-                      <p:stCondLst>
-                        <p:cond delay="indefinite"/>
-                      </p:stCondLst>
-                      <p:childTnLst>
-                        <p:par>
-                          <p:cTn fill="hold">
-                            <p:stCondLst>
-                              <p:cond delay="0"/>
-                            </p:stCondLst>
-                            <p:childTnLst>
-                              <p:par>
-                                <p:cTn fill="hold" nodeType="clickEffect" presetClass="entr" presetID="10" presetSubtype="0">
-                                  <p:stCondLst>
-                                    <p:cond delay="0"/>
-                                  </p:stCondLst>
-                                  <p:childTnLst>
-                                    <p:set>
-                                      <p:cBhvr>
-                                        <p:cTn dur="1" fill="hold">
-                                          <p:stCondLst>
-                                            <p:cond delay="0"/>
-                                          </p:stCondLst>
-                                        </p:cTn>
-                                        <p:tgtEl>
-                                          <p:spTgt spid="516">
-                                            <p:txEl>
-                                              <p:pRg end="1" st="1"/>
-                                            </p:txEl>
-                                          </p:spTgt>
-                                        </p:tgtEl>
-                                        <p:attrNameLst>
-                                          <p:attrName>style.visibility</p:attrName>
-                                        </p:attrNameLst>
-                                      </p:cBhvr>
-                                      <p:to>
-                                        <p:strVal val="visible"/>
-                                      </p:to>
-                                    </p:set>
-                                    <p:animEffect filter="fade" transition="in">
-                                      <p:cBhvr>
-                                        <p:cTn dur="500"/>
-                                        <p:tgtEl>
-                                          <p:spTgt spid="516">
-                                            <p:txEl>
-                                              <p:pRg end="1" st="1"/>
-                                            </p:txEl>
-                                          </p:spTgt>
-                                        </p:tgtEl>
-                                      </p:cBhvr>
-                                    </p:animEffect>
-                                  </p:childTnLst>
-                                </p:cTn>
-                              </p:par>
-                            </p:childTnLst>
-                          </p:cTn>
-                        </p:par>
-                      </p:childTnLst>
-                    </p:cTn>
-                  </p:par>
-                  <p:par>
-                    <p:cTn fill="hold">
-                      <p:stCondLst>
-                        <p:cond delay="indefinite"/>
-                      </p:stCondLst>
-                      <p:childTnLst>
-                        <p:par>
-                          <p:cTn fill="hold">
-                            <p:stCondLst>
-                              <p:cond delay="0"/>
-                            </p:stCondLst>
-                            <p:childTnLst>
-                              <p:par>
-                                <p:cTn fill="hold" nodeType="clickEffect" presetClass="entr" presetID="10" presetSubtype="0">
-                                  <p:stCondLst>
-                                    <p:cond delay="0"/>
-                                  </p:stCondLst>
-                                  <p:childTnLst>
-                                    <p:set>
-                                      <p:cBhvr>
-                                        <p:cTn dur="1" fill="hold">
-                                          <p:stCondLst>
-                                            <p:cond delay="0"/>
-                                          </p:stCondLst>
-                                        </p:cTn>
-                                        <p:tgtEl>
-                                          <p:spTgt spid="516">
-                                            <p:txEl>
-                                              <p:pRg end="2" st="2"/>
-                                            </p:txEl>
-                                          </p:spTgt>
-                                        </p:tgtEl>
-                                        <p:attrNameLst>
-                                          <p:attrName>style.visibility</p:attrName>
-                                        </p:attrNameLst>
-                                      </p:cBhvr>
-                                      <p:to>
-                                        <p:strVal val="visible"/>
-                                      </p:to>
-                                    </p:set>
-                                    <p:animEffect filter="fade" transition="in">
-                                      <p:cBhvr>
-                                        <p:cTn dur="500"/>
-                                        <p:tgtEl>
-                                          <p:spTgt spid="516">
-                                            <p:txEl>
-                                              <p:pRg end="2" st="2"/>
-                                            </p:txEl>
-                                          </p:spTgt>
-                                        </p:tgtEl>
-                                      </p:cBhvr>
-                                    </p:animEffect>
-                                  </p:childTnLst>
-                                </p:cTn>
-                              </p:par>
-                            </p:childTnLst>
-                          </p:cTn>
-                        </p:par>
-                      </p:childTnLst>
-                    </p:cTn>
-                  </p:par>
-                  <p:par>
-                    <p:cTn fill="hold">
-                      <p:stCondLst>
-                        <p:cond delay="indefinite"/>
-                      </p:stCondLst>
-                      <p:childTnLst>
-                        <p:par>
-                          <p:cTn fill="hold">
-                            <p:stCondLst>
-                              <p:cond delay="0"/>
-                            </p:stCondLst>
-                            <p:childTnLst>
-                              <p:par>
-                                <p:cTn fill="hold" nodeType="clickEffect" presetClass="entr" presetID="10" presetSubtype="0">
-                                  <p:stCondLst>
-                                    <p:cond delay="0"/>
-                                  </p:stCondLst>
-                                  <p:childTnLst>
-                                    <p:set>
-                                      <p:cBhvr>
-                                        <p:cTn dur="1" fill="hold">
-                                          <p:stCondLst>
-                                            <p:cond delay="0"/>
-                                          </p:stCondLst>
-                                        </p:cTn>
-                                        <p:tgtEl>
-                                          <p:spTgt spid="516">
-                                            <p:txEl>
-                                              <p:pRg end="3" st="3"/>
-                                            </p:txEl>
-                                          </p:spTgt>
-                                        </p:tgtEl>
-                                        <p:attrNameLst>
-                                          <p:attrName>style.visibility</p:attrName>
-                                        </p:attrNameLst>
-                                      </p:cBhvr>
-                                      <p:to>
-                                        <p:strVal val="visible"/>
-                                      </p:to>
-                                    </p:set>
-                                    <p:animEffect filter="fade" transition="in">
-                                      <p:cBhvr>
-                                        <p:cTn dur="500"/>
-                                        <p:tgtEl>
-                                          <p:spTgt spid="516">
-                                            <p:txEl>
-                                              <p:pRg end="3" st="3"/>
-                                            </p:txEl>
-                                          </p:spTgt>
-                                        </p:tgtEl>
-                                      </p:cBhvr>
-                                    </p:animEffect>
-                                  </p:childTnLst>
-                                </p:cTn>
-                              </p:par>
-                            </p:childTnLst>
-                          </p:cTn>
-                        </p:par>
-                      </p:childTnLst>
-                    </p:cTn>
-                  </p:par>
-                  <p:par>
-                    <p:cTn fill="hold">
-                      <p:stCondLst>
-                        <p:cond delay="indefinite"/>
-                      </p:stCondLst>
-                      <p:childTnLst>
-                        <p:par>
-                          <p:cTn fill="hold">
-                            <p:stCondLst>
-                              <p:cond delay="0"/>
-                            </p:stCondLst>
-                            <p:childTnLst>
-                              <p:par>
-                                <p:cTn fill="hold" nodeType="clickEffect" presetClass="entr" presetID="10" presetSubtype="0">
-                                  <p:stCondLst>
-                                    <p:cond delay="0"/>
-                                  </p:stCondLst>
-                                  <p:childTnLst>
-                                    <p:set>
-                                      <p:cBhvr>
-                                        <p:cTn dur="1" fill="hold">
-                                          <p:stCondLst>
-                                            <p:cond delay="0"/>
-                                          </p:stCondLst>
-                                        </p:cTn>
-                                        <p:tgtEl>
-                                          <p:spTgt spid="516">
-                                            <p:txEl>
-                                              <p:pRg end="4" st="4"/>
-                                            </p:txEl>
-                                          </p:spTgt>
-                                        </p:tgtEl>
-                                        <p:attrNameLst>
-                                          <p:attrName>style.visibility</p:attrName>
-                                        </p:attrNameLst>
-                                      </p:cBhvr>
-                                      <p:to>
-                                        <p:strVal val="visible"/>
-                                      </p:to>
-                                    </p:set>
-                                    <p:animEffect filter="fade" transition="in">
-                                      <p:cBhvr>
-                                        <p:cTn dur="500"/>
-                                        <p:tgtEl>
-                                          <p:spTgt spid="516">
-                                            <p:txEl>
-                                              <p:pRg end="4" st="4"/>
-                                            </p:txEl>
-                                          </p:spTgt>
-                                        </p:tgtEl>
-                                      </p:cBhvr>
-                                    </p:animEffect>
-                                  </p:childTnLst>
-                                </p:cTn>
-                              </p:par>
-                            </p:childTnLst>
-                          </p:cTn>
-                        </p:par>
-                      </p:childTnLst>
-                    </p:cTn>
-                  </p:par>
-                  <p:par>
-                    <p:cTn fill="hold">
-                      <p:stCondLst>
-                        <p:cond delay="indefinite"/>
-                      </p:stCondLst>
-                      <p:childTnLst>
-                        <p:par>
-                          <p:cTn fill="hold">
-                            <p:stCondLst>
-                              <p:cond delay="0"/>
-                            </p:stCondLst>
-                            <p:childTnLst>
-                              <p:par>
-                                <p:cTn fill="hold" nodeType="clickEffect" presetClass="entr" presetID="10" presetSubtype="0">
-                                  <p:stCondLst>
-                                    <p:cond delay="0"/>
-                                  </p:stCondLst>
-                                  <p:childTnLst>
-                                    <p:set>
-                                      <p:cBhvr>
-                                        <p:cTn dur="1" fill="hold">
-                                          <p:stCondLst>
-                                            <p:cond delay="0"/>
-                                          </p:stCondLst>
-                                        </p:cTn>
-                                        <p:tgtEl>
-                                          <p:spTgt spid="516">
-                                            <p:txEl>
-                                              <p:pRg end="5" st="5"/>
-                                            </p:txEl>
-                                          </p:spTgt>
-                                        </p:tgtEl>
-                                        <p:attrNameLst>
-                                          <p:attrName>style.visibility</p:attrName>
-                                        </p:attrNameLst>
-                                      </p:cBhvr>
-                                      <p:to>
-                                        <p:strVal val="visible"/>
-                                      </p:to>
-                                    </p:set>
-                                    <p:animEffect filter="fade" transition="in">
-                                      <p:cBhvr>
-                                        <p:cTn dur="500"/>
-                                        <p:tgtEl>
-                                          <p:spTgt spid="516">
-                                            <p:txEl>
-                                              <p:pRg end="5" st="5"/>
-                                            </p:txEl>
-                                          </p:spTgt>
-                                        </p:tgtEl>
-                                      </p:cBhvr>
-                                    </p:animEffect>
-                                  </p:childTnLst>
-                                </p:cTn>
-                              </p:par>
-                            </p:childTnLst>
-                          </p:cTn>
-                        </p:par>
-                      </p:childTnLst>
-                    </p:cTn>
-                  </p:par>
-                  <p:par>
-                    <p:cTn fill="hold">
-                      <p:stCondLst>
-                        <p:cond delay="indefinite"/>
-                      </p:stCondLst>
-                      <p:childTnLst>
-                        <p:par>
-                          <p:cTn fill="hold">
-                            <p:stCondLst>
-                              <p:cond delay="0"/>
-                            </p:stCondLst>
-                            <p:childTnLst>
-                              <p:par>
-                                <p:cTn fill="hold" nodeType="clickEffect" presetClass="entr" presetID="10" presetSubtype="0">
-                                  <p:stCondLst>
-                                    <p:cond delay="0"/>
-                                  </p:stCondLst>
-                                  <p:childTnLst>
-                                    <p:set>
-                                      <p:cBhvr>
-                                        <p:cTn dur="1" fill="hold">
-                                          <p:stCondLst>
-                                            <p:cond delay="0"/>
-                                          </p:stCondLst>
-                                        </p:cTn>
-                                        <p:tgtEl>
-                                          <p:spTgt spid="516">
-                                            <p:txEl>
-                                              <p:pRg end="6" st="6"/>
-                                            </p:txEl>
-                                          </p:spTgt>
-                                        </p:tgtEl>
-                                        <p:attrNameLst>
-                                          <p:attrName>style.visibility</p:attrName>
-                                        </p:attrNameLst>
-                                      </p:cBhvr>
-                                      <p:to>
-                                        <p:strVal val="visible"/>
-                                      </p:to>
-                                    </p:set>
-                                    <p:animEffect filter="fade" transition="in">
-                                      <p:cBhvr>
-                                        <p:cTn dur="500"/>
-                                        <p:tgtEl>
-                                          <p:spTgt spid="516">
-                                            <p:txEl>
-                                              <p:pRg end="6" st="6"/>
-                                            </p:txEl>
-                                          </p:spTgt>
-                                        </p:tgtEl>
-                                      </p:cBhvr>
-                                    </p:animEffect>
-                                  </p:childTnLst>
-                                </p:cTn>
-                              </p:par>
-                            </p:childTnLst>
-                          </p:cTn>
-                        </p:par>
-                      </p:childTnLst>
-                    </p:cTn>
-                  </p:par>
-                  <p:par>
-                    <p:cTn fill="hold">
-                      <p:stCondLst>
-                        <p:cond delay="indefinite"/>
-                      </p:stCondLst>
-                      <p:childTnLst>
-                        <p:par>
-                          <p:cTn fill="hold">
-                            <p:stCondLst>
-                              <p:cond delay="0"/>
-                            </p:stCondLst>
-                            <p:childTnLst>
-                              <p:par>
-                                <p:cTn fill="hold" nodeType="clickEffect" presetClass="entr" presetID="10" presetSubtype="0">
-                                  <p:stCondLst>
-                                    <p:cond delay="0"/>
-                                  </p:stCondLst>
-                                  <p:childTnLst>
-                                    <p:set>
-                                      <p:cBhvr>
-                                        <p:cTn dur="1" fill="hold">
-                                          <p:stCondLst>
-                                            <p:cond delay="0"/>
-                                          </p:stCondLst>
-                                        </p:cTn>
-                                        <p:tgtEl>
-                                          <p:spTgt spid="516">
-                                            <p:txEl>
-                                              <p:pRg end="7" st="7"/>
-                                            </p:txEl>
-                                          </p:spTgt>
-                                        </p:tgtEl>
-                                        <p:attrNameLst>
-                                          <p:attrName>style.visibility</p:attrName>
-                                        </p:attrNameLst>
-                                      </p:cBhvr>
-                                      <p:to>
-                                        <p:strVal val="visible"/>
-                                      </p:to>
-                                    </p:set>
-                                    <p:animEffect filter="fade" transition="in">
-                                      <p:cBhvr>
-                                        <p:cTn dur="500"/>
-                                        <p:tgtEl>
-                                          <p:spTgt spid="516">
-                                            <p:txEl>
-                                              <p:pRg end="7" st="7"/>
-                                            </p:txEl>
-                                          </p:spTgt>
-                                        </p:tgtEl>
-                                      </p:cBhvr>
-                                    </p:animEffect>
-                                  </p:childTnLst>
-                                </p:cTn>
-                              </p:par>
-                            </p:childTnLst>
-                          </p:cTn>
-                        </p:par>
-                      </p:childTnLst>
-                    </p:cTn>
-                  </p:par>
-                  <p:par>
-                    <p:cTn fill="hold">
-                      <p:stCondLst>
-                        <p:cond delay="indefinite"/>
-                      </p:stCondLst>
-                      <p:childTnLst>
-                        <p:par>
-                          <p:cTn fill="hold">
-                            <p:stCondLst>
-                              <p:cond delay="0"/>
-                            </p:stCondLst>
-                            <p:childTnLst>
-                              <p:par>
-                                <p:cTn fill="hold" nodeType="clickEffect" presetClass="entr" presetID="10" presetSubtype="0">
-                                  <p:stCondLst>
-                                    <p:cond delay="0"/>
-                                  </p:stCondLst>
-                                  <p:childTnLst>
-                                    <p:set>
-                                      <p:cBhvr>
-                                        <p:cTn dur="1" fill="hold">
-                                          <p:stCondLst>
-                                            <p:cond delay="0"/>
-                                          </p:stCondLst>
-                                        </p:cTn>
-                                        <p:tgtEl>
-                                          <p:spTgt spid="516">
-                                            <p:txEl>
-                                              <p:pRg end="8" st="8"/>
-                                            </p:txEl>
-                                          </p:spTgt>
-                                        </p:tgtEl>
-                                        <p:attrNameLst>
-                                          <p:attrName>style.visibility</p:attrName>
-                                        </p:attrNameLst>
-                                      </p:cBhvr>
-                                      <p:to>
-                                        <p:strVal val="visible"/>
-                                      </p:to>
-                                    </p:set>
-                                    <p:animEffect filter="fade" transition="in">
-                                      <p:cBhvr>
-                                        <p:cTn dur="500"/>
-                                        <p:tgtEl>
-                                          <p:spTgt spid="516">
-                                            <p:txEl>
-                                              <p:pRg end="8" st="8"/>
-                                            </p:txEl>
-                                          </p:spTgt>
-                                        </p:tgtEl>
-                                      </p:cBhvr>
-                                    </p:animEffect>
-                                  </p:childTnLst>
-                                </p:cTn>
-                              </p:par>
-                            </p:childTnLst>
-                          </p:cTn>
-                        </p:par>
-                      </p:childTnLst>
-                    </p:cTn>
-                  </p:par>
-                  <p:par>
-                    <p:cTn fill="hold">
-                      <p:stCondLst>
-                        <p:cond delay="indefinite"/>
-                      </p:stCondLst>
-                      <p:childTnLst>
-                        <p:par>
-                          <p:cTn fill="hold">
-                            <p:stCondLst>
-                              <p:cond delay="0"/>
-                            </p:stCondLst>
-                            <p:childTnLst>
-                              <p:par>
-                                <p:cTn fill="hold" nodeType="clickEffect" presetClass="entr" presetID="10" presetSubtype="0">
-                                  <p:stCondLst>
-                                    <p:cond delay="0"/>
-                                  </p:stCondLst>
-                                  <p:childTnLst>
-                                    <p:set>
-                                      <p:cBhvr>
-                                        <p:cTn dur="1" fill="hold">
-                                          <p:stCondLst>
-                                            <p:cond delay="0"/>
-                                          </p:stCondLst>
-                                        </p:cTn>
-                                        <p:tgtEl>
-                                          <p:spTgt spid="516">
-                                            <p:txEl>
-                                              <p:pRg end="9" st="9"/>
-                                            </p:txEl>
-                                          </p:spTgt>
-                                        </p:tgtEl>
-                                        <p:attrNameLst>
-                                          <p:attrName>style.visibility</p:attrName>
-                                        </p:attrNameLst>
-                                      </p:cBhvr>
-                                      <p:to>
-                                        <p:strVal val="visible"/>
-                                      </p:to>
-                                    </p:set>
-                                    <p:animEffect filter="fade" transition="in">
-                                      <p:cBhvr>
-                                        <p:cTn dur="500"/>
-                                        <p:tgtEl>
-                                          <p:spTgt spid="516">
-                                            <p:txEl>
-                                              <p:pRg end="9" st="9"/>
-                                            </p:txEl>
-                                          </p:spTgt>
-                                        </p:tgtEl>
-                                      </p:cBhvr>
-                                    </p:animEffect>
-                                  </p:childTnLst>
-                                </p:cTn>
-                              </p:par>
-                            </p:childTnLst>
-                          </p:cTn>
-                        </p:par>
-                      </p:childTnLst>
-                    </p:cTn>
-                  </p:par>
-                  <p:par>
-                    <p:cTn fill="hold">
-                      <p:stCondLst>
-                        <p:cond delay="indefinite"/>
-                      </p:stCondLst>
-                      <p:childTnLst>
-                        <p:par>
-                          <p:cTn fill="hold">
-                            <p:stCondLst>
-                              <p:cond delay="0"/>
-                            </p:stCondLst>
-                            <p:childTnLst>
-                              <p:par>
-                                <p:cTn fill="hold" nodeType="clickEffect" presetClass="entr" presetID="10" presetSubtype="0">
-                                  <p:stCondLst>
-                                    <p:cond delay="0"/>
-                                  </p:stCondLst>
-                                  <p:childTnLst>
-                                    <p:set>
-                                      <p:cBhvr>
-                                        <p:cTn dur="1" fill="hold">
-                                          <p:stCondLst>
-                                            <p:cond delay="0"/>
-                                          </p:stCondLst>
-                                        </p:cTn>
-                                        <p:tgtEl>
-                                          <p:spTgt spid="516">
-                                            <p:txEl>
-                                              <p:pRg end="10" st="10"/>
-                                            </p:txEl>
-                                          </p:spTgt>
-                                        </p:tgtEl>
-                                        <p:attrNameLst>
-                                          <p:attrName>style.visibility</p:attrName>
-                                        </p:attrNameLst>
-                                      </p:cBhvr>
-                                      <p:to>
-                                        <p:strVal val="visible"/>
-                                      </p:to>
-                                    </p:set>
-                                    <p:animEffect filter="fade" transition="in">
-                                      <p:cBhvr>
-                                        <p:cTn dur="500"/>
-                                        <p:tgtEl>
-                                          <p:spTgt spid="516">
-                                            <p:txEl>
-                                              <p:pRg end="10" st="10"/>
-                                            </p:txEl>
-                                          </p:spTgt>
-                                        </p:tgtEl>
-                                      </p:cBhvr>
-                                    </p:animEffect>
-                                  </p:childTnLst>
-                                </p:cTn>
-                              </p:par>
-                            </p:childTnLst>
-                          </p:cTn>
-                        </p:par>
-                      </p:childTnLst>
-                    </p:cTn>
-                  </p:par>
-                </p:childTnLst>
-              </p:cTn>
-              <p:prevCondLst>
-                <p:cond evt="onPrev">
-                  <p:tgtEl>
-                    <p:sldTgt/>
-                  </p:tgtEl>
-                </p:cond>
-              </p:prevCondLst>
-              <p:nextCondLst>
-                <p:cond evt="onNext">
-                  <p:tgtEl>
-                    <p:sldTgt/>
-                  </p:tgtEl>
-                </p:cond>
-              </p:nextCondLst>
-            </p:seq>
-          </p:childTnLst>
-        </p:cTn>
-      </p:par>
-    </p:tnLst>
-  </p:timing>
 </p:sld>
 </file>
 
@@ -44913,280 +41900,6 @@
   <p:clrMapOvr>
     <a:masterClrMapping/>
   </p:clrMapOvr>
-  <p:timing>
-    <p:tnLst>
-      <p:par>
-        <p:cTn dur="indefinite" nodeType="tmRoot" restart="never">
-          <p:childTnLst>
-            <p:seq concurrent="1" nextAc="seek">
-              <p:cTn dur="indefinite" id="2" nodeType="mainSeq">
-                <p:childTnLst>
-                  <p:par>
-                    <p:cTn fill="hold">
-                      <p:stCondLst>
-                        <p:cond delay="indefinite"/>
-                      </p:stCondLst>
-                      <p:childTnLst>
-                        <p:par>
-                          <p:cTn fill="hold">
-                            <p:stCondLst>
-                              <p:cond delay="0"/>
-                            </p:stCondLst>
-                            <p:childTnLst>
-                              <p:par>
-                                <p:cTn fill="hold" nodeType="clickEffect" presetClass="entr" presetID="10" presetSubtype="0">
-                                  <p:stCondLst>
-                                    <p:cond delay="0"/>
-                                  </p:stCondLst>
-                                  <p:childTnLst>
-                                    <p:set>
-                                      <p:cBhvr>
-                                        <p:cTn dur="1" fill="hold">
-                                          <p:stCondLst>
-                                            <p:cond delay="0"/>
-                                          </p:stCondLst>
-                                        </p:cTn>
-                                        <p:tgtEl>
-                                          <p:spTgt spid="579">
-                                            <p:txEl>
-                                              <p:pRg end="0" st="0"/>
-                                            </p:txEl>
-                                          </p:spTgt>
-                                        </p:tgtEl>
-                                        <p:attrNameLst>
-                                          <p:attrName>style.visibility</p:attrName>
-                                        </p:attrNameLst>
-                                      </p:cBhvr>
-                                      <p:to>
-                                        <p:strVal val="visible"/>
-                                      </p:to>
-                                    </p:set>
-                                    <p:animEffect filter="fade" transition="in">
-                                      <p:cBhvr>
-                                        <p:cTn dur="500"/>
-                                        <p:tgtEl>
-                                          <p:spTgt spid="579">
-                                            <p:txEl>
-                                              <p:pRg end="0" st="0"/>
-                                            </p:txEl>
-                                          </p:spTgt>
-                                        </p:tgtEl>
-                                      </p:cBhvr>
-                                    </p:animEffect>
-                                  </p:childTnLst>
-                                </p:cTn>
-                              </p:par>
-                            </p:childTnLst>
-                          </p:cTn>
-                        </p:par>
-                      </p:childTnLst>
-                    </p:cTn>
-                  </p:par>
-                  <p:par>
-                    <p:cTn fill="hold">
-                      <p:stCondLst>
-                        <p:cond delay="indefinite"/>
-                      </p:stCondLst>
-                      <p:childTnLst>
-                        <p:par>
-                          <p:cTn fill="hold">
-                            <p:stCondLst>
-                              <p:cond delay="0"/>
-                            </p:stCondLst>
-                            <p:childTnLst>
-                              <p:par>
-                                <p:cTn fill="hold" nodeType="clickEffect" presetClass="entr" presetID="10" presetSubtype="0">
-                                  <p:stCondLst>
-                                    <p:cond delay="0"/>
-                                  </p:stCondLst>
-                                  <p:childTnLst>
-                                    <p:set>
-                                      <p:cBhvr>
-                                        <p:cTn dur="1" fill="hold">
-                                          <p:stCondLst>
-                                            <p:cond delay="0"/>
-                                          </p:stCondLst>
-                                        </p:cTn>
-                                        <p:tgtEl>
-                                          <p:spTgt spid="579">
-                                            <p:txEl>
-                                              <p:pRg end="1" st="1"/>
-                                            </p:txEl>
-                                          </p:spTgt>
-                                        </p:tgtEl>
-                                        <p:attrNameLst>
-                                          <p:attrName>style.visibility</p:attrName>
-                                        </p:attrNameLst>
-                                      </p:cBhvr>
-                                      <p:to>
-                                        <p:strVal val="visible"/>
-                                      </p:to>
-                                    </p:set>
-                                    <p:animEffect filter="fade" transition="in">
-                                      <p:cBhvr>
-                                        <p:cTn dur="500"/>
-                                        <p:tgtEl>
-                                          <p:spTgt spid="579">
-                                            <p:txEl>
-                                              <p:pRg end="1" st="1"/>
-                                            </p:txEl>
-                                          </p:spTgt>
-                                        </p:tgtEl>
-                                      </p:cBhvr>
-                                    </p:animEffect>
-                                  </p:childTnLst>
-                                </p:cTn>
-                              </p:par>
-                            </p:childTnLst>
-                          </p:cTn>
-                        </p:par>
-                      </p:childTnLst>
-                    </p:cTn>
-                  </p:par>
-                  <p:par>
-                    <p:cTn fill="hold">
-                      <p:stCondLst>
-                        <p:cond delay="indefinite"/>
-                      </p:stCondLst>
-                      <p:childTnLst>
-                        <p:par>
-                          <p:cTn fill="hold">
-                            <p:stCondLst>
-                              <p:cond delay="0"/>
-                            </p:stCondLst>
-                            <p:childTnLst>
-                              <p:par>
-                                <p:cTn fill="hold" nodeType="clickEffect" presetClass="entr" presetID="10" presetSubtype="0">
-                                  <p:stCondLst>
-                                    <p:cond delay="0"/>
-                                  </p:stCondLst>
-                                  <p:childTnLst>
-                                    <p:set>
-                                      <p:cBhvr>
-                                        <p:cTn dur="1" fill="hold">
-                                          <p:stCondLst>
-                                            <p:cond delay="0"/>
-                                          </p:stCondLst>
-                                        </p:cTn>
-                                        <p:tgtEl>
-                                          <p:spTgt spid="579">
-                                            <p:txEl>
-                                              <p:pRg end="2" st="2"/>
-                                            </p:txEl>
-                                          </p:spTgt>
-                                        </p:tgtEl>
-                                        <p:attrNameLst>
-                                          <p:attrName>style.visibility</p:attrName>
-                                        </p:attrNameLst>
-                                      </p:cBhvr>
-                                      <p:to>
-                                        <p:strVal val="visible"/>
-                                      </p:to>
-                                    </p:set>
-                                    <p:animEffect filter="fade" transition="in">
-                                      <p:cBhvr>
-                                        <p:cTn dur="500"/>
-                                        <p:tgtEl>
-                                          <p:spTgt spid="579">
-                                            <p:txEl>
-                                              <p:pRg end="2" st="2"/>
-                                            </p:txEl>
-                                          </p:spTgt>
-                                        </p:tgtEl>
-                                      </p:cBhvr>
-                                    </p:animEffect>
-                                  </p:childTnLst>
-                                </p:cTn>
-                              </p:par>
-                            </p:childTnLst>
-                          </p:cTn>
-                        </p:par>
-                      </p:childTnLst>
-                    </p:cTn>
-                  </p:par>
-                  <p:par>
-                    <p:cTn fill="hold">
-                      <p:stCondLst>
-                        <p:cond delay="indefinite"/>
-                      </p:stCondLst>
-                      <p:childTnLst>
-                        <p:par>
-                          <p:cTn fill="hold">
-                            <p:stCondLst>
-                              <p:cond delay="0"/>
-                            </p:stCondLst>
-                            <p:childTnLst>
-                              <p:par>
-                                <p:cTn fill="hold" nodeType="clickEffect" presetClass="entr" presetID="10" presetSubtype="0">
-                                  <p:stCondLst>
-                                    <p:cond delay="0"/>
-                                  </p:stCondLst>
-                                  <p:childTnLst>
-                                    <p:set>
-                                      <p:cBhvr>
-                                        <p:cTn dur="1" fill="hold">
-                                          <p:stCondLst>
-                                            <p:cond delay="0"/>
-                                          </p:stCondLst>
-                                        </p:cTn>
-                                        <p:tgtEl>
-                                          <p:spTgt spid="579">
-                                            <p:txEl>
-                                              <p:pRg end="3" st="3"/>
-                                            </p:txEl>
-                                          </p:spTgt>
-                                        </p:tgtEl>
-                                        <p:attrNameLst>
-                                          <p:attrName>style.visibility</p:attrName>
-                                        </p:attrNameLst>
-                                      </p:cBhvr>
-                                      <p:to>
-                                        <p:strVal val="visible"/>
-                                      </p:to>
-                                    </p:set>
-                                    <p:animEffect filter="fade" transition="in">
-                                      <p:cBhvr>
-                                        <p:cTn dur="500"/>
-                                        <p:tgtEl>
-                                          <p:spTgt spid="579">
-                                            <p:txEl>
-                                              <p:pRg end="3" st="3"/>
-                                            </p:txEl>
-                                          </p:spTgt>
-                                        </p:tgtEl>
-                                      </p:cBhvr>
-                                    </p:animEffect>
-                                  </p:childTnLst>
-                                </p:cTn>
-                              </p:par>
-                            </p:childTnLst>
-                          </p:cTn>
-                        </p:par>
-                      </p:childTnLst>
-                    </p:cTn>
-                  </p:par>
-                </p:childTnLst>
-              </p:cTn>
-              <p:prevCondLst>
-                <p:cond evt="onPrev">
-                  <p:tgtEl>
-                    <p:sldTgt/>
-                  </p:tgtEl>
-                </p:cond>
-              </p:prevCondLst>
-              <p:nextCondLst>
-                <p:cond evt="onNext">
-                  <p:tgtEl>
-                    <p:sldTgt/>
-                  </p:tgtEl>
-                </p:cond>
-              </p:nextCondLst>
-            </p:seq>
-          </p:childTnLst>
-        </p:cTn>
-      </p:par>
-    </p:tnLst>
-  </p:timing>
 </p:sld>
 </file>
 
@@ -45951,13 +42664,13 @@
           <a:blip r:embed="rId3">
             <a:alphaModFix/>
           </a:blip>
-          <a:srcRect b="-36607" l="0" r="0" t="-36607"/>
+          <a:srcRect b="-4476" l="0" r="0" t="-15212"/>
           <a:stretch/>
         </p:blipFill>
         <p:spPr>
           <a:xfrm>
-            <a:off x="1066800" y="1676400"/>
-            <a:ext cx="6581400" cy="3810600"/>
+            <a:off x="429300" y="1632500"/>
+            <a:ext cx="8323500" cy="3329700"/>
           </a:xfrm>
           <a:prstGeom prst="rect">
             <a:avLst/>
@@ -46086,7 +42799,7 @@
         </p:nvSpPr>
         <p:spPr>
           <a:xfrm>
-            <a:off x="457200" y="5324475"/>
+            <a:off x="457200" y="5476875"/>
             <a:ext cx="7696200" cy="924000"/>
           </a:xfrm>
           <a:prstGeom prst="rect">
@@ -47422,7 +44135,7 @@
           <a:p>
             <a:pPr indent="-273050" lvl="0" marL="273050" marR="0" rtl="0" algn="l">
               <a:lnSpc>
-                <a:spcPct val="115000"/>
+                <a:spcPct val="150000"/>
               </a:lnSpc>
               <a:spcBef>
                 <a:spcPts val="0"/>
@@ -47454,7 +44167,7 @@
           <a:p>
             <a:pPr indent="-273050" lvl="0" marL="273050" marR="0" rtl="0" algn="l">
               <a:lnSpc>
-                <a:spcPct val="115000"/>
+                <a:spcPct val="150000"/>
               </a:lnSpc>
               <a:spcBef>
                 <a:spcPts val="560"/>
@@ -47510,7 +44223,7 @@
           <a:p>
             <a:pPr indent="-273050" lvl="0" marL="273050" marR="0" rtl="0" algn="l">
               <a:lnSpc>
-                <a:spcPct val="115000"/>
+                <a:spcPct val="150000"/>
               </a:lnSpc>
               <a:spcBef>
                 <a:spcPts val="560"/>
@@ -47540,7 +44253,7 @@
             <a:endParaRPr/>
           </a:p>
           <a:p>
-            <a:pPr indent="-273050" lvl="0" marL="273050" marR="0" rtl="0" algn="l">
+            <a:pPr indent="0" lvl="0" marL="273050" marR="0" rtl="0" algn="l">
               <a:lnSpc>
                 <a:spcPct val="115000"/>
               </a:lnSpc>
@@ -47550,120 +44263,10 @@
               <a:spcAft>
                 <a:spcPts val="0"/>
               </a:spcAft>
-              <a:buClr>
-                <a:schemeClr val="accent1"/>
-              </a:buClr>
-              <a:buSzPts val="2380"/>
-              <a:buFont typeface="Noto Sans Symbols"/>
-              <a:buChar char="⚫"/>
-            </a:pPr>
-            <a:r>
-              <a:rPr b="0" i="0" lang="en-US" sz="2800" u="none" cap="none" strike="noStrike">
-                <a:solidFill>
-                  <a:schemeClr val="dk1"/>
-                </a:solidFill>
-                <a:latin typeface="Georgia"/>
-                <a:ea typeface="Georgia"/>
-                <a:cs typeface="Georgia"/>
-                <a:sym typeface="Georgia"/>
-              </a:rPr>
-              <a:t>Local search algorithms</a:t>
-            </a:r>
-            <a:endParaRPr/>
-          </a:p>
-          <a:p>
-            <a:pPr indent="-273050" lvl="0" marL="273050" marR="0" rtl="0" algn="l">
-              <a:lnSpc>
-                <a:spcPct val="115000"/>
-              </a:lnSpc>
-              <a:spcBef>
-                <a:spcPts val="560"/>
-              </a:spcBef>
-              <a:spcAft>
-                <a:spcPts val="0"/>
-              </a:spcAft>
-              <a:buClr>
-                <a:schemeClr val="accent1"/>
-              </a:buClr>
-              <a:buSzPts val="2380"/>
-              <a:buFont typeface="Noto Sans Symbols"/>
-              <a:buChar char="⚫"/>
-            </a:pPr>
-            <a:r>
-              <a:rPr b="0" i="0" lang="en-US" sz="2800" u="none" cap="none" strike="noStrike">
-                <a:solidFill>
-                  <a:schemeClr val="dk1"/>
-                </a:solidFill>
-                <a:latin typeface="Georgia"/>
-                <a:ea typeface="Georgia"/>
-                <a:cs typeface="Georgia"/>
-                <a:sym typeface="Georgia"/>
-              </a:rPr>
-              <a:t>Hill-climbing search</a:t>
-            </a:r>
-            <a:endParaRPr/>
-          </a:p>
-          <a:p>
-            <a:pPr indent="-273050" lvl="0" marL="273050" marR="0" rtl="0" algn="l">
-              <a:lnSpc>
-                <a:spcPct val="115000"/>
-              </a:lnSpc>
-              <a:spcBef>
-                <a:spcPts val="560"/>
-              </a:spcBef>
-              <a:spcAft>
-                <a:spcPts val="0"/>
-              </a:spcAft>
-              <a:buClr>
-                <a:schemeClr val="accent1"/>
-              </a:buClr>
-              <a:buSzPts val="2380"/>
-              <a:buFont typeface="Noto Sans Symbols"/>
-              <a:buChar char="⚫"/>
-            </a:pPr>
-            <a:r>
-              <a:rPr b="0" i="0" lang="en-US" sz="2800" u="none" cap="none" strike="noStrike">
-                <a:solidFill>
-                  <a:schemeClr val="dk1"/>
-                </a:solidFill>
-                <a:latin typeface="Georgia"/>
-                <a:ea typeface="Georgia"/>
-                <a:cs typeface="Georgia"/>
-                <a:sym typeface="Georgia"/>
-              </a:rPr>
-              <a:t>Simulated annealing search</a:t>
-            </a:r>
-            <a:endParaRPr/>
-          </a:p>
-          <a:p>
-            <a:pPr indent="-273050" lvl="0" marL="273050" marR="0" rtl="0" algn="l">
-              <a:lnSpc>
-                <a:spcPct val="115000"/>
-              </a:lnSpc>
-              <a:spcBef>
-                <a:spcPts val="560"/>
-              </a:spcBef>
-              <a:spcAft>
-                <a:spcPts val="0"/>
-              </a:spcAft>
-              <a:buClr>
-                <a:schemeClr val="accent1"/>
-              </a:buClr>
-              <a:buSzPts val="2380"/>
-              <a:buFont typeface="Noto Sans Symbols"/>
-              <a:buChar char="⚫"/>
-            </a:pPr>
-            <a:r>
-              <a:rPr b="0" i="0" lang="en-US" sz="2800" u="none" cap="none" strike="noStrike">
-                <a:solidFill>
-                  <a:schemeClr val="dk1"/>
-                </a:solidFill>
-                <a:latin typeface="Georgia"/>
-                <a:ea typeface="Georgia"/>
-                <a:cs typeface="Georgia"/>
-                <a:sym typeface="Georgia"/>
-              </a:rPr>
-              <a:t>Local beam search</a:t>
+              <a:buNone/>
+            </a:pPr>
+            <a:r>
+              <a:t/>
             </a:r>
             <a:endParaRPr/>
           </a:p>
@@ -50592,8 +47195,8 @@
         </p:blipFill>
         <p:spPr>
           <a:xfrm>
-            <a:off x="152400" y="1620812"/>
-            <a:ext cx="8839198" cy="4258217"/>
+            <a:off x="152400" y="1656025"/>
+            <a:ext cx="8839202" cy="5035676"/>
           </a:xfrm>
           <a:prstGeom prst="rect">
             <a:avLst/>
@@ -52349,742 +48952,6 @@
   <p:clrMapOvr>
     <a:masterClrMapping/>
   </p:clrMapOvr>
-  <p:timing>
-    <p:tnLst>
-      <p:par>
-        <p:cTn dur="indefinite" nodeType="tmRoot" restart="never">
-          <p:childTnLst>
-            <p:seq concurrent="1" nextAc="seek">
-              <p:cTn dur="indefinite" id="2" nodeType="mainSeq">
-                <p:childTnLst>
-                  <p:par>
-                    <p:cTn fill="hold">
-                      <p:stCondLst>
-                        <p:cond delay="indefinite"/>
-                      </p:stCondLst>
-                      <p:childTnLst>
-                        <p:par>
-                          <p:cTn fill="hold">
-                            <p:stCondLst>
-                              <p:cond delay="0"/>
-                            </p:stCondLst>
-                            <p:childTnLst>
-                              <p:par>
-                                <p:cTn fill="hold" nodeType="clickEffect" presetClass="entr" presetID="10" presetSubtype="0">
-                                  <p:stCondLst>
-                                    <p:cond delay="0"/>
-                                  </p:stCondLst>
-                                  <p:childTnLst>
-                                    <p:set>
-                                      <p:cBhvr>
-                                        <p:cTn dur="1" fill="hold">
-                                          <p:stCondLst>
-                                            <p:cond delay="0"/>
-                                          </p:stCondLst>
-                                        </p:cTn>
-                                        <p:tgtEl>
-                                          <p:spTgt spid="144">
-                                            <p:txEl>
-                                              <p:pRg end="0" st="0"/>
-                                            </p:txEl>
-                                          </p:spTgt>
-                                        </p:tgtEl>
-                                        <p:attrNameLst>
-                                          <p:attrName>style.visibility</p:attrName>
-                                        </p:attrNameLst>
-                                      </p:cBhvr>
-                                      <p:to>
-                                        <p:strVal val="visible"/>
-                                      </p:to>
-                                    </p:set>
-                                    <p:animEffect filter="fade" transition="in">
-                                      <p:cBhvr>
-                                        <p:cTn dur="500"/>
-                                        <p:tgtEl>
-                                          <p:spTgt spid="144">
-                                            <p:txEl>
-                                              <p:pRg end="0" st="0"/>
-                                            </p:txEl>
-                                          </p:spTgt>
-                                        </p:tgtEl>
-                                      </p:cBhvr>
-                                    </p:animEffect>
-                                  </p:childTnLst>
-                                </p:cTn>
-                              </p:par>
-                            </p:childTnLst>
-                          </p:cTn>
-                        </p:par>
-                      </p:childTnLst>
-                    </p:cTn>
-                  </p:par>
-                  <p:par>
-                    <p:cTn fill="hold">
-                      <p:stCondLst>
-                        <p:cond delay="indefinite"/>
-                      </p:stCondLst>
-                      <p:childTnLst>
-                        <p:par>
-                          <p:cTn fill="hold">
-                            <p:stCondLst>
-                              <p:cond delay="0"/>
-                            </p:stCondLst>
-                            <p:childTnLst>
-                              <p:par>
-                                <p:cTn fill="hold" nodeType="clickEffect" presetClass="entr" presetID="10" presetSubtype="0">
-                                  <p:stCondLst>
-                                    <p:cond delay="0"/>
-                                  </p:stCondLst>
-                                  <p:childTnLst>
-                                    <p:set>
-                                      <p:cBhvr>
-                                        <p:cTn dur="1" fill="hold">
-                                          <p:stCondLst>
-                                            <p:cond delay="0"/>
-                                          </p:stCondLst>
-                                        </p:cTn>
-                                        <p:tgtEl>
-                                          <p:spTgt spid="144">
-                                            <p:txEl>
-                                              <p:pRg end="1" st="1"/>
-                                            </p:txEl>
-                                          </p:spTgt>
-                                        </p:tgtEl>
-                                        <p:attrNameLst>
-                                          <p:attrName>style.visibility</p:attrName>
-                                        </p:attrNameLst>
-                                      </p:cBhvr>
-                                      <p:to>
-                                        <p:strVal val="visible"/>
-                                      </p:to>
-                                    </p:set>
-                                    <p:animEffect filter="fade" transition="in">
-                                      <p:cBhvr>
-                                        <p:cTn dur="500"/>
-                                        <p:tgtEl>
-                                          <p:spTgt spid="144">
-                                            <p:txEl>
-                                              <p:pRg end="1" st="1"/>
-                                            </p:txEl>
-                                          </p:spTgt>
-                                        </p:tgtEl>
-                                      </p:cBhvr>
-                                    </p:animEffect>
-                                  </p:childTnLst>
-                                </p:cTn>
-                              </p:par>
-                            </p:childTnLst>
-                          </p:cTn>
-                        </p:par>
-                      </p:childTnLst>
-                    </p:cTn>
-                  </p:par>
-                  <p:par>
-                    <p:cTn fill="hold">
-                      <p:stCondLst>
-                        <p:cond delay="indefinite"/>
-                      </p:stCondLst>
-                      <p:childTnLst>
-                        <p:par>
-                          <p:cTn fill="hold">
-                            <p:stCondLst>
-                              <p:cond delay="0"/>
-                            </p:stCondLst>
-                            <p:childTnLst>
-                              <p:par>
-                                <p:cTn fill="hold" nodeType="clickEffect" presetClass="entr" presetID="10" presetSubtype="0">
-                                  <p:stCondLst>
-                                    <p:cond delay="0"/>
-                                  </p:stCondLst>
-                                  <p:childTnLst>
-                                    <p:set>
-                                      <p:cBhvr>
-                                        <p:cTn dur="1" fill="hold">
-                                          <p:stCondLst>
-                                            <p:cond delay="0"/>
-                                          </p:stCondLst>
-                                        </p:cTn>
-                                        <p:tgtEl>
-                                          <p:spTgt spid="144">
-                                            <p:txEl>
-                                              <p:pRg end="2" st="2"/>
-                                            </p:txEl>
-                                          </p:spTgt>
-                                        </p:tgtEl>
-                                        <p:attrNameLst>
-                                          <p:attrName>style.visibility</p:attrName>
-                                        </p:attrNameLst>
-                                      </p:cBhvr>
-                                      <p:to>
-                                        <p:strVal val="visible"/>
-                                      </p:to>
-                                    </p:set>
-                                    <p:animEffect filter="fade" transition="in">
-                                      <p:cBhvr>
-                                        <p:cTn dur="500"/>
-                                        <p:tgtEl>
-                                          <p:spTgt spid="144">
-                                            <p:txEl>
-                                              <p:pRg end="2" st="2"/>
-                                            </p:txEl>
-                                          </p:spTgt>
-                                        </p:tgtEl>
-                                      </p:cBhvr>
-                                    </p:animEffect>
-                                  </p:childTnLst>
-                                </p:cTn>
-                              </p:par>
-                            </p:childTnLst>
-                          </p:cTn>
-                        </p:par>
-                      </p:childTnLst>
-                    </p:cTn>
-                  </p:par>
-                  <p:par>
-                    <p:cTn fill="hold">
-                      <p:stCondLst>
-                        <p:cond delay="indefinite"/>
-                      </p:stCondLst>
-                      <p:childTnLst>
-                        <p:par>
-                          <p:cTn fill="hold">
-                            <p:stCondLst>
-                              <p:cond delay="0"/>
-                            </p:stCondLst>
-                            <p:childTnLst>
-                              <p:par>
-                                <p:cTn fill="hold" nodeType="clickEffect" presetClass="entr" presetID="10" presetSubtype="0">
-                                  <p:stCondLst>
-                                    <p:cond delay="0"/>
-                                  </p:stCondLst>
-                                  <p:childTnLst>
-                                    <p:set>
-                                      <p:cBhvr>
-                                        <p:cTn dur="1" fill="hold">
-                                          <p:stCondLst>
-                                            <p:cond delay="0"/>
-                                          </p:stCondLst>
-                                        </p:cTn>
-                                        <p:tgtEl>
-                                          <p:spTgt spid="144">
-                                            <p:txEl>
-                                              <p:pRg end="3" st="3"/>
-                                            </p:txEl>
-                                          </p:spTgt>
-                                        </p:tgtEl>
-                                        <p:attrNameLst>
-                                          <p:attrName>style.visibility</p:attrName>
-                                        </p:attrNameLst>
-                                      </p:cBhvr>
-                                      <p:to>
-                                        <p:strVal val="visible"/>
-                                      </p:to>
-                                    </p:set>
-                                    <p:animEffect filter="fade" transition="in">
-                                      <p:cBhvr>
-                                        <p:cTn dur="500"/>
-                                        <p:tgtEl>
-                                          <p:spTgt spid="144">
-                                            <p:txEl>
-                                              <p:pRg end="3" st="3"/>
-                                            </p:txEl>
-                                          </p:spTgt>
-                                        </p:tgtEl>
-                                      </p:cBhvr>
-                                    </p:animEffect>
-                                  </p:childTnLst>
-                                </p:cTn>
-                              </p:par>
-                            </p:childTnLst>
-                          </p:cTn>
-                        </p:par>
-                      </p:childTnLst>
-                    </p:cTn>
-                  </p:par>
-                  <p:par>
-                    <p:cTn fill="hold">
-                      <p:stCondLst>
-                        <p:cond delay="indefinite"/>
-                      </p:stCondLst>
-                      <p:childTnLst>
-                        <p:par>
-                          <p:cTn fill="hold">
-                            <p:stCondLst>
-                              <p:cond delay="0"/>
-                            </p:stCondLst>
-                            <p:childTnLst>
-                              <p:par>
-                                <p:cTn fill="hold" nodeType="clickEffect" presetClass="entr" presetID="10" presetSubtype="0">
-                                  <p:stCondLst>
-                                    <p:cond delay="0"/>
-                                  </p:stCondLst>
-                                  <p:childTnLst>
-                                    <p:set>
-                                      <p:cBhvr>
-                                        <p:cTn dur="1" fill="hold">
-                                          <p:stCondLst>
-                                            <p:cond delay="0"/>
-                                          </p:stCondLst>
-                                        </p:cTn>
-                                        <p:tgtEl>
-                                          <p:spTgt spid="144">
-                                            <p:txEl>
-                                              <p:pRg end="4" st="4"/>
-                                            </p:txEl>
-                                          </p:spTgt>
-                                        </p:tgtEl>
-                                        <p:attrNameLst>
-                                          <p:attrName>style.visibility</p:attrName>
-                                        </p:attrNameLst>
-                                      </p:cBhvr>
-                                      <p:to>
-                                        <p:strVal val="visible"/>
-                                      </p:to>
-                                    </p:set>
-                                    <p:animEffect filter="fade" transition="in">
-                                      <p:cBhvr>
-                                        <p:cTn dur="500"/>
-                                        <p:tgtEl>
-                                          <p:spTgt spid="144">
-                                            <p:txEl>
-                                              <p:pRg end="4" st="4"/>
-                                            </p:txEl>
-                                          </p:spTgt>
-                                        </p:tgtEl>
-                                      </p:cBhvr>
-                                    </p:animEffect>
-                                  </p:childTnLst>
-                                </p:cTn>
-                              </p:par>
-                            </p:childTnLst>
-                          </p:cTn>
-                        </p:par>
-                      </p:childTnLst>
-                    </p:cTn>
-                  </p:par>
-                  <p:par>
-                    <p:cTn fill="hold">
-                      <p:stCondLst>
-                        <p:cond delay="indefinite"/>
-                      </p:stCondLst>
-                      <p:childTnLst>
-                        <p:par>
-                          <p:cTn fill="hold">
-                            <p:stCondLst>
-                              <p:cond delay="0"/>
-                            </p:stCondLst>
-                            <p:childTnLst>
-                              <p:par>
-                                <p:cTn fill="hold" nodeType="clickEffect" presetClass="entr" presetID="10" presetSubtype="0">
-                                  <p:stCondLst>
-                                    <p:cond delay="0"/>
-                                  </p:stCondLst>
-                                  <p:childTnLst>
-                                    <p:set>
-                                      <p:cBhvr>
-                                        <p:cTn dur="1" fill="hold">
-                                          <p:stCondLst>
-                                            <p:cond delay="0"/>
-                                          </p:stCondLst>
-                                        </p:cTn>
-                                        <p:tgtEl>
-                                          <p:spTgt spid="144">
-                                            <p:txEl>
-                                              <p:pRg end="5" st="5"/>
-                                            </p:txEl>
-                                          </p:spTgt>
-                                        </p:tgtEl>
-                                        <p:attrNameLst>
-                                          <p:attrName>style.visibility</p:attrName>
-                                        </p:attrNameLst>
-                                      </p:cBhvr>
-                                      <p:to>
-                                        <p:strVal val="visible"/>
-                                      </p:to>
-                                    </p:set>
-                                    <p:animEffect filter="fade" transition="in">
-                                      <p:cBhvr>
-                                        <p:cTn dur="500"/>
-                                        <p:tgtEl>
-                                          <p:spTgt spid="144">
-                                            <p:txEl>
-                                              <p:pRg end="5" st="5"/>
-                                            </p:txEl>
-                                          </p:spTgt>
-                                        </p:tgtEl>
-                                      </p:cBhvr>
-                                    </p:animEffect>
-                                  </p:childTnLst>
-                                </p:cTn>
-                              </p:par>
-                            </p:childTnLst>
-                          </p:cTn>
-                        </p:par>
-                      </p:childTnLst>
-                    </p:cTn>
-                  </p:par>
-                  <p:par>
-                    <p:cTn fill="hold">
-                      <p:stCondLst>
-                        <p:cond delay="indefinite"/>
-                      </p:stCondLst>
-                      <p:childTnLst>
-                        <p:par>
-                          <p:cTn fill="hold">
-                            <p:stCondLst>
-                              <p:cond delay="0"/>
-                            </p:stCondLst>
-                            <p:childTnLst>
-                              <p:par>
-                                <p:cTn fill="hold" nodeType="clickEffect" presetClass="entr" presetID="10" presetSubtype="0">
-                                  <p:stCondLst>
-                                    <p:cond delay="0"/>
-                                  </p:stCondLst>
-                                  <p:childTnLst>
-                                    <p:set>
-                                      <p:cBhvr>
-                                        <p:cTn dur="1" fill="hold">
-                                          <p:stCondLst>
-                                            <p:cond delay="0"/>
-                                          </p:stCondLst>
-                                        </p:cTn>
-                                        <p:tgtEl>
-                                          <p:spTgt spid="144">
-                                            <p:txEl>
-                                              <p:pRg end="6" st="6"/>
-                                            </p:txEl>
-                                          </p:spTgt>
-                                        </p:tgtEl>
-                                        <p:attrNameLst>
-                                          <p:attrName>style.visibility</p:attrName>
-                                        </p:attrNameLst>
-                                      </p:cBhvr>
-                                      <p:to>
-                                        <p:strVal val="visible"/>
-                                      </p:to>
-                                    </p:set>
-                                    <p:animEffect filter="fade" transition="in">
-                                      <p:cBhvr>
-                                        <p:cTn dur="500"/>
-                                        <p:tgtEl>
-                                          <p:spTgt spid="144">
-                                            <p:txEl>
-                                              <p:pRg end="6" st="6"/>
-                                            </p:txEl>
-                                          </p:spTgt>
-                                        </p:tgtEl>
-                                      </p:cBhvr>
-                                    </p:animEffect>
-                                  </p:childTnLst>
-                                </p:cTn>
-                              </p:par>
-                            </p:childTnLst>
-                          </p:cTn>
-                        </p:par>
-                      </p:childTnLst>
-                    </p:cTn>
-                  </p:par>
-                  <p:par>
-                    <p:cTn fill="hold">
-                      <p:stCondLst>
-                        <p:cond delay="indefinite"/>
-                      </p:stCondLst>
-                      <p:childTnLst>
-                        <p:par>
-                          <p:cTn fill="hold">
-                            <p:stCondLst>
-                              <p:cond delay="0"/>
-                            </p:stCondLst>
-                            <p:childTnLst>
-                              <p:par>
-                                <p:cTn fill="hold" nodeType="clickEffect" presetClass="entr" presetID="10" presetSubtype="0">
-                                  <p:stCondLst>
-                                    <p:cond delay="0"/>
-                                  </p:stCondLst>
-                                  <p:childTnLst>
-                                    <p:set>
-                                      <p:cBhvr>
-                                        <p:cTn dur="1" fill="hold">
-                                          <p:stCondLst>
-                                            <p:cond delay="0"/>
-                                          </p:stCondLst>
-                                        </p:cTn>
-                                        <p:tgtEl>
-                                          <p:spTgt spid="144">
-                                            <p:txEl>
-                                              <p:pRg end="7" st="7"/>
-                                            </p:txEl>
-                                          </p:spTgt>
-                                        </p:tgtEl>
-                                        <p:attrNameLst>
-                                          <p:attrName>style.visibility</p:attrName>
-                                        </p:attrNameLst>
-                                      </p:cBhvr>
-                                      <p:to>
-                                        <p:strVal val="visible"/>
-                                      </p:to>
-                                    </p:set>
-                                    <p:animEffect filter="fade" transition="in">
-                                      <p:cBhvr>
-                                        <p:cTn dur="500"/>
-                                        <p:tgtEl>
-                                          <p:spTgt spid="144">
-                                            <p:txEl>
-                                              <p:pRg end="7" st="7"/>
-                                            </p:txEl>
-                                          </p:spTgt>
-                                        </p:tgtEl>
-                                      </p:cBhvr>
-                                    </p:animEffect>
-                                  </p:childTnLst>
-                                </p:cTn>
-                              </p:par>
-                            </p:childTnLst>
-                          </p:cTn>
-                        </p:par>
-                      </p:childTnLst>
-                    </p:cTn>
-                  </p:par>
-                  <p:par>
-                    <p:cTn fill="hold">
-                      <p:stCondLst>
-                        <p:cond delay="indefinite"/>
-                      </p:stCondLst>
-                      <p:childTnLst>
-                        <p:par>
-                          <p:cTn fill="hold">
-                            <p:stCondLst>
-                              <p:cond delay="0"/>
-                            </p:stCondLst>
-                            <p:childTnLst>
-                              <p:par>
-                                <p:cTn fill="hold" nodeType="clickEffect" presetClass="entr" presetID="10" presetSubtype="0">
-                                  <p:stCondLst>
-                                    <p:cond delay="0"/>
-                                  </p:stCondLst>
-                                  <p:childTnLst>
-                                    <p:set>
-                                      <p:cBhvr>
-                                        <p:cTn dur="1" fill="hold">
-                                          <p:stCondLst>
-                                            <p:cond delay="0"/>
-                                          </p:stCondLst>
-                                        </p:cTn>
-                                        <p:tgtEl>
-                                          <p:spTgt spid="144">
-                                            <p:txEl>
-                                              <p:pRg end="8" st="8"/>
-                                            </p:txEl>
-                                          </p:spTgt>
-                                        </p:tgtEl>
-                                        <p:attrNameLst>
-                                          <p:attrName>style.visibility</p:attrName>
-                                        </p:attrNameLst>
-                                      </p:cBhvr>
-                                      <p:to>
-                                        <p:strVal val="visible"/>
-                                      </p:to>
-                                    </p:set>
-                                    <p:animEffect filter="fade" transition="in">
-                                      <p:cBhvr>
-                                        <p:cTn dur="500"/>
-                                        <p:tgtEl>
-                                          <p:spTgt spid="144">
-                                            <p:txEl>
-                                              <p:pRg end="8" st="8"/>
-                                            </p:txEl>
-                                          </p:spTgt>
-                                        </p:tgtEl>
-                                      </p:cBhvr>
-                                    </p:animEffect>
-                                  </p:childTnLst>
-                                </p:cTn>
-                              </p:par>
-                            </p:childTnLst>
-                          </p:cTn>
-                        </p:par>
-                      </p:childTnLst>
-                    </p:cTn>
-                  </p:par>
-                  <p:par>
-                    <p:cTn fill="hold">
-                      <p:stCondLst>
-                        <p:cond delay="indefinite"/>
-                      </p:stCondLst>
-                      <p:childTnLst>
-                        <p:par>
-                          <p:cTn fill="hold">
-                            <p:stCondLst>
-                              <p:cond delay="0"/>
-                            </p:stCondLst>
-                            <p:childTnLst>
-                              <p:par>
-                                <p:cTn fill="hold" nodeType="clickEffect" presetClass="entr" presetID="10" presetSubtype="0">
-                                  <p:stCondLst>
-                                    <p:cond delay="0"/>
-                                  </p:stCondLst>
-                                  <p:childTnLst>
-                                    <p:set>
-                                      <p:cBhvr>
-                                        <p:cTn dur="1" fill="hold">
-                                          <p:stCondLst>
-                                            <p:cond delay="0"/>
-                                          </p:stCondLst>
-                                        </p:cTn>
-                                        <p:tgtEl>
-                                          <p:spTgt spid="144">
-                                            <p:txEl>
-                                              <p:pRg end="9" st="9"/>
-                                            </p:txEl>
-                                          </p:spTgt>
-                                        </p:tgtEl>
-                                        <p:attrNameLst>
-                                          <p:attrName>style.visibility</p:attrName>
-                                        </p:attrNameLst>
-                                      </p:cBhvr>
-                                      <p:to>
-                                        <p:strVal val="visible"/>
-                                      </p:to>
-                                    </p:set>
-                                    <p:animEffect filter="fade" transition="in">
-                                      <p:cBhvr>
-                                        <p:cTn dur="500"/>
-                                        <p:tgtEl>
-                                          <p:spTgt spid="144">
-                                            <p:txEl>
-                                              <p:pRg end="9" st="9"/>
-                                            </p:txEl>
-                                          </p:spTgt>
-                                        </p:tgtEl>
-                                      </p:cBhvr>
-                                    </p:animEffect>
-                                  </p:childTnLst>
-                                </p:cTn>
-                              </p:par>
-                            </p:childTnLst>
-                          </p:cTn>
-                        </p:par>
-                      </p:childTnLst>
-                    </p:cTn>
-                  </p:par>
-                  <p:par>
-                    <p:cTn fill="hold">
-                      <p:stCondLst>
-                        <p:cond delay="indefinite"/>
-                      </p:stCondLst>
-                      <p:childTnLst>
-                        <p:par>
-                          <p:cTn fill="hold">
-                            <p:stCondLst>
-                              <p:cond delay="0"/>
-                            </p:stCondLst>
-                            <p:childTnLst>
-                              <p:par>
-                                <p:cTn fill="hold" nodeType="clickEffect" presetClass="entr" presetID="10" presetSubtype="0">
-                                  <p:stCondLst>
-                                    <p:cond delay="0"/>
-                                  </p:stCondLst>
-                                  <p:childTnLst>
-                                    <p:set>
-                                      <p:cBhvr>
-                                        <p:cTn dur="1" fill="hold">
-                                          <p:stCondLst>
-                                            <p:cond delay="0"/>
-                                          </p:stCondLst>
-                                        </p:cTn>
-                                        <p:tgtEl>
-                                          <p:spTgt spid="144">
-                                            <p:txEl>
-                                              <p:pRg end="10" st="10"/>
-                                            </p:txEl>
-                                          </p:spTgt>
-                                        </p:tgtEl>
-                                        <p:attrNameLst>
-                                          <p:attrName>style.visibility</p:attrName>
-                                        </p:attrNameLst>
-                                      </p:cBhvr>
-                                      <p:to>
-                                        <p:strVal val="visible"/>
-                                      </p:to>
-                                    </p:set>
-                                    <p:animEffect filter="fade" transition="in">
-                                      <p:cBhvr>
-                                        <p:cTn dur="500"/>
-                                        <p:tgtEl>
-                                          <p:spTgt spid="144">
-                                            <p:txEl>
-                                              <p:pRg end="10" st="10"/>
-                                            </p:txEl>
-                                          </p:spTgt>
-                                        </p:tgtEl>
-                                      </p:cBhvr>
-                                    </p:animEffect>
-                                  </p:childTnLst>
-                                </p:cTn>
-                              </p:par>
-                              <p:par>
-                                <p:cTn fill="hold" nodeType="withEffect" presetClass="entr" presetID="10" presetSubtype="0">
-                                  <p:stCondLst>
-                                    <p:cond delay="0"/>
-                                  </p:stCondLst>
-                                  <p:childTnLst>
-                                    <p:set>
-                                      <p:cBhvr>
-                                        <p:cTn dur="1" fill="hold">
-                                          <p:stCondLst>
-                                            <p:cond delay="0"/>
-                                          </p:stCondLst>
-                                        </p:cTn>
-                                        <p:tgtEl>
-                                          <p:spTgt spid="145"/>
-                                        </p:tgtEl>
-                                        <p:attrNameLst>
-                                          <p:attrName>style.visibility</p:attrName>
-                                        </p:attrNameLst>
-                                      </p:cBhvr>
-                                      <p:to>
-                                        <p:strVal val="visible"/>
-                                      </p:to>
-                                    </p:set>
-                                    <p:animEffect filter="fade" transition="in">
-                                      <p:cBhvr>
-                                        <p:cTn dur="500"/>
-                                        <p:tgtEl>
-                                          <p:spTgt spid="145"/>
-                                        </p:tgtEl>
-                                      </p:cBhvr>
-                                    </p:animEffect>
-                                  </p:childTnLst>
-                                </p:cTn>
-                              </p:par>
-                            </p:childTnLst>
-                          </p:cTn>
-                        </p:par>
-                      </p:childTnLst>
-                    </p:cTn>
-                  </p:par>
-                </p:childTnLst>
-              </p:cTn>
-              <p:prevCondLst>
-                <p:cond evt="onPrev">
-                  <p:tgtEl>
-                    <p:sldTgt/>
-                  </p:tgtEl>
-                </p:cond>
-              </p:prevCondLst>
-              <p:nextCondLst>
-                <p:cond evt="onNext">
-                  <p:tgtEl>
-                    <p:sldTgt/>
-                  </p:tgtEl>
-                </p:cond>
-              </p:nextCondLst>
-            </p:seq>
-          </p:childTnLst>
-        </p:cTn>
-      </p:par>
-    </p:tnLst>
-  </p:timing>
 </p:sld>
 </file>
 
@@ -53425,7 +49292,7 @@
           <a:p>
             <a:pPr indent="-273050" lvl="0" marL="273050" marR="0" rtl="0" algn="l">
               <a:lnSpc>
-                <a:spcPct val="100000"/>
+                <a:spcPct val="150000"/>
               </a:lnSpc>
               <a:spcBef>
                 <a:spcPts val="0"/>
@@ -53469,7 +49336,7 @@
           <a:p>
             <a:pPr indent="-273050" lvl="1" marL="547687" marR="0" rtl="0" algn="l">
               <a:lnSpc>
-                <a:spcPct val="100000"/>
+                <a:spcPct val="150000"/>
               </a:lnSpc>
               <a:spcBef>
                 <a:spcPts val="440"/>
@@ -53499,9 +49366,9 @@
             <a:endParaRPr/>
           </a:p>
           <a:p>
-            <a:pPr indent="-228600" lvl="2" marL="822325" marR="0" rtl="0" algn="l">
-              <a:lnSpc>
-                <a:spcPct val="100000"/>
+            <a:pPr indent="0" lvl="0" marL="822325" marR="0" rtl="0" algn="l">
+              <a:lnSpc>
+                <a:spcPct val="150000"/>
               </a:lnSpc>
               <a:spcBef>
                 <a:spcPts val="400"/>
@@ -53509,12 +49376,7 @@
               <a:spcAft>
                 <a:spcPts val="0"/>
               </a:spcAft>
-              <a:buClr>
-                <a:srgbClr val="8CADAE"/>
-              </a:buClr>
-              <a:buSzPts val="1500"/>
-              <a:buFont typeface="Noto Sans Symbols"/>
-              <a:buChar char="⯍"/>
+              <a:buNone/>
             </a:pPr>
             <a:r>
               <a:rPr b="0" i="0" lang="en-US" sz="2000" u="none" cap="none" strike="noStrike">
@@ -53526,14 +49388,78 @@
                 <a:cs typeface="Georgia"/>
                 <a:sym typeface="Georgia"/>
               </a:rPr>
-              <a:t> Iasi 🡪 Neamt 🡪 Iasi 🡪 Neamt 🡪 </a:t>
+              <a:t> Iasi -</a:t>
+            </a:r>
+            <a:r>
+              <a:rPr lang="en-US"/>
+              <a:t>&gt;</a:t>
+            </a:r>
+            <a:r>
+              <a:rPr b="0" i="0" lang="en-US" sz="2000" u="none" cap="none" strike="noStrike">
+                <a:solidFill>
+                  <a:schemeClr val="dk1"/>
+                </a:solidFill>
+                <a:latin typeface="Georgia"/>
+                <a:ea typeface="Georgia"/>
+                <a:cs typeface="Georgia"/>
+                <a:sym typeface="Georgia"/>
+              </a:rPr>
+              <a:t> Neamt </a:t>
+            </a:r>
+            <a:r>
+              <a:rPr lang="en-US"/>
+              <a:t>-&gt;</a:t>
+            </a:r>
+            <a:r>
+              <a:rPr b="0" i="0" lang="en-US" sz="2000" u="none" cap="none" strike="noStrike">
+                <a:solidFill>
+                  <a:schemeClr val="dk1"/>
+                </a:solidFill>
+                <a:latin typeface="Georgia"/>
+                <a:ea typeface="Georgia"/>
+                <a:cs typeface="Georgia"/>
+                <a:sym typeface="Georgia"/>
+              </a:rPr>
+              <a:t> Iasi </a:t>
+            </a:r>
+            <a:r>
+              <a:rPr lang="en-US"/>
+              <a:t>-&gt;</a:t>
+            </a:r>
+            <a:r>
+              <a:rPr b="0" i="0" lang="en-US" sz="2000" u="none" cap="none" strike="noStrike">
+                <a:solidFill>
+                  <a:schemeClr val="dk1"/>
+                </a:solidFill>
+                <a:latin typeface="Georgia"/>
+                <a:ea typeface="Georgia"/>
+                <a:cs typeface="Georgia"/>
+                <a:sym typeface="Georgia"/>
+              </a:rPr>
+              <a:t> Neamt </a:t>
+            </a:r>
+            <a:r>
+              <a:rPr lang="en-US"/>
+              <a:t>…..</a:t>
+            </a:r>
+            <a:r>
+              <a:rPr b="0" i="0" lang="en-US" sz="2000" u="none" cap="none" strike="noStrike">
+                <a:solidFill>
+                  <a:schemeClr val="dk1"/>
+                </a:solidFill>
+                <a:latin typeface="Georgia"/>
+                <a:ea typeface="Georgia"/>
+                <a:cs typeface="Georgia"/>
+                <a:sym typeface="Georgia"/>
+              </a:rPr>
+              <a:t> </a:t>
             </a:r>
             <a:endParaRPr/>
           </a:p>
           <a:p>
             <a:pPr indent="-273050" lvl="0" marL="273050" marR="0" rtl="0" algn="l">
               <a:lnSpc>
-                <a:spcPct val="100000"/>
+                <a:spcPct val="150000"/>
               </a:lnSpc>
               <a:spcBef>
                 <a:spcPts val="540"/>
@@ -53625,7 +49551,7 @@
           <a:p>
             <a:pPr indent="-273050" lvl="0" marL="273050" marR="0" rtl="0" algn="l">
               <a:lnSpc>
-                <a:spcPct val="100000"/>
+                <a:spcPct val="150000"/>
               </a:lnSpc>
               <a:spcBef>
                 <a:spcPts val="540"/>
@@ -53717,7 +49643,7 @@
           <a:p>
             <a:pPr indent="-273050" lvl="0" marL="273050" marR="0" rtl="0" algn="l">
               <a:lnSpc>
-                <a:spcPct val="100000"/>
+                <a:spcPct val="150000"/>
               </a:lnSpc>
               <a:spcBef>
                 <a:spcPts val="540"/>
@@ -53961,7 +49887,7 @@
           <a:p>
             <a:pPr indent="-273050" lvl="0" marL="273050" marR="0" rtl="0" algn="l">
               <a:lnSpc>
-                <a:spcPct val="100000"/>
+                <a:spcPct val="115000"/>
               </a:lnSpc>
               <a:spcBef>
                 <a:spcPts val="0"/>
@@ -53993,7 +49919,7 @@
           <a:p>
             <a:pPr indent="-273050" lvl="0" marL="273050" marR="0" rtl="0" algn="l">
               <a:lnSpc>
-                <a:spcPct val="100000"/>
+                <a:spcPct val="115000"/>
               </a:lnSpc>
               <a:spcBef>
                 <a:spcPts val="540"/>
@@ -54023,40 +49949,9 @@
             <a:endParaRPr/>
           </a:p>
           <a:p>
-            <a:pPr indent="-127317" lvl="0" marL="273050" marR="0" rtl="0" algn="l">
-              <a:lnSpc>
-                <a:spcPct val="100000"/>
-              </a:lnSpc>
-              <a:spcBef>
-                <a:spcPts val="540"/>
-              </a:spcBef>
-              <a:spcAft>
-                <a:spcPts val="0"/>
-              </a:spcAft>
-              <a:buClr>
-                <a:schemeClr val="accent1"/>
-              </a:buClr>
-              <a:buSzPts val="2295"/>
-              <a:buFont typeface="Noto Sans Symbols"/>
-              <a:buNone/>
-            </a:pPr>
-            <a:r>
-              <a:t/>
-            </a:r>
-            <a:endParaRPr b="0" i="0" sz="2700" u="none" cap="none" strike="noStrike">
-              <a:solidFill>
-                <a:schemeClr val="dk1"/>
-              </a:solidFill>
-              <a:latin typeface="Georgia"/>
-              <a:ea typeface="Georgia"/>
-              <a:cs typeface="Georgia"/>
-              <a:sym typeface="Georgia"/>
-            </a:endParaRPr>
-          </a:p>
-          <a:p>
             <a:pPr indent="-273050" lvl="0" marL="273050" marR="0" rtl="0" algn="l">
               <a:lnSpc>
-                <a:spcPct val="100000"/>
+                <a:spcPct val="115000"/>
               </a:lnSpc>
               <a:spcBef>
                 <a:spcPts val="540"/>
@@ -54147,7 +50042,7 @@
           <a:p>
             <a:pPr indent="-273050" lvl="0" marL="273050" marR="0" rtl="0" algn="l">
               <a:lnSpc>
-                <a:spcPct val="100000"/>
+                <a:spcPct val="115000"/>
               </a:lnSpc>
               <a:spcBef>
                 <a:spcPts val="540"/>
@@ -54215,7 +50110,7 @@
           <a:p>
             <a:pPr indent="-273050" lvl="0" marL="273050" marR="0" rtl="0" algn="l">
               <a:lnSpc>
-                <a:spcPct val="100000"/>
+                <a:spcPct val="115000"/>
               </a:lnSpc>
               <a:spcBef>
                 <a:spcPts val="540"/>
@@ -56652,585 +52547,6 @@
   <p:clrMapOvr>
     <a:masterClrMapping/>
   </p:clrMapOvr>
-  <p:timing>
-    <p:tnLst>
-      <p:par>
-        <p:cTn dur="indefinite" nodeType="tmRoot" restart="never">
-          <p:childTnLst>
-            <p:seq concurrent="1" nextAc="seek">
-              <p:cTn dur="indefinite" id="2" nodeType="mainSeq">
-                <p:childTnLst>
-                  <p:par>
-                    <p:cTn fill="hold">
-                      <p:stCondLst>
-                        <p:cond delay="indefinite"/>
-                      </p:stCondLst>
-                      <p:childTnLst>
-                        <p:par>
-                          <p:cTn fill="hold">
-                            <p:stCondLst>
-                              <p:cond delay="0"/>
-                            </p:stCondLst>
-                            <p:childTnLst>
-                              <p:par>
-                                <p:cTn fill="hold" nodeType="clickEffect" presetClass="entr" presetID="10" presetSubtype="0">
-                                  <p:stCondLst>
-                                    <p:cond delay="0"/>
-                                  </p:stCondLst>
-                                  <p:childTnLst>
-                                    <p:set>
-                                      <p:cBhvr>
-                                        <p:cTn dur="1" fill="hold">
-                                          <p:stCondLst>
-                                            <p:cond delay="0"/>
-                                          </p:stCondLst>
-                                        </p:cTn>
-                                        <p:tgtEl>
-                                          <p:spTgt spid="154">
-                                            <p:txEl>
-                                              <p:pRg end="0" st="0"/>
-                                            </p:txEl>
-                                          </p:spTgt>
-                                        </p:tgtEl>
-                                        <p:attrNameLst>
-                                          <p:attrName>style.visibility</p:attrName>
-                                        </p:attrNameLst>
-                                      </p:cBhvr>
-                                      <p:to>
-                                        <p:strVal val="visible"/>
-                                      </p:to>
-                                    </p:set>
-                                    <p:animEffect filter="fade" transition="in">
-                                      <p:cBhvr>
-                                        <p:cTn dur="500"/>
-                                        <p:tgtEl>
-                                          <p:spTgt spid="154">
-                                            <p:txEl>
-                                              <p:pRg end="0" st="0"/>
-                                            </p:txEl>
-                                          </p:spTgt>
-                                        </p:tgtEl>
-                                      </p:cBhvr>
-                                    </p:animEffect>
-                                  </p:childTnLst>
-                                </p:cTn>
-                              </p:par>
-                            </p:childTnLst>
-                          </p:cTn>
-                        </p:par>
-                      </p:childTnLst>
-                    </p:cTn>
-                  </p:par>
-                  <p:par>
-                    <p:cTn fill="hold">
-                      <p:stCondLst>
-                        <p:cond delay="indefinite"/>
-                      </p:stCondLst>
-                      <p:childTnLst>
-                        <p:par>
-                          <p:cTn fill="hold">
-                            <p:stCondLst>
-                              <p:cond delay="0"/>
-                            </p:stCondLst>
-                            <p:childTnLst>
-                              <p:par>
-                                <p:cTn fill="hold" nodeType="clickEffect" presetClass="entr" presetID="10" presetSubtype="0">
-                                  <p:stCondLst>
-                                    <p:cond delay="0"/>
-                                  </p:stCondLst>
-                                  <p:childTnLst>
-                                    <p:set>
-                                      <p:cBhvr>
-                                        <p:cTn dur="1" fill="hold">
-                                          <p:stCondLst>
-                                            <p:cond delay="0"/>
-                                          </p:stCondLst>
-                                        </p:cTn>
-                                        <p:tgtEl>
-                                          <p:spTgt spid="154">
-                                            <p:txEl>
-                                              <p:pRg end="1" st="1"/>
-                                            </p:txEl>
-                                          </p:spTgt>
-                                        </p:tgtEl>
-                                        <p:attrNameLst>
-                                          <p:attrName>style.visibility</p:attrName>
-                                        </p:attrNameLst>
-                                      </p:cBhvr>
-                                      <p:to>
-                                        <p:strVal val="visible"/>
-                                      </p:to>
-                                    </p:set>
-                                    <p:animEffect filter="fade" transition="in">
-                                      <p:cBhvr>
-                                        <p:cTn dur="500"/>
-                                        <p:tgtEl>
-                                          <p:spTgt spid="154">
-                                            <p:txEl>
-                                              <p:pRg end="1" st="1"/>
-                                            </p:txEl>
-                                          </p:spTgt>
-                                        </p:tgtEl>
-                                      </p:cBhvr>
-                                    </p:animEffect>
-                                  </p:childTnLst>
-                                </p:cTn>
-                              </p:par>
-                            </p:childTnLst>
-                          </p:cTn>
-                        </p:par>
-                      </p:childTnLst>
-                    </p:cTn>
-                  </p:par>
-                  <p:par>
-                    <p:cTn fill="hold">
-                      <p:stCondLst>
-                        <p:cond delay="indefinite"/>
-                      </p:stCondLst>
-                      <p:childTnLst>
-                        <p:par>
-                          <p:cTn fill="hold">
-                            <p:stCondLst>
-                              <p:cond delay="0"/>
-                            </p:stCondLst>
-                            <p:childTnLst>
-                              <p:par>
-                                <p:cTn fill="hold" nodeType="clickEffect" presetClass="entr" presetID="10" presetSubtype="0">
-                                  <p:stCondLst>
-                                    <p:cond delay="0"/>
-                                  </p:stCondLst>
-                                  <p:childTnLst>
-                                    <p:set>
-                                      <p:cBhvr>
-                                        <p:cTn dur="1" fill="hold">
-                                          <p:stCondLst>
-                                            <p:cond delay="0"/>
-                                          </p:stCondLst>
-                                        </p:cTn>
-                                        <p:tgtEl>
-                                          <p:spTgt spid="154">
-                                            <p:txEl>
-                                              <p:pRg end="2" st="2"/>
-                                            </p:txEl>
-                                          </p:spTgt>
-                                        </p:tgtEl>
-                                        <p:attrNameLst>
-                                          <p:attrName>style.visibility</p:attrName>
-                                        </p:attrNameLst>
-                                      </p:cBhvr>
-                                      <p:to>
-                                        <p:strVal val="visible"/>
-                                      </p:to>
-                                    </p:set>
-                                    <p:animEffect filter="fade" transition="in">
-                                      <p:cBhvr>
-                                        <p:cTn dur="500"/>
-                                        <p:tgtEl>
-                                          <p:spTgt spid="154">
-                                            <p:txEl>
-                                              <p:pRg end="2" st="2"/>
-                                            </p:txEl>
-                                          </p:spTgt>
-                                        </p:tgtEl>
-                                      </p:cBhvr>
-                                    </p:animEffect>
-                                  </p:childTnLst>
-                                </p:cTn>
-                              </p:par>
-                            </p:childTnLst>
-                          </p:cTn>
-                        </p:par>
-                      </p:childTnLst>
-                    </p:cTn>
-                  </p:par>
-                  <p:par>
-                    <p:cTn fill="hold">
-                      <p:stCondLst>
-                        <p:cond delay="indefinite"/>
-                      </p:stCondLst>
-                      <p:childTnLst>
-                        <p:par>
-                          <p:cTn fill="hold">
-                            <p:stCondLst>
-                              <p:cond delay="0"/>
-                            </p:stCondLst>
-                            <p:childTnLst>
-                              <p:par>
-                                <p:cTn fill="hold" nodeType="clickEffect" presetClass="entr" presetID="10" presetSubtype="0">
-                                  <p:stCondLst>
-                                    <p:cond delay="0"/>
-                                  </p:stCondLst>
-                                  <p:childTnLst>
-                                    <p:set>
-                                      <p:cBhvr>
-                                        <p:cTn dur="1" fill="hold">
-                                          <p:stCondLst>
-                                            <p:cond delay="0"/>
-                                          </p:stCondLst>
-                                        </p:cTn>
-                                        <p:tgtEl>
-                                          <p:spTgt spid="154">
-                                            <p:txEl>
-                                              <p:pRg end="3" st="3"/>
-                                            </p:txEl>
-                                          </p:spTgt>
-                                        </p:tgtEl>
-                                        <p:attrNameLst>
-                                          <p:attrName>style.visibility</p:attrName>
-                                        </p:attrNameLst>
-                                      </p:cBhvr>
-                                      <p:to>
-                                        <p:strVal val="visible"/>
-                                      </p:to>
-                                    </p:set>
-                                    <p:animEffect filter="fade" transition="in">
-                                      <p:cBhvr>
-                                        <p:cTn dur="500"/>
-                                        <p:tgtEl>
-                                          <p:spTgt spid="154">
-                                            <p:txEl>
-                                              <p:pRg end="3" st="3"/>
-                                            </p:txEl>
-                                          </p:spTgt>
-                                        </p:tgtEl>
-                                      </p:cBhvr>
-                                    </p:animEffect>
-                                  </p:childTnLst>
-                                </p:cTn>
-                              </p:par>
-                            </p:childTnLst>
-                          </p:cTn>
-                        </p:par>
-                      </p:childTnLst>
-                    </p:cTn>
-                  </p:par>
-                  <p:par>
-                    <p:cTn fill="hold">
-                      <p:stCondLst>
-                        <p:cond delay="indefinite"/>
-                      </p:stCondLst>
-                      <p:childTnLst>
-                        <p:par>
-                          <p:cTn fill="hold">
-                            <p:stCondLst>
-                              <p:cond delay="0"/>
-                            </p:stCondLst>
-                            <p:childTnLst>
-                              <p:par>
-                                <p:cTn fill="hold" nodeType="clickEffect" presetClass="entr" presetID="10" presetSubtype="0">
-                                  <p:stCondLst>
-                                    <p:cond delay="0"/>
-                                  </p:stCondLst>
-                                  <p:childTnLst>
-                                    <p:set>
-                                      <p:cBhvr>
-                                        <p:cTn dur="1" fill="hold">
-                                          <p:stCondLst>
-                                            <p:cond delay="0"/>
-                                          </p:stCondLst>
-                                        </p:cTn>
-                                        <p:tgtEl>
-                                          <p:spTgt spid="154">
-                                            <p:txEl>
-                                              <p:pRg end="4" st="4"/>
-                                            </p:txEl>
-                                          </p:spTgt>
-                                        </p:tgtEl>
-                                        <p:attrNameLst>
-                                          <p:attrName>style.visibility</p:attrName>
-                                        </p:attrNameLst>
-                                      </p:cBhvr>
-                                      <p:to>
-                                        <p:strVal val="visible"/>
-                                      </p:to>
-                                    </p:set>
-                                    <p:animEffect filter="fade" transition="in">
-                                      <p:cBhvr>
-                                        <p:cTn dur="500"/>
-                                        <p:tgtEl>
-                                          <p:spTgt spid="154">
-                                            <p:txEl>
-                                              <p:pRg end="4" st="4"/>
-                                            </p:txEl>
-                                          </p:spTgt>
-                                        </p:tgtEl>
-                                      </p:cBhvr>
-                                    </p:animEffect>
-                                  </p:childTnLst>
-                                </p:cTn>
-                              </p:par>
-                            </p:childTnLst>
-                          </p:cTn>
-                        </p:par>
-                      </p:childTnLst>
-                    </p:cTn>
-                  </p:par>
-                  <p:par>
-                    <p:cTn fill="hold">
-                      <p:stCondLst>
-                        <p:cond delay="indefinite"/>
-                      </p:stCondLst>
-                      <p:childTnLst>
-                        <p:par>
-                          <p:cTn fill="hold">
-                            <p:stCondLst>
-                              <p:cond delay="0"/>
-                            </p:stCondLst>
-                            <p:childTnLst>
-                              <p:par>
-                                <p:cTn fill="hold" nodeType="clickEffect" presetClass="entr" presetID="10" presetSubtype="0">
-                                  <p:stCondLst>
-                                    <p:cond delay="0"/>
-                                  </p:stCondLst>
-                                  <p:childTnLst>
-                                    <p:set>
-                                      <p:cBhvr>
-                                        <p:cTn dur="1" fill="hold">
-                                          <p:stCondLst>
-                                            <p:cond delay="0"/>
-                                          </p:stCondLst>
-                                        </p:cTn>
-                                        <p:tgtEl>
-                                          <p:spTgt spid="154">
-                                            <p:txEl>
-                                              <p:pRg end="5" st="5"/>
-                                            </p:txEl>
-                                          </p:spTgt>
-                                        </p:tgtEl>
-                                        <p:attrNameLst>
-                                          <p:attrName>style.visibility</p:attrName>
-                                        </p:attrNameLst>
-                                      </p:cBhvr>
-                                      <p:to>
-                                        <p:strVal val="visible"/>
-                                      </p:to>
-                                    </p:set>
-                                    <p:animEffect filter="fade" transition="in">
-                                      <p:cBhvr>
-                                        <p:cTn dur="500"/>
-                                        <p:tgtEl>
-                                          <p:spTgt spid="154">
-                                            <p:txEl>
-                                              <p:pRg end="5" st="5"/>
-                                            </p:txEl>
-                                          </p:spTgt>
-                                        </p:tgtEl>
-                                      </p:cBhvr>
-                                    </p:animEffect>
-                                  </p:childTnLst>
-                                </p:cTn>
-                              </p:par>
-                            </p:childTnLst>
-                          </p:cTn>
-                        </p:par>
-                      </p:childTnLst>
-                    </p:cTn>
-                  </p:par>
-                  <p:par>
-                    <p:cTn fill="hold">
-                      <p:stCondLst>
-                        <p:cond delay="indefinite"/>
-                      </p:stCondLst>
-                      <p:childTnLst>
-                        <p:par>
-                          <p:cTn fill="hold">
-                            <p:stCondLst>
-                              <p:cond delay="0"/>
-                            </p:stCondLst>
-                            <p:childTnLst>
-                              <p:par>
-                                <p:cTn fill="hold" nodeType="clickEffect" presetClass="entr" presetID="10" presetSubtype="0">
-                                  <p:stCondLst>
-                                    <p:cond delay="0"/>
-                                  </p:stCondLst>
-                                  <p:childTnLst>
-                                    <p:set>
-                                      <p:cBhvr>
-                                        <p:cTn dur="1" fill="hold">
-                                          <p:stCondLst>
-                                            <p:cond delay="0"/>
-                                          </p:stCondLst>
-                                        </p:cTn>
-                                        <p:tgtEl>
-                                          <p:spTgt spid="154">
-                                            <p:txEl>
-                                              <p:pRg end="6" st="6"/>
-                                            </p:txEl>
-                                          </p:spTgt>
-                                        </p:tgtEl>
-                                        <p:attrNameLst>
-                                          <p:attrName>style.visibility</p:attrName>
-                                        </p:attrNameLst>
-                                      </p:cBhvr>
-                                      <p:to>
-                                        <p:strVal val="visible"/>
-                                      </p:to>
-                                    </p:set>
-                                    <p:animEffect filter="fade" transition="in">
-                                      <p:cBhvr>
-                                        <p:cTn dur="500"/>
-                                        <p:tgtEl>
-                                          <p:spTgt spid="154">
-                                            <p:txEl>
-                                              <p:pRg end="6" st="6"/>
-                                            </p:txEl>
-                                          </p:spTgt>
-                                        </p:tgtEl>
-                                      </p:cBhvr>
-                                    </p:animEffect>
-                                  </p:childTnLst>
-                                </p:cTn>
-                              </p:par>
-                            </p:childTnLst>
-                          </p:cTn>
-                        </p:par>
-                      </p:childTnLst>
-                    </p:cTn>
-                  </p:par>
-                  <p:par>
-                    <p:cTn fill="hold">
-                      <p:stCondLst>
-                        <p:cond delay="indefinite"/>
-                      </p:stCondLst>
-                      <p:childTnLst>
-                        <p:par>
-                          <p:cTn fill="hold">
-                            <p:stCondLst>
-                              <p:cond delay="0"/>
-                            </p:stCondLst>
-                            <p:childTnLst>
-                              <p:par>
-                                <p:cTn fill="hold" nodeType="clickEffect" presetClass="entr" presetID="10" presetSubtype="0">
-                                  <p:stCondLst>
-                                    <p:cond delay="0"/>
-                                  </p:stCondLst>
-                                  <p:childTnLst>
-                                    <p:set>
-                                      <p:cBhvr>
-                                        <p:cTn dur="1" fill="hold">
-                                          <p:stCondLst>
-                                            <p:cond delay="0"/>
-                                          </p:stCondLst>
-                                        </p:cTn>
-                                        <p:tgtEl>
-                                          <p:spTgt spid="154">
-                                            <p:txEl>
-                                              <p:pRg end="7" st="7"/>
-                                            </p:txEl>
-                                          </p:spTgt>
-                                        </p:tgtEl>
-                                        <p:attrNameLst>
-                                          <p:attrName>style.visibility</p:attrName>
-                                        </p:attrNameLst>
-                                      </p:cBhvr>
-                                      <p:to>
-                                        <p:strVal val="visible"/>
-                                      </p:to>
-                                    </p:set>
-                                    <p:animEffect filter="fade" transition="in">
-                                      <p:cBhvr>
-                                        <p:cTn dur="500"/>
-                                        <p:tgtEl>
-                                          <p:spTgt spid="154">
-                                            <p:txEl>
-                                              <p:pRg end="7" st="7"/>
-                                            </p:txEl>
-                                          </p:spTgt>
-                                        </p:tgtEl>
-                                      </p:cBhvr>
-                                    </p:animEffect>
-                                  </p:childTnLst>
-                                </p:cTn>
-                              </p:par>
-                            </p:childTnLst>
-                          </p:cTn>
-                        </p:par>
-                      </p:childTnLst>
-                    </p:cTn>
-                  </p:par>
-                  <p:par>
-                    <p:cTn fill="hold">
-                      <p:stCondLst>
-                        <p:cond delay="indefinite"/>
-                      </p:stCondLst>
-                      <p:childTnLst>
-                        <p:par>
-                          <p:cTn fill="hold">
-                            <p:stCondLst>
-                              <p:cond delay="0"/>
-                            </p:stCondLst>
-                            <p:childTnLst>
-                              <p:par>
-                                <p:cTn fill="hold" nodeType="clickEffect" presetClass="entr" presetID="10" presetSubtype="0">
-                                  <p:stCondLst>
-                                    <p:cond delay="0"/>
-                                  </p:stCondLst>
-                                  <p:childTnLst>
-                                    <p:set>
-                                      <p:cBhvr>
-                                        <p:cTn dur="1" fill="hold">
-                                          <p:stCondLst>
-                                            <p:cond delay="0"/>
-                                          </p:stCondLst>
-                                        </p:cTn>
-                                        <p:tgtEl>
-                                          <p:spTgt spid="154">
-                                            <p:txEl>
-                                              <p:pRg end="8" st="8"/>
-                                            </p:txEl>
-                                          </p:spTgt>
-                                        </p:tgtEl>
-                                        <p:attrNameLst>
-                                          <p:attrName>style.visibility</p:attrName>
-                                        </p:attrNameLst>
-                                      </p:cBhvr>
-                                      <p:to>
-                                        <p:strVal val="visible"/>
-                                      </p:to>
-                                    </p:set>
-                                    <p:animEffect filter="fade" transition="in">
-                                      <p:cBhvr>
-                                        <p:cTn dur="500"/>
-                                        <p:tgtEl>
-                                          <p:spTgt spid="154">
-                                            <p:txEl>
-                                              <p:pRg end="8" st="8"/>
-                                            </p:txEl>
-                                          </p:spTgt>
-                                        </p:tgtEl>
-                                      </p:cBhvr>
-                                    </p:animEffect>
-                                  </p:childTnLst>
-                                </p:cTn>
-                              </p:par>
-                            </p:childTnLst>
-                          </p:cTn>
-                        </p:par>
-                      </p:childTnLst>
-                    </p:cTn>
-                  </p:par>
-                </p:childTnLst>
-              </p:cTn>
-              <p:prevCondLst>
-                <p:cond evt="onPrev">
-                  <p:tgtEl>
-                    <p:sldTgt/>
-                  </p:tgtEl>
-                </p:cond>
-              </p:prevCondLst>
-              <p:nextCondLst>
-                <p:cond evt="onNext">
-                  <p:tgtEl>
-                    <p:sldTgt/>
-                  </p:tgtEl>
-                </p:cond>
-              </p:nextCondLst>
-            </p:seq>
-          </p:childTnLst>
-        </p:cTn>
-      </p:par>
-    </p:tnLst>
-  </p:timing>
 </p:sld>
 </file>
 
@@ -57835,45 +53151,16 @@
           </a:p>
         </p:txBody>
       </p:sp>
-      <p:pic>
-        <p:nvPicPr>
-          <p:cNvPr descr="romania-distances" id="163" name="Google Shape;163;p14"/>
-          <p:cNvPicPr preferRelativeResize="0"/>
-          <p:nvPr>
-            <p:ph idx="1" type="body"/>
-          </p:nvPr>
-        </p:nvPicPr>
-        <p:blipFill rotWithShape="1">
-          <a:blip r:embed="rId3">
-            <a:alphaModFix/>
-          </a:blip>
-          <a:srcRect b="0" l="0" r="0" t="0"/>
-          <a:stretch/>
-        </p:blipFill>
-        <p:spPr>
-          <a:xfrm>
-            <a:off x="1044900" y="1500490"/>
-            <a:ext cx="7308300" cy="4392000"/>
-          </a:xfrm>
-          <a:prstGeom prst="rect">
-            <a:avLst/>
-          </a:prstGeom>
-          <a:noFill/>
-          <a:ln>
-            <a:noFill/>
-          </a:ln>
-        </p:spPr>
-      </p:pic>
-      <p:sp>
-        <p:nvSpPr>
-          <p:cNvPr id="164" name="Google Shape;164;p14"/>
+      <p:sp>
+        <p:nvSpPr>
+          <p:cNvPr id="163" name="Google Shape;163;p14"/>
           <p:cNvSpPr txBox="1"/>
           <p:nvPr/>
         </p:nvSpPr>
         <p:spPr>
           <a:xfrm>
-            <a:off x="533400" y="6019800"/>
-            <a:ext cx="8331300" cy="646200"/>
+            <a:off x="152400" y="6224675"/>
+            <a:ext cx="8712300" cy="441300"/>
           </a:xfrm>
           <a:prstGeom prst="rect">
             <a:avLst/>
@@ -57907,7 +53194,7 @@
               <a:buNone/>
             </a:pPr>
             <a:r>
-              <a:rPr b="0" i="0" lang="en-US" sz="1800" u="none">
+              <a:rPr b="0" i="0" lang="en-US" u="none">
                 <a:solidFill>
                   <a:schemeClr val="dk1"/>
                 </a:solidFill>
@@ -57916,39 +53203,7 @@
                 <a:cs typeface="Tahoma"/>
                 <a:sym typeface="Tahoma"/>
               </a:rPr>
-              <a:t>Abstraction: The process of removing details from a representation </a:t>
-            </a:r>
-            <a:endParaRPr/>
-          </a:p>
-          <a:p>
-            <a:pPr indent="0" lvl="0" marL="0" marR="0" rtl="0" algn="l">
-              <a:lnSpc>
-                <a:spcPct val="100000"/>
-              </a:lnSpc>
-              <a:spcBef>
-                <a:spcPts val="0"/>
-              </a:spcBef>
-              <a:spcAft>
-                <a:spcPts val="0"/>
-              </a:spcAft>
-              <a:buClr>
-                <a:schemeClr val="dk1"/>
-              </a:buClr>
-              <a:buSzPts val="1800"/>
-              <a:buFont typeface="Tahoma"/>
-              <a:buNone/>
-            </a:pPr>
-            <a:r>
-              <a:rPr b="0" i="0" lang="en-US" sz="1800" u="none">
-                <a:solidFill>
-                  <a:schemeClr val="dk1"/>
-                </a:solidFill>
-                <a:latin typeface="Tahoma"/>
-                <a:ea typeface="Tahoma"/>
-                <a:cs typeface="Tahoma"/>
-                <a:sym typeface="Tahoma"/>
-              </a:rPr>
-              <a:t>Is the map a good representation of the problem? What is a good replacement?</a:t>
+              <a:t>Abstraction: The process of removing details from a representation Is the map a good representation of the problem? What is a good replacement?</a:t>
             </a:r>
             <a:endParaRPr/>
           </a:p>
@@ -57956,7 +53211,7 @@
       </p:sp>
       <p:sp>
         <p:nvSpPr>
-          <p:cNvPr id="165" name="Google Shape;165;p14"/>
+          <p:cNvPr id="164" name="Google Shape;164;p14"/>
           <p:cNvSpPr txBox="1"/>
           <p:nvPr>
             <p:ph idx="12" type="sldNum"/>
@@ -57999,6 +53254,34 @@
           </a:p>
         </p:txBody>
       </p:sp>
+      <p:pic>
+        <p:nvPicPr>
+          <p:cNvPr id="165" name="Google Shape;165;p14"/>
+          <p:cNvPicPr preferRelativeResize="0"/>
+          <p:nvPr/>
+        </p:nvPicPr>
+        <p:blipFill>
+          <a:blip r:embed="rId3">
+            <a:alphaModFix/>
+          </a:blip>
+          <a:stretch>
+            <a:fillRect/>
+          </a:stretch>
+        </p:blipFill>
+        <p:spPr>
+          <a:xfrm>
+            <a:off x="152400" y="1304125"/>
+            <a:ext cx="8870424" cy="5101424"/>
+          </a:xfrm>
+          <a:prstGeom prst="rect">
+            <a:avLst/>
+          </a:prstGeom>
+          <a:noFill/>
+          <a:ln>
+            <a:noFill/>
+          </a:ln>
+        </p:spPr>
+      </p:pic>
     </p:spTree>
   </p:cSld>
   <p:clrMapOvr>
@@ -58008,6 +53291,285 @@
 </file>
 
 <file path=ppt/theme/theme1.xml><?xml version="1.0" encoding="utf-8"?>
+<a:theme xmlns:a="http://schemas.openxmlformats.org/drawingml/2006/main" xmlns:r="http://schemas.openxmlformats.org/officeDocument/2006/relationships">
+  <a:themeElements>
+    <a:clrScheme name="Default">
+      <a:dk1>
+        <a:srgbClr val="000000"/>
+      </a:dk1>
+      <a:lt1>
+        <a:srgbClr val="FFFFFF"/>
+      </a:lt1>
+      <a:dk2>
+        <a:srgbClr val="158158"/>
+      </a:dk2>
+      <a:lt2>
+        <a:srgbClr val="F3F3F3"/>
+      </a:lt2>
+      <a:accent1>
+        <a:srgbClr val="058DC7"/>
+      </a:accent1>
+      <a:accent2>
+        <a:srgbClr val="50B432"/>
+      </a:accent2>
+      <a:accent3>
+        <a:srgbClr val="ED561B"/>
+      </a:accent3>
+      <a:accent4>
+        <a:srgbClr val="EDEF00"/>
+      </a:accent4>
+      <a:accent5>
+        <a:srgbClr val="24CBE5"/>
+      </a:accent5>
+      <a:accent6>
+        <a:srgbClr val="64E572"/>
+      </a:accent6>
+      <a:hlink>
+        <a:srgbClr val="2200CC"/>
+      </a:hlink>
+      <a:folHlink>
+        <a:srgbClr val="551A8B"/>
+      </a:folHlink>
+    </a:clrScheme>
+    <a:fontScheme name="Office">
+      <a:majorFont>
+        <a:latin typeface="Arial"/>
+        <a:ea typeface=""/>
+        <a:cs typeface=""/>
+        <a:font script="Jpan" typeface="ＭＳ Ｐゴシック"/>
+        <a:font script="Hang" typeface="맑은 고딕"/>
+        <a:font script="Hans" typeface="宋体"/>
+        <a:font script="Hant" typeface="新細明體"/>
+        <a:font script="Arab" typeface="Times New Roman"/>
+        <a:font script="Hebr" typeface="Times New Roman"/>
+        <a:font script="Thai" typeface="Angsana New"/>
+        <a:font script="Ethi" typeface="Nyala"/>
+        <a:font script="Beng" typeface="Vrinda"/>
+        <a:font script="Gujr" typeface="Shruti"/>
+        <a:font script="Khmr" typeface="MoolBoran"/>
+        <a:font script="Knda" typeface="Tunga"/>
+        <a:font script="Guru" typeface="Raavi"/>
+        <a:font script="Cans" typeface="Euphemia"/>
+        <a:font script="Cher" typeface="Plantagenet Cherokee"/>
+        <a:font script="Yiii" typeface="Microsoft Yi Baiti"/>
+        <a:font script="Tibt" typeface="Microsoft Himalaya"/>
+        <a:font script="Thaa" typeface="MV Boli"/>
+        <a:font script="Deva" typeface="Mangal"/>
+        <a:font script="Telu" typeface="Gautami"/>
+        <a:font script="Taml" typeface="Latha"/>
+        <a:font script="Syrc" typeface="Estrangelo Edessa"/>
+        <a:font script="Orya" typeface="Kalinga"/>
+        <a:font script="Mlym" typeface="Kartika"/>
+        <a:font script="Laoo" typeface="DokChampa"/>
+        <a:font script="Sinh" typeface="Iskoola Pota"/>
+        <a:font script="Mong" typeface="Mongolian Baiti"/>
+        <a:font script="Viet" typeface="Times New Roman"/>
+        <a:font script="Uigh" typeface="Microsoft Uighur"/>
+        <a:font script="Geor" typeface="Sylfaen"/>
+      </a:majorFont>
+      <a:minorFont>
+        <a:latin typeface="Arial"/>
+        <a:ea typeface=""/>
+        <a:cs typeface=""/>
+        <a:font script="Jpan" typeface="ＭＳ Ｐゴシック"/>
+        <a:font script="Hang" typeface="맑은 고딕"/>
+        <a:font script="Hans" typeface="宋体"/>
+        <a:font script="Hant" typeface="新細明體"/>
+        <a:font script="Arab" typeface="Arial"/>
+        <a:font script="Hebr" typeface="Arial"/>
+        <a:font script="Thai" typeface="Cordia New"/>
+        <a:font script="Ethi" typeface="Nyala"/>
+        <a:font script="Beng" typeface="Vrinda"/>
+        <a:font script="Gujr" typeface="Shruti"/>
+        <a:font script="Khmr" typeface="DaunPenh"/>
+        <a:font script="Knda" typeface="Tunga"/>
+        <a:font script="Guru" typeface="Raavi"/>
+        <a:font script="Cans" typeface="Euphemia"/>
+        <a:font script="Cher" typeface="Plantagenet Cherokee"/>
+        <a:font script="Yiii" typeface="Microsoft Yi Baiti"/>
+        <a:font script="Tibt" typeface="Microsoft Himalaya"/>
+        <a:font script="Thaa" typeface="MV Boli"/>
+        <a:font script="Deva" typeface="Mangal"/>
+        <a:font script="Telu" typeface="Gautami"/>
+        <a:font script="Taml" typeface="Latha"/>
+        <a:font script="Syrc" typeface="Estrangelo Edessa"/>
+        <a:font script="Orya" typeface="Kalinga"/>
+        <a:font script="Mlym" typeface="Kartika"/>
+        <a:font script="Laoo" typeface="DokChampa"/>
+        <a:font script="Sinh" typeface="Iskoola Pota"/>
+        <a:font script="Mong" typeface="Mongolian Baiti"/>
+        <a:font script="Viet" typeface="Arial"/>
+        <a:font script="Uigh" typeface="Microsoft Uighur"/>
+        <a:font script="Geor" typeface="Sylfaen"/>
+      </a:minorFont>
+    </a:fontScheme>
+    <a:fmtScheme name="Office">
+      <a:fillStyleLst>
+        <a:solidFill>
+          <a:schemeClr val="phClr"/>
+        </a:solidFill>
+        <a:gradFill rotWithShape="1">
+          <a:gsLst>
+            <a:gs pos="0">
+              <a:schemeClr val="phClr">
+                <a:tint val="50000"/>
+                <a:satMod val="300000"/>
+              </a:schemeClr>
+            </a:gs>
+            <a:gs pos="35000">
+              <a:schemeClr val="phClr">
+                <a:tint val="37000"/>
+                <a:satMod val="300000"/>
+              </a:schemeClr>
+            </a:gs>
+            <a:gs pos="100000">
+              <a:schemeClr val="phClr">
+                <a:tint val="15000"/>
+                <a:satMod val="350000"/>
+              </a:schemeClr>
+            </a:gs>
+          </a:gsLst>
+          <a:lin ang="16200000" scaled="1"/>
+        </a:gradFill>
+        <a:gradFill rotWithShape="1">
+          <a:gsLst>
+            <a:gs pos="0">
+              <a:schemeClr val="phClr">
+                <a:tint val="100000"/>
+                <a:shade val="100000"/>
+                <a:satMod val="130000"/>
+              </a:schemeClr>
+            </a:gs>
+            <a:gs pos="100000">
+              <a:schemeClr val="phClr">
+                <a:tint val="50000"/>
+                <a:shade val="100000"/>
+                <a:satMod val="350000"/>
+              </a:schemeClr>
+            </a:gs>
+          </a:gsLst>
+          <a:lin ang="16200000" scaled="0"/>
+        </a:gradFill>
+      </a:fillStyleLst>
+      <a:lnStyleLst>
+        <a:ln w="9525" cap="flat" cmpd="sng" algn="ctr">
+          <a:solidFill>
+            <a:schemeClr val="phClr">
+              <a:shade val="95000"/>
+              <a:satMod val="105000"/>
+            </a:schemeClr>
+          </a:solidFill>
+          <a:prstDash val="solid"/>
+        </a:ln>
+        <a:ln w="25400" cap="flat" cmpd="sng" algn="ctr">
+          <a:solidFill>
+            <a:schemeClr val="phClr"/>
+          </a:solidFill>
+          <a:prstDash val="solid"/>
+        </a:ln>
+        <a:ln w="38100" cap="flat" cmpd="sng" algn="ctr">
+          <a:solidFill>
+            <a:schemeClr val="phClr"/>
+          </a:solidFill>
+          <a:prstDash val="solid"/>
+        </a:ln>
+      </a:lnStyleLst>
+      <a:effectStyleLst>
+        <a:effectStyle>
+          <a:effectLst>
+            <a:outerShdw blurRad="40000" dist="20000" dir="5400000" rotWithShape="0">
+              <a:srgbClr val="000000">
+                <a:alpha val="38000"/>
+              </a:srgbClr>
+            </a:outerShdw>
+          </a:effectLst>
+        </a:effectStyle>
+        <a:effectStyle>
+          <a:effectLst>
+            <a:outerShdw blurRad="40000" dist="23000" dir="5400000" rotWithShape="0">
+              <a:srgbClr val="000000">
+                <a:alpha val="35000"/>
+              </a:srgbClr>
+            </a:outerShdw>
+          </a:effectLst>
+        </a:effectStyle>
+        <a:effectStyle>
+          <a:effectLst>
+            <a:outerShdw blurRad="40000" dist="23000" dir="5400000" rotWithShape="0">
+              <a:srgbClr val="000000">
+                <a:alpha val="35000"/>
+              </a:srgbClr>
+            </a:outerShdw>
+          </a:effectLst>
+          <a:scene3d>
+            <a:camera prst="orthographicFront">
+              <a:rot lat="0" lon="0" rev="0"/>
+            </a:camera>
+            <a:lightRig rig="threePt" dir="t">
+              <a:rot lat="0" lon="0" rev="1200000"/>
+            </a:lightRig>
+          </a:scene3d>
+          <a:sp3d>
+            <a:bevelT w="63500" h="25400"/>
+          </a:sp3d>
+        </a:effectStyle>
+      </a:effectStyleLst>
+      <a:bgFillStyleLst>
+        <a:solidFill>
+          <a:schemeClr val="phClr"/>
+        </a:solidFill>
+        <a:gradFill rotWithShape="1">
+          <a:gsLst>
+            <a:gs pos="0">
+              <a:schemeClr val="phClr">
+                <a:tint val="40000"/>
+                <a:satMod val="350000"/>
+              </a:schemeClr>
+            </a:gs>
+            <a:gs pos="40000">
+              <a:schemeClr val="phClr">
+                <a:tint val="45000"/>
+                <a:shade val="99000"/>
+                <a:satMod val="350000"/>
+              </a:schemeClr>
+            </a:gs>
+            <a:gs pos="100000">
+              <a:schemeClr val="phClr">
+                <a:shade val="20000"/>
+                <a:satMod val="255000"/>
+              </a:schemeClr>
+            </a:gs>
+          </a:gsLst>
+          <a:path path="circle">
+            <a:fillToRect l="50000" t="-80000" r="50000" b="180000"/>
+          </a:path>
+        </a:gradFill>
+        <a:gradFill rotWithShape="1">
+          <a:gsLst>
+            <a:gs pos="0">
+              <a:schemeClr val="phClr">
+                <a:tint val="80000"/>
+                <a:satMod val="300000"/>
+              </a:schemeClr>
+            </a:gs>
+            <a:gs pos="100000">
+              <a:schemeClr val="phClr">
+                <a:shade val="30000"/>
+                <a:satMod val="200000"/>
+              </a:schemeClr>
+            </a:gs>
+          </a:gsLst>
+          <a:path path="circle">
+            <a:fillToRect l="50000" t="50000" r="50000" b="50000"/>
+          </a:path>
+        </a:gradFill>
+      </a:bgFillStyleLst>
+    </a:fmtScheme>
+  </a:themeElements>
+</a:theme>
+</file>
+
+<file path=ppt/theme/theme2.xml><?xml version="1.0" encoding="utf-8"?>
 <a:theme xmlns:a="http://schemas.openxmlformats.org/drawingml/2006/main" xmlns:r="http://schemas.openxmlformats.org/officeDocument/2006/relationships" name="2_Civic">
   <a:themeElements>
     <a:clrScheme name="Civic">
@@ -58286,7 +53848,7 @@
 </a:theme>
 </file>
 
-<file path=ppt/theme/theme2.xml><?xml version="1.0" encoding="utf-8"?>
+<file path=ppt/theme/theme3.xml><?xml version="1.0" encoding="utf-8"?>
 <a:theme xmlns:a="http://schemas.openxmlformats.org/drawingml/2006/main" xmlns:r="http://schemas.openxmlformats.org/officeDocument/2006/relationships" name="1_Civic">
   <a:themeElements>
     <a:clrScheme name="Civic">
@@ -58563,283 +54125,4 @@
     </a:fmtScheme>
   </a:themeElements>
 </a:theme>
-</file>
-
-<file path=ppt/theme/theme3.xml><?xml version="1.0" encoding="utf-8"?>
-<a:theme xmlns:a="http://schemas.openxmlformats.org/drawingml/2006/main" xmlns:r="http://schemas.openxmlformats.org/officeDocument/2006/relationships">
-  <a:themeElements>
-    <a:clrScheme name="Default">
-      <a:dk1>
-        <a:srgbClr val="000000"/>
-      </a:dk1>
-      <a:lt1>
-        <a:srgbClr val="FFFFFF"/>
-      </a:lt1>
-      <a:dk2>
-        <a:srgbClr val="158158"/>
-      </a:dk2>
-      <a:lt2>
-        <a:srgbClr val="F3F3F3"/>
-      </a:lt2>
-      <a:accent1>
-        <a:srgbClr val="058DC7"/>
-      </a:accent1>
-      <a:accent2>
-        <a:srgbClr val="50B432"/>
-      </a:accent2>
-      <a:accent3>
-        <a:srgbClr val="ED561B"/>
-      </a:accent3>
-      <a:accent4>
-        <a:srgbClr val="EDEF00"/>
-      </a:accent4>
-      <a:accent5>
-        <a:srgbClr val="24CBE5"/>
-      </a:accent5>
-      <a:accent6>
-        <a:srgbClr val="64E572"/>
-      </a:accent6>
-      <a:hlink>
-        <a:srgbClr val="2200CC"/>
-      </a:hlink>
-      <a:folHlink>
-        <a:srgbClr val="551A8B"/>
-      </a:folHlink>
-    </a:clrScheme>
-    <a:fontScheme name="Office">
-      <a:majorFont>
-        <a:latin typeface="Arial"/>
-        <a:ea typeface=""/>
-        <a:cs typeface=""/>
-        <a:font script="Jpan" typeface="ＭＳ Ｐゴシック"/>
-        <a:font script="Hang" typeface="맑은 고딕"/>
-        <a:font script="Hans" typeface="宋体"/>
-        <a:font script="Hant" typeface="新細明體"/>
-        <a:font script="Arab" typeface="Times New Roman"/>
-        <a:font script="Hebr" typeface="Times New Roman"/>
-        <a:font script="Thai" typeface="Angsana New"/>
-        <a:font script="Ethi" typeface="Nyala"/>
-        <a:font script="Beng" typeface="Vrinda"/>
-        <a:font script="Gujr" typeface="Shruti"/>
-        <a:font script="Khmr" typeface="MoolBoran"/>
-        <a:font script="Knda" typeface="Tunga"/>
-        <a:font script="Guru" typeface="Raavi"/>
-        <a:font script="Cans" typeface="Euphemia"/>
-        <a:font script="Cher" typeface="Plantagenet Cherokee"/>
-        <a:font script="Yiii" typeface="Microsoft Yi Baiti"/>
-        <a:font script="Tibt" typeface="Microsoft Himalaya"/>
-        <a:font script="Thaa" typeface="MV Boli"/>
-        <a:font script="Deva" typeface="Mangal"/>
-        <a:font script="Telu" typeface="Gautami"/>
-        <a:font script="Taml" typeface="Latha"/>
-        <a:font script="Syrc" typeface="Estrangelo Edessa"/>
-        <a:font script="Orya" typeface="Kalinga"/>
-        <a:font script="Mlym" typeface="Kartika"/>
-        <a:font script="Laoo" typeface="DokChampa"/>
-        <a:font script="Sinh" typeface="Iskoola Pota"/>
-        <a:font script="Mong" typeface="Mongolian Baiti"/>
-        <a:font script="Viet" typeface="Times New Roman"/>
-        <a:font script="Uigh" typeface="Microsoft Uighur"/>
-        <a:font script="Geor" typeface="Sylfaen"/>
-      </a:majorFont>
-      <a:minorFont>
-        <a:latin typeface="Arial"/>
-        <a:ea typeface=""/>
-        <a:cs typeface=""/>
-        <a:font script="Jpan" typeface="ＭＳ Ｐゴシック"/>
-        <a:font script="Hang" typeface="맑은 고딕"/>
-        <a:font script="Hans" typeface="宋体"/>
-        <a:font script="Hant" typeface="新細明體"/>
-        <a:font script="Arab" typeface="Arial"/>
-        <a:font script="Hebr" typeface="Arial"/>
-        <a:font script="Thai" typeface="Cordia New"/>
-        <a:font script="Ethi" typeface="Nyala"/>
-        <a:font script="Beng" typeface="Vrinda"/>
-        <a:font script="Gujr" typeface="Shruti"/>
-        <a:font script="Khmr" typeface="DaunPenh"/>
-        <a:font script="Knda" typeface="Tunga"/>
-        <a:font script="Guru" typeface="Raavi"/>
-        <a:font script="Cans" typeface="Euphemia"/>
-        <a:font script="Cher" typeface="Plantagenet Cherokee"/>
-        <a:font script="Yiii" typeface="Microsoft Yi Baiti"/>
-        <a:font script="Tibt" typeface="Microsoft Himalaya"/>
-        <a:font script="Thaa" typeface="MV Boli"/>
-        <a:font script="Deva" typeface="Mangal"/>
-        <a:font script="Telu" typeface="Gautami"/>
-        <a:font script="Taml" typeface="Latha"/>
-        <a:font script="Syrc" typeface="Estrangelo Edessa"/>
-        <a:font script="Orya" typeface="Kalinga"/>
-        <a:font script="Mlym" typeface="Kartika"/>
-        <a:font script="Laoo" typeface="DokChampa"/>
-        <a:font script="Sinh" typeface="Iskoola Pota"/>
-        <a:font script="Mong" typeface="Mongolian Baiti"/>
-        <a:font script="Viet" typeface="Arial"/>
-        <a:font script="Uigh" typeface="Microsoft Uighur"/>
-        <a:font script="Geor" typeface="Sylfaen"/>
-      </a:minorFont>
-    </a:fontScheme>
-    <a:fmtScheme name="Office">
-      <a:fillStyleLst>
-        <a:solidFill>
-          <a:schemeClr val="phClr"/>
-        </a:solidFill>
-        <a:gradFill rotWithShape="1">
-          <a:gsLst>
-            <a:gs pos="0">
-              <a:schemeClr val="phClr">
-                <a:tint val="50000"/>
-                <a:satMod val="300000"/>
-              </a:schemeClr>
-            </a:gs>
-            <a:gs pos="35000">
-              <a:schemeClr val="phClr">
-                <a:tint val="37000"/>
-                <a:satMod val="300000"/>
-              </a:schemeClr>
-            </a:gs>
-            <a:gs pos="100000">
-              <a:schemeClr val="phClr">
-                <a:tint val="15000"/>
-                <a:satMod val="350000"/>
-              </a:schemeClr>
-            </a:gs>
-          </a:gsLst>
-          <a:lin ang="16200000" scaled="1"/>
-        </a:gradFill>
-        <a:gradFill rotWithShape="1">
-          <a:gsLst>
-            <a:gs pos="0">
-              <a:schemeClr val="phClr">
-                <a:tint val="100000"/>
-                <a:shade val="100000"/>
-                <a:satMod val="130000"/>
-              </a:schemeClr>
-            </a:gs>
-            <a:gs pos="100000">
-              <a:schemeClr val="phClr">
-                <a:tint val="50000"/>
-                <a:shade val="100000"/>
-                <a:satMod val="350000"/>
-              </a:schemeClr>
-            </a:gs>
-          </a:gsLst>
-          <a:lin ang="16200000" scaled="0"/>
-        </a:gradFill>
-      </a:fillStyleLst>
-      <a:lnStyleLst>
-        <a:ln w="9525" cap="flat" cmpd="sng" algn="ctr">
-          <a:solidFill>
-            <a:schemeClr val="phClr">
-              <a:shade val="95000"/>
-              <a:satMod val="105000"/>
-            </a:schemeClr>
-          </a:solidFill>
-          <a:prstDash val="solid"/>
-        </a:ln>
-        <a:ln w="25400" cap="flat" cmpd="sng" algn="ctr">
-          <a:solidFill>
-            <a:schemeClr val="phClr"/>
-          </a:solidFill>
-          <a:prstDash val="solid"/>
-        </a:ln>
-        <a:ln w="38100" cap="flat" cmpd="sng" algn="ctr">
-          <a:solidFill>
-            <a:schemeClr val="phClr"/>
-          </a:solidFill>
-          <a:prstDash val="solid"/>
-        </a:ln>
-      </a:lnStyleLst>
-      <a:effectStyleLst>
-        <a:effectStyle>
-          <a:effectLst>
-            <a:outerShdw blurRad="40000" dist="20000" dir="5400000" rotWithShape="0">
-              <a:srgbClr val="000000">
-                <a:alpha val="38000"/>
-              </a:srgbClr>
-            </a:outerShdw>
-          </a:effectLst>
-        </a:effectStyle>
-        <a:effectStyle>
-          <a:effectLst>
-            <a:outerShdw blurRad="40000" dist="23000" dir="5400000" rotWithShape="0">
-              <a:srgbClr val="000000">
-                <a:alpha val="35000"/>
-              </a:srgbClr>
-            </a:outerShdw>
-          </a:effectLst>
-        </a:effectStyle>
-        <a:effectStyle>
-          <a:effectLst>
-            <a:outerShdw blurRad="40000" dist="23000" dir="5400000" rotWithShape="0">
-              <a:srgbClr val="000000">
-                <a:alpha val="35000"/>
-              </a:srgbClr>
-            </a:outerShdw>
-          </a:effectLst>
-          <a:scene3d>
-            <a:camera prst="orthographicFront">
-              <a:rot lat="0" lon="0" rev="0"/>
-            </a:camera>
-            <a:lightRig rig="threePt" dir="t">
-              <a:rot lat="0" lon="0" rev="1200000"/>
-            </a:lightRig>
-          </a:scene3d>
-          <a:sp3d>
-            <a:bevelT w="63500" h="25400"/>
-          </a:sp3d>
-        </a:effectStyle>
-      </a:effectStyleLst>
-      <a:bgFillStyleLst>
-        <a:solidFill>
-          <a:schemeClr val="phClr"/>
-        </a:solidFill>
-        <a:gradFill rotWithShape="1">
-          <a:gsLst>
-            <a:gs pos="0">
-              <a:schemeClr val="phClr">
-                <a:tint val="40000"/>
-                <a:satMod val="350000"/>
-              </a:schemeClr>
-            </a:gs>
-            <a:gs pos="40000">
-              <a:schemeClr val="phClr">
-                <a:tint val="45000"/>
-                <a:shade val="99000"/>
-                <a:satMod val="350000"/>
-              </a:schemeClr>
-            </a:gs>
-            <a:gs pos="100000">
-              <a:schemeClr val="phClr">
-                <a:shade val="20000"/>
-                <a:satMod val="255000"/>
-              </a:schemeClr>
-            </a:gs>
-          </a:gsLst>
-          <a:path path="circle">
-            <a:fillToRect l="50000" t="-80000" r="50000" b="180000"/>
-          </a:path>
-        </a:gradFill>
-        <a:gradFill rotWithShape="1">
-          <a:gsLst>
-            <a:gs pos="0">
-              <a:schemeClr val="phClr">
-                <a:tint val="80000"/>
-                <a:satMod val="300000"/>
-              </a:schemeClr>
-            </a:gs>
-            <a:gs pos="100000">
-              <a:schemeClr val="phClr">
-                <a:shade val="30000"/>
-                <a:satMod val="200000"/>
-              </a:schemeClr>
-            </a:gs>
-          </a:gsLst>
-          <a:path path="circle">
-            <a:fillToRect l="50000" t="50000" r="50000" b="50000"/>
-          </a:path>
-        </a:gradFill>
-      </a:bgFillStyleLst>
-    </a:fmtScheme>
-  </a:themeElements>
-</a:theme>
 </file>
--- a/lecture-slides/aima/ai-chapter3-and-4-problem-solving-by-search-aima.pptx
+++ b/lecture-slides/aima/ai-chapter3-and-4-problem-solving-by-search-aima.pptx
@@ -89,14 +89,15 @@
     <p:sldId id="333" r:id="rId85"/>
     <p:sldId id="334" r:id="rId86"/>
     <p:sldId id="335" r:id="rId87"/>
+    <p:sldId id="336" r:id="rId88"/>
   </p:sldIdLst>
   <p:sldSz cy="6858000" cx="9144000"/>
   <p:notesSz cx="6858000" cy="9144000"/>
   <p:embeddedFontLst>
     <p:embeddedFont>
       <p:font typeface="Tahoma"/>
-      <p:regular r:id="rId88"/>
-      <p:bold r:id="rId89"/>
+      <p:regular r:id="rId89"/>
+      <p:bold r:id="rId90"/>
     </p:embeddedFont>
   </p:embeddedFontLst>
   <p:defaultTextStyle>
@@ -7456,46 +7457,7 @@
       </p:grpSpPr>
       <p:sp>
         <p:nvSpPr>
-          <p:cNvPr id="640" name="Google Shape;640;g6ee019ccff_0_27:notes"/>
-          <p:cNvSpPr txBox="1"/>
-          <p:nvPr>
-            <p:ph idx="1" type="body"/>
-          </p:nvPr>
-        </p:nvSpPr>
-        <p:spPr>
-          <a:xfrm>
-            <a:off x="685800" y="4343400"/>
-            <a:ext cx="5486400" cy="4114800"/>
-          </a:xfrm>
-          <a:prstGeom prst="rect">
-            <a:avLst/>
-          </a:prstGeom>
-        </p:spPr>
-        <p:txBody>
-          <a:bodyPr anchorCtr="0" anchor="t" bIns="45700" lIns="91425" spcFirstLastPara="1" rIns="91425" wrap="square" tIns="45700">
-            <a:noAutofit/>
-          </a:bodyPr>
-          <a:lstStyle/>
-          <a:p>
-            <a:pPr indent="0" lvl="0" marL="0" rtl="0" algn="l">
-              <a:spcBef>
-                <a:spcPts val="0"/>
-              </a:spcBef>
-              <a:spcAft>
-                <a:spcPts val="0"/>
-              </a:spcAft>
-              <a:buNone/>
-            </a:pPr>
-            <a:r>
-              <a:t/>
-            </a:r>
-            <a:endParaRPr/>
-          </a:p>
-        </p:txBody>
-      </p:sp>
-      <p:sp>
-        <p:nvSpPr>
-          <p:cNvPr id="641" name="Google Shape;641;g6ee019ccff_0_27:notes"/>
+          <p:cNvPr id="640" name="Google Shape;640;g6fdfb2bc28_0_7:notes"/>
           <p:cNvSpPr/>
           <p:nvPr>
             <p:ph idx="2" type="sldImg"/>
@@ -7528,6 +7490,90 @@
           </a:custGeom>
         </p:spPr>
       </p:sp>
+      <p:sp>
+        <p:nvSpPr>
+          <p:cNvPr id="641" name="Google Shape;641;g6fdfb2bc28_0_7:notes"/>
+          <p:cNvSpPr txBox="1"/>
+          <p:nvPr>
+            <p:ph idx="1" type="body"/>
+          </p:nvPr>
+        </p:nvSpPr>
+        <p:spPr>
+          <a:xfrm>
+            <a:off x="685800" y="4343400"/>
+            <a:ext cx="5486400" cy="4114800"/>
+          </a:xfrm>
+          <a:prstGeom prst="rect">
+            <a:avLst/>
+          </a:prstGeom>
+        </p:spPr>
+        <p:txBody>
+          <a:bodyPr anchorCtr="0" anchor="t" bIns="45700" lIns="91425" spcFirstLastPara="1" rIns="91425" wrap="square" tIns="45700">
+            <a:noAutofit/>
+          </a:bodyPr>
+          <a:lstStyle/>
+          <a:p>
+            <a:pPr indent="0" lvl="0" marL="0" rtl="0" algn="l">
+              <a:spcBef>
+                <a:spcPts val="0"/>
+              </a:spcBef>
+              <a:spcAft>
+                <a:spcPts val="0"/>
+              </a:spcAft>
+              <a:buNone/>
+            </a:pPr>
+            <a:r>
+              <a:t/>
+            </a:r>
+            <a:endParaRPr/>
+          </a:p>
+        </p:txBody>
+      </p:sp>
+      <p:sp>
+        <p:nvSpPr>
+          <p:cNvPr id="642" name="Google Shape;642;g6fdfb2bc28_0_7:notes"/>
+          <p:cNvSpPr txBox="1"/>
+          <p:nvPr>
+            <p:ph idx="12" type="sldNum"/>
+          </p:nvPr>
+        </p:nvSpPr>
+        <p:spPr>
+          <a:xfrm>
+            <a:off x="3884612" y="8685212"/>
+            <a:ext cx="2971800" cy="457200"/>
+          </a:xfrm>
+          <a:prstGeom prst="rect">
+            <a:avLst/>
+          </a:prstGeom>
+        </p:spPr>
+        <p:txBody>
+          <a:bodyPr anchorCtr="0" anchor="b" bIns="45700" lIns="91425" spcFirstLastPara="1" rIns="91425" wrap="square" tIns="45700">
+            <a:noAutofit/>
+          </a:bodyPr>
+          <a:lstStyle/>
+          <a:p>
+            <a:pPr indent="0" lvl="0" marL="0" rtl="0" algn="r">
+              <a:spcBef>
+                <a:spcPts val="0"/>
+              </a:spcBef>
+              <a:spcAft>
+                <a:spcPts val="0"/>
+              </a:spcAft>
+              <a:buClr>
+                <a:srgbClr val="000000"/>
+              </a:buClr>
+              <a:buSzPts val="1200"/>
+              <a:buFont typeface="Arial"/>
+              <a:buNone/>
+            </a:pPr>
+            <a:fld id="{00000000-1234-1234-1234-123412341234}" type="slidenum">
+              <a:rPr lang="en-US"/>
+              <a:t>‹#›</a:t>
+            </a:fld>
+            <a:endParaRPr sz="1400"/>
+          </a:p>
+        </p:txBody>
+      </p:sp>
     </p:spTree>
   </p:cSld>
   <p:clrMapOvr>
@@ -7541,7 +7587,7 @@
   <p:cSld>
     <p:spTree>
       <p:nvGrpSpPr>
-        <p:cNvPr id="673" name="Shape 673"/>
+        <p:cNvPr id="647" name="Shape 647"/>
         <p:cNvGrpSpPr/>
         <p:nvPr/>
       </p:nvGrpSpPr>
@@ -7555,7 +7601,7 @@
       </p:grpSpPr>
       <p:sp>
         <p:nvSpPr>
-          <p:cNvPr id="674" name="Google Shape;674;g6ee019ccff_0_60:notes"/>
+          <p:cNvPr id="648" name="Google Shape;648;g6ee019ccff_0_27:notes"/>
           <p:cNvSpPr txBox="1"/>
           <p:nvPr>
             <p:ph idx="1" type="body"/>
@@ -7594,7 +7640,7 @@
       </p:sp>
       <p:sp>
         <p:nvSpPr>
-          <p:cNvPr id="675" name="Google Shape;675;g6ee019ccff_0_60:notes"/>
+          <p:cNvPr id="649" name="Google Shape;649;g6ee019ccff_0_27:notes"/>
           <p:cNvSpPr/>
           <p:nvPr>
             <p:ph idx="2" type="sldImg"/>
@@ -7654,7 +7700,7 @@
       </p:grpSpPr>
       <p:sp>
         <p:nvSpPr>
-          <p:cNvPr id="682" name="Google Shape;682;g6ee019ccff_0_66:notes"/>
+          <p:cNvPr id="682" name="Google Shape;682;g6ee019ccff_0_60:notes"/>
           <p:cNvSpPr txBox="1"/>
           <p:nvPr>
             <p:ph idx="1" type="body"/>
@@ -7693,7 +7739,7 @@
       </p:sp>
       <p:sp>
         <p:nvSpPr>
-          <p:cNvPr id="683" name="Google Shape;683;g6ee019ccff_0_66:notes"/>
+          <p:cNvPr id="683" name="Google Shape;683;g6ee019ccff_0_60:notes"/>
           <p:cNvSpPr/>
           <p:nvPr>
             <p:ph idx="2" type="sldImg"/>
@@ -7739,7 +7785,7 @@
   <p:cSld>
     <p:spTree>
       <p:nvGrpSpPr>
-        <p:cNvPr id="688" name="Shape 688"/>
+        <p:cNvPr id="689" name="Shape 689"/>
         <p:cNvGrpSpPr/>
         <p:nvPr/>
       </p:nvGrpSpPr>
@@ -7753,7 +7799,7 @@
       </p:grpSpPr>
       <p:sp>
         <p:nvSpPr>
-          <p:cNvPr id="689" name="Google Shape;689;g6ee019ccff_0_71:notes"/>
+          <p:cNvPr id="690" name="Google Shape;690;g6ee019ccff_0_66:notes"/>
           <p:cNvSpPr txBox="1"/>
           <p:nvPr>
             <p:ph idx="1" type="body"/>
@@ -7792,7 +7838,7 @@
       </p:sp>
       <p:sp>
         <p:nvSpPr>
-          <p:cNvPr id="690" name="Google Shape;690;g6ee019ccff_0_71:notes"/>
+          <p:cNvPr id="691" name="Google Shape;691;g6ee019ccff_0_66:notes"/>
           <p:cNvSpPr/>
           <p:nvPr>
             <p:ph idx="2" type="sldImg"/>
@@ -7838,7 +7884,7 @@
   <p:cSld>
     <p:spTree>
       <p:nvGrpSpPr>
-        <p:cNvPr id="695" name="Shape 695"/>
+        <p:cNvPr id="696" name="Shape 696"/>
         <p:cNvGrpSpPr/>
         <p:nvPr/>
       </p:nvGrpSpPr>
@@ -7852,7 +7898,7 @@
       </p:grpSpPr>
       <p:sp>
         <p:nvSpPr>
-          <p:cNvPr id="696" name="Google Shape;696;g6ee019ccff_0_76:notes"/>
+          <p:cNvPr id="697" name="Google Shape;697;g6ee019ccff_0_71:notes"/>
           <p:cNvSpPr txBox="1"/>
           <p:nvPr>
             <p:ph idx="1" type="body"/>
@@ -7891,7 +7937,7 @@
       </p:sp>
       <p:sp>
         <p:nvSpPr>
-          <p:cNvPr id="697" name="Google Shape;697;g6ee019ccff_0_76:notes"/>
+          <p:cNvPr id="698" name="Google Shape;698;g6ee019ccff_0_71:notes"/>
           <p:cNvSpPr/>
           <p:nvPr>
             <p:ph idx="2" type="sldImg"/>
@@ -7937,7 +7983,7 @@
   <p:cSld>
     <p:spTree>
       <p:nvGrpSpPr>
-        <p:cNvPr id="702" name="Shape 702"/>
+        <p:cNvPr id="703" name="Shape 703"/>
         <p:cNvGrpSpPr/>
         <p:nvPr/>
       </p:nvGrpSpPr>
@@ -7951,7 +7997,7 @@
       </p:grpSpPr>
       <p:sp>
         <p:nvSpPr>
-          <p:cNvPr id="703" name="Google Shape;703;g6ee019ccff_0_81:notes"/>
+          <p:cNvPr id="704" name="Google Shape;704;g6ee019ccff_0_76:notes"/>
           <p:cNvSpPr txBox="1"/>
           <p:nvPr>
             <p:ph idx="1" type="body"/>
@@ -7990,7 +8036,7 @@
       </p:sp>
       <p:sp>
         <p:nvSpPr>
-          <p:cNvPr id="704" name="Google Shape;704;g6ee019ccff_0_81:notes"/>
+          <p:cNvPr id="705" name="Google Shape;705;g6ee019ccff_0_76:notes"/>
           <p:cNvSpPr/>
           <p:nvPr>
             <p:ph idx="2" type="sldImg"/>
@@ -8036,7 +8082,7 @@
   <p:cSld>
     <p:spTree>
       <p:nvGrpSpPr>
-        <p:cNvPr id="709" name="Shape 709"/>
+        <p:cNvPr id="710" name="Shape 710"/>
         <p:cNvGrpSpPr/>
         <p:nvPr/>
       </p:nvGrpSpPr>
@@ -8050,7 +8096,7 @@
       </p:grpSpPr>
       <p:sp>
         <p:nvSpPr>
-          <p:cNvPr id="710" name="Google Shape;710;g6ee019ccff_0_86:notes"/>
+          <p:cNvPr id="711" name="Google Shape;711;g6ee019ccff_0_81:notes"/>
           <p:cNvSpPr txBox="1"/>
           <p:nvPr>
             <p:ph idx="1" type="body"/>
@@ -8089,7 +8135,7 @@
       </p:sp>
       <p:sp>
         <p:nvSpPr>
-          <p:cNvPr id="711" name="Google Shape;711;g6ee019ccff_0_86:notes"/>
+          <p:cNvPr id="712" name="Google Shape;712;g6ee019ccff_0_81:notes"/>
           <p:cNvSpPr/>
           <p:nvPr>
             <p:ph idx="2" type="sldImg"/>
@@ -8135,7 +8181,7 @@
   <p:cSld>
     <p:spTree>
       <p:nvGrpSpPr>
-        <p:cNvPr id="716" name="Shape 716"/>
+        <p:cNvPr id="717" name="Shape 717"/>
         <p:cNvGrpSpPr/>
         <p:nvPr/>
       </p:nvGrpSpPr>
@@ -8149,7 +8195,7 @@
       </p:grpSpPr>
       <p:sp>
         <p:nvSpPr>
-          <p:cNvPr id="717" name="Google Shape;717;g6ee019ccff_0_91:notes"/>
+          <p:cNvPr id="718" name="Google Shape;718;g6ee019ccff_0_86:notes"/>
           <p:cNvSpPr txBox="1"/>
           <p:nvPr>
             <p:ph idx="1" type="body"/>
@@ -8188,7 +8234,7 @@
       </p:sp>
       <p:sp>
         <p:nvSpPr>
-          <p:cNvPr id="718" name="Google Shape;718;g6ee019ccff_0_91:notes"/>
+          <p:cNvPr id="719" name="Google Shape;719;g6ee019ccff_0_86:notes"/>
           <p:cNvSpPr/>
           <p:nvPr>
             <p:ph idx="2" type="sldImg"/>
@@ -8234,7 +8280,7 @@
   <p:cSld>
     <p:spTree>
       <p:nvGrpSpPr>
-        <p:cNvPr id="723" name="Shape 723"/>
+        <p:cNvPr id="724" name="Shape 724"/>
         <p:cNvGrpSpPr/>
         <p:nvPr/>
       </p:nvGrpSpPr>
@@ -8248,7 +8294,7 @@
       </p:grpSpPr>
       <p:sp>
         <p:nvSpPr>
-          <p:cNvPr id="724" name="Google Shape;724;g6ee019ccff_0_96:notes"/>
+          <p:cNvPr id="725" name="Google Shape;725;g6ee019ccff_0_91:notes"/>
           <p:cNvSpPr txBox="1"/>
           <p:nvPr>
             <p:ph idx="1" type="body"/>
@@ -8287,7 +8333,7 @@
       </p:sp>
       <p:sp>
         <p:nvSpPr>
-          <p:cNvPr id="725" name="Google Shape;725;g6ee019ccff_0_96:notes"/>
+          <p:cNvPr id="726" name="Google Shape;726;g6ee019ccff_0_91:notes"/>
           <p:cNvSpPr/>
           <p:nvPr>
             <p:ph idx="2" type="sldImg"/>
@@ -8432,7 +8478,7 @@
   <p:cSld>
     <p:spTree>
       <p:nvGrpSpPr>
-        <p:cNvPr id="730" name="Shape 730"/>
+        <p:cNvPr id="731" name="Shape 731"/>
         <p:cNvGrpSpPr/>
         <p:nvPr/>
       </p:nvGrpSpPr>
@@ -8446,7 +8492,7 @@
       </p:grpSpPr>
       <p:sp>
         <p:nvSpPr>
-          <p:cNvPr id="731" name="Google Shape;731;g6ee019ccff_0_101:notes"/>
+          <p:cNvPr id="732" name="Google Shape;732;g6ee019ccff_0_96:notes"/>
           <p:cNvSpPr txBox="1"/>
           <p:nvPr>
             <p:ph idx="1" type="body"/>
@@ -8485,7 +8531,7 @@
       </p:sp>
       <p:sp>
         <p:nvSpPr>
-          <p:cNvPr id="732" name="Google Shape;732;g6ee019ccff_0_101:notes"/>
+          <p:cNvPr id="733" name="Google Shape;733;g6ee019ccff_0_96:notes"/>
           <p:cNvSpPr/>
           <p:nvPr>
             <p:ph idx="2" type="sldImg"/>
@@ -8545,7 +8591,7 @@
       </p:grpSpPr>
       <p:sp>
         <p:nvSpPr>
-          <p:cNvPr id="739" name="Google Shape;739;g6ee019ccff_0_107:notes"/>
+          <p:cNvPr id="739" name="Google Shape;739;g6ee019ccff_0_101:notes"/>
           <p:cNvSpPr txBox="1"/>
           <p:nvPr>
             <p:ph idx="1" type="body"/>
@@ -8584,7 +8630,7 @@
       </p:sp>
       <p:sp>
         <p:nvSpPr>
-          <p:cNvPr id="740" name="Google Shape;740;g6ee019ccff_0_107:notes"/>
+          <p:cNvPr id="740" name="Google Shape;740;g6ee019ccff_0_101:notes"/>
           <p:cNvSpPr/>
           <p:nvPr>
             <p:ph idx="2" type="sldImg"/>
@@ -8630,7 +8676,7 @@
   <p:cSld>
     <p:spTree>
       <p:nvGrpSpPr>
-        <p:cNvPr id="745" name="Shape 745"/>
+        <p:cNvPr id="746" name="Shape 746"/>
         <p:cNvGrpSpPr/>
         <p:nvPr/>
       </p:nvGrpSpPr>
@@ -8644,7 +8690,7 @@
       </p:grpSpPr>
       <p:sp>
         <p:nvSpPr>
-          <p:cNvPr id="746" name="Google Shape;746;g6ee019ccff_0_112:notes"/>
+          <p:cNvPr id="747" name="Google Shape;747;g6ee019ccff_0_107:notes"/>
           <p:cNvSpPr txBox="1"/>
           <p:nvPr>
             <p:ph idx="1" type="body"/>
@@ -8683,7 +8729,7 @@
       </p:sp>
       <p:sp>
         <p:nvSpPr>
-          <p:cNvPr id="747" name="Google Shape;747;g6ee019ccff_0_112:notes"/>
+          <p:cNvPr id="748" name="Google Shape;748;g6ee019ccff_0_107:notes"/>
           <p:cNvSpPr/>
           <p:nvPr>
             <p:ph idx="2" type="sldImg"/>
@@ -8729,7 +8775,7 @@
   <p:cSld>
     <p:spTree>
       <p:nvGrpSpPr>
-        <p:cNvPr id="752" name="Shape 752"/>
+        <p:cNvPr id="753" name="Shape 753"/>
         <p:cNvGrpSpPr/>
         <p:nvPr/>
       </p:nvGrpSpPr>
@@ -8743,7 +8789,7 @@
       </p:grpSpPr>
       <p:sp>
         <p:nvSpPr>
-          <p:cNvPr id="753" name="Google Shape;753;g6ee019ccff_0_117:notes"/>
+          <p:cNvPr id="754" name="Google Shape;754;g6ee019ccff_0_112:notes"/>
           <p:cNvSpPr txBox="1"/>
           <p:nvPr>
             <p:ph idx="1" type="body"/>
@@ -8782,7 +8828,7 @@
       </p:sp>
       <p:sp>
         <p:nvSpPr>
-          <p:cNvPr id="754" name="Google Shape;754;g6ee019ccff_0_117:notes"/>
+          <p:cNvPr id="755" name="Google Shape;755;g6ee019ccff_0_112:notes"/>
           <p:cNvSpPr/>
           <p:nvPr>
             <p:ph idx="2" type="sldImg"/>
@@ -8828,7 +8874,7 @@
   <p:cSld>
     <p:spTree>
       <p:nvGrpSpPr>
-        <p:cNvPr id="759" name="Shape 759"/>
+        <p:cNvPr id="760" name="Shape 760"/>
         <p:cNvGrpSpPr/>
         <p:nvPr/>
       </p:nvGrpSpPr>
@@ -8842,7 +8888,7 @@
       </p:grpSpPr>
       <p:sp>
         <p:nvSpPr>
-          <p:cNvPr id="760" name="Google Shape;760;g6ee019ccff_0_122:notes"/>
+          <p:cNvPr id="761" name="Google Shape;761;g6ee019ccff_0_117:notes"/>
           <p:cNvSpPr txBox="1"/>
           <p:nvPr>
             <p:ph idx="1" type="body"/>
@@ -8881,7 +8927,7 @@
       </p:sp>
       <p:sp>
         <p:nvSpPr>
-          <p:cNvPr id="761" name="Google Shape;761;g6ee019ccff_0_122:notes"/>
+          <p:cNvPr id="762" name="Google Shape;762;g6ee019ccff_0_117:notes"/>
           <p:cNvSpPr/>
           <p:nvPr>
             <p:ph idx="2" type="sldImg"/>
@@ -8927,7 +8973,7 @@
   <p:cSld>
     <p:spTree>
       <p:nvGrpSpPr>
-        <p:cNvPr id="766" name="Shape 766"/>
+        <p:cNvPr id="767" name="Shape 767"/>
         <p:cNvGrpSpPr/>
         <p:nvPr/>
       </p:nvGrpSpPr>
@@ -8941,7 +8987,7 @@
       </p:grpSpPr>
       <p:sp>
         <p:nvSpPr>
-          <p:cNvPr id="767" name="Google Shape;767;g6ee019ccff_0_127:notes"/>
+          <p:cNvPr id="768" name="Google Shape;768;g6ee019ccff_0_122:notes"/>
           <p:cNvSpPr txBox="1"/>
           <p:nvPr>
             <p:ph idx="1" type="body"/>
@@ -8980,7 +9026,7 @@
       </p:sp>
       <p:sp>
         <p:nvSpPr>
-          <p:cNvPr id="768" name="Google Shape;768;g6ee019ccff_0_127:notes"/>
+          <p:cNvPr id="769" name="Google Shape;769;g6ee019ccff_0_122:notes"/>
           <p:cNvSpPr/>
           <p:nvPr>
             <p:ph idx="2" type="sldImg"/>
@@ -9026,7 +9072,7 @@
   <p:cSld>
     <p:spTree>
       <p:nvGrpSpPr>
-        <p:cNvPr id="773" name="Shape 773"/>
+        <p:cNvPr id="774" name="Shape 774"/>
         <p:cNvGrpSpPr/>
         <p:nvPr/>
       </p:nvGrpSpPr>
@@ -9040,7 +9086,7 @@
       </p:grpSpPr>
       <p:sp>
         <p:nvSpPr>
-          <p:cNvPr id="774" name="Google Shape;774;g6ee019ccff_0_132:notes"/>
+          <p:cNvPr id="775" name="Google Shape;775;g6ee019ccff_0_127:notes"/>
           <p:cNvSpPr txBox="1"/>
           <p:nvPr>
             <p:ph idx="1" type="body"/>
@@ -9079,7 +9125,7 @@
       </p:sp>
       <p:sp>
         <p:nvSpPr>
-          <p:cNvPr id="775" name="Google Shape;775;g6ee019ccff_0_132:notes"/>
+          <p:cNvPr id="776" name="Google Shape;776;g6ee019ccff_0_127:notes"/>
           <p:cNvSpPr/>
           <p:nvPr>
             <p:ph idx="2" type="sldImg"/>
@@ -9125,7 +9171,7 @@
   <p:cSld>
     <p:spTree>
       <p:nvGrpSpPr>
-        <p:cNvPr id="780" name="Shape 780"/>
+        <p:cNvPr id="781" name="Shape 781"/>
         <p:cNvGrpSpPr/>
         <p:nvPr/>
       </p:nvGrpSpPr>
@@ -9139,7 +9185,7 @@
       </p:grpSpPr>
       <p:sp>
         <p:nvSpPr>
-          <p:cNvPr id="781" name="Google Shape;781;g6ee019ccff_0_137:notes"/>
+          <p:cNvPr id="782" name="Google Shape;782;g6ee019ccff_0_132:notes"/>
           <p:cNvSpPr txBox="1"/>
           <p:nvPr>
             <p:ph idx="1" type="body"/>
@@ -9178,7 +9224,7 @@
       </p:sp>
       <p:sp>
         <p:nvSpPr>
-          <p:cNvPr id="782" name="Google Shape;782;g6ee019ccff_0_137:notes"/>
+          <p:cNvPr id="783" name="Google Shape;783;g6ee019ccff_0_132:notes"/>
           <p:cNvSpPr/>
           <p:nvPr>
             <p:ph idx="2" type="sldImg"/>
@@ -9224,7 +9270,7 @@
   <p:cSld>
     <p:spTree>
       <p:nvGrpSpPr>
-        <p:cNvPr id="787" name="Shape 787"/>
+        <p:cNvPr id="788" name="Shape 788"/>
         <p:cNvGrpSpPr/>
         <p:nvPr/>
       </p:nvGrpSpPr>
@@ -9238,7 +9284,7 @@
       </p:grpSpPr>
       <p:sp>
         <p:nvSpPr>
-          <p:cNvPr id="788" name="Google Shape;788;g6ee019ccff_0_142:notes"/>
+          <p:cNvPr id="789" name="Google Shape;789;g6ee019ccff_0_137:notes"/>
           <p:cNvSpPr txBox="1"/>
           <p:nvPr>
             <p:ph idx="1" type="body"/>
@@ -9277,7 +9323,7 @@
       </p:sp>
       <p:sp>
         <p:nvSpPr>
-          <p:cNvPr id="789" name="Google Shape;789;g6ee019ccff_0_142:notes"/>
+          <p:cNvPr id="790" name="Google Shape;790;g6ee019ccff_0_137:notes"/>
           <p:cNvSpPr/>
           <p:nvPr>
             <p:ph idx="2" type="sldImg"/>
@@ -9323,7 +9369,7 @@
   <p:cSld>
     <p:spTree>
       <p:nvGrpSpPr>
-        <p:cNvPr id="796" name="Shape 796"/>
+        <p:cNvPr id="795" name="Shape 795"/>
         <p:cNvGrpSpPr/>
         <p:nvPr/>
       </p:nvGrpSpPr>
@@ -9337,7 +9383,7 @@
       </p:grpSpPr>
       <p:sp>
         <p:nvSpPr>
-          <p:cNvPr id="797" name="Google Shape;797;g6ee019ccff_0_178:notes"/>
+          <p:cNvPr id="796" name="Google Shape;796;g6ee019ccff_0_142:notes"/>
           <p:cNvSpPr txBox="1"/>
           <p:nvPr>
             <p:ph idx="1" type="body"/>
@@ -9376,7 +9422,7 @@
       </p:sp>
       <p:sp>
         <p:nvSpPr>
-          <p:cNvPr id="798" name="Google Shape;798;g6ee019ccff_0_178:notes"/>
+          <p:cNvPr id="797" name="Google Shape;797;g6ee019ccff_0_142:notes"/>
           <p:cNvSpPr/>
           <p:nvPr>
             <p:ph idx="2" type="sldImg"/>
@@ -9521,7 +9567,7 @@
   <p:cSld>
     <p:spTree>
       <p:nvGrpSpPr>
-        <p:cNvPr id="803" name="Shape 803"/>
+        <p:cNvPr id="804" name="Shape 804"/>
         <p:cNvGrpSpPr/>
         <p:nvPr/>
       </p:nvGrpSpPr>
@@ -9535,7 +9581,7 @@
       </p:grpSpPr>
       <p:sp>
         <p:nvSpPr>
-          <p:cNvPr id="804" name="Google Shape;804;g6ee019ccff_0_205:notes"/>
+          <p:cNvPr id="805" name="Google Shape;805;g6ee019ccff_0_178:notes"/>
           <p:cNvSpPr txBox="1"/>
           <p:nvPr>
             <p:ph idx="1" type="body"/>
@@ -9574,7 +9620,106 @@
       </p:sp>
       <p:sp>
         <p:nvSpPr>
-          <p:cNvPr id="805" name="Google Shape;805;g6ee019ccff_0_205:notes"/>
+          <p:cNvPr id="806" name="Google Shape;806;g6ee019ccff_0_178:notes"/>
+          <p:cNvSpPr/>
+          <p:nvPr>
+            <p:ph idx="2" type="sldImg"/>
+          </p:nvPr>
+        </p:nvSpPr>
+        <p:spPr>
+          <a:xfrm>
+            <a:off x="1143000" y="685800"/>
+            <a:ext cx="4572000" cy="3429000"/>
+          </a:xfrm>
+          <a:custGeom>
+            <a:rect b="b" l="l" r="r" t="t"/>
+            <a:pathLst>
+              <a:path extrusionOk="0" h="120000" w="120000">
+                <a:moveTo>
+                  <a:pt x="0" y="0"/>
+                </a:moveTo>
+                <a:lnTo>
+                  <a:pt x="120000" y="0"/>
+                </a:lnTo>
+                <a:lnTo>
+                  <a:pt x="120000" y="120000"/>
+                </a:lnTo>
+                <a:lnTo>
+                  <a:pt x="0" y="120000"/>
+                </a:lnTo>
+                <a:close/>
+              </a:path>
+            </a:pathLst>
+          </a:custGeom>
+        </p:spPr>
+      </p:sp>
+    </p:spTree>
+  </p:cSld>
+  <p:clrMapOvr>
+    <a:masterClrMapping/>
+  </p:clrMapOvr>
+</p:notes>
+</file>
+
+<file path=ppt/notesSlides/notesSlide81.xml><?xml version="1.0" encoding="utf-8"?>
+<p:notes xmlns:a="http://schemas.openxmlformats.org/drawingml/2006/main" xmlns:r="http://schemas.openxmlformats.org/officeDocument/2006/relationships" xmlns:mc="http://schemas.openxmlformats.org/markup-compatibility/2006" xmlns:mv="urn:schemas-microsoft-com:mac:vml" xmlns:p="http://schemas.openxmlformats.org/presentationml/2006/main" xmlns:c="http://schemas.openxmlformats.org/drawingml/2006/chart" xmlns:dgm="http://schemas.openxmlformats.org/drawingml/2006/diagram" xmlns:o="urn:schemas-microsoft-com:office:office" xmlns:v="urn:schemas-microsoft-com:vml" xmlns:pvml="urn:schemas-microsoft-com:office:powerpoint" xmlns:com="http://schemas.openxmlformats.org/drawingml/2006/compatibility" xmlns:p14="http://schemas.microsoft.com/office/powerpoint/2010/main" xmlns:p15="http://schemas.microsoft.com/office/powerpoint/2012/main" showMasterPhAnim="0" showMasterSp="0">
+  <p:cSld>
+    <p:spTree>
+      <p:nvGrpSpPr>
+        <p:cNvPr id="811" name="Shape 811"/>
+        <p:cNvGrpSpPr/>
+        <p:nvPr/>
+      </p:nvGrpSpPr>
+      <p:grpSpPr>
+        <a:xfrm>
+          <a:off x="0" y="0"/>
+          <a:ext cx="0" cy="0"/>
+          <a:chOff x="0" y="0"/>
+          <a:chExt cx="0" cy="0"/>
+        </a:xfrm>
+      </p:grpSpPr>
+      <p:sp>
+        <p:nvSpPr>
+          <p:cNvPr id="812" name="Google Shape;812;g6ee019ccff_0_205:notes"/>
+          <p:cNvSpPr txBox="1"/>
+          <p:nvPr>
+            <p:ph idx="1" type="body"/>
+          </p:nvPr>
+        </p:nvSpPr>
+        <p:spPr>
+          <a:xfrm>
+            <a:off x="685800" y="4343400"/>
+            <a:ext cx="5486400" cy="4114800"/>
+          </a:xfrm>
+          <a:prstGeom prst="rect">
+            <a:avLst/>
+          </a:prstGeom>
+        </p:spPr>
+        <p:txBody>
+          <a:bodyPr anchorCtr="0" anchor="t" bIns="45700" lIns="91425" spcFirstLastPara="1" rIns="91425" wrap="square" tIns="45700">
+            <a:noAutofit/>
+          </a:bodyPr>
+          <a:lstStyle/>
+          <a:p>
+            <a:pPr indent="0" lvl="0" marL="0" rtl="0" algn="l">
+              <a:spcBef>
+                <a:spcPts val="0"/>
+              </a:spcBef>
+              <a:spcAft>
+                <a:spcPts val="0"/>
+              </a:spcAft>
+              <a:buNone/>
+            </a:pPr>
+            <a:r>
+              <a:t/>
+            </a:r>
+            <a:endParaRPr/>
+          </a:p>
+        </p:txBody>
+      </p:sp>
+      <p:sp>
+        <p:nvSpPr>
+          <p:cNvPr id="813" name="Google Shape;813;g6ee019ccff_0_205:notes"/>
           <p:cNvSpPr/>
           <p:nvPr>
             <p:ph idx="2" type="sldImg"/>
@@ -33782,7 +33927,7 @@
             <a:tbl>
               <a:tblPr>
                 <a:noFill/>
-                <a:tableStyleId>{2F285A8C-D629-4F60-B745-289C601BCAA0}</a:tableStyleId>
+                <a:tableStyleId>{55E5E57E-854A-4D71-9042-818CB873DA51}</a:tableStyleId>
               </a:tblPr>
               <a:tblGrid>
                 <a:gridCol w="3048000"/>
@@ -44328,16 +44473,9 @@
 <file path=ppt/slides/slide61.xml><?xml version="1.0" encoding="utf-8"?>
 <p:sld xmlns:a="http://schemas.openxmlformats.org/drawingml/2006/main" xmlns:r="http://schemas.openxmlformats.org/officeDocument/2006/relationships" xmlns:mc="http://schemas.openxmlformats.org/markup-compatibility/2006" xmlns:mv="urn:schemas-microsoft-com:mac:vml" xmlns:p="http://schemas.openxmlformats.org/presentationml/2006/main" xmlns:c="http://schemas.openxmlformats.org/drawingml/2006/chart" xmlns:dgm="http://schemas.openxmlformats.org/drawingml/2006/diagram" xmlns:o="urn:schemas-microsoft-com:office:office" xmlns:v="urn:schemas-microsoft-com:vml" xmlns:pvml="urn:schemas-microsoft-com:office:powerpoint" xmlns:com="http://schemas.openxmlformats.org/drawingml/2006/compatibility" xmlns:p14="http://schemas.microsoft.com/office/powerpoint/2010/main" xmlns:p15="http://schemas.microsoft.com/office/powerpoint/2012/main">
   <p:cSld>
-    <p:bg>
-      <p:bgPr>
-        <a:solidFill>
-          <a:schemeClr val="lt2"/>
-        </a:solidFill>
-      </p:bgPr>
-    </p:bg>
     <p:spTree>
       <p:nvGrpSpPr>
-        <p:cNvPr id="642" name="Shape 642"/>
+        <p:cNvPr id="643" name="Shape 643"/>
         <p:cNvGrpSpPr/>
         <p:nvPr/>
       </p:nvGrpSpPr>
@@ -44351,7 +44489,7 @@
       </p:grpSpPr>
       <p:sp>
         <p:nvSpPr>
-          <p:cNvPr id="643" name="Google Shape;643;p66"/>
+          <p:cNvPr id="644" name="Google Shape;644;p66"/>
           <p:cNvSpPr txBox="1"/>
           <p:nvPr>
             <p:ph type="title"/>
@@ -44365,10 +44503,6 @@
           <a:prstGeom prst="rect">
             <a:avLst/>
           </a:prstGeom>
-          <a:noFill/>
-          <a:ln>
-            <a:noFill/>
-          </a:ln>
         </p:spPr>
         <p:txBody>
           <a:bodyPr anchorCtr="0" anchor="b" bIns="45700" lIns="91425" spcFirstLastPara="1" rIns="91425" wrap="square" tIns="45700">
@@ -44377,33 +44511,17 @@
           <a:lstStyle/>
           <a:p>
             <a:pPr indent="0" lvl="0" marL="0" rtl="0" algn="ctr">
-              <a:lnSpc>
-                <a:spcPct val="100000"/>
-              </a:lnSpc>
-              <a:spcBef>
-                <a:spcPts val="0"/>
-              </a:spcBef>
-              <a:spcAft>
-                <a:spcPts val="0"/>
-              </a:spcAft>
-              <a:buClr>
-                <a:srgbClr val="7B9899"/>
-              </a:buClr>
-              <a:buSzPts val="3300"/>
-              <a:buFont typeface="Georgia"/>
-              <a:buNone/>
-            </a:pPr>
-            <a:r>
-              <a:rPr b="0" i="0" lang="en-US" sz="3300" u="none">
-                <a:solidFill>
-                  <a:srgbClr val="7B9899"/>
-                </a:solidFill>
-                <a:latin typeface="Georgia"/>
-                <a:ea typeface="Georgia"/>
-                <a:cs typeface="Georgia"/>
-                <a:sym typeface="Georgia"/>
-              </a:rPr>
-              <a:t>Environment Type Discussed In this Lecture</a:t>
+              <a:spcBef>
+                <a:spcPts val="0"/>
+              </a:spcBef>
+              <a:spcAft>
+                <a:spcPts val="0"/>
+              </a:spcAft>
+              <a:buNone/>
+            </a:pPr>
+            <a:r>
+              <a:rPr lang="en-US"/>
+              <a:t>Search Strategies </a:t>
             </a:r>
             <a:endParaRPr/>
           </a:p>
@@ -44411,7 +44529,7 @@
       </p:sp>
       <p:sp>
         <p:nvSpPr>
-          <p:cNvPr id="644" name="Google Shape;644;p66"/>
+          <p:cNvPr id="645" name="Google Shape;645;p66"/>
           <p:cNvSpPr txBox="1"/>
           <p:nvPr>
             <p:ph idx="1" type="body"/>
@@ -44419,16 +44537,12 @@
         </p:nvSpPr>
         <p:spPr>
           <a:xfrm>
-            <a:off x="5102225" y="1828800"/>
-            <a:ext cx="3737100" cy="1143000"/>
+            <a:off x="301752" y="1527048"/>
+            <a:ext cx="8503800" cy="4572000"/>
           </a:xfrm>
           <a:prstGeom prst="rect">
             <a:avLst/>
           </a:prstGeom>
-          <a:noFill/>
-          <a:ln>
-            <a:noFill/>
-          </a:ln>
         </p:spPr>
         <p:txBody>
           <a:bodyPr anchorCtr="0" anchor="t" bIns="45700" lIns="91425" spcFirstLastPara="1" rIns="91425" wrap="square" tIns="45700">
@@ -44436,9 +44550,173 @@
           </a:bodyPr>
           <a:lstStyle/>
           <a:p>
-            <a:pPr indent="-273050" lvl="0" marL="273050" marR="0" rtl="0" algn="l">
-              <a:lnSpc>
-                <a:spcPct val="100000"/>
+            <a:pPr indent="-381000" lvl="0" marL="457200" rtl="0" algn="l">
+              <a:lnSpc>
+                <a:spcPct val="115000"/>
+              </a:lnSpc>
+              <a:spcBef>
+                <a:spcPts val="360"/>
+              </a:spcBef>
+              <a:spcAft>
+                <a:spcPts val="0"/>
+              </a:spcAft>
+              <a:buSzPts val="2400"/>
+              <a:buChar char="⚫"/>
+            </a:pPr>
+            <a:r>
+              <a:rPr lang="en-US" sz="2400"/>
+              <a:t>Uninformed (blind) search</a:t>
+            </a:r>
+            <a:endParaRPr sz="2400"/>
+          </a:p>
+          <a:p>
+            <a:pPr indent="-381000" lvl="1" marL="914400" rtl="0" algn="l">
+              <a:lnSpc>
+                <a:spcPct val="115000"/>
+              </a:lnSpc>
+              <a:spcBef>
+                <a:spcPts val="460"/>
+              </a:spcBef>
+              <a:spcAft>
+                <a:spcPts val="0"/>
+              </a:spcAft>
+              <a:buClr>
+                <a:srgbClr val="000000"/>
+              </a:buClr>
+              <a:buSzPts val="2400"/>
+              <a:buChar char="⚪"/>
+            </a:pPr>
+            <a:r>
+              <a:rPr lang="en-US" sz="2400">
+                <a:solidFill>
+                  <a:srgbClr val="000000"/>
+                </a:solidFill>
+              </a:rPr>
+              <a:t>Breadth-first search</a:t>
+            </a:r>
+            <a:endParaRPr sz="2400">
+              <a:solidFill>
+                <a:srgbClr val="000000"/>
+              </a:solidFill>
+            </a:endParaRPr>
+          </a:p>
+          <a:p>
+            <a:pPr indent="-381000" lvl="1" marL="914400" rtl="0" algn="l">
+              <a:lnSpc>
+                <a:spcPct val="115000"/>
+              </a:lnSpc>
+              <a:spcBef>
+                <a:spcPts val="460"/>
+              </a:spcBef>
+              <a:spcAft>
+                <a:spcPts val="0"/>
+              </a:spcAft>
+              <a:buClr>
+                <a:srgbClr val="000000"/>
+              </a:buClr>
+              <a:buSzPts val="2400"/>
+              <a:buChar char="⚪"/>
+            </a:pPr>
+            <a:r>
+              <a:rPr lang="en-US" sz="2400">
+                <a:solidFill>
+                  <a:srgbClr val="000000"/>
+                </a:solidFill>
+              </a:rPr>
+              <a:t>Depth-first search</a:t>
+            </a:r>
+            <a:endParaRPr sz="2400">
+              <a:solidFill>
+                <a:srgbClr val="000000"/>
+              </a:solidFill>
+            </a:endParaRPr>
+          </a:p>
+          <a:p>
+            <a:pPr indent="-381000" lvl="1" marL="914400" rtl="0" algn="l">
+              <a:lnSpc>
+                <a:spcPct val="115000"/>
+              </a:lnSpc>
+              <a:spcBef>
+                <a:spcPts val="460"/>
+              </a:spcBef>
+              <a:spcAft>
+                <a:spcPts val="0"/>
+              </a:spcAft>
+              <a:buClr>
+                <a:srgbClr val="000000"/>
+              </a:buClr>
+              <a:buSzPts val="2400"/>
+              <a:buChar char="⚪"/>
+            </a:pPr>
+            <a:r>
+              <a:rPr lang="en-US" sz="2400">
+                <a:solidFill>
+                  <a:srgbClr val="000000"/>
+                </a:solidFill>
+              </a:rPr>
+              <a:t>Depth-limited search</a:t>
+            </a:r>
+            <a:endParaRPr sz="2400">
+              <a:solidFill>
+                <a:srgbClr val="000000"/>
+              </a:solidFill>
+            </a:endParaRPr>
+          </a:p>
+          <a:p>
+            <a:pPr indent="-381000" lvl="1" marL="914400" rtl="0" algn="l">
+              <a:lnSpc>
+                <a:spcPct val="115000"/>
+              </a:lnSpc>
+              <a:spcBef>
+                <a:spcPts val="460"/>
+              </a:spcBef>
+              <a:spcAft>
+                <a:spcPts val="0"/>
+              </a:spcAft>
+              <a:buClr>
+                <a:srgbClr val="000000"/>
+              </a:buClr>
+              <a:buSzPts val="2400"/>
+              <a:buChar char="⚪"/>
+            </a:pPr>
+            <a:r>
+              <a:rPr lang="en-US" sz="2400">
+                <a:solidFill>
+                  <a:srgbClr val="000000"/>
+                </a:solidFill>
+              </a:rPr>
+              <a:t>Iterative deepening search</a:t>
+            </a:r>
+            <a:endParaRPr sz="2400">
+              <a:solidFill>
+                <a:srgbClr val="000000"/>
+              </a:solidFill>
+            </a:endParaRPr>
+          </a:p>
+          <a:p>
+            <a:pPr indent="-381000" lvl="0" marL="457200" rtl="0" algn="l">
+              <a:lnSpc>
+                <a:spcPct val="115000"/>
+              </a:lnSpc>
+              <a:spcBef>
+                <a:spcPts val="0"/>
+              </a:spcBef>
+              <a:spcAft>
+                <a:spcPts val="0"/>
+              </a:spcAft>
+              <a:buSzPts val="2400"/>
+              <a:buChar char="⚫"/>
+            </a:pPr>
+            <a:r>
+              <a:rPr lang="en-US" sz="2400"/>
+              <a:t>Informed Search</a:t>
+            </a:r>
+            <a:endParaRPr sz="2400"/>
+          </a:p>
+          <a:p>
+            <a:pPr indent="-381000" lvl="1" marL="914400" rtl="0" algn="l">
+              <a:lnSpc>
+                <a:spcPct val="115000"/>
               </a:lnSpc>
               <a:spcBef>
                 <a:spcPts val="0"/>
@@ -44449,1443 +44727,140 @@
               <a:buClr>
                 <a:schemeClr val="accent1"/>
               </a:buClr>
-              <a:buSzPts val="2295"/>
-              <a:buFont typeface="Noto Sans Symbols"/>
-              <a:buChar char="⚫"/>
-            </a:pPr>
-            <a:r>
-              <a:rPr b="0" i="0" lang="en-US" sz="2700" u="none" cap="none" strike="noStrike">
+              <a:buSzPts val="2400"/>
+              <a:buChar char="⚪"/>
+            </a:pPr>
+            <a:r>
+              <a:rPr lang="en-US" sz="2400">
                 <a:solidFill>
                   <a:schemeClr val="dk1"/>
                 </a:solidFill>
-                <a:latin typeface="Georgia"/>
-                <a:ea typeface="Georgia"/>
-                <a:cs typeface="Georgia"/>
-                <a:sym typeface="Georgia"/>
-              </a:rPr>
-              <a:t>Static Environment</a:t>
-            </a:r>
-            <a:endParaRPr/>
-          </a:p>
-        </p:txBody>
-      </p:sp>
-      <p:sp>
-        <p:nvSpPr>
-          <p:cNvPr id="645" name="Google Shape;645;p66"/>
-          <p:cNvSpPr txBox="1"/>
-          <p:nvPr/>
-        </p:nvSpPr>
-        <p:spPr>
-          <a:xfrm>
-            <a:off x="5791200" y="6405562"/>
-            <a:ext cx="3044700" cy="365100"/>
-          </a:xfrm>
-          <a:prstGeom prst="rect">
-            <a:avLst/>
-          </a:prstGeom>
-          <a:noFill/>
-          <a:ln>
-            <a:noFill/>
-          </a:ln>
-        </p:spPr>
-        <p:txBody>
-          <a:bodyPr anchorCtr="0" anchor="t" bIns="45700" lIns="91425" spcFirstLastPara="1" rIns="91425" wrap="square" tIns="45700">
-            <a:noAutofit/>
-          </a:bodyPr>
-          <a:lstStyle/>
-          <a:p>
-            <a:pPr indent="0" lvl="0" marL="0" marR="0" rtl="0" algn="l">
-              <a:lnSpc>
-                <a:spcPct val="100000"/>
-              </a:lnSpc>
-              <a:spcBef>
-                <a:spcPts val="0"/>
-              </a:spcBef>
-              <a:spcAft>
-                <a:spcPts val="0"/>
-              </a:spcAft>
-              <a:buNone/>
-            </a:pPr>
-            <a:r>
-              <a:t/>
-            </a:r>
-            <a:endParaRPr b="0" i="0" sz="2400" u="none">
+              </a:rPr>
+              <a:t>Best-first search</a:t>
+            </a:r>
+            <a:endParaRPr sz="2400">
               <a:solidFill>
                 <a:schemeClr val="dk1"/>
               </a:solidFill>
-              <a:latin typeface="Arial"/>
-              <a:ea typeface="Arial"/>
-              <a:cs typeface="Arial"/>
-              <a:sym typeface="Arial"/>
             </a:endParaRPr>
           </a:p>
+          <a:p>
+            <a:pPr indent="-381000" lvl="1" marL="914400" rtl="0" algn="l">
+              <a:lnSpc>
+                <a:spcPct val="115000"/>
+              </a:lnSpc>
+              <a:spcBef>
+                <a:spcPts val="560"/>
+              </a:spcBef>
+              <a:spcAft>
+                <a:spcPts val="0"/>
+              </a:spcAft>
+              <a:buClr>
+                <a:schemeClr val="accent1"/>
+              </a:buClr>
+              <a:buSzPts val="2400"/>
+              <a:buChar char="⚪"/>
+            </a:pPr>
+            <a:r>
+              <a:rPr lang="en-US" sz="2400">
+                <a:solidFill>
+                  <a:schemeClr val="dk1"/>
+                </a:solidFill>
+              </a:rPr>
+              <a:t>A</a:t>
+            </a:r>
+            <a:r>
+              <a:rPr baseline="30000" lang="en-US" sz="2400">
+                <a:solidFill>
+                  <a:schemeClr val="dk1"/>
+                </a:solidFill>
+              </a:rPr>
+              <a:t>*</a:t>
+            </a:r>
+            <a:r>
+              <a:rPr lang="en-US" sz="2400">
+                <a:solidFill>
+                  <a:schemeClr val="dk1"/>
+                </a:solidFill>
+              </a:rPr>
+              <a:t> search</a:t>
+            </a:r>
+            <a:endParaRPr sz="2400"/>
+          </a:p>
+          <a:p>
+            <a:pPr indent="-381000" lvl="0" marL="457200" rtl="0" algn="l">
+              <a:lnSpc>
+                <a:spcPct val="115000"/>
+              </a:lnSpc>
+              <a:spcBef>
+                <a:spcPts val="0"/>
+              </a:spcBef>
+              <a:spcAft>
+                <a:spcPts val="0"/>
+              </a:spcAft>
+              <a:buSzPts val="2400"/>
+              <a:buChar char="⚫"/>
+            </a:pPr>
+            <a:r>
+              <a:rPr lang="en-US" sz="2400"/>
+              <a:t>Adversarial Search </a:t>
+            </a:r>
+            <a:endParaRPr sz="2400"/>
+          </a:p>
+          <a:p>
+            <a:pPr indent="-381000" lvl="1" marL="914400" rtl="0" algn="l">
+              <a:lnSpc>
+                <a:spcPct val="115000"/>
+              </a:lnSpc>
+              <a:spcBef>
+                <a:spcPts val="0"/>
+              </a:spcBef>
+              <a:spcAft>
+                <a:spcPts val="0"/>
+              </a:spcAft>
+              <a:buClr>
+                <a:srgbClr val="000000"/>
+              </a:buClr>
+              <a:buSzPts val="2400"/>
+              <a:buChar char="⚪"/>
+            </a:pPr>
+            <a:r>
+              <a:rPr lang="en-US" sz="2400">
+                <a:solidFill>
+                  <a:srgbClr val="000000"/>
+                </a:solidFill>
+              </a:rPr>
+              <a:t>Minmax Algorithm </a:t>
+            </a:r>
+            <a:endParaRPr sz="2400">
+              <a:solidFill>
+                <a:srgbClr val="000000"/>
+              </a:solidFill>
+            </a:endParaRPr>
+          </a:p>
+          <a:p>
+            <a:pPr indent="0" lvl="0" marL="457200" rtl="0" algn="l">
+              <a:lnSpc>
+                <a:spcPct val="115000"/>
+              </a:lnSpc>
+              <a:spcBef>
+                <a:spcPts val="360"/>
+              </a:spcBef>
+              <a:spcAft>
+                <a:spcPts val="0"/>
+              </a:spcAft>
+              <a:buNone/>
+            </a:pPr>
+            <a:r>
+              <a:t/>
+            </a:r>
+            <a:endParaRPr sz="2400"/>
+          </a:p>
         </p:txBody>
       </p:sp>
       <p:sp>
         <p:nvSpPr>
           <p:cNvPr id="646" name="Google Shape;646;p66"/>
-          <p:cNvSpPr txBox="1"/>
-          <p:nvPr/>
-        </p:nvSpPr>
-        <p:spPr>
-          <a:xfrm>
-            <a:off x="4362450" y="1027112"/>
-            <a:ext cx="457200" cy="441300"/>
-          </a:xfrm>
-          <a:prstGeom prst="rect">
-            <a:avLst/>
-          </a:prstGeom>
-          <a:noFill/>
-          <a:ln>
-            <a:noFill/>
-          </a:ln>
-        </p:spPr>
-        <p:txBody>
-          <a:bodyPr anchorCtr="0" anchor="ctr" bIns="45700" lIns="45700" spcFirstLastPara="1" rIns="45700" wrap="square" tIns="45700">
-            <a:noAutofit/>
-          </a:bodyPr>
-          <a:lstStyle/>
-          <a:p>
-            <a:pPr indent="0" lvl="0" marL="0" marR="0" rtl="0" algn="ctr">
-              <a:lnSpc>
-                <a:spcPct val="100000"/>
-              </a:lnSpc>
-              <a:spcBef>
-                <a:spcPts val="0"/>
-              </a:spcBef>
-              <a:spcAft>
-                <a:spcPts val="0"/>
-              </a:spcAft>
-              <a:buClr>
-                <a:srgbClr val="7B9899"/>
-              </a:buClr>
-              <a:buSzPts val="1600"/>
-              <a:buFont typeface="Arial"/>
-              <a:buNone/>
-            </a:pPr>
-            <a:fld id="{00000000-1234-1234-1234-123412341234}" type="slidenum">
-              <a:rPr b="0" i="0" lang="en-US" sz="1600" u="none">
-                <a:solidFill>
-                  <a:srgbClr val="7B9899"/>
-                </a:solidFill>
-                <a:latin typeface="Arial"/>
-                <a:ea typeface="Arial"/>
-                <a:cs typeface="Arial"/>
-                <a:sym typeface="Arial"/>
-              </a:rPr>
-              <a:t>‹#›</a:t>
-            </a:fld>
-            <a:endParaRPr/>
-          </a:p>
-        </p:txBody>
-      </p:sp>
-      <p:sp>
-        <p:nvSpPr>
-          <p:cNvPr id="647" name="Google Shape;647;p66"/>
-          <p:cNvSpPr txBox="1"/>
-          <p:nvPr/>
-        </p:nvSpPr>
-        <p:spPr>
-          <a:xfrm>
-            <a:off x="2057400" y="1524000"/>
-            <a:ext cx="1447800" cy="646200"/>
-          </a:xfrm>
-          <a:prstGeom prst="rect">
-            <a:avLst/>
-          </a:prstGeom>
-          <a:noFill/>
-          <a:ln cap="flat" cmpd="sng" w="9525">
-            <a:solidFill>
-              <a:schemeClr val="dk1"/>
-            </a:solidFill>
-            <a:prstDash val="solid"/>
-            <a:miter lim="800000"/>
-            <a:headEnd len="sm" w="sm" type="none"/>
-            <a:tailEnd len="sm" w="sm" type="none"/>
-          </a:ln>
-        </p:spPr>
-        <p:txBody>
-          <a:bodyPr anchorCtr="0" anchor="t" bIns="45700" lIns="91425" spcFirstLastPara="1" rIns="91425" wrap="square" tIns="45700">
-            <a:noAutofit/>
-          </a:bodyPr>
-          <a:lstStyle/>
-          <a:p>
-            <a:pPr indent="0" lvl="0" marL="0" marR="0" rtl="0" algn="l">
-              <a:lnSpc>
-                <a:spcPct val="100000"/>
-              </a:lnSpc>
-              <a:spcBef>
-                <a:spcPts val="0"/>
-              </a:spcBef>
-              <a:spcAft>
-                <a:spcPts val="0"/>
-              </a:spcAft>
-              <a:buClr>
-                <a:schemeClr val="dk1"/>
-              </a:buClr>
-              <a:buSzPts val="1800"/>
-              <a:buFont typeface="Arial"/>
-              <a:buNone/>
-            </a:pPr>
-            <a:r>
-              <a:rPr b="0" i="0" lang="en-US" sz="1800" u="none">
-                <a:solidFill>
-                  <a:schemeClr val="dk1"/>
-                </a:solidFill>
-                <a:latin typeface="Arial"/>
-                <a:ea typeface="Arial"/>
-                <a:cs typeface="Arial"/>
-                <a:sym typeface="Arial"/>
-              </a:rPr>
-              <a:t>Fully Observable</a:t>
-            </a:r>
-            <a:endParaRPr/>
-          </a:p>
-        </p:txBody>
-      </p:sp>
-      <p:sp>
-        <p:nvSpPr>
-          <p:cNvPr id="648" name="Google Shape;648;p66"/>
-          <p:cNvSpPr txBox="1"/>
-          <p:nvPr/>
-        </p:nvSpPr>
-        <p:spPr>
-          <a:xfrm>
-            <a:off x="1981200" y="2819400"/>
-            <a:ext cx="1600200" cy="369900"/>
-          </a:xfrm>
-          <a:prstGeom prst="rect">
-            <a:avLst/>
-          </a:prstGeom>
-          <a:noFill/>
-          <a:ln cap="flat" cmpd="sng" w="9525">
-            <a:solidFill>
-              <a:schemeClr val="dk1"/>
-            </a:solidFill>
-            <a:prstDash val="solid"/>
-            <a:miter lim="800000"/>
-            <a:headEnd len="sm" w="sm" type="none"/>
-            <a:tailEnd len="sm" w="sm" type="none"/>
-          </a:ln>
-        </p:spPr>
-        <p:txBody>
-          <a:bodyPr anchorCtr="0" anchor="t" bIns="45700" lIns="91425" spcFirstLastPara="1" rIns="91425" wrap="square" tIns="45700">
-            <a:noAutofit/>
-          </a:bodyPr>
-          <a:lstStyle/>
-          <a:p>
-            <a:pPr indent="0" lvl="0" marL="0" marR="0" rtl="0" algn="l">
-              <a:lnSpc>
-                <a:spcPct val="100000"/>
-              </a:lnSpc>
-              <a:spcBef>
-                <a:spcPts val="0"/>
-              </a:spcBef>
-              <a:spcAft>
-                <a:spcPts val="0"/>
-              </a:spcAft>
-              <a:buClr>
-                <a:schemeClr val="dk1"/>
-              </a:buClr>
-              <a:buSzPts val="1800"/>
-              <a:buFont typeface="Arial"/>
-              <a:buNone/>
-            </a:pPr>
-            <a:r>
-              <a:rPr b="0" i="0" lang="en-US" sz="1800" u="none">
-                <a:solidFill>
-                  <a:schemeClr val="dk1"/>
-                </a:solidFill>
-                <a:latin typeface="Arial"/>
-                <a:ea typeface="Arial"/>
-                <a:cs typeface="Arial"/>
-                <a:sym typeface="Arial"/>
-              </a:rPr>
-              <a:t>Deterministic</a:t>
-            </a:r>
-            <a:endParaRPr/>
-          </a:p>
-        </p:txBody>
-      </p:sp>
-      <p:sp>
-        <p:nvSpPr>
-          <p:cNvPr id="649" name="Google Shape;649;p66"/>
-          <p:cNvSpPr txBox="1"/>
-          <p:nvPr/>
-        </p:nvSpPr>
-        <p:spPr>
-          <a:xfrm>
-            <a:off x="1981200" y="3810000"/>
-            <a:ext cx="1600200" cy="369900"/>
-          </a:xfrm>
-          <a:prstGeom prst="rect">
-            <a:avLst/>
-          </a:prstGeom>
-          <a:noFill/>
-          <a:ln cap="flat" cmpd="sng" w="9525">
-            <a:solidFill>
-              <a:schemeClr val="dk1"/>
-            </a:solidFill>
-            <a:prstDash val="solid"/>
-            <a:miter lim="800000"/>
-            <a:headEnd len="sm" w="sm" type="none"/>
-            <a:tailEnd len="sm" w="sm" type="none"/>
-          </a:ln>
-        </p:spPr>
-        <p:txBody>
-          <a:bodyPr anchorCtr="0" anchor="t" bIns="45700" lIns="91425" spcFirstLastPara="1" rIns="91425" wrap="square" tIns="45700">
-            <a:noAutofit/>
-          </a:bodyPr>
-          <a:lstStyle/>
-          <a:p>
-            <a:pPr indent="0" lvl="0" marL="0" marR="0" rtl="0" algn="l">
-              <a:lnSpc>
-                <a:spcPct val="100000"/>
-              </a:lnSpc>
-              <a:spcBef>
-                <a:spcPts val="0"/>
-              </a:spcBef>
-              <a:spcAft>
-                <a:spcPts val="0"/>
-              </a:spcAft>
-              <a:buClr>
-                <a:schemeClr val="dk1"/>
-              </a:buClr>
-              <a:buSzPts val="1800"/>
-              <a:buFont typeface="Arial"/>
-              <a:buNone/>
-            </a:pPr>
-            <a:r>
-              <a:rPr b="0" i="0" lang="en-US" sz="1800" u="none">
-                <a:solidFill>
-                  <a:schemeClr val="dk1"/>
-                </a:solidFill>
-                <a:latin typeface="Arial"/>
-                <a:ea typeface="Arial"/>
-                <a:cs typeface="Arial"/>
-                <a:sym typeface="Arial"/>
-              </a:rPr>
-              <a:t>Sequential</a:t>
-            </a:r>
-            <a:endParaRPr/>
-          </a:p>
-        </p:txBody>
-      </p:sp>
-      <p:cxnSp>
-        <p:nvCxnSpPr>
-          <p:cNvPr id="650" name="Google Shape;650;p66"/>
-          <p:cNvCxnSpPr/>
-          <p:nvPr/>
-        </p:nvCxnSpPr>
-        <p:spPr>
-          <a:xfrm rot="5400000">
-            <a:off x="2457537" y="2493962"/>
-            <a:ext cx="649200" cy="1500"/>
-          </a:xfrm>
-          <a:prstGeom prst="straightConnector1">
-            <a:avLst/>
-          </a:prstGeom>
-          <a:noFill/>
-          <a:ln cap="flat" cmpd="sng" w="11425">
-            <a:solidFill>
-              <a:schemeClr val="accent1"/>
-            </a:solidFill>
-            <a:prstDash val="solid"/>
-            <a:miter lim="800000"/>
-            <a:headEnd len="med" w="med" type="none"/>
-            <a:tailEnd len="med" w="med" type="stealth"/>
-          </a:ln>
-          <a:effectLst>
-            <a:outerShdw blurRad="63500" dir="5400000" dist="25400">
-              <a:srgbClr val="808080">
-                <a:alpha val="34900"/>
-              </a:srgbClr>
-            </a:outerShdw>
-          </a:effectLst>
-        </p:spPr>
-      </p:cxnSp>
-      <p:cxnSp>
-        <p:nvCxnSpPr>
-          <p:cNvPr id="651" name="Google Shape;651;p66"/>
-          <p:cNvCxnSpPr/>
-          <p:nvPr/>
-        </p:nvCxnSpPr>
-        <p:spPr>
-          <a:xfrm rot="5400000">
-            <a:off x="2470887" y="3499574"/>
-            <a:ext cx="620700" cy="3300"/>
-          </a:xfrm>
-          <a:prstGeom prst="straightConnector1">
-            <a:avLst/>
-          </a:prstGeom>
-          <a:noFill/>
-          <a:ln cap="flat" cmpd="sng" w="11425">
-            <a:solidFill>
-              <a:schemeClr val="accent1"/>
-            </a:solidFill>
-            <a:prstDash val="solid"/>
-            <a:miter lim="800000"/>
-            <a:headEnd len="med" w="med" type="none"/>
-            <a:tailEnd len="med" w="med" type="stealth"/>
-          </a:ln>
-          <a:effectLst>
-            <a:outerShdw blurRad="63500" dir="5400000" dist="25400">
-              <a:srgbClr val="808080">
-                <a:alpha val="34900"/>
-              </a:srgbClr>
-            </a:outerShdw>
-          </a:effectLst>
-        </p:spPr>
-      </p:cxnSp>
-      <p:sp>
-        <p:nvSpPr>
-          <p:cNvPr id="652" name="Google Shape;652;p66"/>
-          <p:cNvSpPr txBox="1"/>
-          <p:nvPr/>
-        </p:nvSpPr>
-        <p:spPr>
-          <a:xfrm>
-            <a:off x="2286000" y="2297112"/>
-            <a:ext cx="838200" cy="369900"/>
-          </a:xfrm>
-          <a:prstGeom prst="rect">
-            <a:avLst/>
-          </a:prstGeom>
-          <a:noFill/>
-          <a:ln>
-            <a:noFill/>
-          </a:ln>
-        </p:spPr>
-        <p:txBody>
-          <a:bodyPr anchorCtr="0" anchor="t" bIns="45700" lIns="91425" spcFirstLastPara="1" rIns="91425" wrap="square" tIns="45700">
-            <a:noAutofit/>
-          </a:bodyPr>
-          <a:lstStyle/>
-          <a:p>
-            <a:pPr indent="0" lvl="0" marL="0" marR="0" rtl="0" algn="l">
-              <a:lnSpc>
-                <a:spcPct val="100000"/>
-              </a:lnSpc>
-              <a:spcBef>
-                <a:spcPts val="0"/>
-              </a:spcBef>
-              <a:spcAft>
-                <a:spcPts val="0"/>
-              </a:spcAft>
-              <a:buClr>
-                <a:schemeClr val="dk1"/>
-              </a:buClr>
-              <a:buSzPts val="1800"/>
-              <a:buFont typeface="Arial"/>
-              <a:buNone/>
-            </a:pPr>
-            <a:r>
-              <a:rPr b="0" i="0" lang="en-US" sz="1800" u="none">
-                <a:solidFill>
-                  <a:schemeClr val="dk1"/>
-                </a:solidFill>
-                <a:latin typeface="Arial"/>
-                <a:ea typeface="Arial"/>
-                <a:cs typeface="Arial"/>
-                <a:sym typeface="Arial"/>
-              </a:rPr>
-              <a:t>yes</a:t>
-            </a:r>
-            <a:endParaRPr/>
-          </a:p>
-        </p:txBody>
-      </p:sp>
-      <p:sp>
-        <p:nvSpPr>
-          <p:cNvPr id="653" name="Google Shape;653;p66"/>
-          <p:cNvSpPr txBox="1"/>
-          <p:nvPr/>
-        </p:nvSpPr>
-        <p:spPr>
-          <a:xfrm>
-            <a:off x="2133600" y="3287712"/>
-            <a:ext cx="838200" cy="369900"/>
-          </a:xfrm>
-          <a:prstGeom prst="rect">
-            <a:avLst/>
-          </a:prstGeom>
-          <a:noFill/>
-          <a:ln>
-            <a:noFill/>
-          </a:ln>
-        </p:spPr>
-        <p:txBody>
-          <a:bodyPr anchorCtr="0" anchor="t" bIns="45700" lIns="91425" spcFirstLastPara="1" rIns="91425" wrap="square" tIns="45700">
-            <a:noAutofit/>
-          </a:bodyPr>
-          <a:lstStyle/>
-          <a:p>
-            <a:pPr indent="0" lvl="0" marL="0" marR="0" rtl="0" algn="l">
-              <a:lnSpc>
-                <a:spcPct val="100000"/>
-              </a:lnSpc>
-              <a:spcBef>
-                <a:spcPts val="0"/>
-              </a:spcBef>
-              <a:spcAft>
-                <a:spcPts val="0"/>
-              </a:spcAft>
-              <a:buClr>
-                <a:schemeClr val="dk1"/>
-              </a:buClr>
-              <a:buSzPts val="1800"/>
-              <a:buFont typeface="Arial"/>
-              <a:buNone/>
-            </a:pPr>
-            <a:r>
-              <a:rPr b="0" i="0" lang="en-US" sz="1800" u="none">
-                <a:solidFill>
-                  <a:schemeClr val="dk1"/>
-                </a:solidFill>
-                <a:latin typeface="Arial"/>
-                <a:ea typeface="Arial"/>
-                <a:cs typeface="Arial"/>
-                <a:sym typeface="Arial"/>
-              </a:rPr>
-              <a:t>yes</a:t>
-            </a:r>
-            <a:endParaRPr/>
-          </a:p>
-        </p:txBody>
-      </p:sp>
-      <p:sp>
-        <p:nvSpPr>
-          <p:cNvPr id="654" name="Google Shape;654;p66"/>
-          <p:cNvSpPr txBox="1"/>
-          <p:nvPr/>
-        </p:nvSpPr>
-        <p:spPr>
-          <a:xfrm>
-            <a:off x="838200" y="4583112"/>
-            <a:ext cx="1143000" cy="369900"/>
-          </a:xfrm>
-          <a:prstGeom prst="rect">
-            <a:avLst/>
-          </a:prstGeom>
-          <a:noFill/>
-          <a:ln cap="flat" cmpd="sng" w="9525">
-            <a:solidFill>
-              <a:schemeClr val="dk1"/>
-            </a:solidFill>
-            <a:prstDash val="solid"/>
-            <a:miter lim="800000"/>
-            <a:headEnd len="sm" w="sm" type="none"/>
-            <a:tailEnd len="sm" w="sm" type="none"/>
-          </a:ln>
-        </p:spPr>
-        <p:txBody>
-          <a:bodyPr anchorCtr="0" anchor="t" bIns="45700" lIns="91425" spcFirstLastPara="1" rIns="91425" wrap="square" tIns="45700">
-            <a:noAutofit/>
-          </a:bodyPr>
-          <a:lstStyle/>
-          <a:p>
-            <a:pPr indent="0" lvl="0" marL="0" marR="0" rtl="0" algn="l">
-              <a:lnSpc>
-                <a:spcPct val="100000"/>
-              </a:lnSpc>
-              <a:spcBef>
-                <a:spcPts val="0"/>
-              </a:spcBef>
-              <a:spcAft>
-                <a:spcPts val="0"/>
-              </a:spcAft>
-              <a:buClr>
-                <a:schemeClr val="dk1"/>
-              </a:buClr>
-              <a:buSzPts val="1800"/>
-              <a:buFont typeface="Arial"/>
-              <a:buNone/>
-            </a:pPr>
-            <a:r>
-              <a:rPr b="0" i="0" lang="en-US" sz="1800" u="none">
-                <a:solidFill>
-                  <a:schemeClr val="dk1"/>
-                </a:solidFill>
-                <a:latin typeface="Arial"/>
-                <a:ea typeface="Arial"/>
-                <a:cs typeface="Arial"/>
-                <a:sym typeface="Arial"/>
-              </a:rPr>
-              <a:t>Discrete </a:t>
-            </a:r>
-            <a:endParaRPr/>
-          </a:p>
-        </p:txBody>
-      </p:sp>
-      <p:sp>
-        <p:nvSpPr>
-          <p:cNvPr id="655" name="Google Shape;655;p66"/>
-          <p:cNvSpPr txBox="1"/>
-          <p:nvPr/>
-        </p:nvSpPr>
-        <p:spPr>
-          <a:xfrm>
-            <a:off x="4038600" y="4419600"/>
-            <a:ext cx="1143000" cy="369900"/>
-          </a:xfrm>
-          <a:prstGeom prst="rect">
-            <a:avLst/>
-          </a:prstGeom>
-          <a:noFill/>
-          <a:ln cap="flat" cmpd="sng" w="9525">
-            <a:solidFill>
-              <a:schemeClr val="dk1"/>
-            </a:solidFill>
-            <a:prstDash val="solid"/>
-            <a:miter lim="800000"/>
-            <a:headEnd len="sm" w="sm" type="none"/>
-            <a:tailEnd len="sm" w="sm" type="none"/>
-          </a:ln>
-        </p:spPr>
-        <p:txBody>
-          <a:bodyPr anchorCtr="0" anchor="t" bIns="45700" lIns="91425" spcFirstLastPara="1" rIns="91425" wrap="square" tIns="45700">
-            <a:noAutofit/>
-          </a:bodyPr>
-          <a:lstStyle/>
-          <a:p>
-            <a:pPr indent="0" lvl="0" marL="0" marR="0" rtl="0" algn="l">
-              <a:lnSpc>
-                <a:spcPct val="100000"/>
-              </a:lnSpc>
-              <a:spcBef>
-                <a:spcPts val="0"/>
-              </a:spcBef>
-              <a:spcAft>
-                <a:spcPts val="0"/>
-              </a:spcAft>
-              <a:buClr>
-                <a:schemeClr val="dk1"/>
-              </a:buClr>
-              <a:buSzPts val="1800"/>
-              <a:buFont typeface="Arial"/>
-              <a:buNone/>
-            </a:pPr>
-            <a:r>
-              <a:rPr b="0" i="0" lang="en-US" sz="1800" u="none">
-                <a:solidFill>
-                  <a:schemeClr val="dk1"/>
-                </a:solidFill>
-                <a:latin typeface="Arial"/>
-                <a:ea typeface="Arial"/>
-                <a:cs typeface="Arial"/>
-                <a:sym typeface="Arial"/>
-              </a:rPr>
-              <a:t>Discrete </a:t>
-            </a:r>
-            <a:endParaRPr/>
-          </a:p>
-        </p:txBody>
-      </p:sp>
-      <p:cxnSp>
-        <p:nvCxnSpPr>
-          <p:cNvPr id="656" name="Google Shape;656;p66"/>
-          <p:cNvCxnSpPr/>
-          <p:nvPr/>
-        </p:nvCxnSpPr>
-        <p:spPr>
-          <a:xfrm rot="5400000">
-            <a:off x="1893899" y="3695688"/>
-            <a:ext cx="403200" cy="1371600"/>
-          </a:xfrm>
-          <a:prstGeom prst="straightConnector1">
-            <a:avLst/>
-          </a:prstGeom>
-          <a:noFill/>
-          <a:ln cap="flat" cmpd="sng" w="11425">
-            <a:solidFill>
-              <a:schemeClr val="accent1"/>
-            </a:solidFill>
-            <a:prstDash val="solid"/>
-            <a:miter lim="800000"/>
-            <a:headEnd len="med" w="med" type="none"/>
-            <a:tailEnd len="med" w="med" type="stealth"/>
-          </a:ln>
-          <a:effectLst>
-            <a:outerShdw blurRad="63500" dir="5400000" dist="25400">
-              <a:srgbClr val="808080">
-                <a:alpha val="34900"/>
-              </a:srgbClr>
-            </a:outerShdw>
-          </a:effectLst>
-        </p:spPr>
-      </p:cxnSp>
-      <p:cxnSp>
-        <p:nvCxnSpPr>
-          <p:cNvPr id="657" name="Google Shape;657;p66"/>
-          <p:cNvCxnSpPr/>
-          <p:nvPr/>
-        </p:nvCxnSpPr>
-        <p:spPr>
-          <a:xfrm flipH="1" rot="-5400000">
-            <a:off x="3575849" y="3385337"/>
-            <a:ext cx="239700" cy="1828800"/>
-          </a:xfrm>
-          <a:prstGeom prst="straightConnector1">
-            <a:avLst/>
-          </a:prstGeom>
-          <a:noFill/>
-          <a:ln cap="flat" cmpd="sng" w="11425">
-            <a:solidFill>
-              <a:schemeClr val="accent1"/>
-            </a:solidFill>
-            <a:prstDash val="solid"/>
-            <a:miter lim="800000"/>
-            <a:headEnd len="med" w="med" type="none"/>
-            <a:tailEnd len="med" w="med" type="stealth"/>
-          </a:ln>
-          <a:effectLst>
-            <a:outerShdw blurRad="63500" dir="5400000" dist="25400">
-              <a:srgbClr val="808080">
-                <a:alpha val="34900"/>
-              </a:srgbClr>
-            </a:outerShdw>
-          </a:effectLst>
-        </p:spPr>
-      </p:cxnSp>
-      <p:sp>
-        <p:nvSpPr>
-          <p:cNvPr id="658" name="Google Shape;658;p66"/>
-          <p:cNvSpPr txBox="1"/>
-          <p:nvPr/>
-        </p:nvSpPr>
-        <p:spPr>
-          <a:xfrm>
-            <a:off x="1371600" y="4049712"/>
-            <a:ext cx="838200" cy="369900"/>
-          </a:xfrm>
-          <a:prstGeom prst="rect">
-            <a:avLst/>
-          </a:prstGeom>
-          <a:noFill/>
-          <a:ln>
-            <a:noFill/>
-          </a:ln>
-        </p:spPr>
-        <p:txBody>
-          <a:bodyPr anchorCtr="0" anchor="t" bIns="45700" lIns="91425" spcFirstLastPara="1" rIns="91425" wrap="square" tIns="45700">
-            <a:noAutofit/>
-          </a:bodyPr>
-          <a:lstStyle/>
-          <a:p>
-            <a:pPr indent="0" lvl="0" marL="0" marR="0" rtl="0" algn="l">
-              <a:lnSpc>
-                <a:spcPct val="100000"/>
-              </a:lnSpc>
-              <a:spcBef>
-                <a:spcPts val="0"/>
-              </a:spcBef>
-              <a:spcAft>
-                <a:spcPts val="0"/>
-              </a:spcAft>
-              <a:buClr>
-                <a:schemeClr val="dk1"/>
-              </a:buClr>
-              <a:buSzPts val="1800"/>
-              <a:buFont typeface="Arial"/>
-              <a:buNone/>
-            </a:pPr>
-            <a:r>
-              <a:rPr b="0" i="0" lang="en-US" sz="1800" u="none">
-                <a:solidFill>
-                  <a:schemeClr val="dk1"/>
-                </a:solidFill>
-                <a:latin typeface="Arial"/>
-                <a:ea typeface="Arial"/>
-                <a:cs typeface="Arial"/>
-                <a:sym typeface="Arial"/>
-              </a:rPr>
-              <a:t>yes</a:t>
-            </a:r>
-            <a:endParaRPr/>
-          </a:p>
-        </p:txBody>
-      </p:sp>
-      <p:sp>
-        <p:nvSpPr>
-          <p:cNvPr id="659" name="Google Shape;659;p66"/>
-          <p:cNvSpPr txBox="1"/>
-          <p:nvPr/>
-        </p:nvSpPr>
-        <p:spPr>
-          <a:xfrm>
-            <a:off x="381000" y="5410200"/>
-            <a:ext cx="1295400" cy="924000"/>
-          </a:xfrm>
-          <a:prstGeom prst="rect">
-            <a:avLst/>
-          </a:prstGeom>
-          <a:noFill/>
-          <a:ln cap="flat" cmpd="sng" w="9525">
-            <a:solidFill>
-              <a:schemeClr val="dk1"/>
-            </a:solidFill>
-            <a:prstDash val="solid"/>
-            <a:miter lim="800000"/>
-            <a:headEnd len="sm" w="sm" type="none"/>
-            <a:tailEnd len="sm" w="sm" type="none"/>
-          </a:ln>
-        </p:spPr>
-        <p:txBody>
-          <a:bodyPr anchorCtr="0" anchor="t" bIns="45700" lIns="91425" spcFirstLastPara="1" rIns="91425" wrap="square" tIns="45700">
-            <a:noAutofit/>
-          </a:bodyPr>
-          <a:lstStyle/>
-          <a:p>
-            <a:pPr indent="0" lvl="0" marL="0" marR="0" rtl="0" algn="l">
-              <a:lnSpc>
-                <a:spcPct val="100000"/>
-              </a:lnSpc>
-              <a:spcBef>
-                <a:spcPts val="0"/>
-              </a:spcBef>
-              <a:spcAft>
-                <a:spcPts val="0"/>
-              </a:spcAft>
-              <a:buClr>
-                <a:schemeClr val="dk1"/>
-              </a:buClr>
-              <a:buSzPts val="1800"/>
-              <a:buFont typeface="Arial"/>
-              <a:buNone/>
-            </a:pPr>
-            <a:r>
-              <a:rPr b="1" i="0" lang="en-US" sz="1800" u="none">
-                <a:solidFill>
-                  <a:schemeClr val="dk1"/>
-                </a:solidFill>
-                <a:latin typeface="Arial"/>
-                <a:ea typeface="Arial"/>
-                <a:cs typeface="Arial"/>
-                <a:sym typeface="Arial"/>
-              </a:rPr>
-              <a:t>Planning, heuristic search</a:t>
-            </a:r>
-            <a:endParaRPr/>
-          </a:p>
-        </p:txBody>
-      </p:sp>
-      <p:cxnSp>
-        <p:nvCxnSpPr>
-          <p:cNvPr id="660" name="Google Shape;660;p66"/>
-          <p:cNvCxnSpPr/>
-          <p:nvPr/>
-        </p:nvCxnSpPr>
-        <p:spPr>
-          <a:xfrm flipH="1">
-            <a:off x="533400" y="4768850"/>
-            <a:ext cx="304800" cy="641400"/>
-          </a:xfrm>
-          <a:prstGeom prst="straightConnector1">
-            <a:avLst/>
-          </a:prstGeom>
-          <a:noFill/>
-          <a:ln cap="flat" cmpd="sng" w="11425">
-            <a:solidFill>
-              <a:schemeClr val="accent1"/>
-            </a:solidFill>
-            <a:prstDash val="solid"/>
-            <a:miter lim="800000"/>
-            <a:headEnd len="med" w="med" type="none"/>
-            <a:tailEnd len="med" w="med" type="stealth"/>
-          </a:ln>
-          <a:effectLst>
-            <a:outerShdw blurRad="63500" dir="5400000" dist="25400">
-              <a:srgbClr val="808080">
-                <a:alpha val="34900"/>
-              </a:srgbClr>
-            </a:outerShdw>
-          </a:effectLst>
-        </p:spPr>
-      </p:cxnSp>
-      <p:sp>
-        <p:nvSpPr>
-          <p:cNvPr id="661" name="Google Shape;661;p66"/>
-          <p:cNvSpPr txBox="1"/>
-          <p:nvPr/>
-        </p:nvSpPr>
-        <p:spPr>
-          <a:xfrm>
-            <a:off x="228600" y="4659312"/>
-            <a:ext cx="838200" cy="369900"/>
-          </a:xfrm>
-          <a:prstGeom prst="rect">
-            <a:avLst/>
-          </a:prstGeom>
-          <a:noFill/>
-          <a:ln>
-            <a:noFill/>
-          </a:ln>
-        </p:spPr>
-        <p:txBody>
-          <a:bodyPr anchorCtr="0" anchor="t" bIns="45700" lIns="91425" spcFirstLastPara="1" rIns="91425" wrap="square" tIns="45700">
-            <a:noAutofit/>
-          </a:bodyPr>
-          <a:lstStyle/>
-          <a:p>
-            <a:pPr indent="0" lvl="0" marL="0" marR="0" rtl="0" algn="l">
-              <a:lnSpc>
-                <a:spcPct val="100000"/>
-              </a:lnSpc>
-              <a:spcBef>
-                <a:spcPts val="0"/>
-              </a:spcBef>
-              <a:spcAft>
-                <a:spcPts val="0"/>
-              </a:spcAft>
-              <a:buClr>
-                <a:schemeClr val="dk1"/>
-              </a:buClr>
-              <a:buSzPts val="1800"/>
-              <a:buFont typeface="Arial"/>
-              <a:buNone/>
-            </a:pPr>
-            <a:r>
-              <a:rPr b="0" i="0" lang="en-US" sz="1800" u="none">
-                <a:solidFill>
-                  <a:schemeClr val="dk1"/>
-                </a:solidFill>
-                <a:latin typeface="Arial"/>
-                <a:ea typeface="Arial"/>
-                <a:cs typeface="Arial"/>
-                <a:sym typeface="Arial"/>
-              </a:rPr>
-              <a:t>yes</a:t>
-            </a:r>
-            <a:endParaRPr/>
-          </a:p>
-        </p:txBody>
-      </p:sp>
-      <p:sp>
-        <p:nvSpPr>
-          <p:cNvPr id="662" name="Google Shape;662;p66"/>
-          <p:cNvSpPr txBox="1"/>
-          <p:nvPr/>
-        </p:nvSpPr>
-        <p:spPr>
-          <a:xfrm>
-            <a:off x="1752600" y="5410200"/>
-            <a:ext cx="1524000" cy="646200"/>
-          </a:xfrm>
-          <a:prstGeom prst="rect">
-            <a:avLst/>
-          </a:prstGeom>
-          <a:noFill/>
-          <a:ln cap="flat" cmpd="sng" w="9525">
-            <a:solidFill>
-              <a:schemeClr val="dk1"/>
-            </a:solidFill>
-            <a:prstDash val="solid"/>
-            <a:miter lim="800000"/>
-            <a:headEnd len="sm" w="sm" type="none"/>
-            <a:tailEnd len="sm" w="sm" type="none"/>
-          </a:ln>
-        </p:spPr>
-        <p:txBody>
-          <a:bodyPr anchorCtr="0" anchor="t" bIns="45700" lIns="91425" spcFirstLastPara="1" rIns="91425" wrap="square" tIns="45700">
-            <a:noAutofit/>
-          </a:bodyPr>
-          <a:lstStyle/>
-          <a:p>
-            <a:pPr indent="0" lvl="0" marL="0" marR="0" rtl="0" algn="l">
-              <a:lnSpc>
-                <a:spcPct val="100000"/>
-              </a:lnSpc>
-              <a:spcBef>
-                <a:spcPts val="0"/>
-              </a:spcBef>
-              <a:spcAft>
-                <a:spcPts val="0"/>
-              </a:spcAft>
-              <a:buClr>
-                <a:schemeClr val="dk1"/>
-              </a:buClr>
-              <a:buSzPts val="1800"/>
-              <a:buFont typeface="Arial"/>
-              <a:buNone/>
-            </a:pPr>
-            <a:r>
-              <a:rPr b="0" i="0" lang="en-US" sz="1800" u="none">
-                <a:solidFill>
-                  <a:schemeClr val="dk1"/>
-                </a:solidFill>
-                <a:latin typeface="Arial"/>
-                <a:ea typeface="Arial"/>
-                <a:cs typeface="Arial"/>
-                <a:sym typeface="Arial"/>
-              </a:rPr>
-              <a:t>Control, cybernetics</a:t>
-            </a:r>
-            <a:endParaRPr/>
-          </a:p>
-        </p:txBody>
-      </p:sp>
-      <p:cxnSp>
-        <p:nvCxnSpPr>
-          <p:cNvPr id="663" name="Google Shape;663;p66"/>
-          <p:cNvCxnSpPr/>
-          <p:nvPr/>
-        </p:nvCxnSpPr>
-        <p:spPr>
-          <a:xfrm>
-            <a:off x="1981200" y="4768850"/>
-            <a:ext cx="533400" cy="641400"/>
-          </a:xfrm>
-          <a:prstGeom prst="straightConnector1">
-            <a:avLst/>
-          </a:prstGeom>
-          <a:noFill/>
-          <a:ln cap="flat" cmpd="sng" w="11425">
-            <a:solidFill>
-              <a:schemeClr val="accent1"/>
-            </a:solidFill>
-            <a:prstDash val="solid"/>
-            <a:miter lim="800000"/>
-            <a:headEnd len="med" w="med" type="none"/>
-            <a:tailEnd len="med" w="med" type="stealth"/>
-          </a:ln>
-          <a:effectLst>
-            <a:outerShdw blurRad="63500" dir="5400000" dist="25400">
-              <a:srgbClr val="808080">
-                <a:alpha val="34900"/>
-              </a:srgbClr>
-            </a:outerShdw>
-          </a:effectLst>
-        </p:spPr>
-      </p:cxnSp>
-      <p:sp>
-        <p:nvSpPr>
-          <p:cNvPr id="664" name="Google Shape;664;p66"/>
-          <p:cNvSpPr txBox="1"/>
-          <p:nvPr/>
-        </p:nvSpPr>
-        <p:spPr>
-          <a:xfrm>
-            <a:off x="2209800" y="4735512"/>
-            <a:ext cx="609600" cy="369900"/>
-          </a:xfrm>
-          <a:prstGeom prst="rect">
-            <a:avLst/>
-          </a:prstGeom>
-          <a:noFill/>
-          <a:ln>
-            <a:noFill/>
-          </a:ln>
-        </p:spPr>
-        <p:txBody>
-          <a:bodyPr anchorCtr="0" anchor="t" bIns="45700" lIns="91425" spcFirstLastPara="1" rIns="91425" wrap="square" tIns="45700">
-            <a:noAutofit/>
-          </a:bodyPr>
-          <a:lstStyle/>
-          <a:p>
-            <a:pPr indent="0" lvl="0" marL="0" marR="0" rtl="0" algn="l">
-              <a:lnSpc>
-                <a:spcPct val="100000"/>
-              </a:lnSpc>
-              <a:spcBef>
-                <a:spcPts val="0"/>
-              </a:spcBef>
-              <a:spcAft>
-                <a:spcPts val="0"/>
-              </a:spcAft>
-              <a:buClr>
-                <a:schemeClr val="dk1"/>
-              </a:buClr>
-              <a:buSzPts val="1800"/>
-              <a:buFont typeface="Arial"/>
-              <a:buNone/>
-            </a:pPr>
-            <a:r>
-              <a:rPr b="0" i="0" lang="en-US" sz="1800" u="none">
-                <a:solidFill>
-                  <a:schemeClr val="dk1"/>
-                </a:solidFill>
-                <a:latin typeface="Arial"/>
-                <a:ea typeface="Arial"/>
-                <a:cs typeface="Arial"/>
-                <a:sym typeface="Arial"/>
-              </a:rPr>
-              <a:t>no</a:t>
-            </a:r>
-            <a:endParaRPr/>
-          </a:p>
-        </p:txBody>
-      </p:sp>
-      <p:sp>
-        <p:nvSpPr>
-          <p:cNvPr id="665" name="Google Shape;665;p66"/>
-          <p:cNvSpPr txBox="1"/>
-          <p:nvPr/>
-        </p:nvSpPr>
-        <p:spPr>
-          <a:xfrm>
-            <a:off x="4038600" y="3962400"/>
-            <a:ext cx="609600" cy="369900"/>
-          </a:xfrm>
-          <a:prstGeom prst="rect">
-            <a:avLst/>
-          </a:prstGeom>
-          <a:noFill/>
-          <a:ln>
-            <a:noFill/>
-          </a:ln>
-        </p:spPr>
-        <p:txBody>
-          <a:bodyPr anchorCtr="0" anchor="t" bIns="45700" lIns="91425" spcFirstLastPara="1" rIns="91425" wrap="square" tIns="45700">
-            <a:noAutofit/>
-          </a:bodyPr>
-          <a:lstStyle/>
-          <a:p>
-            <a:pPr indent="0" lvl="0" marL="0" marR="0" rtl="0" algn="l">
-              <a:lnSpc>
-                <a:spcPct val="100000"/>
-              </a:lnSpc>
-              <a:spcBef>
-                <a:spcPts val="0"/>
-              </a:spcBef>
-              <a:spcAft>
-                <a:spcPts val="0"/>
-              </a:spcAft>
-              <a:buClr>
-                <a:schemeClr val="dk1"/>
-              </a:buClr>
-              <a:buSzPts val="1800"/>
-              <a:buFont typeface="Arial"/>
-              <a:buNone/>
-            </a:pPr>
-            <a:r>
-              <a:rPr b="0" i="0" lang="en-US" sz="1800" u="none">
-                <a:solidFill>
-                  <a:schemeClr val="dk1"/>
-                </a:solidFill>
-                <a:latin typeface="Arial"/>
-                <a:ea typeface="Arial"/>
-                <a:cs typeface="Arial"/>
-                <a:sym typeface="Arial"/>
-              </a:rPr>
-              <a:t>no</a:t>
-            </a:r>
-            <a:endParaRPr/>
-          </a:p>
-        </p:txBody>
-      </p:sp>
-      <p:sp>
-        <p:nvSpPr>
-          <p:cNvPr id="666" name="Google Shape;666;p66"/>
-          <p:cNvSpPr txBox="1"/>
-          <p:nvPr/>
-        </p:nvSpPr>
-        <p:spPr>
-          <a:xfrm>
-            <a:off x="5943600" y="5334000"/>
-            <a:ext cx="2895600" cy="646200"/>
-          </a:xfrm>
-          <a:prstGeom prst="rect">
-            <a:avLst/>
-          </a:prstGeom>
-          <a:noFill/>
-          <a:ln cap="flat" cmpd="sng" w="9525">
-            <a:solidFill>
-              <a:schemeClr val="dk1"/>
-            </a:solidFill>
-            <a:prstDash val="solid"/>
-            <a:miter lim="800000"/>
-            <a:headEnd len="sm" w="sm" type="none"/>
-            <a:tailEnd len="sm" w="sm" type="none"/>
-          </a:ln>
-        </p:spPr>
-        <p:txBody>
-          <a:bodyPr anchorCtr="0" anchor="t" bIns="45700" lIns="91425" spcFirstLastPara="1" rIns="91425" wrap="square" tIns="45700">
-            <a:noAutofit/>
-          </a:bodyPr>
-          <a:lstStyle/>
-          <a:p>
-            <a:pPr indent="0" lvl="0" marL="0" marR="0" rtl="0" algn="l">
-              <a:lnSpc>
-                <a:spcPct val="100000"/>
-              </a:lnSpc>
-              <a:spcBef>
-                <a:spcPts val="0"/>
-              </a:spcBef>
-              <a:spcAft>
-                <a:spcPts val="0"/>
-              </a:spcAft>
-              <a:buClr>
-                <a:schemeClr val="dk1"/>
-              </a:buClr>
-              <a:buSzPts val="1800"/>
-              <a:buFont typeface="Arial"/>
-              <a:buNone/>
-            </a:pPr>
-            <a:r>
-              <a:rPr b="0" i="0" lang="en-US" sz="1800" u="none">
-                <a:solidFill>
-                  <a:schemeClr val="dk1"/>
-                </a:solidFill>
-                <a:latin typeface="Arial"/>
-                <a:ea typeface="Arial"/>
-                <a:cs typeface="Arial"/>
-                <a:sym typeface="Arial"/>
-              </a:rPr>
-              <a:t>Continuous Function Optimization</a:t>
-            </a:r>
-            <a:endParaRPr/>
-          </a:p>
-        </p:txBody>
-      </p:sp>
-      <p:sp>
-        <p:nvSpPr>
-          <p:cNvPr id="667" name="Google Shape;667;p66"/>
-          <p:cNvSpPr txBox="1"/>
-          <p:nvPr/>
-        </p:nvSpPr>
-        <p:spPr>
-          <a:xfrm>
-            <a:off x="3810000" y="5410200"/>
-            <a:ext cx="1905000" cy="924000"/>
-          </a:xfrm>
-          <a:prstGeom prst="rect">
-            <a:avLst/>
-          </a:prstGeom>
-          <a:noFill/>
-          <a:ln cap="flat" cmpd="sng" w="9525">
-            <a:solidFill>
-              <a:schemeClr val="dk1"/>
-            </a:solidFill>
-            <a:prstDash val="solid"/>
-            <a:miter lim="800000"/>
-            <a:headEnd len="sm" w="sm" type="none"/>
-            <a:tailEnd len="sm" w="sm" type="none"/>
-          </a:ln>
-        </p:spPr>
-        <p:txBody>
-          <a:bodyPr anchorCtr="0" anchor="t" bIns="45700" lIns="91425" spcFirstLastPara="1" rIns="91425" wrap="square" tIns="45700">
-            <a:noAutofit/>
-          </a:bodyPr>
-          <a:lstStyle/>
-          <a:p>
-            <a:pPr indent="0" lvl="0" marL="0" marR="0" rtl="0" algn="l">
-              <a:lnSpc>
-                <a:spcPct val="100000"/>
-              </a:lnSpc>
-              <a:spcBef>
-                <a:spcPts val="0"/>
-              </a:spcBef>
-              <a:spcAft>
-                <a:spcPts val="0"/>
-              </a:spcAft>
-              <a:buClr>
-                <a:schemeClr val="dk1"/>
-              </a:buClr>
-              <a:buSzPts val="1800"/>
-              <a:buFont typeface="Arial"/>
-              <a:buNone/>
-            </a:pPr>
-            <a:r>
-              <a:rPr b="0" i="0" lang="en-US" sz="1800" u="none">
-                <a:solidFill>
-                  <a:schemeClr val="dk1"/>
-                </a:solidFill>
-                <a:latin typeface="Arial"/>
-                <a:ea typeface="Arial"/>
-                <a:cs typeface="Arial"/>
-                <a:sym typeface="Arial"/>
-              </a:rPr>
-              <a:t>Vector Search: Constraint Satisfaction</a:t>
-            </a:r>
-            <a:endParaRPr/>
-          </a:p>
-        </p:txBody>
-      </p:sp>
-      <p:cxnSp>
-        <p:nvCxnSpPr>
-          <p:cNvPr id="668" name="Google Shape;668;p66"/>
-          <p:cNvCxnSpPr/>
-          <p:nvPr/>
-        </p:nvCxnSpPr>
-        <p:spPr>
-          <a:xfrm rot="5400000">
-            <a:off x="4280699" y="5080787"/>
-            <a:ext cx="620700" cy="38100"/>
-          </a:xfrm>
-          <a:prstGeom prst="straightConnector1">
-            <a:avLst/>
-          </a:prstGeom>
-          <a:noFill/>
-          <a:ln cap="flat" cmpd="sng" w="11425">
-            <a:solidFill>
-              <a:schemeClr val="accent1"/>
-            </a:solidFill>
-            <a:prstDash val="solid"/>
-            <a:miter lim="800000"/>
-            <a:headEnd len="med" w="med" type="none"/>
-            <a:tailEnd len="med" w="med" type="stealth"/>
-          </a:ln>
-          <a:effectLst>
-            <a:outerShdw blurRad="63500" dir="5400000" dist="25400">
-              <a:srgbClr val="808080">
-                <a:alpha val="34900"/>
-              </a:srgbClr>
-            </a:outerShdw>
-          </a:effectLst>
-        </p:spPr>
-      </p:cxnSp>
-      <p:cxnSp>
-        <p:nvCxnSpPr>
-          <p:cNvPr id="669" name="Google Shape;669;p66"/>
-          <p:cNvCxnSpPr/>
-          <p:nvPr/>
-        </p:nvCxnSpPr>
-        <p:spPr>
-          <a:xfrm>
-            <a:off x="5181600" y="4603750"/>
-            <a:ext cx="2209800" cy="730200"/>
-          </a:xfrm>
-          <a:prstGeom prst="straightConnector1">
-            <a:avLst/>
-          </a:prstGeom>
-          <a:noFill/>
-          <a:ln cap="flat" cmpd="sng" w="11425">
-            <a:solidFill>
-              <a:schemeClr val="accent1"/>
-            </a:solidFill>
-            <a:prstDash val="solid"/>
-            <a:miter lim="800000"/>
-            <a:headEnd len="med" w="med" type="none"/>
-            <a:tailEnd len="med" w="med" type="stealth"/>
-          </a:ln>
-          <a:effectLst>
-            <a:outerShdw blurRad="63500" dir="5400000" dist="25400">
-              <a:srgbClr val="808080">
-                <a:alpha val="34900"/>
-              </a:srgbClr>
-            </a:outerShdw>
-          </a:effectLst>
-        </p:spPr>
-      </p:cxnSp>
-      <p:sp>
-        <p:nvSpPr>
-          <p:cNvPr id="670" name="Google Shape;670;p66"/>
-          <p:cNvSpPr txBox="1"/>
-          <p:nvPr/>
-        </p:nvSpPr>
-        <p:spPr>
-          <a:xfrm>
-            <a:off x="5791200" y="4419600"/>
-            <a:ext cx="609600" cy="369900"/>
-          </a:xfrm>
-          <a:prstGeom prst="rect">
-            <a:avLst/>
-          </a:prstGeom>
-          <a:noFill/>
-          <a:ln>
-            <a:noFill/>
-          </a:ln>
-        </p:spPr>
-        <p:txBody>
-          <a:bodyPr anchorCtr="0" anchor="t" bIns="45700" lIns="91425" spcFirstLastPara="1" rIns="91425" wrap="square" tIns="45700">
-            <a:noAutofit/>
-          </a:bodyPr>
-          <a:lstStyle/>
-          <a:p>
-            <a:pPr indent="0" lvl="0" marL="0" marR="0" rtl="0" algn="l">
-              <a:lnSpc>
-                <a:spcPct val="100000"/>
-              </a:lnSpc>
-              <a:spcBef>
-                <a:spcPts val="0"/>
-              </a:spcBef>
-              <a:spcAft>
-                <a:spcPts val="0"/>
-              </a:spcAft>
-              <a:buClr>
-                <a:schemeClr val="dk1"/>
-              </a:buClr>
-              <a:buSzPts val="1800"/>
-              <a:buFont typeface="Arial"/>
-              <a:buNone/>
-            </a:pPr>
-            <a:r>
-              <a:rPr b="0" i="0" lang="en-US" sz="1800" u="none">
-                <a:solidFill>
-                  <a:schemeClr val="dk1"/>
-                </a:solidFill>
-                <a:latin typeface="Arial"/>
-                <a:ea typeface="Arial"/>
-                <a:cs typeface="Arial"/>
-                <a:sym typeface="Arial"/>
-              </a:rPr>
-              <a:t>no</a:t>
-            </a:r>
-            <a:endParaRPr/>
-          </a:p>
-        </p:txBody>
-      </p:sp>
-      <p:sp>
-        <p:nvSpPr>
-          <p:cNvPr id="671" name="Google Shape;671;p66"/>
-          <p:cNvSpPr txBox="1"/>
-          <p:nvPr/>
-        </p:nvSpPr>
-        <p:spPr>
-          <a:xfrm>
-            <a:off x="3962400" y="5040312"/>
-            <a:ext cx="838200" cy="369900"/>
-          </a:xfrm>
-          <a:prstGeom prst="rect">
-            <a:avLst/>
-          </a:prstGeom>
-          <a:noFill/>
-          <a:ln>
-            <a:noFill/>
-          </a:ln>
-        </p:spPr>
-        <p:txBody>
-          <a:bodyPr anchorCtr="0" anchor="t" bIns="45700" lIns="91425" spcFirstLastPara="1" rIns="91425" wrap="square" tIns="45700">
-            <a:noAutofit/>
-          </a:bodyPr>
-          <a:lstStyle/>
-          <a:p>
-            <a:pPr indent="0" lvl="0" marL="0" marR="0" rtl="0" algn="l">
-              <a:lnSpc>
-                <a:spcPct val="100000"/>
-              </a:lnSpc>
-              <a:spcBef>
-                <a:spcPts val="0"/>
-              </a:spcBef>
-              <a:spcAft>
-                <a:spcPts val="0"/>
-              </a:spcAft>
-              <a:buClr>
-                <a:schemeClr val="dk1"/>
-              </a:buClr>
-              <a:buSzPts val="1800"/>
-              <a:buFont typeface="Arial"/>
-              <a:buNone/>
-            </a:pPr>
-            <a:r>
-              <a:rPr b="0" i="0" lang="en-US" sz="1800" u="none">
-                <a:solidFill>
-                  <a:schemeClr val="dk1"/>
-                </a:solidFill>
-                <a:latin typeface="Arial"/>
-                <a:ea typeface="Arial"/>
-                <a:cs typeface="Arial"/>
-                <a:sym typeface="Arial"/>
-              </a:rPr>
-              <a:t>yes</a:t>
-            </a:r>
-            <a:endParaRPr/>
-          </a:p>
-        </p:txBody>
-      </p:sp>
-      <p:sp>
-        <p:nvSpPr>
-          <p:cNvPr id="672" name="Google Shape;672;p66"/>
           <p:cNvSpPr txBox="1"/>
           <p:nvPr>
             <p:ph idx="12" type="sldNum"/>
@@ -45948,7 +44923,7 @@
     </p:bg>
     <p:spTree>
       <p:nvGrpSpPr>
-        <p:cNvPr id="676" name="Shape 676"/>
+        <p:cNvPr id="650" name="Shape 650"/>
         <p:cNvGrpSpPr/>
         <p:nvPr/>
       </p:nvGrpSpPr>
@@ -45962,7 +44937,7 @@
       </p:grpSpPr>
       <p:sp>
         <p:nvSpPr>
-          <p:cNvPr id="677" name="Google Shape;677;p67"/>
+          <p:cNvPr id="651" name="Google Shape;651;p67"/>
           <p:cNvSpPr txBox="1"/>
           <p:nvPr>
             <p:ph type="title"/>
@@ -46014,7 +44989,7 @@
                 <a:cs typeface="Georgia"/>
                 <a:sym typeface="Georgia"/>
               </a:rPr>
-              <a:t>Review: Tree search</a:t>
+              <a:t>Environment Type Discussed In this Lecture</a:t>
             </a:r>
             <a:endParaRPr/>
           </a:p>
@@ -46022,7 +44997,7 @@
       </p:sp>
       <p:sp>
         <p:nvSpPr>
-          <p:cNvPr id="678" name="Google Shape;678;p67"/>
+          <p:cNvPr id="652" name="Google Shape;652;p67"/>
           <p:cNvSpPr txBox="1"/>
           <p:nvPr>
             <p:ph idx="1" type="body"/>
@@ -46030,8 +45005,8 @@
         </p:nvSpPr>
         <p:spPr>
           <a:xfrm>
-            <a:off x="381000" y="4572000"/>
-            <a:ext cx="8229600" cy="1859100"/>
+            <a:off x="5102225" y="1828800"/>
+            <a:ext cx="3737100" cy="1143000"/>
           </a:xfrm>
           <a:prstGeom prst="rect">
             <a:avLst/>
@@ -46074,73 +45049,22 @@
                 <a:cs typeface="Georgia"/>
                 <a:sym typeface="Georgia"/>
               </a:rPr>
-              <a:t>A search strategy is defined by picking the </a:t>
-            </a:r>
-            <a:r>
-              <a:rPr b="0" i="0" lang="en-US" sz="2700" u="none" cap="none" strike="noStrike">
-                <a:solidFill>
-                  <a:srgbClr val="FF0000"/>
-                </a:solidFill>
-                <a:latin typeface="Georgia"/>
-                <a:ea typeface="Georgia"/>
-                <a:cs typeface="Georgia"/>
-                <a:sym typeface="Georgia"/>
-              </a:rPr>
-              <a:t>order of node expansion</a:t>
+              <a:t>Static Environment</a:t>
             </a:r>
             <a:endParaRPr/>
           </a:p>
-          <a:p>
-            <a:pPr indent="-273050" lvl="0" marL="273050" marR="0" rtl="0" algn="l">
-              <a:lnSpc>
-                <a:spcPct val="100000"/>
-              </a:lnSpc>
-              <a:spcBef>
-                <a:spcPts val="540"/>
-              </a:spcBef>
-              <a:spcAft>
-                <a:spcPts val="0"/>
-              </a:spcAft>
-              <a:buClr>
-                <a:schemeClr val="accent1"/>
-              </a:buClr>
-              <a:buSzPts val="2295"/>
-              <a:buFont typeface="Noto Sans Symbols"/>
-              <a:buChar char="⚫"/>
-            </a:pPr>
-            <a:r>
-              <a:rPr b="0" i="0" lang="en-US" sz="2700" u="none" cap="none" strike="noStrike">
-                <a:solidFill>
-                  <a:schemeClr val="dk1"/>
-                </a:solidFill>
-                <a:latin typeface="Georgia"/>
-                <a:ea typeface="Georgia"/>
-                <a:cs typeface="Georgia"/>
-                <a:sym typeface="Georgia"/>
-              </a:rPr>
-              <a:t>Which nodes to check first?</a:t>
-            </a:r>
-            <a:endParaRPr/>
-          </a:p>
         </p:txBody>
       </p:sp>
-      <p:pic>
-        <p:nvPicPr>
-          <p:cNvPr id="679" name="Google Shape;679;p67"/>
-          <p:cNvPicPr preferRelativeResize="0"/>
+      <p:sp>
+        <p:nvSpPr>
+          <p:cNvPr id="653" name="Google Shape;653;p67"/>
+          <p:cNvSpPr txBox="1"/>
           <p:nvPr/>
-        </p:nvPicPr>
-        <p:blipFill rotWithShape="1">
-          <a:blip r:embed="rId3">
-            <a:alphaModFix/>
-          </a:blip>
-          <a:srcRect b="0" l="0" r="0" t="0"/>
-          <a:stretch/>
-        </p:blipFill>
-        <p:spPr>
-          <a:xfrm>
-            <a:off x="228600" y="1676400"/>
-            <a:ext cx="8729662" cy="2695575"/>
+        </p:nvSpPr>
+        <p:spPr>
+          <a:xfrm>
+            <a:off x="5791200" y="6405562"/>
+            <a:ext cx="3044700" cy="365100"/>
           </a:xfrm>
           <a:prstGeom prst="rect">
             <a:avLst/>
@@ -46150,7 +45074,1401 @@
             <a:noFill/>
           </a:ln>
         </p:spPr>
-      </p:pic>
+        <p:txBody>
+          <a:bodyPr anchorCtr="0" anchor="t" bIns="45700" lIns="91425" spcFirstLastPara="1" rIns="91425" wrap="square" tIns="45700">
+            <a:noAutofit/>
+          </a:bodyPr>
+          <a:lstStyle/>
+          <a:p>
+            <a:pPr indent="0" lvl="0" marL="0" marR="0" rtl="0" algn="l">
+              <a:lnSpc>
+                <a:spcPct val="100000"/>
+              </a:lnSpc>
+              <a:spcBef>
+                <a:spcPts val="0"/>
+              </a:spcBef>
+              <a:spcAft>
+                <a:spcPts val="0"/>
+              </a:spcAft>
+              <a:buNone/>
+            </a:pPr>
+            <a:r>
+              <a:t/>
+            </a:r>
+            <a:endParaRPr b="0" i="0" sz="2400" u="none">
+              <a:solidFill>
+                <a:schemeClr val="dk1"/>
+              </a:solidFill>
+              <a:latin typeface="Arial"/>
+              <a:ea typeface="Arial"/>
+              <a:cs typeface="Arial"/>
+              <a:sym typeface="Arial"/>
+            </a:endParaRPr>
+          </a:p>
+        </p:txBody>
+      </p:sp>
+      <p:sp>
+        <p:nvSpPr>
+          <p:cNvPr id="654" name="Google Shape;654;p67"/>
+          <p:cNvSpPr txBox="1"/>
+          <p:nvPr/>
+        </p:nvSpPr>
+        <p:spPr>
+          <a:xfrm>
+            <a:off x="4362450" y="1027112"/>
+            <a:ext cx="457200" cy="441300"/>
+          </a:xfrm>
+          <a:prstGeom prst="rect">
+            <a:avLst/>
+          </a:prstGeom>
+          <a:noFill/>
+          <a:ln>
+            <a:noFill/>
+          </a:ln>
+        </p:spPr>
+        <p:txBody>
+          <a:bodyPr anchorCtr="0" anchor="ctr" bIns="45700" lIns="45700" spcFirstLastPara="1" rIns="45700" wrap="square" tIns="45700">
+            <a:noAutofit/>
+          </a:bodyPr>
+          <a:lstStyle/>
+          <a:p>
+            <a:pPr indent="0" lvl="0" marL="0" marR="0" rtl="0" algn="ctr">
+              <a:lnSpc>
+                <a:spcPct val="100000"/>
+              </a:lnSpc>
+              <a:spcBef>
+                <a:spcPts val="0"/>
+              </a:spcBef>
+              <a:spcAft>
+                <a:spcPts val="0"/>
+              </a:spcAft>
+              <a:buClr>
+                <a:srgbClr val="7B9899"/>
+              </a:buClr>
+              <a:buSzPts val="1600"/>
+              <a:buFont typeface="Arial"/>
+              <a:buNone/>
+            </a:pPr>
+            <a:fld id="{00000000-1234-1234-1234-123412341234}" type="slidenum">
+              <a:rPr b="0" i="0" lang="en-US" sz="1600" u="none">
+                <a:solidFill>
+                  <a:srgbClr val="7B9899"/>
+                </a:solidFill>
+                <a:latin typeface="Arial"/>
+                <a:ea typeface="Arial"/>
+                <a:cs typeface="Arial"/>
+                <a:sym typeface="Arial"/>
+              </a:rPr>
+              <a:t>‹#›</a:t>
+            </a:fld>
+            <a:endParaRPr/>
+          </a:p>
+        </p:txBody>
+      </p:sp>
+      <p:sp>
+        <p:nvSpPr>
+          <p:cNvPr id="655" name="Google Shape;655;p67"/>
+          <p:cNvSpPr txBox="1"/>
+          <p:nvPr/>
+        </p:nvSpPr>
+        <p:spPr>
+          <a:xfrm>
+            <a:off x="2057400" y="1524000"/>
+            <a:ext cx="1447800" cy="646200"/>
+          </a:xfrm>
+          <a:prstGeom prst="rect">
+            <a:avLst/>
+          </a:prstGeom>
+          <a:noFill/>
+          <a:ln cap="flat" cmpd="sng" w="9525">
+            <a:solidFill>
+              <a:schemeClr val="dk1"/>
+            </a:solidFill>
+            <a:prstDash val="solid"/>
+            <a:miter lim="800000"/>
+            <a:headEnd len="sm" w="sm" type="none"/>
+            <a:tailEnd len="sm" w="sm" type="none"/>
+          </a:ln>
+        </p:spPr>
+        <p:txBody>
+          <a:bodyPr anchorCtr="0" anchor="t" bIns="45700" lIns="91425" spcFirstLastPara="1" rIns="91425" wrap="square" tIns="45700">
+            <a:noAutofit/>
+          </a:bodyPr>
+          <a:lstStyle/>
+          <a:p>
+            <a:pPr indent="0" lvl="0" marL="0" marR="0" rtl="0" algn="l">
+              <a:lnSpc>
+                <a:spcPct val="100000"/>
+              </a:lnSpc>
+              <a:spcBef>
+                <a:spcPts val="0"/>
+              </a:spcBef>
+              <a:spcAft>
+                <a:spcPts val="0"/>
+              </a:spcAft>
+              <a:buClr>
+                <a:schemeClr val="dk1"/>
+              </a:buClr>
+              <a:buSzPts val="1800"/>
+              <a:buFont typeface="Arial"/>
+              <a:buNone/>
+            </a:pPr>
+            <a:r>
+              <a:rPr b="0" i="0" lang="en-US" sz="1800" u="none">
+                <a:solidFill>
+                  <a:schemeClr val="dk1"/>
+                </a:solidFill>
+                <a:latin typeface="Arial"/>
+                <a:ea typeface="Arial"/>
+                <a:cs typeface="Arial"/>
+                <a:sym typeface="Arial"/>
+              </a:rPr>
+              <a:t>Fully Observable</a:t>
+            </a:r>
+            <a:endParaRPr/>
+          </a:p>
+        </p:txBody>
+      </p:sp>
+      <p:sp>
+        <p:nvSpPr>
+          <p:cNvPr id="656" name="Google Shape;656;p67"/>
+          <p:cNvSpPr txBox="1"/>
+          <p:nvPr/>
+        </p:nvSpPr>
+        <p:spPr>
+          <a:xfrm>
+            <a:off x="1981200" y="2819400"/>
+            <a:ext cx="1600200" cy="369900"/>
+          </a:xfrm>
+          <a:prstGeom prst="rect">
+            <a:avLst/>
+          </a:prstGeom>
+          <a:noFill/>
+          <a:ln cap="flat" cmpd="sng" w="9525">
+            <a:solidFill>
+              <a:schemeClr val="dk1"/>
+            </a:solidFill>
+            <a:prstDash val="solid"/>
+            <a:miter lim="800000"/>
+            <a:headEnd len="sm" w="sm" type="none"/>
+            <a:tailEnd len="sm" w="sm" type="none"/>
+          </a:ln>
+        </p:spPr>
+        <p:txBody>
+          <a:bodyPr anchorCtr="0" anchor="t" bIns="45700" lIns="91425" spcFirstLastPara="1" rIns="91425" wrap="square" tIns="45700">
+            <a:noAutofit/>
+          </a:bodyPr>
+          <a:lstStyle/>
+          <a:p>
+            <a:pPr indent="0" lvl="0" marL="0" marR="0" rtl="0" algn="l">
+              <a:lnSpc>
+                <a:spcPct val="100000"/>
+              </a:lnSpc>
+              <a:spcBef>
+                <a:spcPts val="0"/>
+              </a:spcBef>
+              <a:spcAft>
+                <a:spcPts val="0"/>
+              </a:spcAft>
+              <a:buClr>
+                <a:schemeClr val="dk1"/>
+              </a:buClr>
+              <a:buSzPts val="1800"/>
+              <a:buFont typeface="Arial"/>
+              <a:buNone/>
+            </a:pPr>
+            <a:r>
+              <a:rPr b="0" i="0" lang="en-US" sz="1800" u="none">
+                <a:solidFill>
+                  <a:schemeClr val="dk1"/>
+                </a:solidFill>
+                <a:latin typeface="Arial"/>
+                <a:ea typeface="Arial"/>
+                <a:cs typeface="Arial"/>
+                <a:sym typeface="Arial"/>
+              </a:rPr>
+              <a:t>Deterministic</a:t>
+            </a:r>
+            <a:endParaRPr/>
+          </a:p>
+        </p:txBody>
+      </p:sp>
+      <p:sp>
+        <p:nvSpPr>
+          <p:cNvPr id="657" name="Google Shape;657;p67"/>
+          <p:cNvSpPr txBox="1"/>
+          <p:nvPr/>
+        </p:nvSpPr>
+        <p:spPr>
+          <a:xfrm>
+            <a:off x="1981200" y="3810000"/>
+            <a:ext cx="1600200" cy="369900"/>
+          </a:xfrm>
+          <a:prstGeom prst="rect">
+            <a:avLst/>
+          </a:prstGeom>
+          <a:noFill/>
+          <a:ln cap="flat" cmpd="sng" w="9525">
+            <a:solidFill>
+              <a:schemeClr val="dk1"/>
+            </a:solidFill>
+            <a:prstDash val="solid"/>
+            <a:miter lim="800000"/>
+            <a:headEnd len="sm" w="sm" type="none"/>
+            <a:tailEnd len="sm" w="sm" type="none"/>
+          </a:ln>
+        </p:spPr>
+        <p:txBody>
+          <a:bodyPr anchorCtr="0" anchor="t" bIns="45700" lIns="91425" spcFirstLastPara="1" rIns="91425" wrap="square" tIns="45700">
+            <a:noAutofit/>
+          </a:bodyPr>
+          <a:lstStyle/>
+          <a:p>
+            <a:pPr indent="0" lvl="0" marL="0" marR="0" rtl="0" algn="l">
+              <a:lnSpc>
+                <a:spcPct val="100000"/>
+              </a:lnSpc>
+              <a:spcBef>
+                <a:spcPts val="0"/>
+              </a:spcBef>
+              <a:spcAft>
+                <a:spcPts val="0"/>
+              </a:spcAft>
+              <a:buClr>
+                <a:schemeClr val="dk1"/>
+              </a:buClr>
+              <a:buSzPts val="1800"/>
+              <a:buFont typeface="Arial"/>
+              <a:buNone/>
+            </a:pPr>
+            <a:r>
+              <a:rPr b="0" i="0" lang="en-US" sz="1800" u="none">
+                <a:solidFill>
+                  <a:schemeClr val="dk1"/>
+                </a:solidFill>
+                <a:latin typeface="Arial"/>
+                <a:ea typeface="Arial"/>
+                <a:cs typeface="Arial"/>
+                <a:sym typeface="Arial"/>
+              </a:rPr>
+              <a:t>Sequential</a:t>
+            </a:r>
+            <a:endParaRPr/>
+          </a:p>
+        </p:txBody>
+      </p:sp>
+      <p:cxnSp>
+        <p:nvCxnSpPr>
+          <p:cNvPr id="658" name="Google Shape;658;p67"/>
+          <p:cNvCxnSpPr/>
+          <p:nvPr/>
+        </p:nvCxnSpPr>
+        <p:spPr>
+          <a:xfrm rot="5400000">
+            <a:off x="2457537" y="2493962"/>
+            <a:ext cx="649200" cy="1500"/>
+          </a:xfrm>
+          <a:prstGeom prst="straightConnector1">
+            <a:avLst/>
+          </a:prstGeom>
+          <a:noFill/>
+          <a:ln cap="flat" cmpd="sng" w="11425">
+            <a:solidFill>
+              <a:schemeClr val="accent1"/>
+            </a:solidFill>
+            <a:prstDash val="solid"/>
+            <a:miter lim="800000"/>
+            <a:headEnd len="med" w="med" type="none"/>
+            <a:tailEnd len="med" w="med" type="stealth"/>
+          </a:ln>
+          <a:effectLst>
+            <a:outerShdw blurRad="63500" dir="5400000" dist="25400">
+              <a:srgbClr val="808080">
+                <a:alpha val="34900"/>
+              </a:srgbClr>
+            </a:outerShdw>
+          </a:effectLst>
+        </p:spPr>
+      </p:cxnSp>
+      <p:cxnSp>
+        <p:nvCxnSpPr>
+          <p:cNvPr id="659" name="Google Shape;659;p67"/>
+          <p:cNvCxnSpPr/>
+          <p:nvPr/>
+        </p:nvCxnSpPr>
+        <p:spPr>
+          <a:xfrm rot="5400000">
+            <a:off x="2470887" y="3499574"/>
+            <a:ext cx="620700" cy="3300"/>
+          </a:xfrm>
+          <a:prstGeom prst="straightConnector1">
+            <a:avLst/>
+          </a:prstGeom>
+          <a:noFill/>
+          <a:ln cap="flat" cmpd="sng" w="11425">
+            <a:solidFill>
+              <a:schemeClr val="accent1"/>
+            </a:solidFill>
+            <a:prstDash val="solid"/>
+            <a:miter lim="800000"/>
+            <a:headEnd len="med" w="med" type="none"/>
+            <a:tailEnd len="med" w="med" type="stealth"/>
+          </a:ln>
+          <a:effectLst>
+            <a:outerShdw blurRad="63500" dir="5400000" dist="25400">
+              <a:srgbClr val="808080">
+                <a:alpha val="34900"/>
+              </a:srgbClr>
+            </a:outerShdw>
+          </a:effectLst>
+        </p:spPr>
+      </p:cxnSp>
+      <p:sp>
+        <p:nvSpPr>
+          <p:cNvPr id="660" name="Google Shape;660;p67"/>
+          <p:cNvSpPr txBox="1"/>
+          <p:nvPr/>
+        </p:nvSpPr>
+        <p:spPr>
+          <a:xfrm>
+            <a:off x="2286000" y="2297112"/>
+            <a:ext cx="838200" cy="369900"/>
+          </a:xfrm>
+          <a:prstGeom prst="rect">
+            <a:avLst/>
+          </a:prstGeom>
+          <a:noFill/>
+          <a:ln>
+            <a:noFill/>
+          </a:ln>
+        </p:spPr>
+        <p:txBody>
+          <a:bodyPr anchorCtr="0" anchor="t" bIns="45700" lIns="91425" spcFirstLastPara="1" rIns="91425" wrap="square" tIns="45700">
+            <a:noAutofit/>
+          </a:bodyPr>
+          <a:lstStyle/>
+          <a:p>
+            <a:pPr indent="0" lvl="0" marL="0" marR="0" rtl="0" algn="l">
+              <a:lnSpc>
+                <a:spcPct val="100000"/>
+              </a:lnSpc>
+              <a:spcBef>
+                <a:spcPts val="0"/>
+              </a:spcBef>
+              <a:spcAft>
+                <a:spcPts val="0"/>
+              </a:spcAft>
+              <a:buClr>
+                <a:schemeClr val="dk1"/>
+              </a:buClr>
+              <a:buSzPts val="1800"/>
+              <a:buFont typeface="Arial"/>
+              <a:buNone/>
+            </a:pPr>
+            <a:r>
+              <a:rPr b="0" i="0" lang="en-US" sz="1800" u="none">
+                <a:solidFill>
+                  <a:schemeClr val="dk1"/>
+                </a:solidFill>
+                <a:latin typeface="Arial"/>
+                <a:ea typeface="Arial"/>
+                <a:cs typeface="Arial"/>
+                <a:sym typeface="Arial"/>
+              </a:rPr>
+              <a:t>yes</a:t>
+            </a:r>
+            <a:endParaRPr/>
+          </a:p>
+        </p:txBody>
+      </p:sp>
+      <p:sp>
+        <p:nvSpPr>
+          <p:cNvPr id="661" name="Google Shape;661;p67"/>
+          <p:cNvSpPr txBox="1"/>
+          <p:nvPr/>
+        </p:nvSpPr>
+        <p:spPr>
+          <a:xfrm>
+            <a:off x="2133600" y="3287712"/>
+            <a:ext cx="838200" cy="369900"/>
+          </a:xfrm>
+          <a:prstGeom prst="rect">
+            <a:avLst/>
+          </a:prstGeom>
+          <a:noFill/>
+          <a:ln>
+            <a:noFill/>
+          </a:ln>
+        </p:spPr>
+        <p:txBody>
+          <a:bodyPr anchorCtr="0" anchor="t" bIns="45700" lIns="91425" spcFirstLastPara="1" rIns="91425" wrap="square" tIns="45700">
+            <a:noAutofit/>
+          </a:bodyPr>
+          <a:lstStyle/>
+          <a:p>
+            <a:pPr indent="0" lvl="0" marL="0" marR="0" rtl="0" algn="l">
+              <a:lnSpc>
+                <a:spcPct val="100000"/>
+              </a:lnSpc>
+              <a:spcBef>
+                <a:spcPts val="0"/>
+              </a:spcBef>
+              <a:spcAft>
+                <a:spcPts val="0"/>
+              </a:spcAft>
+              <a:buClr>
+                <a:schemeClr val="dk1"/>
+              </a:buClr>
+              <a:buSzPts val="1800"/>
+              <a:buFont typeface="Arial"/>
+              <a:buNone/>
+            </a:pPr>
+            <a:r>
+              <a:rPr b="0" i="0" lang="en-US" sz="1800" u="none">
+                <a:solidFill>
+                  <a:schemeClr val="dk1"/>
+                </a:solidFill>
+                <a:latin typeface="Arial"/>
+                <a:ea typeface="Arial"/>
+                <a:cs typeface="Arial"/>
+                <a:sym typeface="Arial"/>
+              </a:rPr>
+              <a:t>yes</a:t>
+            </a:r>
+            <a:endParaRPr/>
+          </a:p>
+        </p:txBody>
+      </p:sp>
+      <p:sp>
+        <p:nvSpPr>
+          <p:cNvPr id="662" name="Google Shape;662;p67"/>
+          <p:cNvSpPr txBox="1"/>
+          <p:nvPr/>
+        </p:nvSpPr>
+        <p:spPr>
+          <a:xfrm>
+            <a:off x="838200" y="4583112"/>
+            <a:ext cx="1143000" cy="369900"/>
+          </a:xfrm>
+          <a:prstGeom prst="rect">
+            <a:avLst/>
+          </a:prstGeom>
+          <a:noFill/>
+          <a:ln cap="flat" cmpd="sng" w="9525">
+            <a:solidFill>
+              <a:schemeClr val="dk1"/>
+            </a:solidFill>
+            <a:prstDash val="solid"/>
+            <a:miter lim="800000"/>
+            <a:headEnd len="sm" w="sm" type="none"/>
+            <a:tailEnd len="sm" w="sm" type="none"/>
+          </a:ln>
+        </p:spPr>
+        <p:txBody>
+          <a:bodyPr anchorCtr="0" anchor="t" bIns="45700" lIns="91425" spcFirstLastPara="1" rIns="91425" wrap="square" tIns="45700">
+            <a:noAutofit/>
+          </a:bodyPr>
+          <a:lstStyle/>
+          <a:p>
+            <a:pPr indent="0" lvl="0" marL="0" marR="0" rtl="0" algn="l">
+              <a:lnSpc>
+                <a:spcPct val="100000"/>
+              </a:lnSpc>
+              <a:spcBef>
+                <a:spcPts val="0"/>
+              </a:spcBef>
+              <a:spcAft>
+                <a:spcPts val="0"/>
+              </a:spcAft>
+              <a:buClr>
+                <a:schemeClr val="dk1"/>
+              </a:buClr>
+              <a:buSzPts val="1800"/>
+              <a:buFont typeface="Arial"/>
+              <a:buNone/>
+            </a:pPr>
+            <a:r>
+              <a:rPr b="0" i="0" lang="en-US" sz="1800" u="none">
+                <a:solidFill>
+                  <a:schemeClr val="dk1"/>
+                </a:solidFill>
+                <a:latin typeface="Arial"/>
+                <a:ea typeface="Arial"/>
+                <a:cs typeface="Arial"/>
+                <a:sym typeface="Arial"/>
+              </a:rPr>
+              <a:t>Discrete </a:t>
+            </a:r>
+            <a:endParaRPr/>
+          </a:p>
+        </p:txBody>
+      </p:sp>
+      <p:sp>
+        <p:nvSpPr>
+          <p:cNvPr id="663" name="Google Shape;663;p67"/>
+          <p:cNvSpPr txBox="1"/>
+          <p:nvPr/>
+        </p:nvSpPr>
+        <p:spPr>
+          <a:xfrm>
+            <a:off x="4038600" y="4419600"/>
+            <a:ext cx="1143000" cy="369900"/>
+          </a:xfrm>
+          <a:prstGeom prst="rect">
+            <a:avLst/>
+          </a:prstGeom>
+          <a:noFill/>
+          <a:ln cap="flat" cmpd="sng" w="9525">
+            <a:solidFill>
+              <a:schemeClr val="dk1"/>
+            </a:solidFill>
+            <a:prstDash val="solid"/>
+            <a:miter lim="800000"/>
+            <a:headEnd len="sm" w="sm" type="none"/>
+            <a:tailEnd len="sm" w="sm" type="none"/>
+          </a:ln>
+        </p:spPr>
+        <p:txBody>
+          <a:bodyPr anchorCtr="0" anchor="t" bIns="45700" lIns="91425" spcFirstLastPara="1" rIns="91425" wrap="square" tIns="45700">
+            <a:noAutofit/>
+          </a:bodyPr>
+          <a:lstStyle/>
+          <a:p>
+            <a:pPr indent="0" lvl="0" marL="0" marR="0" rtl="0" algn="l">
+              <a:lnSpc>
+                <a:spcPct val="100000"/>
+              </a:lnSpc>
+              <a:spcBef>
+                <a:spcPts val="0"/>
+              </a:spcBef>
+              <a:spcAft>
+                <a:spcPts val="0"/>
+              </a:spcAft>
+              <a:buClr>
+                <a:schemeClr val="dk1"/>
+              </a:buClr>
+              <a:buSzPts val="1800"/>
+              <a:buFont typeface="Arial"/>
+              <a:buNone/>
+            </a:pPr>
+            <a:r>
+              <a:rPr b="0" i="0" lang="en-US" sz="1800" u="none">
+                <a:solidFill>
+                  <a:schemeClr val="dk1"/>
+                </a:solidFill>
+                <a:latin typeface="Arial"/>
+                <a:ea typeface="Arial"/>
+                <a:cs typeface="Arial"/>
+                <a:sym typeface="Arial"/>
+              </a:rPr>
+              <a:t>Discrete </a:t>
+            </a:r>
+            <a:endParaRPr/>
+          </a:p>
+        </p:txBody>
+      </p:sp>
+      <p:cxnSp>
+        <p:nvCxnSpPr>
+          <p:cNvPr id="664" name="Google Shape;664;p67"/>
+          <p:cNvCxnSpPr/>
+          <p:nvPr/>
+        </p:nvCxnSpPr>
+        <p:spPr>
+          <a:xfrm rot="5400000">
+            <a:off x="1893899" y="3695688"/>
+            <a:ext cx="403200" cy="1371600"/>
+          </a:xfrm>
+          <a:prstGeom prst="straightConnector1">
+            <a:avLst/>
+          </a:prstGeom>
+          <a:noFill/>
+          <a:ln cap="flat" cmpd="sng" w="11425">
+            <a:solidFill>
+              <a:schemeClr val="accent1"/>
+            </a:solidFill>
+            <a:prstDash val="solid"/>
+            <a:miter lim="800000"/>
+            <a:headEnd len="med" w="med" type="none"/>
+            <a:tailEnd len="med" w="med" type="stealth"/>
+          </a:ln>
+          <a:effectLst>
+            <a:outerShdw blurRad="63500" dir="5400000" dist="25400">
+              <a:srgbClr val="808080">
+                <a:alpha val="34900"/>
+              </a:srgbClr>
+            </a:outerShdw>
+          </a:effectLst>
+        </p:spPr>
+      </p:cxnSp>
+      <p:cxnSp>
+        <p:nvCxnSpPr>
+          <p:cNvPr id="665" name="Google Shape;665;p67"/>
+          <p:cNvCxnSpPr/>
+          <p:nvPr/>
+        </p:nvCxnSpPr>
+        <p:spPr>
+          <a:xfrm flipH="1" rot="-5400000">
+            <a:off x="3575849" y="3385337"/>
+            <a:ext cx="239700" cy="1828800"/>
+          </a:xfrm>
+          <a:prstGeom prst="straightConnector1">
+            <a:avLst/>
+          </a:prstGeom>
+          <a:noFill/>
+          <a:ln cap="flat" cmpd="sng" w="11425">
+            <a:solidFill>
+              <a:schemeClr val="accent1"/>
+            </a:solidFill>
+            <a:prstDash val="solid"/>
+            <a:miter lim="800000"/>
+            <a:headEnd len="med" w="med" type="none"/>
+            <a:tailEnd len="med" w="med" type="stealth"/>
+          </a:ln>
+          <a:effectLst>
+            <a:outerShdw blurRad="63500" dir="5400000" dist="25400">
+              <a:srgbClr val="808080">
+                <a:alpha val="34900"/>
+              </a:srgbClr>
+            </a:outerShdw>
+          </a:effectLst>
+        </p:spPr>
+      </p:cxnSp>
+      <p:sp>
+        <p:nvSpPr>
+          <p:cNvPr id="666" name="Google Shape;666;p67"/>
+          <p:cNvSpPr txBox="1"/>
+          <p:nvPr/>
+        </p:nvSpPr>
+        <p:spPr>
+          <a:xfrm>
+            <a:off x="1371600" y="4049712"/>
+            <a:ext cx="838200" cy="369900"/>
+          </a:xfrm>
+          <a:prstGeom prst="rect">
+            <a:avLst/>
+          </a:prstGeom>
+          <a:noFill/>
+          <a:ln>
+            <a:noFill/>
+          </a:ln>
+        </p:spPr>
+        <p:txBody>
+          <a:bodyPr anchorCtr="0" anchor="t" bIns="45700" lIns="91425" spcFirstLastPara="1" rIns="91425" wrap="square" tIns="45700">
+            <a:noAutofit/>
+          </a:bodyPr>
+          <a:lstStyle/>
+          <a:p>
+            <a:pPr indent="0" lvl="0" marL="0" marR="0" rtl="0" algn="l">
+              <a:lnSpc>
+                <a:spcPct val="100000"/>
+              </a:lnSpc>
+              <a:spcBef>
+                <a:spcPts val="0"/>
+              </a:spcBef>
+              <a:spcAft>
+                <a:spcPts val="0"/>
+              </a:spcAft>
+              <a:buClr>
+                <a:schemeClr val="dk1"/>
+              </a:buClr>
+              <a:buSzPts val="1800"/>
+              <a:buFont typeface="Arial"/>
+              <a:buNone/>
+            </a:pPr>
+            <a:r>
+              <a:rPr b="0" i="0" lang="en-US" sz="1800" u="none">
+                <a:solidFill>
+                  <a:schemeClr val="dk1"/>
+                </a:solidFill>
+                <a:latin typeface="Arial"/>
+                <a:ea typeface="Arial"/>
+                <a:cs typeface="Arial"/>
+                <a:sym typeface="Arial"/>
+              </a:rPr>
+              <a:t>yes</a:t>
+            </a:r>
+            <a:endParaRPr/>
+          </a:p>
+        </p:txBody>
+      </p:sp>
+      <p:sp>
+        <p:nvSpPr>
+          <p:cNvPr id="667" name="Google Shape;667;p67"/>
+          <p:cNvSpPr txBox="1"/>
+          <p:nvPr/>
+        </p:nvSpPr>
+        <p:spPr>
+          <a:xfrm>
+            <a:off x="381000" y="5410200"/>
+            <a:ext cx="1295400" cy="924000"/>
+          </a:xfrm>
+          <a:prstGeom prst="rect">
+            <a:avLst/>
+          </a:prstGeom>
+          <a:noFill/>
+          <a:ln cap="flat" cmpd="sng" w="9525">
+            <a:solidFill>
+              <a:schemeClr val="dk1"/>
+            </a:solidFill>
+            <a:prstDash val="solid"/>
+            <a:miter lim="800000"/>
+            <a:headEnd len="sm" w="sm" type="none"/>
+            <a:tailEnd len="sm" w="sm" type="none"/>
+          </a:ln>
+        </p:spPr>
+        <p:txBody>
+          <a:bodyPr anchorCtr="0" anchor="t" bIns="45700" lIns="91425" spcFirstLastPara="1" rIns="91425" wrap="square" tIns="45700">
+            <a:noAutofit/>
+          </a:bodyPr>
+          <a:lstStyle/>
+          <a:p>
+            <a:pPr indent="0" lvl="0" marL="0" marR="0" rtl="0" algn="l">
+              <a:lnSpc>
+                <a:spcPct val="100000"/>
+              </a:lnSpc>
+              <a:spcBef>
+                <a:spcPts val="0"/>
+              </a:spcBef>
+              <a:spcAft>
+                <a:spcPts val="0"/>
+              </a:spcAft>
+              <a:buClr>
+                <a:schemeClr val="dk1"/>
+              </a:buClr>
+              <a:buSzPts val="1800"/>
+              <a:buFont typeface="Arial"/>
+              <a:buNone/>
+            </a:pPr>
+            <a:r>
+              <a:rPr b="1" i="0" lang="en-US" sz="1800" u="none">
+                <a:solidFill>
+                  <a:schemeClr val="dk1"/>
+                </a:solidFill>
+                <a:latin typeface="Arial"/>
+                <a:ea typeface="Arial"/>
+                <a:cs typeface="Arial"/>
+                <a:sym typeface="Arial"/>
+              </a:rPr>
+              <a:t>Planning, heuristic search</a:t>
+            </a:r>
+            <a:endParaRPr/>
+          </a:p>
+        </p:txBody>
+      </p:sp>
+      <p:cxnSp>
+        <p:nvCxnSpPr>
+          <p:cNvPr id="668" name="Google Shape;668;p67"/>
+          <p:cNvCxnSpPr/>
+          <p:nvPr/>
+        </p:nvCxnSpPr>
+        <p:spPr>
+          <a:xfrm flipH="1">
+            <a:off x="533400" y="4768850"/>
+            <a:ext cx="304800" cy="641400"/>
+          </a:xfrm>
+          <a:prstGeom prst="straightConnector1">
+            <a:avLst/>
+          </a:prstGeom>
+          <a:noFill/>
+          <a:ln cap="flat" cmpd="sng" w="11425">
+            <a:solidFill>
+              <a:schemeClr val="accent1"/>
+            </a:solidFill>
+            <a:prstDash val="solid"/>
+            <a:miter lim="800000"/>
+            <a:headEnd len="med" w="med" type="none"/>
+            <a:tailEnd len="med" w="med" type="stealth"/>
+          </a:ln>
+          <a:effectLst>
+            <a:outerShdw blurRad="63500" dir="5400000" dist="25400">
+              <a:srgbClr val="808080">
+                <a:alpha val="34900"/>
+              </a:srgbClr>
+            </a:outerShdw>
+          </a:effectLst>
+        </p:spPr>
+      </p:cxnSp>
+      <p:sp>
+        <p:nvSpPr>
+          <p:cNvPr id="669" name="Google Shape;669;p67"/>
+          <p:cNvSpPr txBox="1"/>
+          <p:nvPr/>
+        </p:nvSpPr>
+        <p:spPr>
+          <a:xfrm>
+            <a:off x="228600" y="4659312"/>
+            <a:ext cx="838200" cy="369900"/>
+          </a:xfrm>
+          <a:prstGeom prst="rect">
+            <a:avLst/>
+          </a:prstGeom>
+          <a:noFill/>
+          <a:ln>
+            <a:noFill/>
+          </a:ln>
+        </p:spPr>
+        <p:txBody>
+          <a:bodyPr anchorCtr="0" anchor="t" bIns="45700" lIns="91425" spcFirstLastPara="1" rIns="91425" wrap="square" tIns="45700">
+            <a:noAutofit/>
+          </a:bodyPr>
+          <a:lstStyle/>
+          <a:p>
+            <a:pPr indent="0" lvl="0" marL="0" marR="0" rtl="0" algn="l">
+              <a:lnSpc>
+                <a:spcPct val="100000"/>
+              </a:lnSpc>
+              <a:spcBef>
+                <a:spcPts val="0"/>
+              </a:spcBef>
+              <a:spcAft>
+                <a:spcPts val="0"/>
+              </a:spcAft>
+              <a:buClr>
+                <a:schemeClr val="dk1"/>
+              </a:buClr>
+              <a:buSzPts val="1800"/>
+              <a:buFont typeface="Arial"/>
+              <a:buNone/>
+            </a:pPr>
+            <a:r>
+              <a:rPr b="0" i="0" lang="en-US" sz="1800" u="none">
+                <a:solidFill>
+                  <a:schemeClr val="dk1"/>
+                </a:solidFill>
+                <a:latin typeface="Arial"/>
+                <a:ea typeface="Arial"/>
+                <a:cs typeface="Arial"/>
+                <a:sym typeface="Arial"/>
+              </a:rPr>
+              <a:t>yes</a:t>
+            </a:r>
+            <a:endParaRPr/>
+          </a:p>
+        </p:txBody>
+      </p:sp>
+      <p:sp>
+        <p:nvSpPr>
+          <p:cNvPr id="670" name="Google Shape;670;p67"/>
+          <p:cNvSpPr txBox="1"/>
+          <p:nvPr/>
+        </p:nvSpPr>
+        <p:spPr>
+          <a:xfrm>
+            <a:off x="1752600" y="5410200"/>
+            <a:ext cx="1524000" cy="646200"/>
+          </a:xfrm>
+          <a:prstGeom prst="rect">
+            <a:avLst/>
+          </a:prstGeom>
+          <a:noFill/>
+          <a:ln cap="flat" cmpd="sng" w="9525">
+            <a:solidFill>
+              <a:schemeClr val="dk1"/>
+            </a:solidFill>
+            <a:prstDash val="solid"/>
+            <a:miter lim="800000"/>
+            <a:headEnd len="sm" w="sm" type="none"/>
+            <a:tailEnd len="sm" w="sm" type="none"/>
+          </a:ln>
+        </p:spPr>
+        <p:txBody>
+          <a:bodyPr anchorCtr="0" anchor="t" bIns="45700" lIns="91425" spcFirstLastPara="1" rIns="91425" wrap="square" tIns="45700">
+            <a:noAutofit/>
+          </a:bodyPr>
+          <a:lstStyle/>
+          <a:p>
+            <a:pPr indent="0" lvl="0" marL="0" marR="0" rtl="0" algn="l">
+              <a:lnSpc>
+                <a:spcPct val="100000"/>
+              </a:lnSpc>
+              <a:spcBef>
+                <a:spcPts val="0"/>
+              </a:spcBef>
+              <a:spcAft>
+                <a:spcPts val="0"/>
+              </a:spcAft>
+              <a:buClr>
+                <a:schemeClr val="dk1"/>
+              </a:buClr>
+              <a:buSzPts val="1800"/>
+              <a:buFont typeface="Arial"/>
+              <a:buNone/>
+            </a:pPr>
+            <a:r>
+              <a:rPr b="0" i="0" lang="en-US" sz="1800" u="none">
+                <a:solidFill>
+                  <a:schemeClr val="dk1"/>
+                </a:solidFill>
+                <a:latin typeface="Arial"/>
+                <a:ea typeface="Arial"/>
+                <a:cs typeface="Arial"/>
+                <a:sym typeface="Arial"/>
+              </a:rPr>
+              <a:t>Control, cybernetics</a:t>
+            </a:r>
+            <a:endParaRPr/>
+          </a:p>
+        </p:txBody>
+      </p:sp>
+      <p:cxnSp>
+        <p:nvCxnSpPr>
+          <p:cNvPr id="671" name="Google Shape;671;p67"/>
+          <p:cNvCxnSpPr/>
+          <p:nvPr/>
+        </p:nvCxnSpPr>
+        <p:spPr>
+          <a:xfrm>
+            <a:off x="1981200" y="4768850"/>
+            <a:ext cx="533400" cy="641400"/>
+          </a:xfrm>
+          <a:prstGeom prst="straightConnector1">
+            <a:avLst/>
+          </a:prstGeom>
+          <a:noFill/>
+          <a:ln cap="flat" cmpd="sng" w="11425">
+            <a:solidFill>
+              <a:schemeClr val="accent1"/>
+            </a:solidFill>
+            <a:prstDash val="solid"/>
+            <a:miter lim="800000"/>
+            <a:headEnd len="med" w="med" type="none"/>
+            <a:tailEnd len="med" w="med" type="stealth"/>
+          </a:ln>
+          <a:effectLst>
+            <a:outerShdw blurRad="63500" dir="5400000" dist="25400">
+              <a:srgbClr val="808080">
+                <a:alpha val="34900"/>
+              </a:srgbClr>
+            </a:outerShdw>
+          </a:effectLst>
+        </p:spPr>
+      </p:cxnSp>
+      <p:sp>
+        <p:nvSpPr>
+          <p:cNvPr id="672" name="Google Shape;672;p67"/>
+          <p:cNvSpPr txBox="1"/>
+          <p:nvPr/>
+        </p:nvSpPr>
+        <p:spPr>
+          <a:xfrm>
+            <a:off x="2209800" y="4735512"/>
+            <a:ext cx="609600" cy="369900"/>
+          </a:xfrm>
+          <a:prstGeom prst="rect">
+            <a:avLst/>
+          </a:prstGeom>
+          <a:noFill/>
+          <a:ln>
+            <a:noFill/>
+          </a:ln>
+        </p:spPr>
+        <p:txBody>
+          <a:bodyPr anchorCtr="0" anchor="t" bIns="45700" lIns="91425" spcFirstLastPara="1" rIns="91425" wrap="square" tIns="45700">
+            <a:noAutofit/>
+          </a:bodyPr>
+          <a:lstStyle/>
+          <a:p>
+            <a:pPr indent="0" lvl="0" marL="0" marR="0" rtl="0" algn="l">
+              <a:lnSpc>
+                <a:spcPct val="100000"/>
+              </a:lnSpc>
+              <a:spcBef>
+                <a:spcPts val="0"/>
+              </a:spcBef>
+              <a:spcAft>
+                <a:spcPts val="0"/>
+              </a:spcAft>
+              <a:buClr>
+                <a:schemeClr val="dk1"/>
+              </a:buClr>
+              <a:buSzPts val="1800"/>
+              <a:buFont typeface="Arial"/>
+              <a:buNone/>
+            </a:pPr>
+            <a:r>
+              <a:rPr b="0" i="0" lang="en-US" sz="1800" u="none">
+                <a:solidFill>
+                  <a:schemeClr val="dk1"/>
+                </a:solidFill>
+                <a:latin typeface="Arial"/>
+                <a:ea typeface="Arial"/>
+                <a:cs typeface="Arial"/>
+                <a:sym typeface="Arial"/>
+              </a:rPr>
+              <a:t>no</a:t>
+            </a:r>
+            <a:endParaRPr/>
+          </a:p>
+        </p:txBody>
+      </p:sp>
+      <p:sp>
+        <p:nvSpPr>
+          <p:cNvPr id="673" name="Google Shape;673;p67"/>
+          <p:cNvSpPr txBox="1"/>
+          <p:nvPr/>
+        </p:nvSpPr>
+        <p:spPr>
+          <a:xfrm>
+            <a:off x="4038600" y="3962400"/>
+            <a:ext cx="609600" cy="369900"/>
+          </a:xfrm>
+          <a:prstGeom prst="rect">
+            <a:avLst/>
+          </a:prstGeom>
+          <a:noFill/>
+          <a:ln>
+            <a:noFill/>
+          </a:ln>
+        </p:spPr>
+        <p:txBody>
+          <a:bodyPr anchorCtr="0" anchor="t" bIns="45700" lIns="91425" spcFirstLastPara="1" rIns="91425" wrap="square" tIns="45700">
+            <a:noAutofit/>
+          </a:bodyPr>
+          <a:lstStyle/>
+          <a:p>
+            <a:pPr indent="0" lvl="0" marL="0" marR="0" rtl="0" algn="l">
+              <a:lnSpc>
+                <a:spcPct val="100000"/>
+              </a:lnSpc>
+              <a:spcBef>
+                <a:spcPts val="0"/>
+              </a:spcBef>
+              <a:spcAft>
+                <a:spcPts val="0"/>
+              </a:spcAft>
+              <a:buClr>
+                <a:schemeClr val="dk1"/>
+              </a:buClr>
+              <a:buSzPts val="1800"/>
+              <a:buFont typeface="Arial"/>
+              <a:buNone/>
+            </a:pPr>
+            <a:r>
+              <a:rPr b="0" i="0" lang="en-US" sz="1800" u="none">
+                <a:solidFill>
+                  <a:schemeClr val="dk1"/>
+                </a:solidFill>
+                <a:latin typeface="Arial"/>
+                <a:ea typeface="Arial"/>
+                <a:cs typeface="Arial"/>
+                <a:sym typeface="Arial"/>
+              </a:rPr>
+              <a:t>no</a:t>
+            </a:r>
+            <a:endParaRPr/>
+          </a:p>
+        </p:txBody>
+      </p:sp>
+      <p:sp>
+        <p:nvSpPr>
+          <p:cNvPr id="674" name="Google Shape;674;p67"/>
+          <p:cNvSpPr txBox="1"/>
+          <p:nvPr/>
+        </p:nvSpPr>
+        <p:spPr>
+          <a:xfrm>
+            <a:off x="5943600" y="5334000"/>
+            <a:ext cx="2895600" cy="646200"/>
+          </a:xfrm>
+          <a:prstGeom prst="rect">
+            <a:avLst/>
+          </a:prstGeom>
+          <a:noFill/>
+          <a:ln cap="flat" cmpd="sng" w="9525">
+            <a:solidFill>
+              <a:schemeClr val="dk1"/>
+            </a:solidFill>
+            <a:prstDash val="solid"/>
+            <a:miter lim="800000"/>
+            <a:headEnd len="sm" w="sm" type="none"/>
+            <a:tailEnd len="sm" w="sm" type="none"/>
+          </a:ln>
+        </p:spPr>
+        <p:txBody>
+          <a:bodyPr anchorCtr="0" anchor="t" bIns="45700" lIns="91425" spcFirstLastPara="1" rIns="91425" wrap="square" tIns="45700">
+            <a:noAutofit/>
+          </a:bodyPr>
+          <a:lstStyle/>
+          <a:p>
+            <a:pPr indent="0" lvl="0" marL="0" marR="0" rtl="0" algn="l">
+              <a:lnSpc>
+                <a:spcPct val="100000"/>
+              </a:lnSpc>
+              <a:spcBef>
+                <a:spcPts val="0"/>
+              </a:spcBef>
+              <a:spcAft>
+                <a:spcPts val="0"/>
+              </a:spcAft>
+              <a:buClr>
+                <a:schemeClr val="dk1"/>
+              </a:buClr>
+              <a:buSzPts val="1800"/>
+              <a:buFont typeface="Arial"/>
+              <a:buNone/>
+            </a:pPr>
+            <a:r>
+              <a:rPr b="0" i="0" lang="en-US" sz="1800" u="none">
+                <a:solidFill>
+                  <a:schemeClr val="dk1"/>
+                </a:solidFill>
+                <a:latin typeface="Arial"/>
+                <a:ea typeface="Arial"/>
+                <a:cs typeface="Arial"/>
+                <a:sym typeface="Arial"/>
+              </a:rPr>
+              <a:t>Continuous Function Optimization</a:t>
+            </a:r>
+            <a:endParaRPr/>
+          </a:p>
+        </p:txBody>
+      </p:sp>
+      <p:sp>
+        <p:nvSpPr>
+          <p:cNvPr id="675" name="Google Shape;675;p67"/>
+          <p:cNvSpPr txBox="1"/>
+          <p:nvPr/>
+        </p:nvSpPr>
+        <p:spPr>
+          <a:xfrm>
+            <a:off x="3810000" y="5410200"/>
+            <a:ext cx="1905000" cy="924000"/>
+          </a:xfrm>
+          <a:prstGeom prst="rect">
+            <a:avLst/>
+          </a:prstGeom>
+          <a:noFill/>
+          <a:ln cap="flat" cmpd="sng" w="9525">
+            <a:solidFill>
+              <a:schemeClr val="dk1"/>
+            </a:solidFill>
+            <a:prstDash val="solid"/>
+            <a:miter lim="800000"/>
+            <a:headEnd len="sm" w="sm" type="none"/>
+            <a:tailEnd len="sm" w="sm" type="none"/>
+          </a:ln>
+        </p:spPr>
+        <p:txBody>
+          <a:bodyPr anchorCtr="0" anchor="t" bIns="45700" lIns="91425" spcFirstLastPara="1" rIns="91425" wrap="square" tIns="45700">
+            <a:noAutofit/>
+          </a:bodyPr>
+          <a:lstStyle/>
+          <a:p>
+            <a:pPr indent="0" lvl="0" marL="0" marR="0" rtl="0" algn="l">
+              <a:lnSpc>
+                <a:spcPct val="100000"/>
+              </a:lnSpc>
+              <a:spcBef>
+                <a:spcPts val="0"/>
+              </a:spcBef>
+              <a:spcAft>
+                <a:spcPts val="0"/>
+              </a:spcAft>
+              <a:buClr>
+                <a:schemeClr val="dk1"/>
+              </a:buClr>
+              <a:buSzPts val="1800"/>
+              <a:buFont typeface="Arial"/>
+              <a:buNone/>
+            </a:pPr>
+            <a:r>
+              <a:rPr b="0" i="0" lang="en-US" sz="1800" u="none">
+                <a:solidFill>
+                  <a:schemeClr val="dk1"/>
+                </a:solidFill>
+                <a:latin typeface="Arial"/>
+                <a:ea typeface="Arial"/>
+                <a:cs typeface="Arial"/>
+                <a:sym typeface="Arial"/>
+              </a:rPr>
+              <a:t>Vector Search: Constraint Satisfaction</a:t>
+            </a:r>
+            <a:endParaRPr/>
+          </a:p>
+        </p:txBody>
+      </p:sp>
+      <p:cxnSp>
+        <p:nvCxnSpPr>
+          <p:cNvPr id="676" name="Google Shape;676;p67"/>
+          <p:cNvCxnSpPr/>
+          <p:nvPr/>
+        </p:nvCxnSpPr>
+        <p:spPr>
+          <a:xfrm rot="5400000">
+            <a:off x="4280699" y="5080787"/>
+            <a:ext cx="620700" cy="38100"/>
+          </a:xfrm>
+          <a:prstGeom prst="straightConnector1">
+            <a:avLst/>
+          </a:prstGeom>
+          <a:noFill/>
+          <a:ln cap="flat" cmpd="sng" w="11425">
+            <a:solidFill>
+              <a:schemeClr val="accent1"/>
+            </a:solidFill>
+            <a:prstDash val="solid"/>
+            <a:miter lim="800000"/>
+            <a:headEnd len="med" w="med" type="none"/>
+            <a:tailEnd len="med" w="med" type="stealth"/>
+          </a:ln>
+          <a:effectLst>
+            <a:outerShdw blurRad="63500" dir="5400000" dist="25400">
+              <a:srgbClr val="808080">
+                <a:alpha val="34900"/>
+              </a:srgbClr>
+            </a:outerShdw>
+          </a:effectLst>
+        </p:spPr>
+      </p:cxnSp>
+      <p:cxnSp>
+        <p:nvCxnSpPr>
+          <p:cNvPr id="677" name="Google Shape;677;p67"/>
+          <p:cNvCxnSpPr/>
+          <p:nvPr/>
+        </p:nvCxnSpPr>
+        <p:spPr>
+          <a:xfrm>
+            <a:off x="5181600" y="4603750"/>
+            <a:ext cx="2209800" cy="730200"/>
+          </a:xfrm>
+          <a:prstGeom prst="straightConnector1">
+            <a:avLst/>
+          </a:prstGeom>
+          <a:noFill/>
+          <a:ln cap="flat" cmpd="sng" w="11425">
+            <a:solidFill>
+              <a:schemeClr val="accent1"/>
+            </a:solidFill>
+            <a:prstDash val="solid"/>
+            <a:miter lim="800000"/>
+            <a:headEnd len="med" w="med" type="none"/>
+            <a:tailEnd len="med" w="med" type="stealth"/>
+          </a:ln>
+          <a:effectLst>
+            <a:outerShdw blurRad="63500" dir="5400000" dist="25400">
+              <a:srgbClr val="808080">
+                <a:alpha val="34900"/>
+              </a:srgbClr>
+            </a:outerShdw>
+          </a:effectLst>
+        </p:spPr>
+      </p:cxnSp>
+      <p:sp>
+        <p:nvSpPr>
+          <p:cNvPr id="678" name="Google Shape;678;p67"/>
+          <p:cNvSpPr txBox="1"/>
+          <p:nvPr/>
+        </p:nvSpPr>
+        <p:spPr>
+          <a:xfrm>
+            <a:off x="5791200" y="4419600"/>
+            <a:ext cx="609600" cy="369900"/>
+          </a:xfrm>
+          <a:prstGeom prst="rect">
+            <a:avLst/>
+          </a:prstGeom>
+          <a:noFill/>
+          <a:ln>
+            <a:noFill/>
+          </a:ln>
+        </p:spPr>
+        <p:txBody>
+          <a:bodyPr anchorCtr="0" anchor="t" bIns="45700" lIns="91425" spcFirstLastPara="1" rIns="91425" wrap="square" tIns="45700">
+            <a:noAutofit/>
+          </a:bodyPr>
+          <a:lstStyle/>
+          <a:p>
+            <a:pPr indent="0" lvl="0" marL="0" marR="0" rtl="0" algn="l">
+              <a:lnSpc>
+                <a:spcPct val="100000"/>
+              </a:lnSpc>
+              <a:spcBef>
+                <a:spcPts val="0"/>
+              </a:spcBef>
+              <a:spcAft>
+                <a:spcPts val="0"/>
+              </a:spcAft>
+              <a:buClr>
+                <a:schemeClr val="dk1"/>
+              </a:buClr>
+              <a:buSzPts val="1800"/>
+              <a:buFont typeface="Arial"/>
+              <a:buNone/>
+            </a:pPr>
+            <a:r>
+              <a:rPr b="0" i="0" lang="en-US" sz="1800" u="none">
+                <a:solidFill>
+                  <a:schemeClr val="dk1"/>
+                </a:solidFill>
+                <a:latin typeface="Arial"/>
+                <a:ea typeface="Arial"/>
+                <a:cs typeface="Arial"/>
+                <a:sym typeface="Arial"/>
+              </a:rPr>
+              <a:t>no</a:t>
+            </a:r>
+            <a:endParaRPr/>
+          </a:p>
+        </p:txBody>
+      </p:sp>
+      <p:sp>
+        <p:nvSpPr>
+          <p:cNvPr id="679" name="Google Shape;679;p67"/>
+          <p:cNvSpPr txBox="1"/>
+          <p:nvPr/>
+        </p:nvSpPr>
+        <p:spPr>
+          <a:xfrm>
+            <a:off x="3962400" y="5040312"/>
+            <a:ext cx="838200" cy="369900"/>
+          </a:xfrm>
+          <a:prstGeom prst="rect">
+            <a:avLst/>
+          </a:prstGeom>
+          <a:noFill/>
+          <a:ln>
+            <a:noFill/>
+          </a:ln>
+        </p:spPr>
+        <p:txBody>
+          <a:bodyPr anchorCtr="0" anchor="t" bIns="45700" lIns="91425" spcFirstLastPara="1" rIns="91425" wrap="square" tIns="45700">
+            <a:noAutofit/>
+          </a:bodyPr>
+          <a:lstStyle/>
+          <a:p>
+            <a:pPr indent="0" lvl="0" marL="0" marR="0" rtl="0" algn="l">
+              <a:lnSpc>
+                <a:spcPct val="100000"/>
+              </a:lnSpc>
+              <a:spcBef>
+                <a:spcPts val="0"/>
+              </a:spcBef>
+              <a:spcAft>
+                <a:spcPts val="0"/>
+              </a:spcAft>
+              <a:buClr>
+                <a:schemeClr val="dk1"/>
+              </a:buClr>
+              <a:buSzPts val="1800"/>
+              <a:buFont typeface="Arial"/>
+              <a:buNone/>
+            </a:pPr>
+            <a:r>
+              <a:rPr b="0" i="0" lang="en-US" sz="1800" u="none">
+                <a:solidFill>
+                  <a:schemeClr val="dk1"/>
+                </a:solidFill>
+                <a:latin typeface="Arial"/>
+                <a:ea typeface="Arial"/>
+                <a:cs typeface="Arial"/>
+                <a:sym typeface="Arial"/>
+              </a:rPr>
+              <a:t>yes</a:t>
+            </a:r>
+            <a:endParaRPr/>
+          </a:p>
+        </p:txBody>
+      </p:sp>
       <p:sp>
         <p:nvSpPr>
           <p:cNvPr id="680" name="Google Shape;680;p67"/>
@@ -46282,7 +46600,7 @@
                 <a:cs typeface="Georgia"/>
                 <a:sym typeface="Georgia"/>
               </a:rPr>
-              <a:t>Knowledge and Heuristics</a:t>
+              <a:t>Review: Tree search</a:t>
             </a:r>
             <a:endParaRPr/>
           </a:p>
@@ -46298,8 +46616,8 @@
         </p:nvSpPr>
         <p:spPr>
           <a:xfrm>
-            <a:off x="301752" y="1527048"/>
-            <a:ext cx="8503800" cy="4572000"/>
+            <a:off x="381000" y="4572000"/>
+            <a:ext cx="8229600" cy="1859100"/>
           </a:xfrm>
           <a:prstGeom prst="rect">
             <a:avLst/>
@@ -46317,7 +46635,7 @@
           <a:p>
             <a:pPr indent="-273050" lvl="0" marL="273050" marR="0" rtl="0" algn="l">
               <a:lnSpc>
-                <a:spcPct val="150000"/>
+                <a:spcPct val="100000"/>
               </a:lnSpc>
               <a:spcBef>
                 <a:spcPts val="0"/>
@@ -46342,38 +46660,26 @@
                 <a:cs typeface="Georgia"/>
                 <a:sym typeface="Georgia"/>
               </a:rPr>
-              <a:t>Simon and Newell, </a:t>
-            </a:r>
-            <a:r>
-              <a:rPr b="0" i="1" lang="en-US" sz="2700" u="none" cap="none" strike="noStrike">
-                <a:solidFill>
-                  <a:schemeClr val="dk1"/>
-                </a:solidFill>
-                <a:latin typeface="Georgia"/>
-                <a:ea typeface="Georgia"/>
-                <a:cs typeface="Georgia"/>
-                <a:sym typeface="Georgia"/>
-              </a:rPr>
-              <a:t>Human Problem Solving</a:t>
+              <a:t>A search strategy is defined by picking the </a:t>
             </a:r>
             <a:r>
               <a:rPr b="0" i="0" lang="en-US" sz="2700" u="none" cap="none" strike="noStrike">
                 <a:solidFill>
-                  <a:schemeClr val="dk1"/>
-                </a:solidFill>
-                <a:latin typeface="Georgia"/>
-                <a:ea typeface="Georgia"/>
-                <a:cs typeface="Georgia"/>
-                <a:sym typeface="Georgia"/>
-              </a:rPr>
-              <a:t>, 1972.</a:t>
+                  <a:srgbClr val="FF0000"/>
+                </a:solidFill>
+                <a:latin typeface="Georgia"/>
+                <a:ea typeface="Georgia"/>
+                <a:cs typeface="Georgia"/>
+                <a:sym typeface="Georgia"/>
+              </a:rPr>
+              <a:t>order of node expansion</a:t>
             </a:r>
             <a:endParaRPr/>
           </a:p>
           <a:p>
             <a:pPr indent="-273050" lvl="0" marL="273050" marR="0" rtl="0" algn="l">
               <a:lnSpc>
-                <a:spcPct val="150000"/>
+                <a:spcPct val="100000"/>
               </a:lnSpc>
               <a:spcBef>
                 <a:spcPts val="540"/>
@@ -46398,31 +46704,7 @@
                 <a:cs typeface="Georgia"/>
                 <a:sym typeface="Georgia"/>
               </a:rPr>
-              <a:t>S&amp;N: intelligence comes from </a:t>
-            </a:r>
-            <a:r>
-              <a:rPr b="1" i="0" lang="en-US" sz="2700" u="none" cap="none" strike="noStrike">
-                <a:solidFill>
-                  <a:schemeClr val="dk1"/>
-                </a:solidFill>
-                <a:latin typeface="Georgia"/>
-                <a:ea typeface="Georgia"/>
-                <a:cs typeface="Georgia"/>
-                <a:sym typeface="Georgia"/>
-              </a:rPr>
-              <a:t>heuristics</a:t>
-            </a:r>
-            <a:r>
-              <a:rPr b="0" i="0" lang="en-US" sz="2700" u="none" cap="none" strike="noStrike">
-                <a:solidFill>
-                  <a:schemeClr val="dk1"/>
-                </a:solidFill>
-                <a:latin typeface="Georgia"/>
-                <a:ea typeface="Georgia"/>
-                <a:cs typeface="Georgia"/>
-                <a:sym typeface="Georgia"/>
-              </a:rPr>
-              <a:t> that help find promising states fast.</a:t>
+              <a:t>Which nodes to check first?</a:t>
             </a:r>
             <a:endParaRPr/>
           </a:p>
@@ -46473,6 +46755,33 @@
           </a:p>
         </p:txBody>
       </p:sp>
+      <p:pic>
+        <p:nvPicPr>
+          <p:cNvPr id="688" name="Google Shape;688;p68"/>
+          <p:cNvPicPr preferRelativeResize="0"/>
+          <p:nvPr/>
+        </p:nvPicPr>
+        <p:blipFill rotWithShape="1">
+          <a:blip r:embed="rId3">
+            <a:alphaModFix/>
+          </a:blip>
+          <a:srcRect b="28125" l="14840" r="3125" t="37499"/>
+          <a:stretch/>
+        </p:blipFill>
+        <p:spPr>
+          <a:xfrm>
+            <a:off x="207262" y="1508200"/>
+            <a:ext cx="8767575" cy="2822575"/>
+          </a:xfrm>
+          <a:prstGeom prst="rect">
+            <a:avLst/>
+          </a:prstGeom>
+          <a:noFill/>
+          <a:ln>
+            <a:noFill/>
+          </a:ln>
+        </p:spPr>
+      </p:pic>
     </p:spTree>
   </p:cSld>
   <p:clrMapOvr>
@@ -46493,7 +46802,7 @@
     </p:bg>
     <p:spTree>
       <p:nvGrpSpPr>
-        <p:cNvPr id="691" name="Shape 691"/>
+        <p:cNvPr id="692" name="Shape 692"/>
         <p:cNvGrpSpPr/>
         <p:nvPr/>
       </p:nvGrpSpPr>
@@ -46507,7 +46816,7 @@
       </p:grpSpPr>
       <p:sp>
         <p:nvSpPr>
-          <p:cNvPr id="692" name="Google Shape;692;p69"/>
+          <p:cNvPr id="693" name="Google Shape;693;p69"/>
           <p:cNvSpPr txBox="1"/>
           <p:nvPr>
             <p:ph type="title"/>
@@ -46559,7 +46868,7 @@
                 <a:cs typeface="Georgia"/>
                 <a:sym typeface="Georgia"/>
               </a:rPr>
-              <a:t>Best-first search</a:t>
+              <a:t>Knowledge and Heuristics</a:t>
             </a:r>
             <a:endParaRPr/>
           </a:p>
@@ -46567,7 +46876,7 @@
       </p:sp>
       <p:sp>
         <p:nvSpPr>
-          <p:cNvPr id="693" name="Google Shape;693;p69"/>
+          <p:cNvPr id="694" name="Google Shape;694;p69"/>
           <p:cNvSpPr txBox="1"/>
           <p:nvPr>
             <p:ph idx="1" type="body"/>
@@ -46594,7 +46903,7 @@
           <a:p>
             <a:pPr indent="-273050" lvl="0" marL="273050" marR="0" rtl="0" algn="l">
               <a:lnSpc>
-                <a:spcPct val="90000"/>
+                <a:spcPct val="150000"/>
               </a:lnSpc>
               <a:spcBef>
                 <a:spcPts val="0"/>
@@ -46605,12 +46914,12 @@
               <a:buClr>
                 <a:schemeClr val="accent1"/>
               </a:buClr>
-              <a:buSzPts val="2040"/>
+              <a:buSzPts val="2295"/>
               <a:buFont typeface="Noto Sans Symbols"/>
               <a:buChar char="⚫"/>
             </a:pPr>
             <a:r>
-              <a:rPr b="0" i="0" lang="en-US" sz="2400" u="none" cap="none" strike="noStrike">
+              <a:rPr b="0" i="0" lang="en-US" sz="2700" u="none" cap="none" strike="noStrike">
                 <a:solidFill>
                   <a:schemeClr val="dk1"/>
                 </a:solidFill>
@@ -46619,22 +46928,10 @@
                 <a:cs typeface="Georgia"/>
                 <a:sym typeface="Georgia"/>
               </a:rPr>
-              <a:t>Idea: use an </a:t>
-            </a:r>
-            <a:r>
-              <a:rPr b="0" i="0" lang="en-US" sz="2400" u="none" cap="none" strike="noStrike">
-                <a:solidFill>
-                  <a:srgbClr val="FF0000"/>
-                </a:solidFill>
-                <a:latin typeface="Georgia"/>
-                <a:ea typeface="Georgia"/>
-                <a:cs typeface="Georgia"/>
-                <a:sym typeface="Georgia"/>
-              </a:rPr>
-              <a:t>evaluation function</a:t>
-            </a:r>
-            <a:r>
-              <a:rPr b="0" i="0" lang="en-US" sz="2400" u="none" cap="none" strike="noStrike">
+              <a:t>Simon and Newell, </a:t>
+            </a:r>
+            <a:r>
+              <a:rPr b="0" i="1" lang="en-US" sz="2700" u="none" cap="none" strike="noStrike">
                 <a:solidFill>
                   <a:schemeClr val="dk1"/>
                 </a:solidFill>
@@ -46643,10 +46940,10 @@
                 <a:cs typeface="Georgia"/>
                 <a:sym typeface="Georgia"/>
               </a:rPr>
-              <a:t> </a:t>
-            </a:r>
-            <a:r>
-              <a:rPr b="0" i="1" lang="en-US" sz="2400" u="none" cap="none" strike="noStrike">
+              <a:t>Human Problem Solving</a:t>
+            </a:r>
+            <a:r>
+              <a:rPr b="0" i="0" lang="en-US" sz="2700" u="none" cap="none" strike="noStrike">
                 <a:solidFill>
                   <a:schemeClr val="dk1"/>
                 </a:solidFill>
@@ -46655,135 +46952,17 @@
                 <a:cs typeface="Georgia"/>
                 <a:sym typeface="Georgia"/>
               </a:rPr>
-              <a:t>f(n) </a:t>
-            </a:r>
-            <a:r>
-              <a:rPr b="0" i="0" lang="en-US" sz="2400" u="none" cap="none" strike="noStrike">
-                <a:solidFill>
-                  <a:schemeClr val="dk1"/>
-                </a:solidFill>
-                <a:latin typeface="Georgia"/>
-                <a:ea typeface="Georgia"/>
-                <a:cs typeface="Georgia"/>
-                <a:sym typeface="Georgia"/>
-              </a:rPr>
-              <a:t>for each node</a:t>
+              <a:t>, 1972.</a:t>
             </a:r>
             <a:endParaRPr/>
           </a:p>
           <a:p>
-            <a:pPr indent="-273050" lvl="1" marL="547687" marR="0" rtl="0" algn="l">
-              <a:lnSpc>
-                <a:spcPct val="90000"/>
-              </a:lnSpc>
-              <a:spcBef>
-                <a:spcPts val="400"/>
-              </a:spcBef>
-              <a:spcAft>
-                <a:spcPts val="0"/>
-              </a:spcAft>
-              <a:buClr>
-                <a:schemeClr val="accent2"/>
-              </a:buClr>
-              <a:buSzPts val="1400"/>
-              <a:buFont typeface="Noto Sans Symbols"/>
-              <a:buChar char="⚪"/>
-            </a:pPr>
-            <a:r>
-              <a:rPr b="0" i="0" lang="en-US" sz="2000" u="none" cap="none" strike="noStrike">
-                <a:solidFill>
-                  <a:schemeClr val="dk2"/>
-                </a:solidFill>
-                <a:latin typeface="Georgia"/>
-                <a:ea typeface="Georgia"/>
-                <a:cs typeface="Georgia"/>
-                <a:sym typeface="Georgia"/>
-              </a:rPr>
-              <a:t>estimate of "desirability"</a:t>
-            </a:r>
-            <a:endParaRPr/>
-          </a:p>
-          <a:p>
-            <a:pPr indent="-273050" lvl="1" marL="547687" marR="0" rtl="0" algn="l">
-              <a:lnSpc>
-                <a:spcPct val="90000"/>
-              </a:lnSpc>
-              <a:spcBef>
-                <a:spcPts val="400"/>
-              </a:spcBef>
-              <a:spcAft>
-                <a:spcPts val="0"/>
-              </a:spcAft>
-              <a:buClr>
-                <a:schemeClr val="accent2"/>
-              </a:buClr>
-              <a:buSzPts val="1400"/>
-              <a:buFont typeface="Noto Sans Symbols"/>
-              <a:buChar char="🡪"/>
-            </a:pPr>
-            <a:r>
-              <a:rPr b="0" i="0" lang="en-US" sz="2000" u="none" cap="none" strike="noStrike">
-                <a:solidFill>
-                  <a:schemeClr val="dk2"/>
-                </a:solidFill>
-                <a:latin typeface="Georgia"/>
-                <a:ea typeface="Georgia"/>
-                <a:cs typeface="Georgia"/>
-                <a:sym typeface="Georgia"/>
-              </a:rPr>
-              <a:t>Expand most desirable unexpanded node</a:t>
-            </a:r>
-            <a:br>
-              <a:rPr b="0" i="0" lang="en-US" sz="2000" u="none" cap="none" strike="noStrike">
-                <a:solidFill>
-                  <a:schemeClr val="dk2"/>
-                </a:solidFill>
-                <a:latin typeface="Georgia"/>
-                <a:ea typeface="Georgia"/>
-                <a:cs typeface="Georgia"/>
-                <a:sym typeface="Georgia"/>
-              </a:rPr>
-            </a:br>
-            <a:endParaRPr/>
-          </a:p>
-          <a:p>
-            <a:pPr indent="-184150" lvl="1" marL="547687" marR="0" rtl="0" algn="l">
-              <a:lnSpc>
-                <a:spcPct val="90000"/>
-              </a:lnSpc>
-              <a:spcBef>
-                <a:spcPts val="400"/>
-              </a:spcBef>
-              <a:spcAft>
-                <a:spcPts val="0"/>
-              </a:spcAft>
-              <a:buClr>
-                <a:schemeClr val="accent2"/>
-              </a:buClr>
-              <a:buSzPts val="1400"/>
-              <a:buFont typeface="Noto Sans Symbols"/>
-              <a:buNone/>
-            </a:pPr>
-            <a:r>
-              <a:t/>
-            </a:r>
-            <a:endParaRPr b="0" i="0" sz="2000" u="none" cap="none" strike="noStrike">
-              <a:solidFill>
-                <a:schemeClr val="dk2"/>
-              </a:solidFill>
-              <a:latin typeface="Georgia"/>
-              <a:ea typeface="Georgia"/>
-              <a:cs typeface="Georgia"/>
-              <a:sym typeface="Georgia"/>
-            </a:endParaRPr>
-          </a:p>
-          <a:p>
             <a:pPr indent="-273050" lvl="0" marL="273050" marR="0" rtl="0" algn="l">
               <a:lnSpc>
-                <a:spcPct val="90000"/>
-              </a:lnSpc>
-              <a:spcBef>
-                <a:spcPts val="480"/>
+                <a:spcPct val="150000"/>
+              </a:lnSpc>
+              <a:spcBef>
+                <a:spcPts val="540"/>
               </a:spcBef>
               <a:spcAft>
                 <a:spcPts val="0"/>
@@ -46791,12 +46970,12 @@
               <a:buClr>
                 <a:schemeClr val="accent1"/>
               </a:buClr>
-              <a:buSzPts val="2040"/>
+              <a:buSzPts val="2295"/>
               <a:buFont typeface="Noto Sans Symbols"/>
               <a:buChar char="⚫"/>
             </a:pPr>
             <a:r>
-              <a:rPr b="0" i="0" lang="en-US" sz="2400" u="sng" cap="none" strike="noStrike">
+              <a:rPr b="0" i="0" lang="en-US" sz="2700" u="none" cap="none" strike="noStrike">
                 <a:solidFill>
                   <a:schemeClr val="dk1"/>
                 </a:solidFill>
@@ -46805,10 +46984,10 @@
                 <a:cs typeface="Georgia"/>
                 <a:sym typeface="Georgia"/>
               </a:rPr>
-              <a:t>Implementation</a:t>
-            </a:r>
-            <a:r>
-              <a:rPr b="0" i="0" lang="en-US" sz="2400" u="none" cap="none" strike="noStrike">
+              <a:t>S&amp;N: intelligence comes from </a:t>
+            </a:r>
+            <a:r>
+              <a:rPr b="1" i="0" lang="en-US" sz="2700" u="none" cap="none" strike="noStrike">
                 <a:solidFill>
                   <a:schemeClr val="dk1"/>
                 </a:solidFill>
@@ -46817,189 +46996,27 @@
                 <a:cs typeface="Georgia"/>
                 <a:sym typeface="Georgia"/>
               </a:rPr>
-              <a:t>:</a:t>
+              <a:t>heuristics</a:t>
+            </a:r>
+            <a:r>
+              <a:rPr b="0" i="0" lang="en-US" sz="2700" u="none" cap="none" strike="noStrike">
+                <a:solidFill>
+                  <a:schemeClr val="dk1"/>
+                </a:solidFill>
+                <a:latin typeface="Georgia"/>
+                <a:ea typeface="Georgia"/>
+                <a:cs typeface="Georgia"/>
+                <a:sym typeface="Georgia"/>
+              </a:rPr>
+              <a:t> that help find promising states fast.</a:t>
             </a:r>
             <a:endParaRPr/>
           </a:p>
-          <a:p>
-            <a:pPr indent="-273050" lvl="0" marL="273050" marR="0" rtl="0" algn="l">
-              <a:lnSpc>
-                <a:spcPct val="90000"/>
-              </a:lnSpc>
-              <a:spcBef>
-                <a:spcPts val="480"/>
-              </a:spcBef>
-              <a:spcAft>
-                <a:spcPts val="0"/>
-              </a:spcAft>
-              <a:buClr>
-                <a:schemeClr val="accent1"/>
-              </a:buClr>
-              <a:buSzPts val="2040"/>
-              <a:buFont typeface="Noto Sans Symbols"/>
-              <a:buNone/>
-            </a:pPr>
-            <a:r>
-              <a:rPr b="0" i="0" lang="en-US" sz="2400" u="none" cap="none" strike="noStrike">
-                <a:solidFill>
-                  <a:schemeClr val="dk1"/>
-                </a:solidFill>
-                <a:latin typeface="Georgia"/>
-                <a:ea typeface="Georgia"/>
-                <a:cs typeface="Georgia"/>
-                <a:sym typeface="Georgia"/>
-              </a:rPr>
-              <a:t>	Order the nodes in frontier in decreasing order of desirability</a:t>
-            </a:r>
-            <a:br>
-              <a:rPr b="0" i="0" lang="en-US" sz="2400" u="none" cap="none" strike="noStrike">
-                <a:solidFill>
-                  <a:schemeClr val="dk1"/>
-                </a:solidFill>
-                <a:latin typeface="Georgia"/>
-                <a:ea typeface="Georgia"/>
-                <a:cs typeface="Georgia"/>
-                <a:sym typeface="Georgia"/>
-              </a:rPr>
-            </a:br>
-            <a:endParaRPr/>
-          </a:p>
-          <a:p>
-            <a:pPr indent="-273050" lvl="0" marL="273050" marR="0" rtl="0" algn="l">
-              <a:lnSpc>
-                <a:spcPct val="90000"/>
-              </a:lnSpc>
-              <a:spcBef>
-                <a:spcPts val="480"/>
-              </a:spcBef>
-              <a:spcAft>
-                <a:spcPts val="0"/>
-              </a:spcAft>
-              <a:buClr>
-                <a:schemeClr val="accent1"/>
-              </a:buClr>
-              <a:buSzPts val="2040"/>
-              <a:buFont typeface="Noto Sans Symbols"/>
-              <a:buChar char="⚫"/>
-            </a:pPr>
-            <a:r>
-              <a:rPr b="0" i="0" lang="en-US" sz="2400" u="none" cap="none" strike="noStrike">
-                <a:solidFill>
-                  <a:schemeClr val="dk1"/>
-                </a:solidFill>
-                <a:latin typeface="Georgia"/>
-                <a:ea typeface="Georgia"/>
-                <a:cs typeface="Georgia"/>
-                <a:sym typeface="Georgia"/>
-              </a:rPr>
-              <a:t>Special cases:</a:t>
-            </a:r>
-            <a:endParaRPr/>
-          </a:p>
-          <a:p>
-            <a:pPr indent="-273050" lvl="1" marL="547687" marR="0" rtl="0" algn="l">
-              <a:lnSpc>
-                <a:spcPct val="90000"/>
-              </a:lnSpc>
-              <a:spcBef>
-                <a:spcPts val="400"/>
-              </a:spcBef>
-              <a:spcAft>
-                <a:spcPts val="0"/>
-              </a:spcAft>
-              <a:buClr>
-                <a:schemeClr val="accent2"/>
-              </a:buClr>
-              <a:buSzPts val="1400"/>
-              <a:buFont typeface="Noto Sans Symbols"/>
-              <a:buChar char="⚪"/>
-            </a:pPr>
-            <a:r>
-              <a:rPr b="0" i="0" lang="en-US" sz="2000" u="none" cap="none" strike="noStrike">
-                <a:solidFill>
-                  <a:schemeClr val="dk2"/>
-                </a:solidFill>
-                <a:latin typeface="Georgia"/>
-                <a:ea typeface="Georgia"/>
-                <a:cs typeface="Georgia"/>
-                <a:sym typeface="Georgia"/>
-              </a:rPr>
-              <a:t>greedy best-first search</a:t>
-            </a:r>
-            <a:endParaRPr/>
-          </a:p>
-          <a:p>
-            <a:pPr indent="-273050" lvl="1" marL="547687" marR="0" rtl="0" algn="l">
-              <a:lnSpc>
-                <a:spcPct val="90000"/>
-              </a:lnSpc>
-              <a:spcBef>
-                <a:spcPts val="400"/>
-              </a:spcBef>
-              <a:spcAft>
-                <a:spcPts val="0"/>
-              </a:spcAft>
-              <a:buClr>
-                <a:schemeClr val="accent2"/>
-              </a:buClr>
-              <a:buSzPts val="1400"/>
-              <a:buFont typeface="Noto Sans Symbols"/>
-              <a:buChar char="⚪"/>
-            </a:pPr>
-            <a:r>
-              <a:rPr b="0" i="0" lang="en-US" sz="2000" u="none" cap="none" strike="noStrike">
-                <a:solidFill>
-                  <a:schemeClr val="dk2"/>
-                </a:solidFill>
-                <a:latin typeface="Georgia"/>
-                <a:ea typeface="Georgia"/>
-                <a:cs typeface="Georgia"/>
-                <a:sym typeface="Georgia"/>
-              </a:rPr>
-              <a:t>A</a:t>
-            </a:r>
-            <a:r>
-              <a:rPr b="0" baseline="30000" i="0" lang="en-US" sz="2000" u="none" cap="none" strike="noStrike">
-                <a:solidFill>
-                  <a:schemeClr val="dk2"/>
-                </a:solidFill>
-                <a:latin typeface="Georgia"/>
-                <a:ea typeface="Georgia"/>
-                <a:cs typeface="Georgia"/>
-                <a:sym typeface="Georgia"/>
-              </a:rPr>
-              <a:t>*</a:t>
-            </a:r>
-            <a:r>
-              <a:rPr b="0" i="0" lang="en-US" sz="2000" u="none" cap="none" strike="noStrike">
-                <a:solidFill>
-                  <a:schemeClr val="dk2"/>
-                </a:solidFill>
-                <a:latin typeface="Georgia"/>
-                <a:ea typeface="Georgia"/>
-                <a:cs typeface="Georgia"/>
-                <a:sym typeface="Georgia"/>
-              </a:rPr>
-              <a:t> search</a:t>
-            </a:r>
-            <a:br>
-              <a:rPr b="0" i="0" lang="en-US" sz="2000" u="none" cap="none" strike="noStrike">
-                <a:solidFill>
-                  <a:schemeClr val="dk2"/>
-                </a:solidFill>
-                <a:latin typeface="Georgia"/>
-                <a:ea typeface="Georgia"/>
-                <a:cs typeface="Georgia"/>
-                <a:sym typeface="Georgia"/>
-              </a:rPr>
-            </a:br>
-            <a:endParaRPr/>
-          </a:p>
         </p:txBody>
       </p:sp>
       <p:sp>
         <p:nvSpPr>
-          <p:cNvPr id="694" name="Google Shape;694;p69"/>
+          <p:cNvPr id="695" name="Google Shape;695;p69"/>
           <p:cNvSpPr txBox="1"/>
           <p:nvPr>
             <p:ph idx="12" type="sldNum"/>
@@ -47062,7 +47079,7 @@
     </p:bg>
     <p:spTree>
       <p:nvGrpSpPr>
-        <p:cNvPr id="698" name="Shape 698"/>
+        <p:cNvPr id="699" name="Shape 699"/>
         <p:cNvGrpSpPr/>
         <p:nvPr/>
       </p:nvGrpSpPr>
@@ -47076,7 +47093,7 @@
       </p:grpSpPr>
       <p:sp>
         <p:nvSpPr>
-          <p:cNvPr id="699" name="Google Shape;699;p70"/>
+          <p:cNvPr id="700" name="Google Shape;700;p70"/>
           <p:cNvSpPr txBox="1"/>
           <p:nvPr>
             <p:ph type="title"/>
@@ -47128,7 +47145,7 @@
                 <a:cs typeface="Georgia"/>
                 <a:sym typeface="Georgia"/>
               </a:rPr>
-              <a:t>Romania with step costs in km</a:t>
+              <a:t>Best-first search</a:t>
             </a:r>
             <a:endParaRPr/>
           </a:p>
@@ -47136,7 +47153,406 @@
       </p:sp>
       <p:sp>
         <p:nvSpPr>
-          <p:cNvPr id="700" name="Google Shape;700;p70"/>
+          <p:cNvPr id="701" name="Google Shape;701;p70"/>
+          <p:cNvSpPr txBox="1"/>
+          <p:nvPr>
+            <p:ph idx="1" type="body"/>
+          </p:nvPr>
+        </p:nvSpPr>
+        <p:spPr>
+          <a:xfrm>
+            <a:off x="301752" y="1527048"/>
+            <a:ext cx="8503800" cy="4572000"/>
+          </a:xfrm>
+          <a:prstGeom prst="rect">
+            <a:avLst/>
+          </a:prstGeom>
+          <a:noFill/>
+          <a:ln>
+            <a:noFill/>
+          </a:ln>
+        </p:spPr>
+        <p:txBody>
+          <a:bodyPr anchorCtr="0" anchor="t" bIns="45700" lIns="91425" spcFirstLastPara="1" rIns="91425" wrap="square" tIns="45700">
+            <a:noAutofit/>
+          </a:bodyPr>
+          <a:lstStyle/>
+          <a:p>
+            <a:pPr indent="-321310" lvl="0" marL="273050" marR="0" rtl="0" algn="l">
+              <a:lnSpc>
+                <a:spcPct val="115000"/>
+              </a:lnSpc>
+              <a:spcBef>
+                <a:spcPts val="0"/>
+              </a:spcBef>
+              <a:spcAft>
+                <a:spcPts val="0"/>
+              </a:spcAft>
+              <a:buClr>
+                <a:schemeClr val="accent1"/>
+              </a:buClr>
+              <a:buSzPts val="2800"/>
+              <a:buFont typeface="Noto Sans Symbols"/>
+              <a:buChar char="⚫"/>
+            </a:pPr>
+            <a:r>
+              <a:rPr b="0" i="0" lang="en-US" sz="2800" u="none" cap="none" strike="noStrike">
+                <a:solidFill>
+                  <a:schemeClr val="dk1"/>
+                </a:solidFill>
+                <a:latin typeface="Georgia"/>
+                <a:ea typeface="Georgia"/>
+                <a:cs typeface="Georgia"/>
+                <a:sym typeface="Georgia"/>
+              </a:rPr>
+              <a:t>Idea: use an </a:t>
+            </a:r>
+            <a:r>
+              <a:rPr b="0" i="0" lang="en-US" sz="2800" u="none" cap="none" strike="noStrike">
+                <a:solidFill>
+                  <a:srgbClr val="FF0000"/>
+                </a:solidFill>
+                <a:latin typeface="Georgia"/>
+                <a:ea typeface="Georgia"/>
+                <a:cs typeface="Georgia"/>
+                <a:sym typeface="Georgia"/>
+              </a:rPr>
+              <a:t>evaluation function</a:t>
+            </a:r>
+            <a:r>
+              <a:rPr b="0" i="0" lang="en-US" sz="2800" u="none" cap="none" strike="noStrike">
+                <a:solidFill>
+                  <a:schemeClr val="dk1"/>
+                </a:solidFill>
+                <a:latin typeface="Georgia"/>
+                <a:ea typeface="Georgia"/>
+                <a:cs typeface="Georgia"/>
+                <a:sym typeface="Georgia"/>
+              </a:rPr>
+              <a:t> </a:t>
+            </a:r>
+            <a:r>
+              <a:rPr b="0" i="1" lang="en-US" sz="2800" u="none" cap="none" strike="noStrike">
+                <a:solidFill>
+                  <a:schemeClr val="dk1"/>
+                </a:solidFill>
+                <a:latin typeface="Georgia"/>
+                <a:ea typeface="Georgia"/>
+                <a:cs typeface="Georgia"/>
+                <a:sym typeface="Georgia"/>
+              </a:rPr>
+              <a:t>f(n) </a:t>
+            </a:r>
+            <a:r>
+              <a:rPr b="0" i="0" lang="en-US" sz="2800" u="none" cap="none" strike="noStrike">
+                <a:solidFill>
+                  <a:schemeClr val="dk1"/>
+                </a:solidFill>
+                <a:latin typeface="Georgia"/>
+                <a:ea typeface="Georgia"/>
+                <a:cs typeface="Georgia"/>
+                <a:sym typeface="Georgia"/>
+              </a:rPr>
+              <a:t>for each node</a:t>
+            </a:r>
+            <a:endParaRPr sz="2800"/>
+          </a:p>
+          <a:p>
+            <a:pPr indent="-361950" lvl="1" marL="547687" marR="0" rtl="0" algn="l">
+              <a:lnSpc>
+                <a:spcPct val="115000"/>
+              </a:lnSpc>
+              <a:spcBef>
+                <a:spcPts val="400"/>
+              </a:spcBef>
+              <a:spcAft>
+                <a:spcPts val="0"/>
+              </a:spcAft>
+              <a:buClr>
+                <a:schemeClr val="accent2"/>
+              </a:buClr>
+              <a:buSzPts val="2800"/>
+              <a:buFont typeface="Noto Sans Symbols"/>
+              <a:buChar char="⚪"/>
+            </a:pPr>
+            <a:r>
+              <a:rPr b="0" i="0" lang="en-US" sz="2800" u="none" cap="none" strike="noStrike">
+                <a:solidFill>
+                  <a:schemeClr val="dk2"/>
+                </a:solidFill>
+                <a:latin typeface="Georgia"/>
+                <a:ea typeface="Georgia"/>
+                <a:cs typeface="Georgia"/>
+                <a:sym typeface="Georgia"/>
+              </a:rPr>
+              <a:t>estimate of "desirability"</a:t>
+            </a:r>
+            <a:endParaRPr sz="2800"/>
+          </a:p>
+          <a:p>
+            <a:pPr indent="-361950" lvl="1" marL="547687" marR="0" rtl="0" algn="l">
+              <a:lnSpc>
+                <a:spcPct val="115000"/>
+              </a:lnSpc>
+              <a:spcBef>
+                <a:spcPts val="400"/>
+              </a:spcBef>
+              <a:spcAft>
+                <a:spcPts val="0"/>
+              </a:spcAft>
+              <a:buClr>
+                <a:schemeClr val="accent2"/>
+              </a:buClr>
+              <a:buSzPts val="2800"/>
+              <a:buFont typeface="Noto Sans Symbols"/>
+              <a:buChar char="🡪"/>
+            </a:pPr>
+            <a:r>
+              <a:rPr b="0" i="0" lang="en-US" sz="2800" u="none" cap="none" strike="noStrike">
+                <a:solidFill>
+                  <a:schemeClr val="dk2"/>
+                </a:solidFill>
+                <a:latin typeface="Georgia"/>
+                <a:ea typeface="Georgia"/>
+                <a:cs typeface="Georgia"/>
+                <a:sym typeface="Georgia"/>
+              </a:rPr>
+              <a:t>Expand most desirable unexpanded nod</a:t>
+            </a:r>
+            <a:r>
+              <a:rPr b="0" i="0" lang="en-US" sz="2800" u="none" cap="none" strike="noStrike">
+                <a:solidFill>
+                  <a:schemeClr val="dk2"/>
+                </a:solidFill>
+                <a:latin typeface="Georgia"/>
+                <a:ea typeface="Georgia"/>
+                <a:cs typeface="Georgia"/>
+                <a:sym typeface="Georgia"/>
+              </a:rPr>
+              <a:t>e</a:t>
+            </a:r>
+            <a:endParaRPr b="0" i="0" sz="2800" u="none" cap="none" strike="noStrike">
+              <a:solidFill>
+                <a:schemeClr val="dk2"/>
+              </a:solidFill>
+              <a:latin typeface="Georgia"/>
+              <a:ea typeface="Georgia"/>
+              <a:cs typeface="Georgia"/>
+              <a:sym typeface="Georgia"/>
+            </a:endParaRPr>
+          </a:p>
+          <a:p>
+            <a:pPr indent="-321310" lvl="0" marL="273050" marR="0" rtl="0" algn="l">
+              <a:lnSpc>
+                <a:spcPct val="115000"/>
+              </a:lnSpc>
+              <a:spcBef>
+                <a:spcPts val="480"/>
+              </a:spcBef>
+              <a:spcAft>
+                <a:spcPts val="0"/>
+              </a:spcAft>
+              <a:buClr>
+                <a:schemeClr val="accent1"/>
+              </a:buClr>
+              <a:buSzPts val="2800"/>
+              <a:buFont typeface="Noto Sans Symbols"/>
+              <a:buChar char="⚫"/>
+            </a:pPr>
+            <a:r>
+              <a:rPr b="0" i="0" lang="en-US" sz="2800" u="sng" cap="none" strike="noStrike">
+                <a:solidFill>
+                  <a:schemeClr val="dk1"/>
+                </a:solidFill>
+                <a:latin typeface="Georgia"/>
+                <a:ea typeface="Georgia"/>
+                <a:cs typeface="Georgia"/>
+                <a:sym typeface="Georgia"/>
+              </a:rPr>
+              <a:t>Implementation</a:t>
+            </a:r>
+            <a:r>
+              <a:rPr b="0" i="0" lang="en-US" sz="2800" u="none" cap="none" strike="noStrike">
+                <a:solidFill>
+                  <a:schemeClr val="dk1"/>
+                </a:solidFill>
+                <a:latin typeface="Georgia"/>
+                <a:ea typeface="Georgia"/>
+                <a:cs typeface="Georgia"/>
+                <a:sym typeface="Georgia"/>
+              </a:rPr>
+              <a:t>:</a:t>
+            </a:r>
+            <a:endParaRPr sz="2800"/>
+          </a:p>
+          <a:p>
+            <a:pPr indent="-273050" lvl="0" marL="273050" marR="0" rtl="0" algn="l">
+              <a:lnSpc>
+                <a:spcPct val="115000"/>
+              </a:lnSpc>
+              <a:spcBef>
+                <a:spcPts val="480"/>
+              </a:spcBef>
+              <a:spcAft>
+                <a:spcPts val="0"/>
+              </a:spcAft>
+              <a:buClr>
+                <a:schemeClr val="accent1"/>
+              </a:buClr>
+              <a:buSzPts val="2040"/>
+              <a:buFont typeface="Noto Sans Symbols"/>
+              <a:buNone/>
+            </a:pPr>
+            <a:r>
+              <a:rPr b="0" i="0" lang="en-US" sz="2800" u="none" cap="none" strike="noStrike">
+                <a:solidFill>
+                  <a:schemeClr val="dk1"/>
+                </a:solidFill>
+                <a:latin typeface="Georgia"/>
+                <a:ea typeface="Georgia"/>
+                <a:cs typeface="Georgia"/>
+                <a:sym typeface="Georgia"/>
+              </a:rPr>
+              <a:t>	Order the nodes in frontier in decreasing order of desirability</a:t>
+            </a:r>
+            <a:endParaRPr sz="2800"/>
+          </a:p>
+          <a:p>
+            <a:pPr indent="-321310" lvl="0" marL="273050" marR="0" rtl="0" algn="l">
+              <a:lnSpc>
+                <a:spcPct val="115000"/>
+              </a:lnSpc>
+              <a:spcBef>
+                <a:spcPts val="480"/>
+              </a:spcBef>
+              <a:spcAft>
+                <a:spcPts val="0"/>
+              </a:spcAft>
+              <a:buClr>
+                <a:schemeClr val="accent1"/>
+              </a:buClr>
+              <a:buSzPts val="2800"/>
+              <a:buFont typeface="Noto Sans Symbols"/>
+              <a:buChar char="⚫"/>
+            </a:pPr>
+            <a:r>
+              <a:rPr b="0" i="0" lang="en-US" sz="2800" u="none" cap="none" strike="noStrike">
+                <a:solidFill>
+                  <a:schemeClr val="dk1"/>
+                </a:solidFill>
+                <a:latin typeface="Georgia"/>
+                <a:ea typeface="Georgia"/>
+                <a:cs typeface="Georgia"/>
+                <a:sym typeface="Georgia"/>
+              </a:rPr>
+              <a:t>Special cases:</a:t>
+            </a:r>
+            <a:endParaRPr sz="2800"/>
+          </a:p>
+          <a:p>
+            <a:pPr indent="-361950" lvl="1" marL="547687" marR="0" rtl="0" algn="l">
+              <a:lnSpc>
+                <a:spcPct val="115000"/>
+              </a:lnSpc>
+              <a:spcBef>
+                <a:spcPts val="400"/>
+              </a:spcBef>
+              <a:spcAft>
+                <a:spcPts val="0"/>
+              </a:spcAft>
+              <a:buClr>
+                <a:schemeClr val="accent2"/>
+              </a:buClr>
+              <a:buSzPts val="2800"/>
+              <a:buFont typeface="Noto Sans Symbols"/>
+              <a:buChar char="⚪"/>
+            </a:pPr>
+            <a:r>
+              <a:rPr b="0" i="0" lang="en-US" sz="2800" u="none" cap="none" strike="noStrike">
+                <a:solidFill>
+                  <a:schemeClr val="dk2"/>
+                </a:solidFill>
+                <a:latin typeface="Georgia"/>
+                <a:ea typeface="Georgia"/>
+                <a:cs typeface="Georgia"/>
+                <a:sym typeface="Georgia"/>
+              </a:rPr>
+              <a:t>greedy best-first search</a:t>
+            </a:r>
+            <a:endParaRPr sz="2800"/>
+          </a:p>
+          <a:p>
+            <a:pPr indent="-361950" lvl="1" marL="547687" marR="0" rtl="0" algn="l">
+              <a:lnSpc>
+                <a:spcPct val="115000"/>
+              </a:lnSpc>
+              <a:spcBef>
+                <a:spcPts val="400"/>
+              </a:spcBef>
+              <a:spcAft>
+                <a:spcPts val="0"/>
+              </a:spcAft>
+              <a:buClr>
+                <a:schemeClr val="accent2"/>
+              </a:buClr>
+              <a:buSzPts val="2800"/>
+              <a:buFont typeface="Noto Sans Symbols"/>
+              <a:buChar char="⚪"/>
+            </a:pPr>
+            <a:r>
+              <a:rPr b="0" i="0" lang="en-US" sz="2800" u="none" cap="none" strike="noStrike">
+                <a:solidFill>
+                  <a:schemeClr val="dk2"/>
+                </a:solidFill>
+                <a:latin typeface="Georgia"/>
+                <a:ea typeface="Georgia"/>
+                <a:cs typeface="Georgia"/>
+                <a:sym typeface="Georgia"/>
+              </a:rPr>
+              <a:t>A</a:t>
+            </a:r>
+            <a:r>
+              <a:rPr b="0" baseline="30000" i="0" lang="en-US" sz="2800" u="none" cap="none" strike="noStrike">
+                <a:solidFill>
+                  <a:schemeClr val="dk2"/>
+                </a:solidFill>
+                <a:latin typeface="Georgia"/>
+                <a:ea typeface="Georgia"/>
+                <a:cs typeface="Georgia"/>
+                <a:sym typeface="Georgia"/>
+              </a:rPr>
+              <a:t>*</a:t>
+            </a:r>
+            <a:r>
+              <a:rPr b="0" i="0" lang="en-US" sz="2800" u="none" cap="none" strike="noStrike">
+                <a:solidFill>
+                  <a:schemeClr val="dk2"/>
+                </a:solidFill>
+                <a:latin typeface="Georgia"/>
+                <a:ea typeface="Georgia"/>
+                <a:cs typeface="Georgia"/>
+                <a:sym typeface="Georgia"/>
+              </a:rPr>
+              <a:t> search</a:t>
+            </a:r>
+            <a:br>
+              <a:rPr b="0" i="0" lang="en-US" sz="2800" u="none" cap="none" strike="noStrike">
+                <a:solidFill>
+                  <a:schemeClr val="dk2"/>
+                </a:solidFill>
+                <a:latin typeface="Georgia"/>
+                <a:ea typeface="Georgia"/>
+                <a:cs typeface="Georgia"/>
+                <a:sym typeface="Georgia"/>
+              </a:rPr>
+            </a:br>
+            <a:endParaRPr sz="2800"/>
+          </a:p>
+        </p:txBody>
+      </p:sp>
+      <p:sp>
+        <p:nvSpPr>
+          <p:cNvPr id="702" name="Google Shape;702;p70"/>
           <p:cNvSpPr txBox="1"/>
           <p:nvPr>
             <p:ph idx="12" type="sldNum"/>
@@ -47179,34 +47595,6 @@
           </a:p>
         </p:txBody>
       </p:sp>
-      <p:pic>
-        <p:nvPicPr>
-          <p:cNvPr id="701" name="Google Shape;701;p70"/>
-          <p:cNvPicPr preferRelativeResize="0"/>
-          <p:nvPr/>
-        </p:nvPicPr>
-        <p:blipFill>
-          <a:blip r:embed="rId3">
-            <a:alphaModFix/>
-          </a:blip>
-          <a:stretch>
-            <a:fillRect/>
-          </a:stretch>
-        </p:blipFill>
-        <p:spPr>
-          <a:xfrm>
-            <a:off x="152400" y="1656025"/>
-            <a:ext cx="8839202" cy="5035676"/>
-          </a:xfrm>
-          <a:prstGeom prst="rect">
-            <a:avLst/>
-          </a:prstGeom>
-          <a:noFill/>
-          <a:ln>
-            <a:noFill/>
-          </a:ln>
-        </p:spPr>
-      </p:pic>
     </p:spTree>
   </p:cSld>
   <p:clrMapOvr>
@@ -47227,7 +47615,7 @@
     </p:bg>
     <p:spTree>
       <p:nvGrpSpPr>
-        <p:cNvPr id="705" name="Shape 705"/>
+        <p:cNvPr id="706" name="Shape 706"/>
         <p:cNvGrpSpPr/>
         <p:nvPr/>
       </p:nvGrpSpPr>
@@ -47241,7 +47629,7 @@
       </p:grpSpPr>
       <p:sp>
         <p:nvSpPr>
-          <p:cNvPr id="706" name="Google Shape;706;p71"/>
+          <p:cNvPr id="707" name="Google Shape;707;p71"/>
           <p:cNvSpPr txBox="1"/>
           <p:nvPr>
             <p:ph type="title"/>
@@ -47293,406 +47681,8 @@
                 <a:cs typeface="Georgia"/>
                 <a:sym typeface="Georgia"/>
               </a:rPr>
-              <a:t>Greedy best-first search</a:t>
-            </a:r>
-            <a:endParaRPr/>
-          </a:p>
-        </p:txBody>
-      </p:sp>
-      <p:sp>
-        <p:nvSpPr>
-          <p:cNvPr id="707" name="Google Shape;707;p71"/>
-          <p:cNvSpPr txBox="1"/>
-          <p:nvPr>
-            <p:ph idx="1" type="body"/>
-          </p:nvPr>
-        </p:nvSpPr>
-        <p:spPr>
-          <a:xfrm>
-            <a:off x="301752" y="1527048"/>
-            <a:ext cx="8503800" cy="4572000"/>
-          </a:xfrm>
-          <a:prstGeom prst="rect">
-            <a:avLst/>
-          </a:prstGeom>
-          <a:noFill/>
-          <a:ln>
-            <a:noFill/>
-          </a:ln>
-        </p:spPr>
-        <p:txBody>
-          <a:bodyPr anchorCtr="0" anchor="t" bIns="45700" lIns="91425" spcFirstLastPara="1" rIns="91425" wrap="square" tIns="45700">
-            <a:noAutofit/>
-          </a:bodyPr>
-          <a:lstStyle/>
-          <a:p>
-            <a:pPr indent="-273050" lvl="0" marL="273050" marR="0" rtl="0" algn="l">
-              <a:lnSpc>
-                <a:spcPct val="100000"/>
-              </a:lnSpc>
-              <a:spcBef>
-                <a:spcPts val="0"/>
-              </a:spcBef>
-              <a:spcAft>
-                <a:spcPts val="0"/>
-              </a:spcAft>
-              <a:buClr>
-                <a:schemeClr val="accent1"/>
-              </a:buClr>
-              <a:buSzPts val="2295"/>
-              <a:buFont typeface="Noto Sans Symbols"/>
-              <a:buChar char="⚫"/>
-            </a:pPr>
-            <a:r>
-              <a:rPr b="0" i="0" lang="en-US" sz="2700" u="none" cap="none" strike="noStrike">
-                <a:solidFill>
-                  <a:schemeClr val="dk1"/>
-                </a:solidFill>
-                <a:latin typeface="Georgia"/>
-                <a:ea typeface="Georgia"/>
-                <a:cs typeface="Georgia"/>
-                <a:sym typeface="Georgia"/>
-              </a:rPr>
-              <a:t>Evaluation function </a:t>
-            </a:r>
-            <a:endParaRPr/>
-          </a:p>
-          <a:p>
-            <a:pPr indent="-273050" lvl="1" marL="547687" marR="0" rtl="0" algn="l">
-              <a:lnSpc>
-                <a:spcPct val="100000"/>
-              </a:lnSpc>
-              <a:spcBef>
-                <a:spcPts val="440"/>
-              </a:spcBef>
-              <a:spcAft>
-                <a:spcPts val="0"/>
-              </a:spcAft>
-              <a:buClr>
-                <a:schemeClr val="accent2"/>
-              </a:buClr>
-              <a:buSzPts val="1540"/>
-              <a:buFont typeface="Noto Sans Symbols"/>
-              <a:buChar char="⚪"/>
-            </a:pPr>
-            <a:r>
-              <a:rPr b="0" i="1" lang="en-US" sz="2200" u="none" cap="none" strike="noStrike">
-                <a:solidFill>
-                  <a:schemeClr val="dk2"/>
-                </a:solidFill>
-                <a:latin typeface="Georgia"/>
-                <a:ea typeface="Georgia"/>
-                <a:cs typeface="Georgia"/>
-                <a:sym typeface="Georgia"/>
-              </a:rPr>
-              <a:t>f(n) = h(n) </a:t>
-            </a:r>
-            <a:r>
-              <a:rPr b="0" i="0" lang="en-US" sz="2200" u="none" cap="none" strike="noStrike">
-                <a:solidFill>
-                  <a:schemeClr val="dk2"/>
-                </a:solidFill>
-                <a:latin typeface="Georgia"/>
-                <a:ea typeface="Georgia"/>
-                <a:cs typeface="Georgia"/>
-                <a:sym typeface="Georgia"/>
-              </a:rPr>
-              <a:t>(</a:t>
-            </a:r>
-            <a:r>
-              <a:rPr b="0" i="0" lang="en-US" sz="2200" u="none" cap="none" strike="noStrike">
-                <a:solidFill>
-                  <a:srgbClr val="FF0000"/>
-                </a:solidFill>
-                <a:latin typeface="Georgia"/>
-                <a:ea typeface="Georgia"/>
-                <a:cs typeface="Georgia"/>
-                <a:sym typeface="Georgia"/>
-              </a:rPr>
-              <a:t>h</a:t>
-            </a:r>
-            <a:r>
-              <a:rPr b="0" i="0" lang="en-US" sz="2200" u="none" cap="none" strike="noStrike">
-                <a:solidFill>
-                  <a:schemeClr val="dk2"/>
-                </a:solidFill>
-                <a:latin typeface="Georgia"/>
-                <a:ea typeface="Georgia"/>
-                <a:cs typeface="Georgia"/>
-                <a:sym typeface="Georgia"/>
-              </a:rPr>
-              <a:t>euristic)</a:t>
-            </a:r>
-            <a:endParaRPr/>
-          </a:p>
-          <a:p>
-            <a:pPr indent="-273050" lvl="1" marL="547687" marR="0" rtl="0" algn="l">
-              <a:lnSpc>
-                <a:spcPct val="100000"/>
-              </a:lnSpc>
-              <a:spcBef>
-                <a:spcPts val="440"/>
-              </a:spcBef>
-              <a:spcAft>
-                <a:spcPts val="0"/>
-              </a:spcAft>
-              <a:buClr>
-                <a:schemeClr val="accent2"/>
-              </a:buClr>
-              <a:buSzPts val="1540"/>
-              <a:buFont typeface="Noto Sans Symbols"/>
-              <a:buChar char="⚪"/>
-            </a:pPr>
-            <a:r>
-              <a:rPr b="0" i="0" lang="en-US" sz="2200" u="none" cap="none" strike="noStrike">
-                <a:solidFill>
-                  <a:schemeClr val="dk2"/>
-                </a:solidFill>
-                <a:latin typeface="Georgia"/>
-                <a:ea typeface="Georgia"/>
-                <a:cs typeface="Georgia"/>
-                <a:sym typeface="Georgia"/>
-              </a:rPr>
-              <a:t>= estimate of cost from </a:t>
-            </a:r>
-            <a:r>
-              <a:rPr b="0" i="1" lang="en-US" sz="2200" u="none" cap="none" strike="noStrike">
-                <a:solidFill>
-                  <a:schemeClr val="dk2"/>
-                </a:solidFill>
-                <a:latin typeface="Georgia"/>
-                <a:ea typeface="Georgia"/>
-                <a:cs typeface="Georgia"/>
-                <a:sym typeface="Georgia"/>
-              </a:rPr>
-              <a:t>n</a:t>
-            </a:r>
-            <a:r>
-              <a:rPr b="0" i="0" lang="en-US" sz="2200" u="none" cap="none" strike="noStrike">
-                <a:solidFill>
-                  <a:schemeClr val="dk2"/>
-                </a:solidFill>
-                <a:latin typeface="Georgia"/>
-                <a:ea typeface="Georgia"/>
-                <a:cs typeface="Georgia"/>
-                <a:sym typeface="Georgia"/>
-              </a:rPr>
-              <a:t> to </a:t>
-            </a:r>
-            <a:r>
-              <a:rPr b="0" i="1" lang="en-US" sz="2200" u="none" cap="none" strike="noStrike">
-                <a:solidFill>
-                  <a:schemeClr val="dk2"/>
-                </a:solidFill>
-                <a:latin typeface="Georgia"/>
-                <a:ea typeface="Georgia"/>
-                <a:cs typeface="Georgia"/>
-                <a:sym typeface="Georgia"/>
-              </a:rPr>
-              <a:t>goal</a:t>
-            </a:r>
-            <a:endParaRPr/>
-          </a:p>
-          <a:p>
-            <a:pPr indent="-175259" lvl="1" marL="547687" marR="0" rtl="0" algn="l">
-              <a:lnSpc>
-                <a:spcPct val="100000"/>
-              </a:lnSpc>
-              <a:spcBef>
-                <a:spcPts val="440"/>
-              </a:spcBef>
-              <a:spcAft>
-                <a:spcPts val="0"/>
-              </a:spcAft>
-              <a:buClr>
-                <a:schemeClr val="accent2"/>
-              </a:buClr>
-              <a:buSzPts val="1540"/>
-              <a:buFont typeface="Noto Sans Symbols"/>
-              <a:buNone/>
-            </a:pPr>
-            <a:r>
-              <a:t/>
-            </a:r>
-            <a:endParaRPr b="0" i="0" sz="2200" u="none" cap="none" strike="noStrike">
-              <a:solidFill>
-                <a:schemeClr val="dk2"/>
-              </a:solidFill>
-              <a:latin typeface="Georgia"/>
-              <a:ea typeface="Georgia"/>
-              <a:cs typeface="Georgia"/>
-              <a:sym typeface="Georgia"/>
-            </a:endParaRPr>
-          </a:p>
-          <a:p>
-            <a:pPr indent="-273050" lvl="0" marL="273050" marR="0" rtl="0" algn="l">
-              <a:lnSpc>
-                <a:spcPct val="100000"/>
-              </a:lnSpc>
-              <a:spcBef>
-                <a:spcPts val="540"/>
-              </a:spcBef>
-              <a:spcAft>
-                <a:spcPts val="0"/>
-              </a:spcAft>
-              <a:buClr>
-                <a:schemeClr val="accent1"/>
-              </a:buClr>
-              <a:buSzPts val="2295"/>
-              <a:buFont typeface="Noto Sans Symbols"/>
-              <a:buChar char="⚫"/>
-            </a:pPr>
-            <a:r>
-              <a:rPr b="0" i="0" lang="en-US" sz="2700" u="none" cap="none" strike="noStrike">
-                <a:solidFill>
-                  <a:schemeClr val="dk1"/>
-                </a:solidFill>
-                <a:latin typeface="Georgia"/>
-                <a:ea typeface="Georgia"/>
-                <a:cs typeface="Georgia"/>
-                <a:sym typeface="Georgia"/>
-              </a:rPr>
-              <a:t>e.g., </a:t>
-            </a:r>
-            <a:r>
-              <a:rPr b="0" i="1" lang="en-US" sz="2700" u="none" cap="none" strike="noStrike">
-                <a:solidFill>
-                  <a:schemeClr val="dk1"/>
-                </a:solidFill>
-                <a:latin typeface="Georgia"/>
-                <a:ea typeface="Georgia"/>
-                <a:cs typeface="Georgia"/>
-                <a:sym typeface="Georgia"/>
-              </a:rPr>
-              <a:t>h</a:t>
-            </a:r>
-            <a:r>
-              <a:rPr b="0" baseline="-25000" i="1" lang="en-US" sz="2700" u="none" cap="none" strike="noStrike">
-                <a:solidFill>
-                  <a:schemeClr val="dk1"/>
-                </a:solidFill>
-                <a:latin typeface="Georgia"/>
-                <a:ea typeface="Georgia"/>
-                <a:cs typeface="Georgia"/>
-                <a:sym typeface="Georgia"/>
-              </a:rPr>
-              <a:t>SLD</a:t>
-            </a:r>
-            <a:r>
-              <a:rPr b="0" i="1" lang="en-US" sz="2700" u="none" cap="none" strike="noStrike">
-                <a:solidFill>
-                  <a:schemeClr val="dk1"/>
-                </a:solidFill>
-                <a:latin typeface="Georgia"/>
-                <a:ea typeface="Georgia"/>
-                <a:cs typeface="Georgia"/>
-                <a:sym typeface="Georgia"/>
-              </a:rPr>
-              <a:t>(n)</a:t>
-            </a:r>
-            <a:r>
-              <a:rPr b="0" i="0" lang="en-US" sz="2700" u="none" cap="none" strike="noStrike">
-                <a:solidFill>
-                  <a:schemeClr val="dk1"/>
-                </a:solidFill>
-                <a:latin typeface="Georgia"/>
-                <a:ea typeface="Georgia"/>
-                <a:cs typeface="Georgia"/>
-                <a:sym typeface="Georgia"/>
-              </a:rPr>
-              <a:t> = straight-line distance from </a:t>
-            </a:r>
-            <a:r>
-              <a:rPr b="0" i="1" lang="en-US" sz="2700" u="none" cap="none" strike="noStrike">
-                <a:solidFill>
-                  <a:schemeClr val="dk1"/>
-                </a:solidFill>
-                <a:latin typeface="Georgia"/>
-                <a:ea typeface="Georgia"/>
-                <a:cs typeface="Georgia"/>
-                <a:sym typeface="Georgia"/>
-              </a:rPr>
-              <a:t>n</a:t>
-            </a:r>
-            <a:r>
-              <a:rPr b="0" i="0" lang="en-US" sz="2700" u="none" cap="none" strike="noStrike">
-                <a:solidFill>
-                  <a:schemeClr val="dk1"/>
-                </a:solidFill>
-                <a:latin typeface="Georgia"/>
-                <a:ea typeface="Georgia"/>
-                <a:cs typeface="Georgia"/>
-                <a:sym typeface="Georgia"/>
-              </a:rPr>
-              <a:t> to Bucharest</a:t>
-            </a:r>
-            <a:endParaRPr/>
-          </a:p>
-          <a:p>
-            <a:pPr indent="-273050" lvl="0" marL="273050" marR="0" rtl="0" algn="l">
-              <a:lnSpc>
-                <a:spcPct val="100000"/>
-              </a:lnSpc>
-              <a:spcBef>
-                <a:spcPts val="540"/>
-              </a:spcBef>
-              <a:spcAft>
-                <a:spcPts val="0"/>
-              </a:spcAft>
-              <a:buClr>
-                <a:schemeClr val="accent1"/>
-              </a:buClr>
-              <a:buSzPts val="2295"/>
-              <a:buFont typeface="Noto Sans Symbols"/>
-              <a:buChar char="⚫"/>
-            </a:pPr>
-            <a:r>
-              <a:rPr b="0" i="0" lang="en-US" sz="2700" u="none" cap="none" strike="noStrike">
-                <a:solidFill>
-                  <a:schemeClr val="dk1"/>
-                </a:solidFill>
-                <a:latin typeface="Georgia"/>
-                <a:ea typeface="Georgia"/>
-                <a:cs typeface="Georgia"/>
-                <a:sym typeface="Georgia"/>
-              </a:rPr>
-              <a:t>Greedy best-first search expands the node that </a:t>
-            </a:r>
-            <a:r>
-              <a:rPr b="0" i="0" lang="en-US" sz="2700" u="none" cap="none" strike="noStrike">
-                <a:solidFill>
-                  <a:srgbClr val="FF0000"/>
-                </a:solidFill>
-                <a:latin typeface="Georgia"/>
-                <a:ea typeface="Georgia"/>
-                <a:cs typeface="Georgia"/>
-                <a:sym typeface="Georgia"/>
-              </a:rPr>
-              <a:t>appears</a:t>
-            </a:r>
-            <a:r>
-              <a:rPr b="0" i="0" lang="en-US" sz="2700" u="none" cap="none" strike="noStrike">
-                <a:solidFill>
-                  <a:schemeClr val="dk1"/>
-                </a:solidFill>
-                <a:latin typeface="Georgia"/>
-                <a:ea typeface="Georgia"/>
-                <a:cs typeface="Georgia"/>
-                <a:sym typeface="Georgia"/>
-              </a:rPr>
-              <a:t> to be closest to goal</a:t>
-            </a:r>
-            <a:br>
-              <a:rPr b="0" i="0" lang="en-US" sz="2700" u="none" cap="none" strike="noStrike">
-                <a:solidFill>
-                  <a:schemeClr val="dk1"/>
-                </a:solidFill>
-                <a:latin typeface="Georgia"/>
-                <a:ea typeface="Georgia"/>
-                <a:cs typeface="Georgia"/>
-                <a:sym typeface="Georgia"/>
-              </a:rPr>
-            </a:br>
+              <a:t>Romania with step costs in km</a:t>
+            </a:r>
             <a:endParaRPr/>
           </a:p>
         </p:txBody>
@@ -47742,6 +47732,34 @@
           </a:p>
         </p:txBody>
       </p:sp>
+      <p:pic>
+        <p:nvPicPr>
+          <p:cNvPr id="709" name="Google Shape;709;p71"/>
+          <p:cNvPicPr preferRelativeResize="0"/>
+          <p:nvPr/>
+        </p:nvPicPr>
+        <p:blipFill>
+          <a:blip r:embed="rId3">
+            <a:alphaModFix/>
+          </a:blip>
+          <a:stretch>
+            <a:fillRect/>
+          </a:stretch>
+        </p:blipFill>
+        <p:spPr>
+          <a:xfrm>
+            <a:off x="152400" y="1460650"/>
+            <a:ext cx="8839202" cy="5383450"/>
+          </a:xfrm>
+          <a:prstGeom prst="rect">
+            <a:avLst/>
+          </a:prstGeom>
+          <a:noFill/>
+          <a:ln>
+            <a:noFill/>
+          </a:ln>
+        </p:spPr>
+      </p:pic>
     </p:spTree>
   </p:cSld>
   <p:clrMapOvr>
@@ -47762,7 +47780,7 @@
     </p:bg>
     <p:spTree>
       <p:nvGrpSpPr>
-        <p:cNvPr id="712" name="Shape 712"/>
+        <p:cNvPr id="713" name="Shape 713"/>
         <p:cNvGrpSpPr/>
         <p:nvPr/>
       </p:nvGrpSpPr>
@@ -47776,7 +47794,7 @@
       </p:grpSpPr>
       <p:sp>
         <p:nvSpPr>
-          <p:cNvPr id="713" name="Google Shape;713;p72"/>
+          <p:cNvPr id="714" name="Google Shape;714;p72"/>
           <p:cNvSpPr txBox="1"/>
           <p:nvPr>
             <p:ph type="title"/>
@@ -47828,7 +47846,7 @@
                 <a:cs typeface="Georgia"/>
                 <a:sym typeface="Georgia"/>
               </a:rPr>
-              <a:t>Greedy best-first search example</a:t>
+              <a:t>Greedy best-first search</a:t>
             </a:r>
             <a:endParaRPr/>
           </a:p>
@@ -47836,7 +47854,405 @@
       </p:sp>
       <p:sp>
         <p:nvSpPr>
-          <p:cNvPr id="714" name="Google Shape;714;p72"/>
+          <p:cNvPr id="715" name="Google Shape;715;p72"/>
+          <p:cNvSpPr txBox="1"/>
+          <p:nvPr>
+            <p:ph idx="1" type="body"/>
+          </p:nvPr>
+        </p:nvSpPr>
+        <p:spPr>
+          <a:xfrm>
+            <a:off x="301752" y="1527048"/>
+            <a:ext cx="8503800" cy="4572000"/>
+          </a:xfrm>
+          <a:prstGeom prst="rect">
+            <a:avLst/>
+          </a:prstGeom>
+          <a:noFill/>
+          <a:ln>
+            <a:noFill/>
+          </a:ln>
+        </p:spPr>
+        <p:txBody>
+          <a:bodyPr anchorCtr="0" anchor="t" bIns="45700" lIns="91425" spcFirstLastPara="1" rIns="91425" wrap="square" tIns="45700">
+            <a:noAutofit/>
+          </a:bodyPr>
+          <a:lstStyle/>
+          <a:p>
+            <a:pPr indent="-317817" lvl="0" marL="273050" marR="0" rtl="0" algn="l">
+              <a:lnSpc>
+                <a:spcPct val="115000"/>
+              </a:lnSpc>
+              <a:spcBef>
+                <a:spcPts val="0"/>
+              </a:spcBef>
+              <a:spcAft>
+                <a:spcPts val="0"/>
+              </a:spcAft>
+              <a:buClr>
+                <a:schemeClr val="accent1"/>
+              </a:buClr>
+              <a:buSzPts val="3000"/>
+              <a:buFont typeface="Noto Sans Symbols"/>
+              <a:buChar char="⚫"/>
+            </a:pPr>
+            <a:r>
+              <a:rPr b="0" i="0" lang="en-US" sz="3000" u="none" cap="none" strike="noStrike">
+                <a:solidFill>
+                  <a:schemeClr val="dk1"/>
+                </a:solidFill>
+                <a:latin typeface="Georgia"/>
+                <a:ea typeface="Georgia"/>
+                <a:cs typeface="Georgia"/>
+                <a:sym typeface="Georgia"/>
+              </a:rPr>
+              <a:t>Evaluation function </a:t>
+            </a:r>
+            <a:endParaRPr sz="3000"/>
+          </a:p>
+          <a:p>
+            <a:pPr indent="-365760" lvl="1" marL="547687" marR="0" rtl="0" algn="l">
+              <a:lnSpc>
+                <a:spcPct val="115000"/>
+              </a:lnSpc>
+              <a:spcBef>
+                <a:spcPts val="440"/>
+              </a:spcBef>
+              <a:spcAft>
+                <a:spcPts val="0"/>
+              </a:spcAft>
+              <a:buClr>
+                <a:schemeClr val="accent2"/>
+              </a:buClr>
+              <a:buSzPts val="3000"/>
+              <a:buFont typeface="Noto Sans Symbols"/>
+              <a:buChar char="⚪"/>
+            </a:pPr>
+            <a:r>
+              <a:rPr b="0" i="1" lang="en-US" sz="3000" u="none" cap="none" strike="noStrike">
+                <a:solidFill>
+                  <a:schemeClr val="dk2"/>
+                </a:solidFill>
+                <a:latin typeface="Georgia"/>
+                <a:ea typeface="Georgia"/>
+                <a:cs typeface="Georgia"/>
+                <a:sym typeface="Georgia"/>
+              </a:rPr>
+              <a:t>f(n) = h(n) </a:t>
+            </a:r>
+            <a:r>
+              <a:rPr b="0" i="0" lang="en-US" sz="3000" u="none" cap="none" strike="noStrike">
+                <a:solidFill>
+                  <a:schemeClr val="dk2"/>
+                </a:solidFill>
+                <a:latin typeface="Georgia"/>
+                <a:ea typeface="Georgia"/>
+                <a:cs typeface="Georgia"/>
+                <a:sym typeface="Georgia"/>
+              </a:rPr>
+              <a:t>(</a:t>
+            </a:r>
+            <a:r>
+              <a:rPr b="0" i="0" lang="en-US" sz="3000" u="none" cap="none" strike="noStrike">
+                <a:solidFill>
+                  <a:srgbClr val="FF0000"/>
+                </a:solidFill>
+                <a:latin typeface="Georgia"/>
+                <a:ea typeface="Georgia"/>
+                <a:cs typeface="Georgia"/>
+                <a:sym typeface="Georgia"/>
+              </a:rPr>
+              <a:t>h</a:t>
+            </a:r>
+            <a:r>
+              <a:rPr b="0" i="0" lang="en-US" sz="3000" u="none" cap="none" strike="noStrike">
+                <a:solidFill>
+                  <a:schemeClr val="dk2"/>
+                </a:solidFill>
+                <a:latin typeface="Georgia"/>
+                <a:ea typeface="Georgia"/>
+                <a:cs typeface="Georgia"/>
+                <a:sym typeface="Georgia"/>
+              </a:rPr>
+              <a:t>euristic)</a:t>
+            </a:r>
+            <a:endParaRPr sz="3000"/>
+          </a:p>
+          <a:p>
+            <a:pPr indent="-365760" lvl="1" marL="547687" marR="0" rtl="0" algn="l">
+              <a:lnSpc>
+                <a:spcPct val="115000"/>
+              </a:lnSpc>
+              <a:spcBef>
+                <a:spcPts val="440"/>
+              </a:spcBef>
+              <a:spcAft>
+                <a:spcPts val="0"/>
+              </a:spcAft>
+              <a:buClr>
+                <a:schemeClr val="accent2"/>
+              </a:buClr>
+              <a:buSzPts val="3000"/>
+              <a:buFont typeface="Noto Sans Symbols"/>
+              <a:buChar char="⚪"/>
+            </a:pPr>
+            <a:r>
+              <a:rPr b="0" i="0" lang="en-US" sz="3000" u="none" cap="none" strike="noStrike">
+                <a:solidFill>
+                  <a:schemeClr val="dk2"/>
+                </a:solidFill>
+                <a:latin typeface="Georgia"/>
+                <a:ea typeface="Georgia"/>
+                <a:cs typeface="Georgia"/>
+                <a:sym typeface="Georgia"/>
+              </a:rPr>
+              <a:t>= estimate of cost from </a:t>
+            </a:r>
+            <a:r>
+              <a:rPr b="0" i="1" lang="en-US" sz="3000" u="none" cap="none" strike="noStrike">
+                <a:solidFill>
+                  <a:schemeClr val="dk2"/>
+                </a:solidFill>
+                <a:latin typeface="Georgia"/>
+                <a:ea typeface="Georgia"/>
+                <a:cs typeface="Georgia"/>
+                <a:sym typeface="Georgia"/>
+              </a:rPr>
+              <a:t>n</a:t>
+            </a:r>
+            <a:r>
+              <a:rPr b="0" i="0" lang="en-US" sz="3000" u="none" cap="none" strike="noStrike">
+                <a:solidFill>
+                  <a:schemeClr val="dk2"/>
+                </a:solidFill>
+                <a:latin typeface="Georgia"/>
+                <a:ea typeface="Georgia"/>
+                <a:cs typeface="Georgia"/>
+                <a:sym typeface="Georgia"/>
+              </a:rPr>
+              <a:t> to </a:t>
+            </a:r>
+            <a:r>
+              <a:rPr b="0" i="1" lang="en-US" sz="3000" u="none" cap="none" strike="noStrike">
+                <a:solidFill>
+                  <a:schemeClr val="dk2"/>
+                </a:solidFill>
+                <a:latin typeface="Georgia"/>
+                <a:ea typeface="Georgia"/>
+                <a:cs typeface="Georgia"/>
+                <a:sym typeface="Georgia"/>
+              </a:rPr>
+              <a:t>goal</a:t>
+            </a:r>
+            <a:endParaRPr sz="3000"/>
+          </a:p>
+          <a:p>
+            <a:pPr indent="0" lvl="1" marL="372427" marR="0" rtl="0" algn="l">
+              <a:lnSpc>
+                <a:spcPct val="115000"/>
+              </a:lnSpc>
+              <a:spcBef>
+                <a:spcPts val="440"/>
+              </a:spcBef>
+              <a:spcAft>
+                <a:spcPts val="0"/>
+              </a:spcAft>
+              <a:buClr>
+                <a:schemeClr val="accent2"/>
+              </a:buClr>
+              <a:buSzPts val="1540"/>
+              <a:buFont typeface="Noto Sans Symbols"/>
+              <a:buNone/>
+            </a:pPr>
+            <a:r>
+              <a:t/>
+            </a:r>
+            <a:endParaRPr b="0" i="0" sz="3000" u="none" cap="none" strike="noStrike">
+              <a:solidFill>
+                <a:schemeClr val="dk2"/>
+              </a:solidFill>
+              <a:latin typeface="Georgia"/>
+              <a:ea typeface="Georgia"/>
+              <a:cs typeface="Georgia"/>
+              <a:sym typeface="Georgia"/>
+            </a:endParaRPr>
+          </a:p>
+          <a:p>
+            <a:pPr indent="-317817" lvl="0" marL="273050" marR="0" rtl="0" algn="l">
+              <a:lnSpc>
+                <a:spcPct val="115000"/>
+              </a:lnSpc>
+              <a:spcBef>
+                <a:spcPts val="540"/>
+              </a:spcBef>
+              <a:spcAft>
+                <a:spcPts val="0"/>
+              </a:spcAft>
+              <a:buClr>
+                <a:schemeClr val="accent1"/>
+              </a:buClr>
+              <a:buSzPts val="3000"/>
+              <a:buFont typeface="Noto Sans Symbols"/>
+              <a:buChar char="⚫"/>
+            </a:pPr>
+            <a:r>
+              <a:rPr b="0" i="0" lang="en-US" sz="3000" u="none" cap="none" strike="noStrike">
+                <a:solidFill>
+                  <a:schemeClr val="dk1"/>
+                </a:solidFill>
+                <a:latin typeface="Georgia"/>
+                <a:ea typeface="Georgia"/>
+                <a:cs typeface="Georgia"/>
+                <a:sym typeface="Georgia"/>
+              </a:rPr>
+              <a:t>e.g., </a:t>
+            </a:r>
+            <a:r>
+              <a:rPr b="0" i="1" lang="en-US" sz="3000" u="none" cap="none" strike="noStrike">
+                <a:solidFill>
+                  <a:schemeClr val="dk1"/>
+                </a:solidFill>
+                <a:latin typeface="Georgia"/>
+                <a:ea typeface="Georgia"/>
+                <a:cs typeface="Georgia"/>
+                <a:sym typeface="Georgia"/>
+              </a:rPr>
+              <a:t>h</a:t>
+            </a:r>
+            <a:r>
+              <a:rPr b="0" baseline="-25000" i="1" lang="en-US" sz="3000" u="none" cap="none" strike="noStrike">
+                <a:solidFill>
+                  <a:schemeClr val="dk1"/>
+                </a:solidFill>
+                <a:latin typeface="Georgia"/>
+                <a:ea typeface="Georgia"/>
+                <a:cs typeface="Georgia"/>
+                <a:sym typeface="Georgia"/>
+              </a:rPr>
+              <a:t>SLD</a:t>
+            </a:r>
+            <a:r>
+              <a:rPr b="0" i="1" lang="en-US" sz="3000" u="none" cap="none" strike="noStrike">
+                <a:solidFill>
+                  <a:schemeClr val="dk1"/>
+                </a:solidFill>
+                <a:latin typeface="Georgia"/>
+                <a:ea typeface="Georgia"/>
+                <a:cs typeface="Georgia"/>
+                <a:sym typeface="Georgia"/>
+              </a:rPr>
+              <a:t>(n)</a:t>
+            </a:r>
+            <a:r>
+              <a:rPr b="0" i="0" lang="en-US" sz="3000" u="none" cap="none" strike="noStrike">
+                <a:solidFill>
+                  <a:schemeClr val="dk1"/>
+                </a:solidFill>
+                <a:latin typeface="Georgia"/>
+                <a:ea typeface="Georgia"/>
+                <a:cs typeface="Georgia"/>
+                <a:sym typeface="Georgia"/>
+              </a:rPr>
+              <a:t> = straight-line distance from </a:t>
+            </a:r>
+            <a:r>
+              <a:rPr b="0" i="1" lang="en-US" sz="3000" u="none" cap="none" strike="noStrike">
+                <a:solidFill>
+                  <a:schemeClr val="dk1"/>
+                </a:solidFill>
+                <a:latin typeface="Georgia"/>
+                <a:ea typeface="Georgia"/>
+                <a:cs typeface="Georgia"/>
+                <a:sym typeface="Georgia"/>
+              </a:rPr>
+              <a:t>n</a:t>
+            </a:r>
+            <a:r>
+              <a:rPr b="0" i="0" lang="en-US" sz="3000" u="none" cap="none" strike="noStrike">
+                <a:solidFill>
+                  <a:schemeClr val="dk1"/>
+                </a:solidFill>
+                <a:latin typeface="Georgia"/>
+                <a:ea typeface="Georgia"/>
+                <a:cs typeface="Georgia"/>
+                <a:sym typeface="Georgia"/>
+              </a:rPr>
+              <a:t> to Bucharest</a:t>
+            </a:r>
+            <a:endParaRPr sz="3000"/>
+          </a:p>
+          <a:p>
+            <a:pPr indent="-273050" lvl="0" marL="273050" marR="0" rtl="0" algn="l">
+              <a:lnSpc>
+                <a:spcPct val="115000"/>
+              </a:lnSpc>
+              <a:spcBef>
+                <a:spcPts val="540"/>
+              </a:spcBef>
+              <a:spcAft>
+                <a:spcPts val="0"/>
+              </a:spcAft>
+              <a:buClr>
+                <a:schemeClr val="accent1"/>
+              </a:buClr>
+              <a:buSzPts val="2295"/>
+              <a:buFont typeface="Noto Sans Symbols"/>
+              <a:buChar char="⚫"/>
+            </a:pPr>
+            <a:r>
+              <a:rPr b="0" i="0" lang="en-US" sz="3000" u="none" cap="none" strike="noStrike">
+                <a:solidFill>
+                  <a:schemeClr val="dk1"/>
+                </a:solidFill>
+                <a:latin typeface="Georgia"/>
+                <a:ea typeface="Georgia"/>
+                <a:cs typeface="Georgia"/>
+                <a:sym typeface="Georgia"/>
+              </a:rPr>
+              <a:t>Greedy best-first search expands the node that </a:t>
+            </a:r>
+            <a:r>
+              <a:rPr b="0" i="0" lang="en-US" sz="3000" u="none" cap="none" strike="noStrike">
+                <a:solidFill>
+                  <a:srgbClr val="FF0000"/>
+                </a:solidFill>
+                <a:latin typeface="Georgia"/>
+                <a:ea typeface="Georgia"/>
+                <a:cs typeface="Georgia"/>
+                <a:sym typeface="Georgia"/>
+              </a:rPr>
+              <a:t>appears</a:t>
+            </a:r>
+            <a:r>
+              <a:rPr b="0" i="0" lang="en-US" sz="3000" u="none" cap="none" strike="noStrike">
+                <a:solidFill>
+                  <a:schemeClr val="dk1"/>
+                </a:solidFill>
+                <a:latin typeface="Georgia"/>
+                <a:ea typeface="Georgia"/>
+                <a:cs typeface="Georgia"/>
+                <a:sym typeface="Georgia"/>
+              </a:rPr>
+              <a:t> to be closest to goal</a:t>
+            </a:r>
+            <a:br>
+              <a:rPr b="0" i="0" lang="en-US" sz="2700" u="none" cap="none" strike="noStrike">
+                <a:solidFill>
+                  <a:schemeClr val="dk1"/>
+                </a:solidFill>
+                <a:latin typeface="Georgia"/>
+                <a:ea typeface="Georgia"/>
+                <a:cs typeface="Georgia"/>
+                <a:sym typeface="Georgia"/>
+              </a:rPr>
+            </a:br>
+            <a:endParaRPr/>
+          </a:p>
+        </p:txBody>
+      </p:sp>
+      <p:sp>
+        <p:nvSpPr>
+          <p:cNvPr id="716" name="Google Shape;716;p72"/>
           <p:cNvSpPr txBox="1"/>
           <p:nvPr>
             <p:ph idx="12" type="sldNum"/>
@@ -47879,34 +48295,6 @@
           </a:p>
         </p:txBody>
       </p:sp>
-      <p:pic>
-        <p:nvPicPr>
-          <p:cNvPr id="715" name="Google Shape;715;p72"/>
-          <p:cNvPicPr preferRelativeResize="0"/>
-          <p:nvPr/>
-        </p:nvPicPr>
-        <p:blipFill>
-          <a:blip r:embed="rId3">
-            <a:alphaModFix/>
-          </a:blip>
-          <a:stretch>
-            <a:fillRect/>
-          </a:stretch>
-        </p:blipFill>
-        <p:spPr>
-          <a:xfrm>
-            <a:off x="2920650" y="2024212"/>
-            <a:ext cx="2809875" cy="1323975"/>
-          </a:xfrm>
-          <a:prstGeom prst="rect">
-            <a:avLst/>
-          </a:prstGeom>
-          <a:noFill/>
-          <a:ln>
-            <a:noFill/>
-          </a:ln>
-        </p:spPr>
-      </p:pic>
     </p:spTree>
   </p:cSld>
   <p:clrMapOvr>
@@ -47927,7 +48315,7 @@
     </p:bg>
     <p:spTree>
       <p:nvGrpSpPr>
-        <p:cNvPr id="719" name="Shape 719"/>
+        <p:cNvPr id="720" name="Shape 720"/>
         <p:cNvGrpSpPr/>
         <p:nvPr/>
       </p:nvGrpSpPr>
@@ -47941,7 +48329,7 @@
       </p:grpSpPr>
       <p:sp>
         <p:nvSpPr>
-          <p:cNvPr id="720" name="Google Shape;720;p73"/>
+          <p:cNvPr id="721" name="Google Shape;721;p73"/>
           <p:cNvSpPr txBox="1"/>
           <p:nvPr>
             <p:ph type="title"/>
@@ -48001,7 +48389,7 @@
       </p:sp>
       <p:sp>
         <p:nvSpPr>
-          <p:cNvPr id="721" name="Google Shape;721;p73"/>
+          <p:cNvPr id="722" name="Google Shape;722;p73"/>
           <p:cNvSpPr txBox="1"/>
           <p:nvPr>
             <p:ph idx="12" type="sldNum"/>
@@ -48046,7 +48434,7 @@
       </p:sp>
       <p:pic>
         <p:nvPicPr>
-          <p:cNvPr id="722" name="Google Shape;722;p73"/>
+          <p:cNvPr id="723" name="Google Shape;723;p73"/>
           <p:cNvPicPr preferRelativeResize="0"/>
           <p:nvPr/>
         </p:nvPicPr>
@@ -48060,8 +48448,8 @@
         </p:blipFill>
         <p:spPr>
           <a:xfrm>
-            <a:off x="152400" y="1620812"/>
-            <a:ext cx="8839200" cy="1741475"/>
+            <a:off x="2920650" y="2024212"/>
+            <a:ext cx="2809875" cy="1323975"/>
           </a:xfrm>
           <a:prstGeom prst="rect">
             <a:avLst/>
@@ -48092,7 +48480,7 @@
     </p:bg>
     <p:spTree>
       <p:nvGrpSpPr>
-        <p:cNvPr id="726" name="Shape 726"/>
+        <p:cNvPr id="727" name="Shape 727"/>
         <p:cNvGrpSpPr/>
         <p:nvPr/>
       </p:nvGrpSpPr>
@@ -48106,7 +48494,7 @@
       </p:grpSpPr>
       <p:sp>
         <p:nvSpPr>
-          <p:cNvPr id="727" name="Google Shape;727;p74"/>
+          <p:cNvPr id="728" name="Google Shape;728;p74"/>
           <p:cNvSpPr txBox="1"/>
           <p:nvPr>
             <p:ph type="title"/>
@@ -48166,7 +48554,7 @@
       </p:sp>
       <p:sp>
         <p:nvSpPr>
-          <p:cNvPr id="728" name="Google Shape;728;p74"/>
+          <p:cNvPr id="729" name="Google Shape;729;p74"/>
           <p:cNvSpPr txBox="1"/>
           <p:nvPr>
             <p:ph idx="12" type="sldNum"/>
@@ -48211,7 +48599,7 @@
       </p:sp>
       <p:pic>
         <p:nvPicPr>
-          <p:cNvPr id="729" name="Google Shape;729;p74"/>
+          <p:cNvPr id="730" name="Google Shape;730;p74"/>
           <p:cNvPicPr preferRelativeResize="0"/>
           <p:nvPr/>
         </p:nvPicPr>
@@ -48226,7 +48614,7 @@
         <p:spPr>
           <a:xfrm>
             <a:off x="152400" y="1620812"/>
-            <a:ext cx="8839198" cy="2378234"/>
+            <a:ext cx="8839200" cy="1741475"/>
           </a:xfrm>
           <a:prstGeom prst="rect">
             <a:avLst/>
@@ -48967,7 +49355,7 @@
     </p:bg>
     <p:spTree>
       <p:nvGrpSpPr>
-        <p:cNvPr id="733" name="Shape 733"/>
+        <p:cNvPr id="734" name="Shape 734"/>
         <p:cNvGrpSpPr/>
         <p:nvPr/>
       </p:nvGrpSpPr>
@@ -48981,7 +49369,7 @@
       </p:grpSpPr>
       <p:sp>
         <p:nvSpPr>
-          <p:cNvPr id="734" name="Google Shape;734;p75"/>
+          <p:cNvPr id="735" name="Google Shape;735;p75"/>
           <p:cNvSpPr txBox="1"/>
           <p:nvPr>
             <p:ph type="title"/>
@@ -49034,65 +49422,6 @@
                 <a:sym typeface="Georgia"/>
               </a:rPr>
               <a:t>Greedy best-first search example</a:t>
-            </a:r>
-            <a:endParaRPr/>
-          </a:p>
-        </p:txBody>
-      </p:sp>
-      <p:sp>
-        <p:nvSpPr>
-          <p:cNvPr id="735" name="Google Shape;735;p75"/>
-          <p:cNvSpPr txBox="1"/>
-          <p:nvPr/>
-        </p:nvSpPr>
-        <p:spPr>
-          <a:xfrm>
-            <a:off x="990600" y="6019800"/>
-            <a:ext cx="7010400" cy="369900"/>
-          </a:xfrm>
-          <a:prstGeom prst="rect">
-            <a:avLst/>
-          </a:prstGeom>
-          <a:noFill/>
-          <a:ln>
-            <a:noFill/>
-          </a:ln>
-        </p:spPr>
-        <p:txBody>
-          <a:bodyPr anchorCtr="0" anchor="t" bIns="45700" lIns="91425" spcFirstLastPara="1" rIns="91425" wrap="square" tIns="45700">
-            <a:noAutofit/>
-          </a:bodyPr>
-          <a:lstStyle/>
-          <a:p>
-            <a:pPr indent="0" lvl="0" marL="0" marR="0" rtl="0" algn="l">
-              <a:lnSpc>
-                <a:spcPct val="100000"/>
-              </a:lnSpc>
-              <a:spcBef>
-                <a:spcPts val="0"/>
-              </a:spcBef>
-              <a:spcAft>
-                <a:spcPts val="0"/>
-              </a:spcAft>
-              <a:buClr>
-                <a:schemeClr val="dk1"/>
-              </a:buClr>
-              <a:buSzPts val="1800"/>
-              <a:buFont typeface="Arial"/>
-              <a:buNone/>
-            </a:pPr>
-            <a:r>
-              <a:rPr b="0" i="0" lang="en-US" sz="1800" u="sng">
-                <a:solidFill>
-                  <a:schemeClr val="dk1"/>
-                </a:solidFill>
-                <a:latin typeface="Arial"/>
-                <a:ea typeface="Arial"/>
-                <a:cs typeface="Arial"/>
-                <a:sym typeface="Arial"/>
-                <a:hlinkClick r:id="rId3"/>
-              </a:rPr>
-              <a:t>http://aispace.org/search/</a:t>
             </a:r>
             <a:endParaRPr/>
           </a:p>
@@ -49150,7 +49479,7 @@
           <p:nvPr/>
         </p:nvPicPr>
         <p:blipFill>
-          <a:blip r:embed="rId4">
+          <a:blip r:embed="rId3">
             <a:alphaModFix/>
           </a:blip>
           <a:stretch>
@@ -49159,8 +49488,8 @@
         </p:blipFill>
         <p:spPr>
           <a:xfrm>
-            <a:off x="19050" y="1726610"/>
-            <a:ext cx="9144002" cy="3655180"/>
+            <a:off x="152400" y="1620812"/>
+            <a:ext cx="8839198" cy="2378234"/>
           </a:xfrm>
           <a:prstGeom prst="rect">
             <a:avLst/>
@@ -49257,7 +49586,7 @@
                 <a:cs typeface="Georgia"/>
                 <a:sym typeface="Georgia"/>
               </a:rPr>
-              <a:t>Properties of greedy best-first search</a:t>
+              <a:t>Greedy best-first search example</a:t>
             </a:r>
             <a:endParaRPr/>
           </a:p>
@@ -49267,14 +49596,12 @@
         <p:nvSpPr>
           <p:cNvPr id="743" name="Google Shape;743;p76"/>
           <p:cNvSpPr txBox="1"/>
-          <p:nvPr>
-            <p:ph idx="1" type="body"/>
-          </p:nvPr>
-        </p:nvSpPr>
-        <p:spPr>
-          <a:xfrm>
-            <a:off x="301752" y="1527048"/>
-            <a:ext cx="8503800" cy="4572000"/>
+          <p:nvPr/>
+        </p:nvSpPr>
+        <p:spPr>
+          <a:xfrm>
+            <a:off x="990600" y="6019800"/>
+            <a:ext cx="7010400" cy="369900"/>
           </a:xfrm>
           <a:prstGeom prst="rect">
             <a:avLst/>
@@ -49290,409 +49617,36 @@
           </a:bodyPr>
           <a:lstStyle/>
           <a:p>
-            <a:pPr indent="-273050" lvl="0" marL="273050" marR="0" rtl="0" algn="l">
-              <a:lnSpc>
-                <a:spcPct val="150000"/>
-              </a:lnSpc>
-              <a:spcBef>
-                <a:spcPts val="0"/>
-              </a:spcBef>
-              <a:spcAft>
-                <a:spcPts val="0"/>
-              </a:spcAft>
-              <a:buClr>
-                <a:schemeClr val="accent1"/>
-              </a:buClr>
-              <a:buSzPts val="2295"/>
-              <a:buFont typeface="Noto Sans Symbols"/>
-              <a:buChar char="⚫"/>
-            </a:pPr>
-            <a:r>
-              <a:rPr b="0" i="0" lang="en-US" sz="2700" u="sng" cap="none" strike="noStrike">
-                <a:solidFill>
-                  <a:srgbClr val="CC0099"/>
-                </a:solidFill>
-                <a:latin typeface="Georgia"/>
-                <a:ea typeface="Georgia"/>
-                <a:cs typeface="Georgia"/>
-                <a:sym typeface="Georgia"/>
-              </a:rPr>
-              <a:t>Complete?</a:t>
-            </a:r>
-            <a:r>
-              <a:rPr b="0" i="0" lang="en-US" sz="2700" u="none" cap="none" strike="noStrike">
+            <a:pPr indent="0" lvl="0" marL="0" marR="0" rtl="0" algn="l">
+              <a:lnSpc>
+                <a:spcPct val="100000"/>
+              </a:lnSpc>
+              <a:spcBef>
+                <a:spcPts val="0"/>
+              </a:spcBef>
+              <a:spcAft>
+                <a:spcPts val="0"/>
+              </a:spcAft>
+              <a:buClr>
+                <a:schemeClr val="dk1"/>
+              </a:buClr>
+              <a:buSzPts val="1800"/>
+              <a:buFont typeface="Arial"/>
+              <a:buNone/>
+            </a:pPr>
+            <a:r>
+              <a:rPr b="0" i="0" lang="en-US" sz="1800" u="sng">
                 <a:solidFill>
                   <a:schemeClr val="dk1"/>
                 </a:solidFill>
-                <a:latin typeface="Georgia"/>
-                <a:ea typeface="Georgia"/>
-                <a:cs typeface="Georgia"/>
-                <a:sym typeface="Georgia"/>
-              </a:rPr>
-              <a:t> No – can get stuck in loops, </a:t>
-            </a:r>
-            <a:endParaRPr/>
-          </a:p>
-          <a:p>
-            <a:pPr indent="-273050" lvl="1" marL="547687" marR="0" rtl="0" algn="l">
-              <a:lnSpc>
-                <a:spcPct val="150000"/>
-              </a:lnSpc>
-              <a:spcBef>
-                <a:spcPts val="440"/>
-              </a:spcBef>
-              <a:spcAft>
-                <a:spcPts val="0"/>
-              </a:spcAft>
-              <a:buClr>
-                <a:schemeClr val="accent2"/>
-              </a:buClr>
-              <a:buSzPts val="1540"/>
-              <a:buFont typeface="Noto Sans Symbols"/>
-              <a:buChar char="⚪"/>
-            </a:pPr>
-            <a:r>
-              <a:rPr b="0" i="0" lang="en-US" sz="2200" u="none" cap="none" strike="noStrike">
-                <a:solidFill>
-                  <a:schemeClr val="dk2"/>
-                </a:solidFill>
-                <a:latin typeface="Georgia"/>
-                <a:ea typeface="Georgia"/>
-                <a:cs typeface="Georgia"/>
-                <a:sym typeface="Georgia"/>
-              </a:rPr>
-              <a:t>e.g. as Oradea as goal</a:t>
-            </a:r>
-            <a:endParaRPr/>
-          </a:p>
-          <a:p>
-            <a:pPr indent="0" lvl="0" marL="822325" marR="0" rtl="0" algn="l">
-              <a:lnSpc>
-                <a:spcPct val="150000"/>
-              </a:lnSpc>
-              <a:spcBef>
-                <a:spcPts val="400"/>
-              </a:spcBef>
-              <a:spcAft>
-                <a:spcPts val="0"/>
-              </a:spcAft>
-              <a:buNone/>
-            </a:pPr>
-            <a:r>
-              <a:rPr b="0" i="0" lang="en-US" sz="2000" u="none" cap="none" strike="noStrike">
-                <a:solidFill>
-                  <a:schemeClr val="dk1"/>
-                </a:solidFill>
-                <a:latin typeface="Georgia"/>
-                <a:ea typeface="Georgia"/>
-                <a:cs typeface="Georgia"/>
-                <a:sym typeface="Georgia"/>
-              </a:rPr>
-              <a:t> Iasi -</a:t>
-            </a:r>
-            <a:r>
-              <a:rPr lang="en-US"/>
-              <a:t>&gt;</a:t>
-            </a:r>
-            <a:r>
-              <a:rPr b="0" i="0" lang="en-US" sz="2000" u="none" cap="none" strike="noStrike">
-                <a:solidFill>
-                  <a:schemeClr val="dk1"/>
-                </a:solidFill>
-                <a:latin typeface="Georgia"/>
-                <a:ea typeface="Georgia"/>
-                <a:cs typeface="Georgia"/>
-                <a:sym typeface="Georgia"/>
-              </a:rPr>
-              <a:t> Neamt </a:t>
-            </a:r>
-            <a:r>
-              <a:rPr lang="en-US"/>
-              <a:t>-&gt;</a:t>
-            </a:r>
-            <a:r>
-              <a:rPr b="0" i="0" lang="en-US" sz="2000" u="none" cap="none" strike="noStrike">
-                <a:solidFill>
-                  <a:schemeClr val="dk1"/>
-                </a:solidFill>
-                <a:latin typeface="Georgia"/>
-                <a:ea typeface="Georgia"/>
-                <a:cs typeface="Georgia"/>
-                <a:sym typeface="Georgia"/>
-              </a:rPr>
-              <a:t> Iasi </a:t>
-            </a:r>
-            <a:r>
-              <a:rPr lang="en-US"/>
-              <a:t>-&gt;</a:t>
-            </a:r>
-            <a:r>
-              <a:rPr b="0" i="0" lang="en-US" sz="2000" u="none" cap="none" strike="noStrike">
-                <a:solidFill>
-                  <a:schemeClr val="dk1"/>
-                </a:solidFill>
-                <a:latin typeface="Georgia"/>
-                <a:ea typeface="Georgia"/>
-                <a:cs typeface="Georgia"/>
-                <a:sym typeface="Georgia"/>
-              </a:rPr>
-              <a:t> Neamt </a:t>
-            </a:r>
-            <a:r>
-              <a:rPr lang="en-US"/>
-              <a:t>…..</a:t>
-            </a:r>
-            <a:r>
-              <a:rPr b="0" i="0" lang="en-US" sz="2000" u="none" cap="none" strike="noStrike">
-                <a:solidFill>
-                  <a:schemeClr val="dk1"/>
-                </a:solidFill>
-                <a:latin typeface="Georgia"/>
-                <a:ea typeface="Georgia"/>
-                <a:cs typeface="Georgia"/>
-                <a:sym typeface="Georgia"/>
-              </a:rPr>
-              <a:t> </a:t>
-            </a:r>
-            <a:endParaRPr/>
-          </a:p>
-          <a:p>
-            <a:pPr indent="-273050" lvl="0" marL="273050" marR="0" rtl="0" algn="l">
-              <a:lnSpc>
-                <a:spcPct val="150000"/>
-              </a:lnSpc>
-              <a:spcBef>
-                <a:spcPts val="540"/>
-              </a:spcBef>
-              <a:spcAft>
-                <a:spcPts val="0"/>
-              </a:spcAft>
-              <a:buClr>
-                <a:schemeClr val="accent1"/>
-              </a:buClr>
-              <a:buSzPts val="2295"/>
-              <a:buFont typeface="Noto Sans Symbols"/>
-              <a:buChar char="⚫"/>
-            </a:pPr>
-            <a:r>
-              <a:rPr b="0" i="0" lang="en-US" sz="2700" u="sng" cap="none" strike="noStrike">
-                <a:solidFill>
-                  <a:srgbClr val="CC0099"/>
-                </a:solidFill>
-                <a:latin typeface="Georgia"/>
-                <a:ea typeface="Georgia"/>
-                <a:cs typeface="Georgia"/>
-                <a:sym typeface="Georgia"/>
-              </a:rPr>
-              <a:t>Time?</a:t>
-            </a:r>
-            <a:r>
-              <a:rPr b="0" i="0" lang="en-US" sz="2700" u="none" cap="none" strike="noStrike">
-                <a:solidFill>
-                  <a:schemeClr val="dk1"/>
-                </a:solidFill>
-                <a:latin typeface="Georgia"/>
-                <a:ea typeface="Georgia"/>
-                <a:cs typeface="Georgia"/>
-                <a:sym typeface="Georgia"/>
-              </a:rPr>
-              <a:t> </a:t>
-            </a:r>
-            <a:r>
-              <a:rPr b="0" i="1" lang="en-US" sz="2700" u="none" cap="none" strike="noStrike">
-                <a:solidFill>
-                  <a:schemeClr val="dk1"/>
-                </a:solidFill>
-                <a:latin typeface="Georgia"/>
-                <a:ea typeface="Georgia"/>
-                <a:cs typeface="Georgia"/>
-                <a:sym typeface="Georgia"/>
-              </a:rPr>
-              <a:t>O(b</a:t>
-            </a:r>
-            <a:r>
-              <a:rPr b="0" baseline="30000" i="1" lang="en-US" sz="2700" u="none" cap="none" strike="noStrike">
-                <a:solidFill>
-                  <a:schemeClr val="dk1"/>
-                </a:solidFill>
-                <a:latin typeface="Georgia"/>
-                <a:ea typeface="Georgia"/>
-                <a:cs typeface="Georgia"/>
-                <a:sym typeface="Georgia"/>
-              </a:rPr>
-              <a:t>m</a:t>
-            </a:r>
-            <a:r>
-              <a:rPr b="0" i="1" lang="en-US" sz="2700" u="none" cap="none" strike="noStrike">
-                <a:solidFill>
-                  <a:schemeClr val="dk1"/>
-                </a:solidFill>
-                <a:latin typeface="Georgia"/>
-                <a:ea typeface="Georgia"/>
-                <a:cs typeface="Georgia"/>
-                <a:sym typeface="Georgia"/>
-              </a:rPr>
-              <a:t>)</a:t>
-            </a:r>
-            <a:r>
-              <a:rPr b="0" i="0" lang="en-US" sz="2700" u="none" cap="none" strike="noStrike">
-                <a:solidFill>
-                  <a:schemeClr val="dk1"/>
-                </a:solidFill>
-                <a:latin typeface="Georgia"/>
-                <a:ea typeface="Georgia"/>
-                <a:cs typeface="Georgia"/>
-                <a:sym typeface="Georgia"/>
-              </a:rPr>
-              <a:t>, but a good heuristic can give dramatic improvement</a:t>
-            </a:r>
-            <a:endParaRPr/>
-          </a:p>
-          <a:p>
-            <a:pPr indent="-273050" lvl="0" marL="273050" marR="0" rtl="0" algn="l">
-              <a:lnSpc>
-                <a:spcPct val="150000"/>
-              </a:lnSpc>
-              <a:spcBef>
-                <a:spcPts val="540"/>
-              </a:spcBef>
-              <a:spcAft>
-                <a:spcPts val="0"/>
-              </a:spcAft>
-              <a:buClr>
-                <a:schemeClr val="accent1"/>
-              </a:buClr>
-              <a:buSzPts val="2295"/>
-              <a:buFont typeface="Noto Sans Symbols"/>
-              <a:buChar char="⚫"/>
-            </a:pPr>
-            <a:r>
-              <a:rPr b="0" i="0" lang="en-US" sz="2700" u="sng" cap="none" strike="noStrike">
-                <a:solidFill>
-                  <a:srgbClr val="CC0099"/>
-                </a:solidFill>
-                <a:latin typeface="Georgia"/>
-                <a:ea typeface="Georgia"/>
-                <a:cs typeface="Georgia"/>
-                <a:sym typeface="Georgia"/>
-              </a:rPr>
-              <a:t>Space?</a:t>
-            </a:r>
-            <a:r>
-              <a:rPr b="0" i="0" lang="en-US" sz="2700" u="none" cap="none" strike="noStrike">
-                <a:solidFill>
-                  <a:schemeClr val="dk1"/>
-                </a:solidFill>
-                <a:latin typeface="Georgia"/>
-                <a:ea typeface="Georgia"/>
-                <a:cs typeface="Georgia"/>
-                <a:sym typeface="Georgia"/>
-              </a:rPr>
-              <a:t> </a:t>
-            </a:r>
-            <a:r>
-              <a:rPr b="0" i="1" lang="en-US" sz="2700" u="none" cap="none" strike="noStrike">
-                <a:solidFill>
-                  <a:schemeClr val="dk1"/>
-                </a:solidFill>
-                <a:latin typeface="Georgia"/>
-                <a:ea typeface="Georgia"/>
-                <a:cs typeface="Georgia"/>
-                <a:sym typeface="Georgia"/>
-              </a:rPr>
-              <a:t>O(b</a:t>
-            </a:r>
-            <a:r>
-              <a:rPr b="0" baseline="30000" i="1" lang="en-US" sz="2700" u="none" cap="none" strike="noStrike">
-                <a:solidFill>
-                  <a:schemeClr val="dk1"/>
-                </a:solidFill>
-                <a:latin typeface="Georgia"/>
-                <a:ea typeface="Georgia"/>
-                <a:cs typeface="Georgia"/>
-                <a:sym typeface="Georgia"/>
-              </a:rPr>
-              <a:t>m</a:t>
-            </a:r>
-            <a:r>
-              <a:rPr b="0" i="1" lang="en-US" sz="2700" u="none" cap="none" strike="noStrike">
-                <a:solidFill>
-                  <a:schemeClr val="dk1"/>
-                </a:solidFill>
-                <a:latin typeface="Georgia"/>
-                <a:ea typeface="Georgia"/>
-                <a:cs typeface="Georgia"/>
-                <a:sym typeface="Georgia"/>
-              </a:rPr>
-              <a:t>) </a:t>
-            </a:r>
-            <a:r>
-              <a:rPr b="0" i="0" lang="en-US" sz="2700" u="none" cap="none" strike="noStrike">
-                <a:solidFill>
-                  <a:schemeClr val="dk1"/>
-                </a:solidFill>
-                <a:latin typeface="Georgia"/>
-                <a:ea typeface="Georgia"/>
-                <a:cs typeface="Georgia"/>
-                <a:sym typeface="Georgia"/>
-              </a:rPr>
-              <a:t>-- keeps all nodes in memory</a:t>
-            </a:r>
-            <a:endParaRPr/>
-          </a:p>
-          <a:p>
-            <a:pPr indent="-273050" lvl="0" marL="273050" marR="0" rtl="0" algn="l">
-              <a:lnSpc>
-                <a:spcPct val="150000"/>
-              </a:lnSpc>
-              <a:spcBef>
-                <a:spcPts val="540"/>
-              </a:spcBef>
-              <a:spcAft>
-                <a:spcPts val="0"/>
-              </a:spcAft>
-              <a:buClr>
-                <a:schemeClr val="accent1"/>
-              </a:buClr>
-              <a:buSzPts val="2295"/>
-              <a:buFont typeface="Noto Sans Symbols"/>
-              <a:buChar char="⚫"/>
-            </a:pPr>
-            <a:r>
-              <a:rPr b="0" i="0" lang="en-US" sz="2700" u="sng" cap="none" strike="noStrike">
-                <a:solidFill>
-                  <a:srgbClr val="CC0099"/>
-                </a:solidFill>
-                <a:latin typeface="Georgia"/>
-                <a:ea typeface="Georgia"/>
-                <a:cs typeface="Georgia"/>
-                <a:sym typeface="Georgia"/>
-              </a:rPr>
-              <a:t>Optimal?</a:t>
-            </a:r>
-            <a:r>
-              <a:rPr b="0" i="0" lang="en-US" sz="2700" u="none" cap="none" strike="noStrike">
-                <a:solidFill>
-                  <a:schemeClr val="dk1"/>
-                </a:solidFill>
-                <a:latin typeface="Georgia"/>
-                <a:ea typeface="Georgia"/>
-                <a:cs typeface="Georgia"/>
-                <a:sym typeface="Georgia"/>
-              </a:rPr>
-              <a:t> No</a:t>
-            </a:r>
-            <a:br>
-              <a:rPr b="0" i="0" lang="en-US" sz="2700" u="none" cap="none" strike="noStrike">
-                <a:solidFill>
-                  <a:schemeClr val="dk1"/>
-                </a:solidFill>
-                <a:latin typeface="Georgia"/>
-                <a:ea typeface="Georgia"/>
-                <a:cs typeface="Georgia"/>
-                <a:sym typeface="Georgia"/>
-              </a:rPr>
-            </a:br>
+                <a:latin typeface="Arial"/>
+                <a:ea typeface="Arial"/>
+                <a:cs typeface="Arial"/>
+                <a:sym typeface="Arial"/>
+                <a:hlinkClick r:id="rId3"/>
+              </a:rPr>
+              <a:t>http://aispace.org/search/</a:t>
+            </a:r>
             <a:endParaRPr/>
           </a:p>
         </p:txBody>
@@ -49742,6 +49696,34 @@
           </a:p>
         </p:txBody>
       </p:sp>
+      <p:pic>
+        <p:nvPicPr>
+          <p:cNvPr id="745" name="Google Shape;745;p76"/>
+          <p:cNvPicPr preferRelativeResize="0"/>
+          <p:nvPr/>
+        </p:nvPicPr>
+        <p:blipFill>
+          <a:blip r:embed="rId4">
+            <a:alphaModFix/>
+          </a:blip>
+          <a:stretch>
+            <a:fillRect/>
+          </a:stretch>
+        </p:blipFill>
+        <p:spPr>
+          <a:xfrm>
+            <a:off x="19050" y="1726610"/>
+            <a:ext cx="9144002" cy="3655180"/>
+          </a:xfrm>
+          <a:prstGeom prst="rect">
+            <a:avLst/>
+          </a:prstGeom>
+          <a:noFill/>
+          <a:ln>
+            <a:noFill/>
+          </a:ln>
+        </p:spPr>
+      </p:pic>
     </p:spTree>
   </p:cSld>
   <p:clrMapOvr>
@@ -49762,7 +49744,7 @@
     </p:bg>
     <p:spTree>
       <p:nvGrpSpPr>
-        <p:cNvPr id="748" name="Shape 748"/>
+        <p:cNvPr id="749" name="Shape 749"/>
         <p:cNvGrpSpPr/>
         <p:nvPr/>
       </p:nvGrpSpPr>
@@ -49776,7 +49758,7 @@
       </p:grpSpPr>
       <p:sp>
         <p:nvSpPr>
-          <p:cNvPr id="749" name="Google Shape;749;p77"/>
+          <p:cNvPr id="750" name="Google Shape;750;p77"/>
           <p:cNvSpPr txBox="1"/>
           <p:nvPr>
             <p:ph type="title"/>
@@ -49828,31 +49810,7 @@
                 <a:cs typeface="Georgia"/>
                 <a:sym typeface="Georgia"/>
               </a:rPr>
-              <a:t>A</a:t>
-            </a:r>
-            <a:r>
-              <a:rPr b="0" baseline="30000" i="0" lang="en-US" sz="3300" u="none">
-                <a:solidFill>
-                  <a:srgbClr val="7B9899"/>
-                </a:solidFill>
-                <a:latin typeface="Georgia"/>
-                <a:ea typeface="Georgia"/>
-                <a:cs typeface="Georgia"/>
-                <a:sym typeface="Georgia"/>
-              </a:rPr>
-              <a:t>*</a:t>
-            </a:r>
-            <a:r>
-              <a:rPr b="0" i="0" lang="en-US" sz="3300" u="none">
-                <a:solidFill>
-                  <a:srgbClr val="7B9899"/>
-                </a:solidFill>
-                <a:latin typeface="Georgia"/>
-                <a:ea typeface="Georgia"/>
-                <a:cs typeface="Georgia"/>
-                <a:sym typeface="Georgia"/>
-              </a:rPr>
-              <a:t> search</a:t>
+              <a:t>Properties of greedy best-first search</a:t>
             </a:r>
             <a:endParaRPr/>
           </a:p>
@@ -49860,7 +49818,7 @@
       </p:sp>
       <p:sp>
         <p:nvSpPr>
-          <p:cNvPr id="750" name="Google Shape;750;p77"/>
+          <p:cNvPr id="751" name="Google Shape;751;p77"/>
           <p:cNvSpPr txBox="1"/>
           <p:nvPr>
             <p:ph idx="1" type="body"/>
@@ -49887,7 +49845,7 @@
           <a:p>
             <a:pPr indent="-273050" lvl="0" marL="273050" marR="0" rtl="0" algn="l">
               <a:lnSpc>
-                <a:spcPct val="115000"/>
+                <a:spcPct val="150000"/>
               </a:lnSpc>
               <a:spcBef>
                 <a:spcPts val="0"/>
@@ -49903,6 +49861,18 @@
               <a:buChar char="⚫"/>
             </a:pPr>
             <a:r>
+              <a:rPr b="0" i="0" lang="en-US" sz="2700" u="sng" cap="none" strike="noStrike">
+                <a:solidFill>
+                  <a:srgbClr val="CC0099"/>
+                </a:solidFill>
+                <a:latin typeface="Georgia"/>
+                <a:ea typeface="Georgia"/>
+                <a:cs typeface="Georgia"/>
+                <a:sym typeface="Georgia"/>
+              </a:rPr>
+              <a:t>Complete?</a:t>
+            </a:r>
+            <a:r>
               <a:rPr b="0" i="0" lang="en-US" sz="2700" u="none" cap="none" strike="noStrike">
                 <a:solidFill>
                   <a:schemeClr val="dk1"/>
@@ -49912,14 +49882,137 @@
                 <a:cs typeface="Georgia"/>
                 <a:sym typeface="Georgia"/>
               </a:rPr>
-              <a:t>Idea: avoid expanding paths that are already expensive.</a:t>
+              <a:t> No – can get stuck in loops, </a:t>
             </a:r>
             <a:endParaRPr/>
           </a:p>
           <a:p>
+            <a:pPr indent="-273050" lvl="1" marL="547687" marR="0" rtl="0" algn="l">
+              <a:lnSpc>
+                <a:spcPct val="150000"/>
+              </a:lnSpc>
+              <a:spcBef>
+                <a:spcPts val="440"/>
+              </a:spcBef>
+              <a:spcAft>
+                <a:spcPts val="0"/>
+              </a:spcAft>
+              <a:buClr>
+                <a:schemeClr val="accent2"/>
+              </a:buClr>
+              <a:buSzPts val="1540"/>
+              <a:buFont typeface="Noto Sans Symbols"/>
+              <a:buChar char="⚪"/>
+            </a:pPr>
+            <a:r>
+              <a:rPr b="0" i="0" lang="en-US" sz="2200" u="none" cap="none" strike="noStrike">
+                <a:solidFill>
+                  <a:schemeClr val="dk2"/>
+                </a:solidFill>
+                <a:latin typeface="Georgia"/>
+                <a:ea typeface="Georgia"/>
+                <a:cs typeface="Georgia"/>
+                <a:sym typeface="Georgia"/>
+              </a:rPr>
+              <a:t>e.g. as Oradea as goal</a:t>
+            </a:r>
+            <a:endParaRPr/>
+          </a:p>
+          <a:p>
+            <a:pPr indent="0" lvl="0" marL="822325" marR="0" rtl="0" algn="l">
+              <a:lnSpc>
+                <a:spcPct val="150000"/>
+              </a:lnSpc>
+              <a:spcBef>
+                <a:spcPts val="400"/>
+              </a:spcBef>
+              <a:spcAft>
+                <a:spcPts val="0"/>
+              </a:spcAft>
+              <a:buNone/>
+            </a:pPr>
+            <a:r>
+              <a:rPr b="0" i="0" lang="en-US" sz="2000" u="none" cap="none" strike="noStrike">
+                <a:solidFill>
+                  <a:schemeClr val="dk1"/>
+                </a:solidFill>
+                <a:latin typeface="Georgia"/>
+                <a:ea typeface="Georgia"/>
+                <a:cs typeface="Georgia"/>
+                <a:sym typeface="Georgia"/>
+              </a:rPr>
+              <a:t> Iasi -</a:t>
+            </a:r>
+            <a:r>
+              <a:rPr lang="en-US"/>
+              <a:t>&gt;</a:t>
+            </a:r>
+            <a:r>
+              <a:rPr b="0" i="0" lang="en-US" sz="2000" u="none" cap="none" strike="noStrike">
+                <a:solidFill>
+                  <a:schemeClr val="dk1"/>
+                </a:solidFill>
+                <a:latin typeface="Georgia"/>
+                <a:ea typeface="Georgia"/>
+                <a:cs typeface="Georgia"/>
+                <a:sym typeface="Georgia"/>
+              </a:rPr>
+              <a:t> Neamt </a:t>
+            </a:r>
+            <a:r>
+              <a:rPr lang="en-US"/>
+              <a:t>-&gt;</a:t>
+            </a:r>
+            <a:r>
+              <a:rPr b="0" i="0" lang="en-US" sz="2000" u="none" cap="none" strike="noStrike">
+                <a:solidFill>
+                  <a:schemeClr val="dk1"/>
+                </a:solidFill>
+                <a:latin typeface="Georgia"/>
+                <a:ea typeface="Georgia"/>
+                <a:cs typeface="Georgia"/>
+                <a:sym typeface="Georgia"/>
+              </a:rPr>
+              <a:t> Iasi </a:t>
+            </a:r>
+            <a:r>
+              <a:rPr lang="en-US"/>
+              <a:t>-&gt;</a:t>
+            </a:r>
+            <a:r>
+              <a:rPr b="0" i="0" lang="en-US" sz="2000" u="none" cap="none" strike="noStrike">
+                <a:solidFill>
+                  <a:schemeClr val="dk1"/>
+                </a:solidFill>
+                <a:latin typeface="Georgia"/>
+                <a:ea typeface="Georgia"/>
+                <a:cs typeface="Georgia"/>
+                <a:sym typeface="Georgia"/>
+              </a:rPr>
+              <a:t> Neamt </a:t>
+            </a:r>
+            <a:r>
+              <a:rPr lang="en-US"/>
+              <a:t>…..</a:t>
+            </a:r>
+            <a:r>
+              <a:rPr b="0" i="0" lang="en-US" sz="2000" u="none" cap="none" strike="noStrike">
+                <a:solidFill>
+                  <a:schemeClr val="dk1"/>
+                </a:solidFill>
+                <a:latin typeface="Georgia"/>
+                <a:ea typeface="Georgia"/>
+                <a:cs typeface="Georgia"/>
+                <a:sym typeface="Georgia"/>
+              </a:rPr>
+              <a:t> </a:t>
+            </a:r>
+            <a:endParaRPr/>
+          </a:p>
+          <a:p>
             <a:pPr indent="-273050" lvl="0" marL="273050" marR="0" rtl="0" algn="l">
               <a:lnSpc>
-                <a:spcPct val="115000"/>
+                <a:spcPct val="150000"/>
               </a:lnSpc>
               <a:spcBef>
                 <a:spcPts val="540"/>
@@ -49935,6 +50028,18 @@
               <a:buChar char="⚫"/>
             </a:pPr>
             <a:r>
+              <a:rPr b="0" i="0" lang="en-US" sz="2700" u="sng" cap="none" strike="noStrike">
+                <a:solidFill>
+                  <a:srgbClr val="CC0099"/>
+                </a:solidFill>
+                <a:latin typeface="Georgia"/>
+                <a:ea typeface="Georgia"/>
+                <a:cs typeface="Georgia"/>
+                <a:sym typeface="Georgia"/>
+              </a:rPr>
+              <a:t>Time?</a:t>
+            </a:r>
+            <a:r>
               <a:rPr b="0" i="0" lang="en-US" sz="2700" u="none" cap="none" strike="noStrike">
                 <a:solidFill>
                   <a:schemeClr val="dk1"/>
@@ -49944,14 +50049,62 @@
                 <a:cs typeface="Georgia"/>
                 <a:sym typeface="Georgia"/>
               </a:rPr>
-              <a:t>Very important!</a:t>
+              <a:t> </a:t>
+            </a:r>
+            <a:r>
+              <a:rPr b="0" i="1" lang="en-US" sz="2700" u="none" cap="none" strike="noStrike">
+                <a:solidFill>
+                  <a:schemeClr val="dk1"/>
+                </a:solidFill>
+                <a:latin typeface="Georgia"/>
+                <a:ea typeface="Georgia"/>
+                <a:cs typeface="Georgia"/>
+                <a:sym typeface="Georgia"/>
+              </a:rPr>
+              <a:t>O(b</a:t>
+            </a:r>
+            <a:r>
+              <a:rPr b="0" baseline="30000" i="1" lang="en-US" sz="2700" u="none" cap="none" strike="noStrike">
+                <a:solidFill>
+                  <a:schemeClr val="dk1"/>
+                </a:solidFill>
+                <a:latin typeface="Georgia"/>
+                <a:ea typeface="Georgia"/>
+                <a:cs typeface="Georgia"/>
+                <a:sym typeface="Georgia"/>
+              </a:rPr>
+              <a:t>m</a:t>
+            </a:r>
+            <a:r>
+              <a:rPr b="0" i="1" lang="en-US" sz="2700" u="none" cap="none" strike="noStrike">
+                <a:solidFill>
+                  <a:schemeClr val="dk1"/>
+                </a:solidFill>
+                <a:latin typeface="Georgia"/>
+                <a:ea typeface="Georgia"/>
+                <a:cs typeface="Georgia"/>
+                <a:sym typeface="Georgia"/>
+              </a:rPr>
+              <a:t>)</a:t>
+            </a:r>
+            <a:r>
+              <a:rPr b="0" i="0" lang="en-US" sz="2700" u="none" cap="none" strike="noStrike">
+                <a:solidFill>
+                  <a:schemeClr val="dk1"/>
+                </a:solidFill>
+                <a:latin typeface="Georgia"/>
+                <a:ea typeface="Georgia"/>
+                <a:cs typeface="Georgia"/>
+                <a:sym typeface="Georgia"/>
+              </a:rPr>
+              <a:t>, but a good heuristic can give dramatic improvement</a:t>
             </a:r>
             <a:endParaRPr/>
           </a:p>
           <a:p>
             <a:pPr indent="-273050" lvl="0" marL="273050" marR="0" rtl="0" algn="l">
               <a:lnSpc>
-                <a:spcPct val="115000"/>
+                <a:spcPct val="150000"/>
               </a:lnSpc>
               <a:spcBef>
                 <a:spcPts val="540"/>
@@ -49967,6 +50120,18 @@
               <a:buChar char="⚫"/>
             </a:pPr>
             <a:r>
+              <a:rPr b="0" i="0" lang="en-US" sz="2700" u="sng" cap="none" strike="noStrike">
+                <a:solidFill>
+                  <a:srgbClr val="CC0099"/>
+                </a:solidFill>
+                <a:latin typeface="Georgia"/>
+                <a:ea typeface="Georgia"/>
+                <a:cs typeface="Georgia"/>
+                <a:sym typeface="Georgia"/>
+              </a:rPr>
+              <a:t>Space?</a:t>
+            </a:r>
+            <a:r>
               <a:rPr b="0" i="0" lang="en-US" sz="2700" u="none" cap="none" strike="noStrike">
                 <a:solidFill>
                   <a:schemeClr val="dk1"/>
@@ -49976,7 +50141,7 @@
                 <a:cs typeface="Georgia"/>
                 <a:sym typeface="Georgia"/>
               </a:rPr>
-              <a:t>Evaluation function </a:t>
+              <a:t> </a:t>
             </a:r>
             <a:r>
               <a:rPr b="0" i="1" lang="en-US" sz="2700" u="none" cap="none" strike="noStrike">
@@ -49988,9 +50153,33 @@
                 <a:cs typeface="Georgia"/>
                 <a:sym typeface="Georgia"/>
               </a:rPr>
-              <a:t>f(n) = g(n) + h(n)</a:t>
-            </a:r>
-            <a:br>
+              <a:t>O(b</a:t>
+            </a:r>
+            <a:r>
+              <a:rPr b="0" baseline="30000" i="1" lang="en-US" sz="2700" u="none" cap="none" strike="noStrike">
+                <a:solidFill>
+                  <a:schemeClr val="dk1"/>
+                </a:solidFill>
+                <a:latin typeface="Georgia"/>
+                <a:ea typeface="Georgia"/>
+                <a:cs typeface="Georgia"/>
+                <a:sym typeface="Georgia"/>
+              </a:rPr>
+              <a:t>m</a:t>
+            </a:r>
+            <a:r>
+              <a:rPr b="0" i="1" lang="en-US" sz="2700" u="none" cap="none" strike="noStrike">
+                <a:solidFill>
+                  <a:schemeClr val="dk1"/>
+                </a:solidFill>
+                <a:latin typeface="Georgia"/>
+                <a:ea typeface="Georgia"/>
+                <a:cs typeface="Georgia"/>
+                <a:sym typeface="Georgia"/>
+              </a:rPr>
+              <a:t>) </a:t>
+            </a:r>
+            <a:r>
               <a:rPr b="0" i="0" lang="en-US" sz="2700" u="none" cap="none" strike="noStrike">
                 <a:solidFill>
                   <a:schemeClr val="dk1"/>
@@ -50000,49 +50189,14 @@
                 <a:cs typeface="Georgia"/>
                 <a:sym typeface="Georgia"/>
               </a:rPr>
-            </a:br>
-            <a:r>
-              <a:rPr b="0" i="1" lang="en-US" sz="2700" u="none" cap="none" strike="noStrike">
-                <a:solidFill>
-                  <a:schemeClr val="dk1"/>
-                </a:solidFill>
-                <a:latin typeface="Georgia"/>
-                <a:ea typeface="Georgia"/>
-                <a:cs typeface="Georgia"/>
-                <a:sym typeface="Georgia"/>
-              </a:rPr>
-              <a:t>g(n) </a:t>
-            </a:r>
-            <a:r>
-              <a:rPr b="0" i="0" lang="en-US" sz="2700" u="none" cap="none" strike="noStrike">
-                <a:solidFill>
-                  <a:schemeClr val="dk1"/>
-                </a:solidFill>
-                <a:latin typeface="Georgia"/>
-                <a:ea typeface="Georgia"/>
-                <a:cs typeface="Georgia"/>
-                <a:sym typeface="Georgia"/>
-              </a:rPr>
-              <a:t>= cost so far to reach </a:t>
-            </a:r>
-            <a:r>
-              <a:rPr b="0" i="1" lang="en-US" sz="2700" u="none" cap="none" strike="noStrike">
-                <a:solidFill>
-                  <a:schemeClr val="dk1"/>
-                </a:solidFill>
-                <a:latin typeface="Georgia"/>
-                <a:ea typeface="Georgia"/>
-                <a:cs typeface="Georgia"/>
-                <a:sym typeface="Georgia"/>
-              </a:rPr>
-              <a:t>n</a:t>
+              <a:t>-- keeps all nodes in memory</a:t>
             </a:r>
             <a:endParaRPr/>
           </a:p>
           <a:p>
             <a:pPr indent="-273050" lvl="0" marL="273050" marR="0" rtl="0" algn="l">
               <a:lnSpc>
-                <a:spcPct val="115000"/>
+                <a:spcPct val="150000"/>
               </a:lnSpc>
               <a:spcBef>
                 <a:spcPts val="540"/>
@@ -50058,7 +50212,19 @@
               <a:buChar char="⚫"/>
             </a:pPr>
             <a:r>
-              <a:rPr b="0" i="1" lang="en-US" sz="2700" u="none" cap="none" strike="noStrike">
+              <a:rPr b="0" i="0" lang="en-US" sz="2700" u="sng" cap="none" strike="noStrike">
+                <a:solidFill>
+                  <a:srgbClr val="CC0099"/>
+                </a:solidFill>
+                <a:latin typeface="Georgia"/>
+                <a:ea typeface="Georgia"/>
+                <a:cs typeface="Georgia"/>
+                <a:sym typeface="Georgia"/>
+              </a:rPr>
+              <a:t>Optimal?</a:t>
+            </a:r>
+            <a:r>
+              <a:rPr b="0" i="0" lang="en-US" sz="2700" u="none" cap="none" strike="noStrike">
                 <a:solidFill>
                   <a:schemeClr val="dk1"/>
                 </a:solidFill>
@@ -50067,9 +50233,9 @@
                 <a:cs typeface="Georgia"/>
                 <a:sym typeface="Georgia"/>
               </a:rPr>
-              <a:t>h(n)</a:t>
-            </a:r>
-            <a:r>
+              <a:t> No</a:t>
+            </a:r>
+            <a:br>
               <a:rPr b="0" i="0" lang="en-US" sz="2700" u="none" cap="none" strike="noStrike">
                 <a:solidFill>
                   <a:schemeClr val="dk1"/>
@@ -50079,107 +50245,14 @@
                 <a:cs typeface="Georgia"/>
                 <a:sym typeface="Georgia"/>
               </a:rPr>
-              <a:t> = estimated cost from </a:t>
-            </a:r>
-            <a:r>
-              <a:rPr b="0" i="1" lang="en-US" sz="2700" u="none" cap="none" strike="noStrike">
-                <a:solidFill>
-                  <a:schemeClr val="dk1"/>
-                </a:solidFill>
-                <a:latin typeface="Georgia"/>
-                <a:ea typeface="Georgia"/>
-                <a:cs typeface="Georgia"/>
-                <a:sym typeface="Georgia"/>
-              </a:rPr>
-              <a:t>n</a:t>
-            </a:r>
-            <a:r>
-              <a:rPr b="0" i="0" lang="en-US" sz="2700" u="none" cap="none" strike="noStrike">
-                <a:solidFill>
-                  <a:schemeClr val="dk1"/>
-                </a:solidFill>
-                <a:latin typeface="Georgia"/>
-                <a:ea typeface="Georgia"/>
-                <a:cs typeface="Georgia"/>
-                <a:sym typeface="Georgia"/>
-              </a:rPr>
-              <a:t> to goal</a:t>
-            </a:r>
+            </a:br>
             <a:endParaRPr/>
           </a:p>
-          <a:p>
-            <a:pPr indent="-273050" lvl="0" marL="273050" marR="0" rtl="0" algn="l">
-              <a:lnSpc>
-                <a:spcPct val="115000"/>
-              </a:lnSpc>
-              <a:spcBef>
-                <a:spcPts val="540"/>
-              </a:spcBef>
-              <a:spcAft>
-                <a:spcPts val="0"/>
-              </a:spcAft>
-              <a:buClr>
-                <a:schemeClr val="accent1"/>
-              </a:buClr>
-              <a:buSzPts val="2295"/>
-              <a:buFont typeface="Noto Sans Symbols"/>
-              <a:buChar char="⚫"/>
-            </a:pPr>
-            <a:r>
-              <a:rPr b="1" i="1" lang="en-US" sz="2700" u="none" cap="none" strike="noStrike">
-                <a:solidFill>
-                  <a:schemeClr val="dk1"/>
-                </a:solidFill>
-                <a:latin typeface="Georgia"/>
-                <a:ea typeface="Georgia"/>
-                <a:cs typeface="Georgia"/>
-                <a:sym typeface="Georgia"/>
-              </a:rPr>
-              <a:t>f(n) </a:t>
-            </a:r>
-            <a:r>
-              <a:rPr b="1" i="0" lang="en-US" sz="2700" u="none" cap="none" strike="noStrike">
-                <a:solidFill>
-                  <a:schemeClr val="dk1"/>
-                </a:solidFill>
-                <a:latin typeface="Georgia"/>
-                <a:ea typeface="Georgia"/>
-                <a:cs typeface="Georgia"/>
-                <a:sym typeface="Georgia"/>
-              </a:rPr>
-              <a:t>= estimated total cost of path through </a:t>
-            </a:r>
-            <a:r>
-              <a:rPr b="1" i="1" lang="en-US" sz="2700" u="none" cap="none" strike="noStrike">
-                <a:solidFill>
-                  <a:schemeClr val="dk1"/>
-                </a:solidFill>
-                <a:latin typeface="Georgia"/>
-                <a:ea typeface="Georgia"/>
-                <a:cs typeface="Georgia"/>
-                <a:sym typeface="Georgia"/>
-              </a:rPr>
-              <a:t>n</a:t>
-            </a:r>
-            <a:r>
-              <a:rPr b="1" i="0" lang="en-US" sz="2700" u="none" cap="none" strike="noStrike">
-                <a:solidFill>
-                  <a:schemeClr val="dk1"/>
-                </a:solidFill>
-                <a:latin typeface="Georgia"/>
-                <a:ea typeface="Georgia"/>
-                <a:cs typeface="Georgia"/>
-                <a:sym typeface="Georgia"/>
-              </a:rPr>
-              <a:t> to goal</a:t>
-            </a:r>
-            <a:endParaRPr/>
-          </a:p>
         </p:txBody>
       </p:sp>
       <p:sp>
         <p:nvSpPr>
-          <p:cNvPr id="751" name="Google Shape;751;p77"/>
+          <p:cNvPr id="752" name="Google Shape;752;p77"/>
           <p:cNvSpPr txBox="1"/>
           <p:nvPr>
             <p:ph idx="12" type="sldNum"/>
@@ -50242,7 +50315,7 @@
     </p:bg>
     <p:spTree>
       <p:nvGrpSpPr>
-        <p:cNvPr id="755" name="Shape 755"/>
+        <p:cNvPr id="756" name="Shape 756"/>
         <p:cNvGrpSpPr/>
         <p:nvPr/>
       </p:nvGrpSpPr>
@@ -50256,7 +50329,7 @@
       </p:grpSpPr>
       <p:sp>
         <p:nvSpPr>
-          <p:cNvPr id="756" name="Google Shape;756;p78"/>
+          <p:cNvPr id="757" name="Google Shape;757;p78"/>
           <p:cNvSpPr txBox="1"/>
           <p:nvPr>
             <p:ph type="title"/>
@@ -50332,7 +50405,7 @@
                 <a:cs typeface="Georgia"/>
                 <a:sym typeface="Georgia"/>
               </a:rPr>
-              <a:t> search example</a:t>
+              <a:t> search</a:t>
             </a:r>
             <a:endParaRPr/>
           </a:p>
@@ -50340,7 +50413,326 @@
       </p:sp>
       <p:sp>
         <p:nvSpPr>
-          <p:cNvPr id="757" name="Google Shape;757;p78"/>
+          <p:cNvPr id="758" name="Google Shape;758;p78"/>
+          <p:cNvSpPr txBox="1"/>
+          <p:nvPr>
+            <p:ph idx="1" type="body"/>
+          </p:nvPr>
+        </p:nvSpPr>
+        <p:spPr>
+          <a:xfrm>
+            <a:off x="301752" y="1527048"/>
+            <a:ext cx="8503800" cy="4572000"/>
+          </a:xfrm>
+          <a:prstGeom prst="rect">
+            <a:avLst/>
+          </a:prstGeom>
+          <a:noFill/>
+          <a:ln>
+            <a:noFill/>
+          </a:ln>
+        </p:spPr>
+        <p:txBody>
+          <a:bodyPr anchorCtr="0" anchor="t" bIns="45700" lIns="91425" spcFirstLastPara="1" rIns="91425" wrap="square" tIns="45700">
+            <a:noAutofit/>
+          </a:bodyPr>
+          <a:lstStyle/>
+          <a:p>
+            <a:pPr indent="-273050" lvl="0" marL="273050" marR="0" rtl="0" algn="l">
+              <a:lnSpc>
+                <a:spcPct val="115000"/>
+              </a:lnSpc>
+              <a:spcBef>
+                <a:spcPts val="0"/>
+              </a:spcBef>
+              <a:spcAft>
+                <a:spcPts val="0"/>
+              </a:spcAft>
+              <a:buClr>
+                <a:schemeClr val="accent1"/>
+              </a:buClr>
+              <a:buSzPts val="2295"/>
+              <a:buFont typeface="Noto Sans Symbols"/>
+              <a:buChar char="⚫"/>
+            </a:pPr>
+            <a:r>
+              <a:rPr b="0" i="0" lang="en-US" sz="2700" u="none" cap="none" strike="noStrike">
+                <a:solidFill>
+                  <a:schemeClr val="dk1"/>
+                </a:solidFill>
+                <a:latin typeface="Georgia"/>
+                <a:ea typeface="Georgia"/>
+                <a:cs typeface="Georgia"/>
+                <a:sym typeface="Georgia"/>
+              </a:rPr>
+              <a:t>Idea: avoid expanding paths that are already expensive.</a:t>
+            </a:r>
+            <a:endParaRPr/>
+          </a:p>
+          <a:p>
+            <a:pPr indent="-273050" lvl="0" marL="273050" marR="0" rtl="0" algn="l">
+              <a:lnSpc>
+                <a:spcPct val="115000"/>
+              </a:lnSpc>
+              <a:spcBef>
+                <a:spcPts val="540"/>
+              </a:spcBef>
+              <a:spcAft>
+                <a:spcPts val="0"/>
+              </a:spcAft>
+              <a:buClr>
+                <a:schemeClr val="accent1"/>
+              </a:buClr>
+              <a:buSzPts val="2295"/>
+              <a:buFont typeface="Noto Sans Symbols"/>
+              <a:buChar char="⚫"/>
+            </a:pPr>
+            <a:r>
+              <a:rPr b="0" i="0" lang="en-US" sz="2700" u="none" cap="none" strike="noStrike">
+                <a:solidFill>
+                  <a:schemeClr val="dk1"/>
+                </a:solidFill>
+                <a:latin typeface="Georgia"/>
+                <a:ea typeface="Georgia"/>
+                <a:cs typeface="Georgia"/>
+                <a:sym typeface="Georgia"/>
+              </a:rPr>
+              <a:t>Very important!</a:t>
+            </a:r>
+            <a:endParaRPr/>
+          </a:p>
+          <a:p>
+            <a:pPr indent="-273050" lvl="0" marL="273050" marR="0" rtl="0" algn="l">
+              <a:lnSpc>
+                <a:spcPct val="115000"/>
+              </a:lnSpc>
+              <a:spcBef>
+                <a:spcPts val="540"/>
+              </a:spcBef>
+              <a:spcAft>
+                <a:spcPts val="0"/>
+              </a:spcAft>
+              <a:buClr>
+                <a:schemeClr val="accent1"/>
+              </a:buClr>
+              <a:buSzPts val="2295"/>
+              <a:buFont typeface="Noto Sans Symbols"/>
+              <a:buChar char="⚫"/>
+            </a:pPr>
+            <a:r>
+              <a:rPr b="0" i="0" lang="en-US" sz="2700" u="none" cap="none" strike="noStrike">
+                <a:solidFill>
+                  <a:schemeClr val="dk1"/>
+                </a:solidFill>
+                <a:latin typeface="Georgia"/>
+                <a:ea typeface="Georgia"/>
+                <a:cs typeface="Georgia"/>
+                <a:sym typeface="Georgia"/>
+              </a:rPr>
+              <a:t>Evaluation function </a:t>
+            </a:r>
+            <a:r>
+              <a:rPr b="0" i="1" lang="en-US" sz="2700" u="none" cap="none" strike="noStrike">
+                <a:solidFill>
+                  <a:schemeClr val="dk1"/>
+                </a:solidFill>
+                <a:latin typeface="Georgia"/>
+                <a:ea typeface="Georgia"/>
+                <a:cs typeface="Georgia"/>
+                <a:sym typeface="Georgia"/>
+              </a:rPr>
+              <a:t>f(n) = g(n) + h(n)</a:t>
+            </a:r>
+            <a:br>
+              <a:rPr b="0" i="0" lang="en-US" sz="2700" u="none" cap="none" strike="noStrike">
+                <a:solidFill>
+                  <a:schemeClr val="dk1"/>
+                </a:solidFill>
+                <a:latin typeface="Georgia"/>
+                <a:ea typeface="Georgia"/>
+                <a:cs typeface="Georgia"/>
+                <a:sym typeface="Georgia"/>
+              </a:rPr>
+            </a:br>
+            <a:r>
+              <a:rPr b="0" i="1" lang="en-US" sz="2700" u="none" cap="none" strike="noStrike">
+                <a:solidFill>
+                  <a:schemeClr val="dk1"/>
+                </a:solidFill>
+                <a:latin typeface="Georgia"/>
+                <a:ea typeface="Georgia"/>
+                <a:cs typeface="Georgia"/>
+                <a:sym typeface="Georgia"/>
+              </a:rPr>
+              <a:t>g(n) </a:t>
+            </a:r>
+            <a:r>
+              <a:rPr b="0" i="0" lang="en-US" sz="2700" u="none" cap="none" strike="noStrike">
+                <a:solidFill>
+                  <a:schemeClr val="dk1"/>
+                </a:solidFill>
+                <a:latin typeface="Georgia"/>
+                <a:ea typeface="Georgia"/>
+                <a:cs typeface="Georgia"/>
+                <a:sym typeface="Georgia"/>
+              </a:rPr>
+              <a:t>= cost so far to reach </a:t>
+            </a:r>
+            <a:r>
+              <a:rPr b="0" i="1" lang="en-US" sz="2700" u="none" cap="none" strike="noStrike">
+                <a:solidFill>
+                  <a:schemeClr val="dk1"/>
+                </a:solidFill>
+                <a:latin typeface="Georgia"/>
+                <a:ea typeface="Georgia"/>
+                <a:cs typeface="Georgia"/>
+                <a:sym typeface="Georgia"/>
+              </a:rPr>
+              <a:t>n</a:t>
+            </a:r>
+            <a:endParaRPr/>
+          </a:p>
+          <a:p>
+            <a:pPr indent="-273050" lvl="0" marL="273050" marR="0" rtl="0" algn="l">
+              <a:lnSpc>
+                <a:spcPct val="115000"/>
+              </a:lnSpc>
+              <a:spcBef>
+                <a:spcPts val="540"/>
+              </a:spcBef>
+              <a:spcAft>
+                <a:spcPts val="0"/>
+              </a:spcAft>
+              <a:buClr>
+                <a:schemeClr val="accent1"/>
+              </a:buClr>
+              <a:buSzPts val="2295"/>
+              <a:buFont typeface="Noto Sans Symbols"/>
+              <a:buChar char="⚫"/>
+            </a:pPr>
+            <a:r>
+              <a:rPr b="0" i="1" lang="en-US" sz="2700" u="none" cap="none" strike="noStrike">
+                <a:solidFill>
+                  <a:schemeClr val="dk1"/>
+                </a:solidFill>
+                <a:latin typeface="Georgia"/>
+                <a:ea typeface="Georgia"/>
+                <a:cs typeface="Georgia"/>
+                <a:sym typeface="Georgia"/>
+              </a:rPr>
+              <a:t>h(n)</a:t>
+            </a:r>
+            <a:r>
+              <a:rPr b="0" i="0" lang="en-US" sz="2700" u="none" cap="none" strike="noStrike">
+                <a:solidFill>
+                  <a:schemeClr val="dk1"/>
+                </a:solidFill>
+                <a:latin typeface="Georgia"/>
+                <a:ea typeface="Georgia"/>
+                <a:cs typeface="Georgia"/>
+                <a:sym typeface="Georgia"/>
+              </a:rPr>
+              <a:t> = estimated cost from </a:t>
+            </a:r>
+            <a:r>
+              <a:rPr b="0" i="1" lang="en-US" sz="2700" u="none" cap="none" strike="noStrike">
+                <a:solidFill>
+                  <a:schemeClr val="dk1"/>
+                </a:solidFill>
+                <a:latin typeface="Georgia"/>
+                <a:ea typeface="Georgia"/>
+                <a:cs typeface="Georgia"/>
+                <a:sym typeface="Georgia"/>
+              </a:rPr>
+              <a:t>n</a:t>
+            </a:r>
+            <a:r>
+              <a:rPr b="0" i="0" lang="en-US" sz="2700" u="none" cap="none" strike="noStrike">
+                <a:solidFill>
+                  <a:schemeClr val="dk1"/>
+                </a:solidFill>
+                <a:latin typeface="Georgia"/>
+                <a:ea typeface="Georgia"/>
+                <a:cs typeface="Georgia"/>
+                <a:sym typeface="Georgia"/>
+              </a:rPr>
+              <a:t> to goal</a:t>
+            </a:r>
+            <a:endParaRPr/>
+          </a:p>
+          <a:p>
+            <a:pPr indent="-273050" lvl="0" marL="273050" marR="0" rtl="0" algn="l">
+              <a:lnSpc>
+                <a:spcPct val="115000"/>
+              </a:lnSpc>
+              <a:spcBef>
+                <a:spcPts val="540"/>
+              </a:spcBef>
+              <a:spcAft>
+                <a:spcPts val="0"/>
+              </a:spcAft>
+              <a:buClr>
+                <a:schemeClr val="accent1"/>
+              </a:buClr>
+              <a:buSzPts val="2295"/>
+              <a:buFont typeface="Noto Sans Symbols"/>
+              <a:buChar char="⚫"/>
+            </a:pPr>
+            <a:r>
+              <a:rPr b="1" i="1" lang="en-US" sz="2700" u="none" cap="none" strike="noStrike">
+                <a:solidFill>
+                  <a:schemeClr val="dk1"/>
+                </a:solidFill>
+                <a:latin typeface="Georgia"/>
+                <a:ea typeface="Georgia"/>
+                <a:cs typeface="Georgia"/>
+                <a:sym typeface="Georgia"/>
+              </a:rPr>
+              <a:t>f(n) </a:t>
+            </a:r>
+            <a:r>
+              <a:rPr b="1" i="0" lang="en-US" sz="2700" u="none" cap="none" strike="noStrike">
+                <a:solidFill>
+                  <a:schemeClr val="dk1"/>
+                </a:solidFill>
+                <a:latin typeface="Georgia"/>
+                <a:ea typeface="Georgia"/>
+                <a:cs typeface="Georgia"/>
+                <a:sym typeface="Georgia"/>
+              </a:rPr>
+              <a:t>= estimated total cost of path through </a:t>
+            </a:r>
+            <a:r>
+              <a:rPr b="1" i="1" lang="en-US" sz="2700" u="none" cap="none" strike="noStrike">
+                <a:solidFill>
+                  <a:schemeClr val="dk1"/>
+                </a:solidFill>
+                <a:latin typeface="Georgia"/>
+                <a:ea typeface="Georgia"/>
+                <a:cs typeface="Georgia"/>
+                <a:sym typeface="Georgia"/>
+              </a:rPr>
+              <a:t>n</a:t>
+            </a:r>
+            <a:r>
+              <a:rPr b="1" i="0" lang="en-US" sz="2700" u="none" cap="none" strike="noStrike">
+                <a:solidFill>
+                  <a:schemeClr val="dk1"/>
+                </a:solidFill>
+                <a:latin typeface="Georgia"/>
+                <a:ea typeface="Georgia"/>
+                <a:cs typeface="Georgia"/>
+                <a:sym typeface="Georgia"/>
+              </a:rPr>
+              <a:t> to goal</a:t>
+            </a:r>
+            <a:endParaRPr/>
+          </a:p>
+        </p:txBody>
+      </p:sp>
+      <p:sp>
+        <p:nvSpPr>
+          <p:cNvPr id="759" name="Google Shape;759;p78"/>
           <p:cNvSpPr txBox="1"/>
           <p:nvPr>
             <p:ph idx="12" type="sldNum"/>
@@ -50383,34 +50775,6 @@
           </a:p>
         </p:txBody>
       </p:sp>
-      <p:pic>
-        <p:nvPicPr>
-          <p:cNvPr id="758" name="Google Shape;758;p78"/>
-          <p:cNvPicPr preferRelativeResize="0"/>
-          <p:nvPr/>
-        </p:nvPicPr>
-        <p:blipFill>
-          <a:blip r:embed="rId3">
-            <a:alphaModFix/>
-          </a:blip>
-          <a:stretch>
-            <a:fillRect/>
-          </a:stretch>
-        </p:blipFill>
-        <p:spPr>
-          <a:xfrm>
-            <a:off x="3176588" y="1996387"/>
-            <a:ext cx="2790825" cy="1600200"/>
-          </a:xfrm>
-          <a:prstGeom prst="rect">
-            <a:avLst/>
-          </a:prstGeom>
-          <a:noFill/>
-          <a:ln>
-            <a:noFill/>
-          </a:ln>
-        </p:spPr>
-      </p:pic>
     </p:spTree>
   </p:cSld>
   <p:clrMapOvr>
@@ -50431,7 +50795,7 @@
     </p:bg>
     <p:spTree>
       <p:nvGrpSpPr>
-        <p:cNvPr id="762" name="Shape 762"/>
+        <p:cNvPr id="763" name="Shape 763"/>
         <p:cNvGrpSpPr/>
         <p:nvPr/>
       </p:nvGrpSpPr>
@@ -50445,7 +50809,7 @@
       </p:grpSpPr>
       <p:sp>
         <p:nvSpPr>
-          <p:cNvPr id="763" name="Google Shape;763;p79"/>
+          <p:cNvPr id="764" name="Google Shape;764;p79"/>
           <p:cNvSpPr txBox="1"/>
           <p:nvPr>
             <p:ph type="title"/>
@@ -50529,7 +50893,7 @@
       </p:sp>
       <p:sp>
         <p:nvSpPr>
-          <p:cNvPr id="764" name="Google Shape;764;p79"/>
+          <p:cNvPr id="765" name="Google Shape;765;p79"/>
           <p:cNvSpPr txBox="1"/>
           <p:nvPr>
             <p:ph idx="12" type="sldNum"/>
@@ -50574,7 +50938,7 @@
       </p:sp>
       <p:pic>
         <p:nvPicPr>
-          <p:cNvPr id="765" name="Google Shape;765;p79"/>
+          <p:cNvPr id="766" name="Google Shape;766;p79"/>
           <p:cNvPicPr preferRelativeResize="0"/>
           <p:nvPr/>
         </p:nvPicPr>
@@ -50588,8 +50952,8 @@
         </p:blipFill>
         <p:spPr>
           <a:xfrm>
-            <a:off x="152400" y="1620812"/>
-            <a:ext cx="8839202" cy="1713654"/>
+            <a:off x="3176588" y="1996387"/>
+            <a:ext cx="2790825" cy="1600200"/>
           </a:xfrm>
           <a:prstGeom prst="rect">
             <a:avLst/>
@@ -50620,7 +50984,7 @@
     </p:bg>
     <p:spTree>
       <p:nvGrpSpPr>
-        <p:cNvPr id="769" name="Shape 769"/>
+        <p:cNvPr id="770" name="Shape 770"/>
         <p:cNvGrpSpPr/>
         <p:nvPr/>
       </p:nvGrpSpPr>
@@ -50634,7 +50998,7 @@
       </p:grpSpPr>
       <p:sp>
         <p:nvSpPr>
-          <p:cNvPr id="770" name="Google Shape;770;p80"/>
+          <p:cNvPr id="771" name="Google Shape;771;p80"/>
           <p:cNvSpPr txBox="1"/>
           <p:nvPr>
             <p:ph type="title"/>
@@ -50718,7 +51082,7 @@
       </p:sp>
       <p:sp>
         <p:nvSpPr>
-          <p:cNvPr id="771" name="Google Shape;771;p80"/>
+          <p:cNvPr id="772" name="Google Shape;772;p80"/>
           <p:cNvSpPr txBox="1"/>
           <p:nvPr>
             <p:ph idx="12" type="sldNum"/>
@@ -50763,7 +51127,7 @@
       </p:sp>
       <p:pic>
         <p:nvPicPr>
-          <p:cNvPr id="772" name="Google Shape;772;p80"/>
+          <p:cNvPr id="773" name="Google Shape;773;p80"/>
           <p:cNvPicPr preferRelativeResize="0"/>
           <p:nvPr/>
         </p:nvPicPr>
@@ -50778,7 +51142,7 @@
         <p:spPr>
           <a:xfrm>
             <a:off x="152400" y="1620812"/>
-            <a:ext cx="8839198" cy="2048594"/>
+            <a:ext cx="8839202" cy="1713654"/>
           </a:xfrm>
           <a:prstGeom prst="rect">
             <a:avLst/>
@@ -50809,7 +51173,7 @@
     </p:bg>
     <p:spTree>
       <p:nvGrpSpPr>
-        <p:cNvPr id="776" name="Shape 776"/>
+        <p:cNvPr id="777" name="Shape 777"/>
         <p:cNvGrpSpPr/>
         <p:nvPr/>
       </p:nvGrpSpPr>
@@ -50823,7 +51187,7 @@
       </p:grpSpPr>
       <p:sp>
         <p:nvSpPr>
-          <p:cNvPr id="777" name="Google Shape;777;p81"/>
+          <p:cNvPr id="778" name="Google Shape;778;p81"/>
           <p:cNvSpPr txBox="1"/>
           <p:nvPr>
             <p:ph type="title"/>
@@ -50907,7 +51271,7 @@
       </p:sp>
       <p:sp>
         <p:nvSpPr>
-          <p:cNvPr id="778" name="Google Shape;778;p81"/>
+          <p:cNvPr id="779" name="Google Shape;779;p81"/>
           <p:cNvSpPr txBox="1"/>
           <p:nvPr>
             <p:ph idx="12" type="sldNum"/>
@@ -50952,7 +51316,7 @@
       </p:sp>
       <p:pic>
         <p:nvPicPr>
-          <p:cNvPr id="779" name="Google Shape;779;p81"/>
+          <p:cNvPr id="780" name="Google Shape;780;p81"/>
           <p:cNvPicPr preferRelativeResize="0"/>
           <p:nvPr/>
         </p:nvPicPr>
@@ -50967,7 +51331,7 @@
         <p:spPr>
           <a:xfrm>
             <a:off x="152400" y="1620812"/>
-            <a:ext cx="8839198" cy="2742608"/>
+            <a:ext cx="8839198" cy="2048594"/>
           </a:xfrm>
           <a:prstGeom prst="rect">
             <a:avLst/>
@@ -50998,7 +51362,7 @@
     </p:bg>
     <p:spTree>
       <p:nvGrpSpPr>
-        <p:cNvPr id="783" name="Shape 783"/>
+        <p:cNvPr id="784" name="Shape 784"/>
         <p:cNvGrpSpPr/>
         <p:nvPr/>
       </p:nvGrpSpPr>
@@ -51012,7 +51376,7 @@
       </p:grpSpPr>
       <p:sp>
         <p:nvSpPr>
-          <p:cNvPr id="784" name="Google Shape;784;p82"/>
+          <p:cNvPr id="785" name="Google Shape;785;p82"/>
           <p:cNvSpPr txBox="1"/>
           <p:nvPr>
             <p:ph type="title"/>
@@ -51096,7 +51460,7 @@
       </p:sp>
       <p:sp>
         <p:nvSpPr>
-          <p:cNvPr id="785" name="Google Shape;785;p82"/>
+          <p:cNvPr id="786" name="Google Shape;786;p82"/>
           <p:cNvSpPr txBox="1"/>
           <p:nvPr>
             <p:ph idx="12" type="sldNum"/>
@@ -51141,7 +51505,7 @@
       </p:sp>
       <p:pic>
         <p:nvPicPr>
-          <p:cNvPr id="786" name="Google Shape;786;p82"/>
+          <p:cNvPr id="787" name="Google Shape;787;p82"/>
           <p:cNvPicPr preferRelativeResize="0"/>
           <p:nvPr/>
         </p:nvPicPr>
@@ -51156,7 +51520,7 @@
         <p:spPr>
           <a:xfrm>
             <a:off x="152400" y="1620812"/>
-            <a:ext cx="8839199" cy="2762966"/>
+            <a:ext cx="8839198" cy="2742608"/>
           </a:xfrm>
           <a:prstGeom prst="rect">
             <a:avLst/>
@@ -51187,7 +51551,7 @@
     </p:bg>
     <p:spTree>
       <p:nvGrpSpPr>
-        <p:cNvPr id="790" name="Shape 790"/>
+        <p:cNvPr id="791" name="Shape 791"/>
         <p:cNvGrpSpPr/>
         <p:nvPr/>
       </p:nvGrpSpPr>
@@ -51201,7 +51565,7 @@
       </p:grpSpPr>
       <p:sp>
         <p:nvSpPr>
-          <p:cNvPr id="791" name="Google Shape;791;p83"/>
+          <p:cNvPr id="792" name="Google Shape;792;p83"/>
           <p:cNvSpPr txBox="1"/>
           <p:nvPr>
             <p:ph type="title"/>
@@ -51285,156 +51649,7 @@
       </p:sp>
       <p:sp>
         <p:nvSpPr>
-          <p:cNvPr id="792" name="Google Shape;792;p83"/>
-          <p:cNvSpPr txBox="1"/>
-          <p:nvPr/>
-        </p:nvSpPr>
-        <p:spPr>
-          <a:xfrm>
-            <a:off x="990600" y="5334000"/>
-            <a:ext cx="7010400" cy="369900"/>
-          </a:xfrm>
-          <a:prstGeom prst="rect">
-            <a:avLst/>
-          </a:prstGeom>
-          <a:noFill/>
-          <a:ln>
-            <a:noFill/>
-          </a:ln>
-        </p:spPr>
-        <p:txBody>
-          <a:bodyPr anchorCtr="0" anchor="t" bIns="45700" lIns="91425" spcFirstLastPara="1" rIns="91425" wrap="square" tIns="45700">
-            <a:noAutofit/>
-          </a:bodyPr>
-          <a:lstStyle/>
-          <a:p>
-            <a:pPr indent="0" lvl="0" marL="0" marR="0" rtl="0" algn="l">
-              <a:lnSpc>
-                <a:spcPct val="100000"/>
-              </a:lnSpc>
-              <a:spcBef>
-                <a:spcPts val="0"/>
-              </a:spcBef>
-              <a:spcAft>
-                <a:spcPts val="0"/>
-              </a:spcAft>
-              <a:buClr>
-                <a:schemeClr val="dk1"/>
-              </a:buClr>
-              <a:buSzPts val="1800"/>
-              <a:buFont typeface="Arial"/>
-              <a:buNone/>
-            </a:pPr>
-            <a:r>
-              <a:rPr b="0" i="0" lang="en-US" sz="1800" u="sng">
-                <a:solidFill>
-                  <a:schemeClr val="dk1"/>
-                </a:solidFill>
-                <a:latin typeface="Arial"/>
-                <a:ea typeface="Arial"/>
-                <a:cs typeface="Arial"/>
-                <a:sym typeface="Arial"/>
-                <a:hlinkClick r:id="rId3"/>
-              </a:rPr>
-              <a:t>http://aispace.org/search/</a:t>
-            </a:r>
-            <a:endParaRPr/>
-          </a:p>
-        </p:txBody>
-      </p:sp>
-      <p:sp>
-        <p:nvSpPr>
           <p:cNvPr id="793" name="Google Shape;793;p83"/>
-          <p:cNvSpPr txBox="1"/>
-          <p:nvPr/>
-        </p:nvSpPr>
-        <p:spPr>
-          <a:xfrm>
-            <a:off x="745550" y="5607450"/>
-            <a:ext cx="8090400" cy="1200300"/>
-          </a:xfrm>
-          <a:prstGeom prst="rect">
-            <a:avLst/>
-          </a:prstGeom>
-          <a:noFill/>
-          <a:ln>
-            <a:noFill/>
-          </a:ln>
-        </p:spPr>
-        <p:txBody>
-          <a:bodyPr anchorCtr="0" anchor="t" bIns="45700" lIns="91425" spcFirstLastPara="1" rIns="91425" wrap="square" tIns="45700">
-            <a:noAutofit/>
-          </a:bodyPr>
-          <a:lstStyle/>
-          <a:p>
-            <a:pPr indent="-139700" lvl="0" marL="0" marR="0" rtl="0" algn="l">
-              <a:lnSpc>
-                <a:spcPct val="100000"/>
-              </a:lnSpc>
-              <a:spcBef>
-                <a:spcPts val="0"/>
-              </a:spcBef>
-              <a:spcAft>
-                <a:spcPts val="0"/>
-              </a:spcAft>
-              <a:buClr>
-                <a:schemeClr val="dk1"/>
-              </a:buClr>
-              <a:buSzPts val="2200"/>
-              <a:buFont typeface="Arial"/>
-              <a:buChar char="•"/>
-            </a:pPr>
-            <a:r>
-              <a:rPr b="0" i="0" lang="en-US" sz="2200" u="none">
-                <a:solidFill>
-                  <a:schemeClr val="dk1"/>
-                </a:solidFill>
-                <a:latin typeface="Arial"/>
-                <a:ea typeface="Arial"/>
-                <a:cs typeface="Arial"/>
-                <a:sym typeface="Arial"/>
-              </a:rPr>
-              <a:t> We stop when the node with the lowest f-value is a goal state.</a:t>
-            </a:r>
-            <a:endParaRPr sz="2200"/>
-          </a:p>
-          <a:p>
-            <a:pPr indent="-139700" lvl="0" marL="0" marR="0" rtl="0" algn="l">
-              <a:lnSpc>
-                <a:spcPct val="100000"/>
-              </a:lnSpc>
-              <a:spcBef>
-                <a:spcPts val="0"/>
-              </a:spcBef>
-              <a:spcAft>
-                <a:spcPts val="0"/>
-              </a:spcAft>
-              <a:buClr>
-                <a:schemeClr val="dk1"/>
-              </a:buClr>
-              <a:buSzPts val="2200"/>
-              <a:buFont typeface="Arial"/>
-              <a:buChar char="•"/>
-            </a:pPr>
-            <a:r>
-              <a:rPr b="0" i="0" lang="en-US" sz="2200" u="none">
-                <a:solidFill>
-                  <a:schemeClr val="dk1"/>
-                </a:solidFill>
-                <a:latin typeface="Arial"/>
-                <a:ea typeface="Arial"/>
-                <a:cs typeface="Arial"/>
-                <a:sym typeface="Arial"/>
-              </a:rPr>
-              <a:t> Is this guaranteed to find the shortest path?</a:t>
-            </a:r>
-            <a:endParaRPr sz="2200"/>
-          </a:p>
-        </p:txBody>
-      </p:sp>
-      <p:sp>
-        <p:nvSpPr>
-          <p:cNvPr id="794" name="Google Shape;794;p83"/>
           <p:cNvSpPr txBox="1"/>
           <p:nvPr>
             <p:ph idx="12" type="sldNum"/>
@@ -51479,12 +51694,12 @@
       </p:sp>
       <p:pic>
         <p:nvPicPr>
-          <p:cNvPr id="795" name="Google Shape;795;p83"/>
+          <p:cNvPr id="794" name="Google Shape;794;p83"/>
           <p:cNvPicPr preferRelativeResize="0"/>
           <p:nvPr/>
         </p:nvPicPr>
         <p:blipFill>
-          <a:blip r:embed="rId4">
+          <a:blip r:embed="rId3">
             <a:alphaModFix/>
           </a:blip>
           <a:stretch>
@@ -51493,8 +51708,8 @@
         </p:blipFill>
         <p:spPr>
           <a:xfrm>
-            <a:off x="152400" y="1544600"/>
-            <a:ext cx="8822373" cy="3789400"/>
+            <a:off x="152400" y="1620812"/>
+            <a:ext cx="8839199" cy="2762966"/>
           </a:xfrm>
           <a:prstGeom prst="rect">
             <a:avLst/>
@@ -51525,7 +51740,7 @@
     </p:bg>
     <p:spTree>
       <p:nvGrpSpPr>
-        <p:cNvPr id="799" name="Shape 799"/>
+        <p:cNvPr id="798" name="Shape 798"/>
         <p:cNvGrpSpPr/>
         <p:nvPr/>
       </p:nvGrpSpPr>
@@ -51539,7 +51754,7 @@
       </p:grpSpPr>
       <p:sp>
         <p:nvSpPr>
-          <p:cNvPr id="800" name="Google Shape;800;p84"/>
+          <p:cNvPr id="799" name="Google Shape;799;p84"/>
           <p:cNvSpPr txBox="1"/>
           <p:nvPr>
             <p:ph type="title"/>
@@ -51591,7 +51806,31 @@
                 <a:cs typeface="Georgia"/>
                 <a:sym typeface="Georgia"/>
               </a:rPr>
-              <a:t>Properties of A*</a:t>
+              <a:t>A</a:t>
+            </a:r>
+            <a:r>
+              <a:rPr b="0" baseline="30000" i="0" lang="en-US" sz="3300" u="none">
+                <a:solidFill>
+                  <a:srgbClr val="7B9899"/>
+                </a:solidFill>
+                <a:latin typeface="Georgia"/>
+                <a:ea typeface="Georgia"/>
+                <a:cs typeface="Georgia"/>
+                <a:sym typeface="Georgia"/>
+              </a:rPr>
+              <a:t>*</a:t>
+            </a:r>
+            <a:r>
+              <a:rPr b="0" i="0" lang="en-US" sz="3300" u="none">
+                <a:solidFill>
+                  <a:srgbClr val="7B9899"/>
+                </a:solidFill>
+                <a:latin typeface="Georgia"/>
+                <a:ea typeface="Georgia"/>
+                <a:cs typeface="Georgia"/>
+                <a:sym typeface="Georgia"/>
+              </a:rPr>
+              <a:t> search example</a:t>
             </a:r>
             <a:endParaRPr/>
           </a:p>
@@ -51599,16 +51838,14 @@
       </p:sp>
       <p:sp>
         <p:nvSpPr>
-          <p:cNvPr id="801" name="Google Shape;801;p84"/>
+          <p:cNvPr id="800" name="Google Shape;800;p84"/>
           <p:cNvSpPr txBox="1"/>
-          <p:nvPr>
-            <p:ph idx="1" type="body"/>
-          </p:nvPr>
-        </p:nvSpPr>
-        <p:spPr>
-          <a:xfrm>
-            <a:off x="301752" y="1527048"/>
-            <a:ext cx="8503800" cy="4572000"/>
+          <p:nvPr/>
+        </p:nvSpPr>
+        <p:spPr>
+          <a:xfrm>
+            <a:off x="990600" y="5334000"/>
+            <a:ext cx="7010400" cy="369900"/>
           </a:xfrm>
           <a:prstGeom prst="rect">
             <a:avLst/>
@@ -51624,7 +51861,7 @@
           </a:bodyPr>
           <a:lstStyle/>
           <a:p>
-            <a:pPr indent="-273050" lvl="0" marL="273050" marR="0" rtl="0" algn="l">
+            <a:pPr indent="0" lvl="0" marL="0" marR="0" rtl="0" algn="l">
               <a:lnSpc>
                 <a:spcPct val="100000"/>
               </a:lnSpc>
@@ -51635,237 +51872,116 @@
                 <a:spcPts val="0"/>
               </a:spcAft>
               <a:buClr>
-                <a:schemeClr val="accent1"/>
-              </a:buClr>
-              <a:buSzPts val="2295"/>
-              <a:buFont typeface="Noto Sans Symbols"/>
-              <a:buChar char="⚫"/>
-            </a:pPr>
-            <a:r>
-              <a:rPr b="0" i="0" lang="en-US" sz="2700" u="sng">
-                <a:solidFill>
-                  <a:srgbClr val="CC0099"/>
-                </a:solidFill>
-                <a:latin typeface="Georgia"/>
-                <a:ea typeface="Georgia"/>
-                <a:cs typeface="Georgia"/>
-                <a:sym typeface="Georgia"/>
-              </a:rPr>
-              <a:t>Complete?</a:t>
-            </a:r>
-            <a:r>
-              <a:rPr b="0" i="0" lang="en-US" sz="2700" u="none">
+                <a:schemeClr val="dk1"/>
+              </a:buClr>
+              <a:buSzPts val="1800"/>
+              <a:buFont typeface="Arial"/>
+              <a:buNone/>
+            </a:pPr>
+            <a:r>
+              <a:rPr b="0" i="0" lang="en-US" sz="1800" u="sng">
                 <a:solidFill>
                   <a:schemeClr val="dk1"/>
                 </a:solidFill>
-                <a:latin typeface="Georgia"/>
-                <a:ea typeface="Georgia"/>
-                <a:cs typeface="Georgia"/>
-                <a:sym typeface="Georgia"/>
-              </a:rPr>
-              <a:t> Yes (unless there are infinitely many nodes with f </a:t>
-            </a:r>
-            <a:r>
-              <a:rPr b="0" i="1" lang="en-US" sz="2700" u="none">
+                <a:latin typeface="Arial"/>
+                <a:ea typeface="Arial"/>
+                <a:cs typeface="Arial"/>
+                <a:sym typeface="Arial"/>
+                <a:hlinkClick r:id="rId3"/>
+              </a:rPr>
+              <a:t>http://aispace.org/search/</a:t>
+            </a:r>
+            <a:endParaRPr/>
+          </a:p>
+        </p:txBody>
+      </p:sp>
+      <p:sp>
+        <p:nvSpPr>
+          <p:cNvPr id="801" name="Google Shape;801;p84"/>
+          <p:cNvSpPr txBox="1"/>
+          <p:nvPr/>
+        </p:nvSpPr>
+        <p:spPr>
+          <a:xfrm>
+            <a:off x="745550" y="5607450"/>
+            <a:ext cx="8090400" cy="1200300"/>
+          </a:xfrm>
+          <a:prstGeom prst="rect">
+            <a:avLst/>
+          </a:prstGeom>
+          <a:noFill/>
+          <a:ln>
+            <a:noFill/>
+          </a:ln>
+        </p:spPr>
+        <p:txBody>
+          <a:bodyPr anchorCtr="0" anchor="t" bIns="45700" lIns="91425" spcFirstLastPara="1" rIns="91425" wrap="square" tIns="45700">
+            <a:noAutofit/>
+          </a:bodyPr>
+          <a:lstStyle/>
+          <a:p>
+            <a:pPr indent="-139700" lvl="0" marL="0" marR="0" rtl="0" algn="l">
+              <a:lnSpc>
+                <a:spcPct val="100000"/>
+              </a:lnSpc>
+              <a:spcBef>
+                <a:spcPts val="0"/>
+              </a:spcBef>
+              <a:spcAft>
+                <a:spcPts val="0"/>
+              </a:spcAft>
+              <a:buClr>
+                <a:schemeClr val="dk1"/>
+              </a:buClr>
+              <a:buSzPts val="2200"/>
+              <a:buFont typeface="Arial"/>
+              <a:buChar char="•"/>
+            </a:pPr>
+            <a:r>
+              <a:rPr b="0" i="0" lang="en-US" sz="2200" u="none">
                 <a:solidFill>
                   <a:schemeClr val="dk1"/>
                 </a:solidFill>
-                <a:latin typeface="Georgia"/>
-                <a:ea typeface="Georgia"/>
-                <a:cs typeface="Georgia"/>
-                <a:sym typeface="Georgia"/>
-              </a:rPr>
-              <a:t>≤ f(G) </a:t>
-            </a:r>
-            <a:r>
-              <a:rPr b="0" i="0" lang="en-US" sz="2700" u="none">
+                <a:latin typeface="Arial"/>
+                <a:ea typeface="Arial"/>
+                <a:cs typeface="Arial"/>
+                <a:sym typeface="Arial"/>
+              </a:rPr>
+              <a:t> We stop when the node with the lowest f-value is a goal state.</a:t>
+            </a:r>
+            <a:endParaRPr sz="2200"/>
+          </a:p>
+          <a:p>
+            <a:pPr indent="-139700" lvl="0" marL="0" marR="0" rtl="0" algn="l">
+              <a:lnSpc>
+                <a:spcPct val="100000"/>
+              </a:lnSpc>
+              <a:spcBef>
+                <a:spcPts val="0"/>
+              </a:spcBef>
+              <a:spcAft>
+                <a:spcPts val="0"/>
+              </a:spcAft>
+              <a:buClr>
+                <a:schemeClr val="dk1"/>
+              </a:buClr>
+              <a:buSzPts val="2200"/>
+              <a:buFont typeface="Arial"/>
+              <a:buChar char="•"/>
+            </a:pPr>
+            <a:r>
+              <a:rPr b="0" i="0" lang="en-US" sz="2200" u="none">
                 <a:solidFill>
                   <a:schemeClr val="dk1"/>
                 </a:solidFill>
-                <a:latin typeface="Georgia"/>
-                <a:ea typeface="Georgia"/>
-                <a:cs typeface="Georgia"/>
-                <a:sym typeface="Georgia"/>
-              </a:rPr>
-              <a:t>)</a:t>
-            </a:r>
-            <a:br>
-              <a:rPr b="0" i="0" lang="en-US" sz="2700" u="none">
-                <a:solidFill>
-                  <a:schemeClr val="dk1"/>
-                </a:solidFill>
-                <a:latin typeface="Georgia"/>
-                <a:ea typeface="Georgia"/>
-                <a:cs typeface="Georgia"/>
-                <a:sym typeface="Georgia"/>
-              </a:rPr>
-            </a:br>
-            <a:endParaRPr/>
-          </a:p>
-          <a:p>
-            <a:pPr indent="-273050" lvl="0" marL="273050" marR="0" rtl="0" algn="l">
-              <a:lnSpc>
-                <a:spcPct val="100000"/>
-              </a:lnSpc>
-              <a:spcBef>
-                <a:spcPts val="540"/>
-              </a:spcBef>
-              <a:spcAft>
-                <a:spcPts val="0"/>
-              </a:spcAft>
-              <a:buClr>
-                <a:schemeClr val="accent1"/>
-              </a:buClr>
-              <a:buSzPts val="2295"/>
-              <a:buFont typeface="Noto Sans Symbols"/>
-              <a:buChar char="⚫"/>
-            </a:pPr>
-            <a:r>
-              <a:rPr b="0" i="0" lang="en-US" sz="2700" u="sng">
-                <a:solidFill>
-                  <a:srgbClr val="CC0099"/>
-                </a:solidFill>
-                <a:latin typeface="Georgia"/>
-                <a:ea typeface="Georgia"/>
-                <a:cs typeface="Georgia"/>
-                <a:sym typeface="Georgia"/>
-              </a:rPr>
-              <a:t>Time?</a:t>
-            </a:r>
-            <a:r>
-              <a:rPr b="0" i="0" lang="en-US" sz="2700" u="none">
-                <a:solidFill>
-                  <a:schemeClr val="dk1"/>
-                </a:solidFill>
-                <a:latin typeface="Georgia"/>
-                <a:ea typeface="Georgia"/>
-                <a:cs typeface="Georgia"/>
-                <a:sym typeface="Georgia"/>
-              </a:rPr>
-              <a:t> Exponential</a:t>
-            </a:r>
-            <a:br>
-              <a:rPr b="0" i="0" lang="en-US" sz="2700" u="none">
-                <a:solidFill>
-                  <a:schemeClr val="dk1"/>
-                </a:solidFill>
-                <a:latin typeface="Georgia"/>
-                <a:ea typeface="Georgia"/>
-                <a:cs typeface="Georgia"/>
-                <a:sym typeface="Georgia"/>
-              </a:rPr>
-            </a:br>
-            <a:endParaRPr/>
-          </a:p>
-          <a:p>
-            <a:pPr indent="-273050" lvl="0" marL="273050" marR="0" rtl="0" algn="l">
-              <a:lnSpc>
-                <a:spcPct val="100000"/>
-              </a:lnSpc>
-              <a:spcBef>
-                <a:spcPts val="540"/>
-              </a:spcBef>
-              <a:spcAft>
-                <a:spcPts val="0"/>
-              </a:spcAft>
-              <a:buClr>
-                <a:schemeClr val="accent1"/>
-              </a:buClr>
-              <a:buSzPts val="2295"/>
-              <a:buFont typeface="Noto Sans Symbols"/>
-              <a:buChar char="⚫"/>
-            </a:pPr>
-            <a:r>
-              <a:rPr b="0" i="0" lang="en-US" sz="2700" u="sng">
-                <a:solidFill>
-                  <a:srgbClr val="CC0099"/>
-                </a:solidFill>
-                <a:latin typeface="Georgia"/>
-                <a:ea typeface="Georgia"/>
-                <a:cs typeface="Georgia"/>
-                <a:sym typeface="Georgia"/>
-              </a:rPr>
-              <a:t>Space?</a:t>
-            </a:r>
-            <a:r>
-              <a:rPr b="0" i="0" lang="en-US" sz="2700" u="none">
-                <a:solidFill>
-                  <a:schemeClr val="dk1"/>
-                </a:solidFill>
-                <a:latin typeface="Georgia"/>
-                <a:ea typeface="Georgia"/>
-                <a:cs typeface="Georgia"/>
-                <a:sym typeface="Georgia"/>
-              </a:rPr>
-              <a:t> Keeps all nodes in memory</a:t>
-            </a:r>
-            <a:br>
-              <a:rPr b="0" i="0" lang="en-US" sz="2700" u="none">
-                <a:solidFill>
-                  <a:schemeClr val="dk1"/>
-                </a:solidFill>
-                <a:latin typeface="Georgia"/>
-                <a:ea typeface="Georgia"/>
-                <a:cs typeface="Georgia"/>
-                <a:sym typeface="Georgia"/>
-              </a:rPr>
-            </a:br>
-            <a:endParaRPr/>
-          </a:p>
-          <a:p>
-            <a:pPr indent="-273050" lvl="0" marL="273050" marR="0" rtl="0" algn="l">
-              <a:lnSpc>
-                <a:spcPct val="100000"/>
-              </a:lnSpc>
-              <a:spcBef>
-                <a:spcPts val="540"/>
-              </a:spcBef>
-              <a:spcAft>
-                <a:spcPts val="0"/>
-              </a:spcAft>
-              <a:buClr>
-                <a:schemeClr val="accent1"/>
-              </a:buClr>
-              <a:buSzPts val="2295"/>
-              <a:buFont typeface="Noto Sans Symbols"/>
-              <a:buChar char="⚫"/>
-            </a:pPr>
-            <a:r>
-              <a:rPr b="0" i="0" lang="en-US" sz="2700" u="sng">
-                <a:solidFill>
-                  <a:srgbClr val="CC0099"/>
-                </a:solidFill>
-                <a:latin typeface="Georgia"/>
-                <a:ea typeface="Georgia"/>
-                <a:cs typeface="Georgia"/>
-                <a:sym typeface="Georgia"/>
-              </a:rPr>
-              <a:t>Optimal?</a:t>
-            </a:r>
-            <a:r>
-              <a:rPr b="0" i="0" lang="en-US" sz="2700" u="none">
-                <a:solidFill>
-                  <a:schemeClr val="dk1"/>
-                </a:solidFill>
-                <a:latin typeface="Georgia"/>
-                <a:ea typeface="Georgia"/>
-                <a:cs typeface="Georgia"/>
-                <a:sym typeface="Georgia"/>
-              </a:rPr>
-              <a:t> Yes</a:t>
-            </a:r>
-            <a:br>
-              <a:rPr b="0" i="0" lang="en-US" sz="2700" u="none">
-                <a:solidFill>
-                  <a:schemeClr val="dk1"/>
-                </a:solidFill>
-                <a:latin typeface="Georgia"/>
-                <a:ea typeface="Georgia"/>
-                <a:cs typeface="Georgia"/>
-                <a:sym typeface="Georgia"/>
-              </a:rPr>
-            </a:br>
-            <a:endParaRPr/>
+                <a:latin typeface="Arial"/>
+                <a:ea typeface="Arial"/>
+                <a:cs typeface="Arial"/>
+                <a:sym typeface="Arial"/>
+              </a:rPr>
+              <a:t> Is this guaranteed to find the shortest path?</a:t>
+            </a:r>
+            <a:endParaRPr sz="2200"/>
           </a:p>
         </p:txBody>
       </p:sp>
@@ -51914,6 +52030,34 @@
           </a:p>
         </p:txBody>
       </p:sp>
+      <p:pic>
+        <p:nvPicPr>
+          <p:cNvPr id="803" name="Google Shape;803;p84"/>
+          <p:cNvPicPr preferRelativeResize="0"/>
+          <p:nvPr/>
+        </p:nvPicPr>
+        <p:blipFill>
+          <a:blip r:embed="rId4">
+            <a:alphaModFix/>
+          </a:blip>
+          <a:stretch>
+            <a:fillRect/>
+          </a:stretch>
+        </p:blipFill>
+        <p:spPr>
+          <a:xfrm>
+            <a:off x="152400" y="1544600"/>
+            <a:ext cx="8822373" cy="3789400"/>
+          </a:xfrm>
+          <a:prstGeom prst="rect">
+            <a:avLst/>
+          </a:prstGeom>
+          <a:noFill/>
+          <a:ln>
+            <a:noFill/>
+          </a:ln>
+        </p:spPr>
+      </p:pic>
     </p:spTree>
   </p:cSld>
   <p:clrMapOvr>
@@ -52562,7 +52706,7 @@
     </p:bg>
     <p:spTree>
       <p:nvGrpSpPr>
-        <p:cNvPr id="806" name="Shape 806"/>
+        <p:cNvPr id="807" name="Shape 807"/>
         <p:cNvGrpSpPr/>
         <p:nvPr/>
       </p:nvGrpSpPr>
@@ -52576,7 +52720,7 @@
       </p:grpSpPr>
       <p:sp>
         <p:nvSpPr>
-          <p:cNvPr id="807" name="Google Shape;807;p85"/>
+          <p:cNvPr id="808" name="Google Shape;808;p85"/>
           <p:cNvSpPr txBox="1"/>
           <p:nvPr>
             <p:ph type="title"/>
@@ -52628,7 +52772,7 @@
                 <a:cs typeface="Georgia"/>
                 <a:sym typeface="Georgia"/>
               </a:rPr>
-              <a:t>Summary</a:t>
+              <a:t>Properties of A*</a:t>
             </a:r>
             <a:endParaRPr/>
           </a:p>
@@ -52636,7 +52780,7 @@
       </p:sp>
       <p:sp>
         <p:nvSpPr>
-          <p:cNvPr id="808" name="Google Shape;808;p85"/>
+          <p:cNvPr id="809" name="Google Shape;809;p85"/>
           <p:cNvSpPr txBox="1"/>
           <p:nvPr>
             <p:ph idx="1" type="body"/>
@@ -52663,6 +52807,355 @@
           <a:p>
             <a:pPr indent="-273050" lvl="0" marL="273050" marR="0" rtl="0" algn="l">
               <a:lnSpc>
+                <a:spcPct val="115000"/>
+              </a:lnSpc>
+              <a:spcBef>
+                <a:spcPts val="0"/>
+              </a:spcBef>
+              <a:spcAft>
+                <a:spcPts val="0"/>
+              </a:spcAft>
+              <a:buClr>
+                <a:schemeClr val="accent1"/>
+              </a:buClr>
+              <a:buSzPts val="2295"/>
+              <a:buFont typeface="Noto Sans Symbols"/>
+              <a:buChar char="⚫"/>
+            </a:pPr>
+            <a:r>
+              <a:rPr b="0" i="0" lang="en-US" sz="2700" u="sng">
+                <a:solidFill>
+                  <a:srgbClr val="CC0099"/>
+                </a:solidFill>
+                <a:latin typeface="Georgia"/>
+                <a:ea typeface="Georgia"/>
+                <a:cs typeface="Georgia"/>
+                <a:sym typeface="Georgia"/>
+              </a:rPr>
+              <a:t>Complete?</a:t>
+            </a:r>
+            <a:r>
+              <a:rPr b="0" i="0" lang="en-US" sz="2700" u="none">
+                <a:solidFill>
+                  <a:schemeClr val="dk1"/>
+                </a:solidFill>
+                <a:latin typeface="Georgia"/>
+                <a:ea typeface="Georgia"/>
+                <a:cs typeface="Georgia"/>
+                <a:sym typeface="Georgia"/>
+              </a:rPr>
+              <a:t> Yes (unless there are infinitely many nodes with f </a:t>
+            </a:r>
+            <a:r>
+              <a:rPr b="0" i="1" lang="en-US" sz="2700" u="none">
+                <a:solidFill>
+                  <a:schemeClr val="dk1"/>
+                </a:solidFill>
+                <a:latin typeface="Georgia"/>
+                <a:ea typeface="Georgia"/>
+                <a:cs typeface="Georgia"/>
+                <a:sym typeface="Georgia"/>
+              </a:rPr>
+              <a:t>≤ f(G) </a:t>
+            </a:r>
+            <a:r>
+              <a:rPr b="0" i="0" lang="en-US" sz="2700" u="none">
+                <a:solidFill>
+                  <a:schemeClr val="dk1"/>
+                </a:solidFill>
+                <a:latin typeface="Georgia"/>
+                <a:ea typeface="Georgia"/>
+                <a:cs typeface="Georgia"/>
+                <a:sym typeface="Georgia"/>
+              </a:rPr>
+              <a:t>)</a:t>
+            </a:r>
+            <a:br>
+              <a:rPr b="0" i="0" lang="en-US" sz="2700" u="none">
+                <a:solidFill>
+                  <a:schemeClr val="dk1"/>
+                </a:solidFill>
+                <a:latin typeface="Georgia"/>
+                <a:ea typeface="Georgia"/>
+                <a:cs typeface="Georgia"/>
+                <a:sym typeface="Georgia"/>
+              </a:rPr>
+            </a:br>
+            <a:endParaRPr/>
+          </a:p>
+          <a:p>
+            <a:pPr indent="-273050" lvl="0" marL="273050" marR="0" rtl="0" algn="l">
+              <a:lnSpc>
+                <a:spcPct val="115000"/>
+              </a:lnSpc>
+              <a:spcBef>
+                <a:spcPts val="540"/>
+              </a:spcBef>
+              <a:spcAft>
+                <a:spcPts val="0"/>
+              </a:spcAft>
+              <a:buClr>
+                <a:schemeClr val="accent1"/>
+              </a:buClr>
+              <a:buSzPts val="2295"/>
+              <a:buFont typeface="Noto Sans Symbols"/>
+              <a:buChar char="⚫"/>
+            </a:pPr>
+            <a:r>
+              <a:rPr b="0" i="0" lang="en-US" sz="2700" u="sng">
+                <a:solidFill>
+                  <a:srgbClr val="CC0099"/>
+                </a:solidFill>
+                <a:latin typeface="Georgia"/>
+                <a:ea typeface="Georgia"/>
+                <a:cs typeface="Georgia"/>
+                <a:sym typeface="Georgia"/>
+              </a:rPr>
+              <a:t>Time?</a:t>
+            </a:r>
+            <a:r>
+              <a:rPr b="0" i="0" lang="en-US" sz="2700" u="none">
+                <a:solidFill>
+                  <a:schemeClr val="dk1"/>
+                </a:solidFill>
+                <a:latin typeface="Georgia"/>
+                <a:ea typeface="Georgia"/>
+                <a:cs typeface="Georgia"/>
+                <a:sym typeface="Georgia"/>
+              </a:rPr>
+              <a:t> Exponential</a:t>
+            </a:r>
+            <a:br>
+              <a:rPr b="0" i="0" lang="en-US" sz="2700" u="none">
+                <a:solidFill>
+                  <a:schemeClr val="dk1"/>
+                </a:solidFill>
+                <a:latin typeface="Georgia"/>
+                <a:ea typeface="Georgia"/>
+                <a:cs typeface="Georgia"/>
+                <a:sym typeface="Georgia"/>
+              </a:rPr>
+            </a:br>
+            <a:endParaRPr/>
+          </a:p>
+          <a:p>
+            <a:pPr indent="-273050" lvl="0" marL="273050" marR="0" rtl="0" algn="l">
+              <a:lnSpc>
+                <a:spcPct val="115000"/>
+              </a:lnSpc>
+              <a:spcBef>
+                <a:spcPts val="540"/>
+              </a:spcBef>
+              <a:spcAft>
+                <a:spcPts val="0"/>
+              </a:spcAft>
+              <a:buClr>
+                <a:schemeClr val="accent1"/>
+              </a:buClr>
+              <a:buSzPts val="2295"/>
+              <a:buFont typeface="Noto Sans Symbols"/>
+              <a:buChar char="⚫"/>
+            </a:pPr>
+            <a:r>
+              <a:rPr b="0" i="0" lang="en-US" sz="2700" u="sng">
+                <a:solidFill>
+                  <a:srgbClr val="CC0099"/>
+                </a:solidFill>
+                <a:latin typeface="Georgia"/>
+                <a:ea typeface="Georgia"/>
+                <a:cs typeface="Georgia"/>
+                <a:sym typeface="Georgia"/>
+              </a:rPr>
+              <a:t>Space?</a:t>
+            </a:r>
+            <a:r>
+              <a:rPr b="0" i="0" lang="en-US" sz="2700" u="none">
+                <a:solidFill>
+                  <a:schemeClr val="dk1"/>
+                </a:solidFill>
+                <a:latin typeface="Georgia"/>
+                <a:ea typeface="Georgia"/>
+                <a:cs typeface="Georgia"/>
+                <a:sym typeface="Georgia"/>
+              </a:rPr>
+              <a:t> Keeps all nodes in memory</a:t>
+            </a:r>
+            <a:br>
+              <a:rPr b="0" i="0" lang="en-US" sz="2700" u="none">
+                <a:solidFill>
+                  <a:schemeClr val="dk1"/>
+                </a:solidFill>
+                <a:latin typeface="Georgia"/>
+                <a:ea typeface="Georgia"/>
+                <a:cs typeface="Georgia"/>
+                <a:sym typeface="Georgia"/>
+              </a:rPr>
+            </a:br>
+            <a:endParaRPr/>
+          </a:p>
+          <a:p>
+            <a:pPr indent="-273050" lvl="0" marL="273050" marR="0" rtl="0" algn="l">
+              <a:lnSpc>
+                <a:spcPct val="115000"/>
+              </a:lnSpc>
+              <a:spcBef>
+                <a:spcPts val="540"/>
+              </a:spcBef>
+              <a:spcAft>
+                <a:spcPts val="0"/>
+              </a:spcAft>
+              <a:buClr>
+                <a:schemeClr val="accent1"/>
+              </a:buClr>
+              <a:buSzPts val="2295"/>
+              <a:buFont typeface="Noto Sans Symbols"/>
+              <a:buChar char="⚫"/>
+            </a:pPr>
+            <a:r>
+              <a:rPr b="0" i="0" lang="en-US" sz="2700" u="sng">
+                <a:solidFill>
+                  <a:srgbClr val="CC0099"/>
+                </a:solidFill>
+                <a:latin typeface="Georgia"/>
+                <a:ea typeface="Georgia"/>
+                <a:cs typeface="Georgia"/>
+                <a:sym typeface="Georgia"/>
+              </a:rPr>
+              <a:t>Optimal?</a:t>
+            </a:r>
+            <a:r>
+              <a:rPr b="0" i="0" lang="en-US" sz="2700" u="none">
+                <a:solidFill>
+                  <a:schemeClr val="dk1"/>
+                </a:solidFill>
+                <a:latin typeface="Georgia"/>
+                <a:ea typeface="Georgia"/>
+                <a:cs typeface="Georgia"/>
+                <a:sym typeface="Georgia"/>
+              </a:rPr>
+              <a:t> Yes</a:t>
+            </a:r>
+            <a:br>
+              <a:rPr b="0" i="0" lang="en-US" sz="2700" u="none">
+                <a:solidFill>
+                  <a:schemeClr val="dk1"/>
+                </a:solidFill>
+                <a:latin typeface="Georgia"/>
+                <a:ea typeface="Georgia"/>
+                <a:cs typeface="Georgia"/>
+                <a:sym typeface="Georgia"/>
+              </a:rPr>
+            </a:br>
+            <a:endParaRPr/>
+          </a:p>
+        </p:txBody>
+      </p:sp>
+      <p:sp>
+        <p:nvSpPr>
+          <p:cNvPr id="810" name="Google Shape;810;p85"/>
+          <p:cNvSpPr txBox="1"/>
+          <p:nvPr>
+            <p:ph idx="12" type="sldNum"/>
+          </p:nvPr>
+        </p:nvSpPr>
+        <p:spPr>
+          <a:xfrm>
+            <a:off x="4362450" y="1027112"/>
+            <a:ext cx="457200" cy="441300"/>
+          </a:xfrm>
+          <a:prstGeom prst="rect">
+            <a:avLst/>
+          </a:prstGeom>
+        </p:spPr>
+        <p:txBody>
+          <a:bodyPr anchorCtr="0" anchor="ctr" bIns="45700" lIns="45700" spcFirstLastPara="1" rIns="45700" wrap="square" tIns="45700">
+            <a:noAutofit/>
+          </a:bodyPr>
+          <a:lstStyle/>
+          <a:p>
+            <a:pPr indent="0" lvl="0" marL="0" rtl="0" algn="ctr">
+              <a:spcBef>
+                <a:spcPts val="0"/>
+              </a:spcBef>
+              <a:spcAft>
+                <a:spcPts val="0"/>
+              </a:spcAft>
+              <a:buClr>
+                <a:srgbClr val="7B9899"/>
+              </a:buClr>
+              <a:buSzPts val="1600"/>
+              <a:buFont typeface="Tahoma"/>
+              <a:buNone/>
+            </a:pPr>
+            <a:fld id="{00000000-1234-1234-1234-123412341234}" type="slidenum">
+              <a:rPr lang="en-US"/>
+              <a:t>‹#›</a:t>
+            </a:fld>
+            <a:endParaRPr/>
+          </a:p>
+        </p:txBody>
+      </p:sp>
+    </p:spTree>
+  </p:cSld>
+  <p:clrMapOvr>
+    <a:masterClrMapping/>
+  </p:clrMapOvr>
+</p:sld>
+</file>
+
+<file path=ppt/slides/slide81.xml><?xml version="1.0" encoding="utf-8"?>
+<p:sld xmlns:a="http://schemas.openxmlformats.org/drawingml/2006/main" xmlns:r="http://schemas.openxmlformats.org/officeDocument/2006/relationships" xmlns:mc="http://schemas.openxmlformats.org/markup-compatibility/2006" xmlns:mv="urn:schemas-microsoft-com:mac:vml" xmlns:p="http://schemas.openxmlformats.org/presentationml/2006/main" xmlns:c="http://schemas.openxmlformats.org/drawingml/2006/chart" xmlns:dgm="http://schemas.openxmlformats.org/drawingml/2006/diagram" xmlns:o="urn:schemas-microsoft-com:office:office" xmlns:v="urn:schemas-microsoft-com:vml" xmlns:pvml="urn:schemas-microsoft-com:office:powerpoint" xmlns:com="http://schemas.openxmlformats.org/drawingml/2006/compatibility" xmlns:p14="http://schemas.microsoft.com/office/powerpoint/2010/main" xmlns:p15="http://schemas.microsoft.com/office/powerpoint/2012/main">
+  <p:cSld>
+    <p:bg>
+      <p:bgPr>
+        <a:solidFill>
+          <a:schemeClr val="lt2"/>
+        </a:solidFill>
+      </p:bgPr>
+    </p:bg>
+    <p:spTree>
+      <p:nvGrpSpPr>
+        <p:cNvPr id="814" name="Shape 814"/>
+        <p:cNvGrpSpPr/>
+        <p:nvPr/>
+      </p:nvGrpSpPr>
+      <p:grpSpPr>
+        <a:xfrm>
+          <a:off x="0" y="0"/>
+          <a:ext cx="0" cy="0"/>
+          <a:chOff x="0" y="0"/>
+          <a:chExt cx="0" cy="0"/>
+        </a:xfrm>
+      </p:grpSpPr>
+      <p:sp>
+        <p:nvSpPr>
+          <p:cNvPr id="815" name="Google Shape;815;p86"/>
+          <p:cNvSpPr txBox="1"/>
+          <p:nvPr>
+            <p:ph type="title"/>
+          </p:nvPr>
+        </p:nvSpPr>
+        <p:spPr>
+          <a:xfrm>
+            <a:off x="301625" y="228600"/>
+            <a:ext cx="8534400" cy="758700"/>
+          </a:xfrm>
+          <a:prstGeom prst="rect">
+            <a:avLst/>
+          </a:prstGeom>
+          <a:noFill/>
+          <a:ln>
+            <a:noFill/>
+          </a:ln>
+        </p:spPr>
+        <p:txBody>
+          <a:bodyPr anchorCtr="0" anchor="b" bIns="45700" lIns="91425" spcFirstLastPara="1" rIns="91425" wrap="square" tIns="45700">
+            <a:noAutofit/>
+          </a:bodyPr>
+          <a:lstStyle/>
+          <a:p>
+            <a:pPr indent="0" lvl="0" marL="0" rtl="0" algn="ctr">
+              <a:lnSpc>
                 <a:spcPct val="100000"/>
               </a:lnSpc>
               <a:spcBef>
@@ -52672,7 +53165,67 @@
                 <a:spcPts val="0"/>
               </a:spcAft>
               <a:buClr>
-                <a:schemeClr val="accent1"/>
+                <a:srgbClr val="7B9899"/>
+              </a:buClr>
+              <a:buSzPts val="3300"/>
+              <a:buFont typeface="Georgia"/>
+              <a:buNone/>
+            </a:pPr>
+            <a:r>
+              <a:rPr b="0" i="0" lang="en-US" sz="3300" u="none">
+                <a:solidFill>
+                  <a:srgbClr val="7B9899"/>
+                </a:solidFill>
+                <a:latin typeface="Georgia"/>
+                <a:ea typeface="Georgia"/>
+                <a:cs typeface="Georgia"/>
+                <a:sym typeface="Georgia"/>
+              </a:rPr>
+              <a:t>Summary</a:t>
+            </a:r>
+            <a:endParaRPr/>
+          </a:p>
+        </p:txBody>
+      </p:sp>
+      <p:sp>
+        <p:nvSpPr>
+          <p:cNvPr id="816" name="Google Shape;816;p86"/>
+          <p:cNvSpPr txBox="1"/>
+          <p:nvPr>
+            <p:ph idx="1" type="body"/>
+          </p:nvPr>
+        </p:nvSpPr>
+        <p:spPr>
+          <a:xfrm>
+            <a:off x="301752" y="1527048"/>
+            <a:ext cx="8503800" cy="4572000"/>
+          </a:xfrm>
+          <a:prstGeom prst="rect">
+            <a:avLst/>
+          </a:prstGeom>
+          <a:noFill/>
+          <a:ln>
+            <a:noFill/>
+          </a:ln>
+        </p:spPr>
+        <p:txBody>
+          <a:bodyPr anchorCtr="0" anchor="t" bIns="45700" lIns="91425" spcFirstLastPara="1" rIns="91425" wrap="square" tIns="45700">
+            <a:noAutofit/>
+          </a:bodyPr>
+          <a:lstStyle/>
+          <a:p>
+            <a:pPr indent="-273050" lvl="0" marL="273050" marR="0" rtl="0" algn="l">
+              <a:lnSpc>
+                <a:spcPct val="150000"/>
+              </a:lnSpc>
+              <a:spcBef>
+                <a:spcPts val="0"/>
+              </a:spcBef>
+              <a:spcAft>
+                <a:spcPts val="0"/>
+              </a:spcAft>
+              <a:buClr>
+                <a:srgbClr val="000000"/>
               </a:buClr>
               <a:buSzPts val="2210"/>
               <a:buFont typeface="Noto Sans Symbols"/>
@@ -52681,7 +53234,7 @@
             <a:r>
               <a:rPr b="0" i="0" lang="en-US" sz="2600" u="none">
                 <a:solidFill>
-                  <a:schemeClr val="dk1"/>
+                  <a:srgbClr val="000000"/>
                 </a:solidFill>
                 <a:latin typeface="Georgia"/>
                 <a:ea typeface="Georgia"/>
@@ -52690,12 +53243,16 @@
               </a:rPr>
               <a:t>Heuristic functions estimate costs of shortest paths</a:t>
             </a:r>
-            <a:endParaRPr/>
+            <a:endParaRPr>
+              <a:solidFill>
+                <a:srgbClr val="000000"/>
+              </a:solidFill>
+            </a:endParaRPr>
           </a:p>
           <a:p>
             <a:pPr indent="-273050" lvl="0" marL="273050" marR="0" rtl="0" algn="l">
               <a:lnSpc>
-                <a:spcPct val="100000"/>
+                <a:spcPct val="150000"/>
               </a:lnSpc>
               <a:spcBef>
                 <a:spcPts val="520"/>
@@ -52704,7 +53261,7 @@
                 <a:spcPts val="0"/>
               </a:spcAft>
               <a:buClr>
-                <a:schemeClr val="accent1"/>
+                <a:srgbClr val="000000"/>
               </a:buClr>
               <a:buSzPts val="2210"/>
               <a:buFont typeface="Noto Sans Symbols"/>
@@ -52713,7 +53270,7 @@
             <a:r>
               <a:rPr b="0" i="0" lang="en-US" sz="2600" u="none">
                 <a:solidFill>
-                  <a:schemeClr val="dk1"/>
+                  <a:srgbClr val="000000"/>
                 </a:solidFill>
                 <a:latin typeface="Georgia"/>
                 <a:ea typeface="Georgia"/>
@@ -52722,12 +53279,16 @@
               </a:rPr>
               <a:t>Good heuristics can dramatically reduce search cost</a:t>
             </a:r>
-            <a:endParaRPr/>
+            <a:endParaRPr>
+              <a:solidFill>
+                <a:srgbClr val="000000"/>
+              </a:solidFill>
+            </a:endParaRPr>
           </a:p>
           <a:p>
             <a:pPr indent="-273050" lvl="0" marL="273050" marR="0" rtl="0" algn="l">
               <a:lnSpc>
-                <a:spcPct val="100000"/>
+                <a:spcPct val="150000"/>
               </a:lnSpc>
               <a:spcBef>
                 <a:spcPts val="520"/>
@@ -52736,7 +53297,7 @@
                 <a:spcPts val="0"/>
               </a:spcAft>
               <a:buClr>
-                <a:schemeClr val="accent1"/>
+                <a:srgbClr val="000000"/>
               </a:buClr>
               <a:buSzPts val="2210"/>
               <a:buFont typeface="Noto Sans Symbols"/>
@@ -52745,7 +53306,7 @@
             <a:r>
               <a:rPr b="0" i="0" lang="en-US" sz="2600" u="none">
                 <a:solidFill>
-                  <a:schemeClr val="dk1"/>
+                  <a:srgbClr val="000000"/>
                 </a:solidFill>
                 <a:latin typeface="Georgia"/>
                 <a:ea typeface="Georgia"/>
@@ -52754,12 +53315,16 @@
               </a:rPr>
               <a:t>Greedy best-first search expands lowest h</a:t>
             </a:r>
-            <a:endParaRPr/>
+            <a:endParaRPr>
+              <a:solidFill>
+                <a:srgbClr val="000000"/>
+              </a:solidFill>
+            </a:endParaRPr>
           </a:p>
           <a:p>
             <a:pPr indent="-273050" lvl="1" marL="547687" marR="0" rtl="0" algn="l">
               <a:lnSpc>
-                <a:spcPct val="100000"/>
+                <a:spcPct val="150000"/>
               </a:lnSpc>
               <a:spcBef>
                 <a:spcPts val="440"/>
@@ -52768,7 +53333,7 @@
                 <a:spcPts val="0"/>
               </a:spcAft>
               <a:buClr>
-                <a:schemeClr val="accent2"/>
+                <a:srgbClr val="000000"/>
               </a:buClr>
               <a:buSzPts val="1540"/>
               <a:buFont typeface="Noto Sans Symbols"/>
@@ -52777,7 +53342,7 @@
             <a:r>
               <a:rPr b="0" i="0" lang="en-US" sz="2200" u="none" cap="none" strike="noStrike">
                 <a:solidFill>
-                  <a:schemeClr val="dk2"/>
+                  <a:srgbClr val="000000"/>
                 </a:solidFill>
                 <a:latin typeface="Georgia"/>
                 <a:ea typeface="Georgia"/>
@@ -52786,12 +53351,16 @@
               </a:rPr>
               <a:t>incomplete and not always optimal</a:t>
             </a:r>
-            <a:endParaRPr/>
+            <a:endParaRPr>
+              <a:solidFill>
+                <a:srgbClr val="000000"/>
+              </a:solidFill>
+            </a:endParaRPr>
           </a:p>
           <a:p>
             <a:pPr indent="-273050" lvl="0" marL="273050" marR="0" rtl="0" algn="l">
               <a:lnSpc>
-                <a:spcPct val="100000"/>
+                <a:spcPct val="150000"/>
               </a:lnSpc>
               <a:spcBef>
                 <a:spcPts val="520"/>
@@ -52800,7 +53369,7 @@
                 <a:spcPts val="0"/>
               </a:spcAft>
               <a:buClr>
-                <a:schemeClr val="accent1"/>
+                <a:srgbClr val="000000"/>
               </a:buClr>
               <a:buSzPts val="2210"/>
               <a:buFont typeface="Noto Sans Symbols"/>
@@ -52809,7 +53378,7 @@
             <a:r>
               <a:rPr b="0" i="0" lang="en-US" sz="2600" u="none">
                 <a:solidFill>
-                  <a:schemeClr val="dk1"/>
+                  <a:srgbClr val="000000"/>
                 </a:solidFill>
                 <a:latin typeface="Georgia"/>
                 <a:ea typeface="Georgia"/>
@@ -52818,12 +53387,16 @@
               </a:rPr>
               <a:t>A∗ search expands lowest g + h</a:t>
             </a:r>
-            <a:endParaRPr/>
+            <a:endParaRPr>
+              <a:solidFill>
+                <a:srgbClr val="000000"/>
+              </a:solidFill>
+            </a:endParaRPr>
           </a:p>
           <a:p>
             <a:pPr indent="-273050" lvl="1" marL="547687" marR="0" rtl="0" algn="l">
               <a:lnSpc>
-                <a:spcPct val="100000"/>
+                <a:spcPct val="150000"/>
               </a:lnSpc>
               <a:spcBef>
                 <a:spcPts val="440"/>
@@ -52832,7 +53405,7 @@
                 <a:spcPts val="0"/>
               </a:spcAft>
               <a:buClr>
-                <a:schemeClr val="accent2"/>
+                <a:srgbClr val="000000"/>
               </a:buClr>
               <a:buSzPts val="1540"/>
               <a:buFont typeface="Noto Sans Symbols"/>
@@ -52841,7 +53414,7 @@
             <a:r>
               <a:rPr b="0" i="0" lang="en-US" sz="2200" u="none" cap="none" strike="noStrike">
                 <a:solidFill>
-                  <a:schemeClr val="dk2"/>
+                  <a:srgbClr val="000000"/>
                 </a:solidFill>
                 <a:latin typeface="Georgia"/>
                 <a:ea typeface="Georgia"/>
@@ -52850,12 +53423,16 @@
               </a:rPr>
               <a:t>complete and optimal</a:t>
             </a:r>
-            <a:endParaRPr/>
+            <a:endParaRPr>
+              <a:solidFill>
+                <a:srgbClr val="000000"/>
+              </a:solidFill>
+            </a:endParaRPr>
           </a:p>
           <a:p>
             <a:pPr indent="-273050" lvl="1" marL="547687" marR="0" rtl="0" algn="l">
               <a:lnSpc>
-                <a:spcPct val="100000"/>
+                <a:spcPct val="150000"/>
               </a:lnSpc>
               <a:spcBef>
                 <a:spcPts val="440"/>
@@ -52864,7 +53441,7 @@
                 <a:spcPts val="0"/>
               </a:spcAft>
               <a:buClr>
-                <a:schemeClr val="accent2"/>
+                <a:srgbClr val="000000"/>
               </a:buClr>
               <a:buSzPts val="1540"/>
               <a:buFont typeface="Noto Sans Symbols"/>
@@ -52873,7 +53450,7 @@
             <a:r>
               <a:rPr b="0" i="0" lang="en-US" sz="2200" u="none" cap="none" strike="noStrike">
                 <a:solidFill>
-                  <a:schemeClr val="dk2"/>
+                  <a:srgbClr val="000000"/>
                 </a:solidFill>
                 <a:latin typeface="Georgia"/>
                 <a:ea typeface="Georgia"/>
@@ -52882,31 +53459,35 @@
               </a:rPr>
               <a:t>also optimally efficient (up to tie-breaks)</a:t>
             </a:r>
+            <a:endParaRPr>
+              <a:solidFill>
+                <a:srgbClr val="000000"/>
+              </a:solidFill>
+            </a:endParaRPr>
+          </a:p>
+          <a:p>
+            <a:pPr indent="0" lvl="0" marL="273050" marR="0" rtl="0" algn="l">
+              <a:lnSpc>
+                <a:spcPct val="100000"/>
+              </a:lnSpc>
+              <a:spcBef>
+                <a:spcPts val="520"/>
+              </a:spcBef>
+              <a:spcAft>
+                <a:spcPts val="0"/>
+              </a:spcAft>
+              <a:buNone/>
+            </a:pPr>
+            <a:r>
+              <a:t/>
+            </a:r>
             <a:endParaRPr/>
           </a:p>
-          <a:p>
-            <a:pPr indent="0" lvl="0" marL="273050" marR="0" rtl="0" algn="l">
-              <a:lnSpc>
-                <a:spcPct val="100000"/>
-              </a:lnSpc>
-              <a:spcBef>
-                <a:spcPts val="520"/>
-              </a:spcBef>
-              <a:spcAft>
-                <a:spcPts val="0"/>
-              </a:spcAft>
-              <a:buNone/>
-            </a:pPr>
-            <a:r>
-              <a:t/>
-            </a:r>
-            <a:endParaRPr/>
-          </a:p>
         </p:txBody>
       </p:sp>
       <p:sp>
         <p:nvSpPr>
-          <p:cNvPr id="809" name="Google Shape;809;p85"/>
+          <p:cNvPr id="817" name="Google Shape;817;p86"/>
           <p:cNvSpPr txBox="1"/>
           <p:nvPr>
             <p:ph idx="12" type="sldNum"/>
@@ -53570,7 +54151,7 @@
 </file>
 
 <file path=ppt/theme/theme2.xml><?xml version="1.0" encoding="utf-8"?>
-<a:theme xmlns:a="http://schemas.openxmlformats.org/drawingml/2006/main" xmlns:r="http://schemas.openxmlformats.org/officeDocument/2006/relationships" name="2_Civic">
+<a:theme xmlns:a="http://schemas.openxmlformats.org/drawingml/2006/main" xmlns:r="http://schemas.openxmlformats.org/officeDocument/2006/relationships" name="1_Civic">
   <a:themeElements>
     <a:clrScheme name="Civic">
       <a:dk1>
@@ -53849,7 +54430,7 @@
 </file>
 
 <file path=ppt/theme/theme3.xml><?xml version="1.0" encoding="utf-8"?>
-<a:theme xmlns:a="http://schemas.openxmlformats.org/drawingml/2006/main" xmlns:r="http://schemas.openxmlformats.org/officeDocument/2006/relationships" name="1_Civic">
+<a:theme xmlns:a="http://schemas.openxmlformats.org/drawingml/2006/main" xmlns:r="http://schemas.openxmlformats.org/officeDocument/2006/relationships" name="2_Civic">
   <a:themeElements>
     <a:clrScheme name="Civic">
       <a:dk1>
